--- a/ppt.pptx
+++ b/ppt.pptx
@@ -5,35 +5,40 @@
     <p:sldMasterId id="2147483648" r:id="rId1"/>
   </p:sldMasterIdLst>
   <p:notesMasterIdLst>
-    <p:notesMasterId r:id="rId28"/>
+    <p:notesMasterId r:id="rId33"/>
   </p:notesMasterIdLst>
   <p:sldIdLst>
     <p:sldId id="256" r:id="rId2"/>
     <p:sldId id="257" r:id="rId3"/>
     <p:sldId id="304" r:id="rId4"/>
-    <p:sldId id="285" r:id="rId5"/>
-    <p:sldId id="283" r:id="rId6"/>
-    <p:sldId id="288" r:id="rId7"/>
-    <p:sldId id="289" r:id="rId8"/>
-    <p:sldId id="286" r:id="rId9"/>
-    <p:sldId id="287" r:id="rId10"/>
-    <p:sldId id="293" r:id="rId11"/>
-    <p:sldId id="290" r:id="rId12"/>
-    <p:sldId id="291" r:id="rId13"/>
-    <p:sldId id="299" r:id="rId14"/>
-    <p:sldId id="294" r:id="rId15"/>
-    <p:sldId id="295" r:id="rId16"/>
-    <p:sldId id="296" r:id="rId17"/>
-    <p:sldId id="298" r:id="rId18"/>
-    <p:sldId id="303" r:id="rId19"/>
-    <p:sldId id="292" r:id="rId20"/>
-    <p:sldId id="301" r:id="rId21"/>
-    <p:sldId id="302" r:id="rId22"/>
-    <p:sldId id="280" r:id="rId23"/>
-    <p:sldId id="259" r:id="rId24"/>
-    <p:sldId id="284" r:id="rId25"/>
-    <p:sldId id="300" r:id="rId26"/>
-    <p:sldId id="273" r:id="rId27"/>
+    <p:sldId id="305" r:id="rId5"/>
+    <p:sldId id="285" r:id="rId6"/>
+    <p:sldId id="283" r:id="rId7"/>
+    <p:sldId id="307" r:id="rId8"/>
+    <p:sldId id="288" r:id="rId9"/>
+    <p:sldId id="289" r:id="rId10"/>
+    <p:sldId id="286" r:id="rId11"/>
+    <p:sldId id="287" r:id="rId12"/>
+    <p:sldId id="293" r:id="rId13"/>
+    <p:sldId id="290" r:id="rId14"/>
+    <p:sldId id="291" r:id="rId15"/>
+    <p:sldId id="299" r:id="rId16"/>
+    <p:sldId id="294" r:id="rId17"/>
+    <p:sldId id="295" r:id="rId18"/>
+    <p:sldId id="296" r:id="rId19"/>
+    <p:sldId id="298" r:id="rId20"/>
+    <p:sldId id="303" r:id="rId21"/>
+    <p:sldId id="306" r:id="rId22"/>
+    <p:sldId id="292" r:id="rId23"/>
+    <p:sldId id="301" r:id="rId24"/>
+    <p:sldId id="302" r:id="rId25"/>
+    <p:sldId id="309" r:id="rId26"/>
+    <p:sldId id="280" r:id="rId27"/>
+    <p:sldId id="259" r:id="rId28"/>
+    <p:sldId id="284" r:id="rId29"/>
+    <p:sldId id="300" r:id="rId30"/>
+    <p:sldId id="308" r:id="rId31"/>
+    <p:sldId id="273" r:id="rId32"/>
   </p:sldIdLst>
   <p:sldSz cx="12192000" cy="6858000"/>
   <p:notesSz cx="6858000" cy="9144000"/>
@@ -138,6 +143,3924 @@
     </p:ext>
   </p:extLst>
 </p:presentation>
+</file>
+
+<file path=ppt/charts/chart1.xml><?xml version="1.0" encoding="utf-8"?>
+<c:chartSpace xmlns:c="http://schemas.openxmlformats.org/drawingml/2006/chart" xmlns:a="http://schemas.openxmlformats.org/drawingml/2006/main" xmlns:r="http://schemas.openxmlformats.org/officeDocument/2006/relationships" xmlns:c16r2="http://schemas.microsoft.com/office/drawing/2015/06/chart">
+  <c:date1904 val="0"/>
+  <c:lang val="en-US"/>
+  <c:roundedCorners val="0"/>
+  <mc:AlternateContent xmlns:mc="http://schemas.openxmlformats.org/markup-compatibility/2006">
+    <mc:Choice xmlns:c14="http://schemas.microsoft.com/office/drawing/2007/8/2/chart" Requires="c14">
+      <c14:style val="102"/>
+    </mc:Choice>
+    <mc:Fallback>
+      <c:style val="2"/>
+    </mc:Fallback>
+  </mc:AlternateContent>
+  <c:chart>
+    <c:title>
+      <c:tx>
+        <c:rich>
+          <a:bodyPr rot="0" spcFirstLastPara="1" vertOverflow="ellipsis" vert="horz" wrap="square" anchor="ctr" anchorCtr="1"/>
+          <a:lstStyle/>
+          <a:p>
+            <a:pPr>
+              <a:defRPr sz="1400" b="0" i="0" u="none" strike="noStrike" kern="1200" spc="0" baseline="0">
+                <a:solidFill>
+                  <a:schemeClr val="tx1">
+                    <a:lumMod val="65000"/>
+                    <a:lumOff val="35000"/>
+                  </a:schemeClr>
+                </a:solidFill>
+                <a:latin typeface="+mn-lt"/>
+                <a:ea typeface="+mn-ea"/>
+                <a:cs typeface="+mn-cs"/>
+              </a:defRPr>
+            </a:pPr>
+            <a:r>
+              <a:rPr lang="en-US" dirty="0"/>
+              <a:t>On - off</a:t>
+            </a:r>
+          </a:p>
+        </c:rich>
+      </c:tx>
+      <c:overlay val="0"/>
+      <c:spPr>
+        <a:noFill/>
+        <a:ln>
+          <a:noFill/>
+        </a:ln>
+        <a:effectLst/>
+      </c:spPr>
+      <c:txPr>
+        <a:bodyPr rot="0" spcFirstLastPara="1" vertOverflow="ellipsis" vert="horz" wrap="square" anchor="ctr" anchorCtr="1"/>
+        <a:lstStyle/>
+        <a:p>
+          <a:pPr>
+            <a:defRPr sz="1400" b="0" i="0" u="none" strike="noStrike" kern="1200" spc="0" baseline="0">
+              <a:solidFill>
+                <a:schemeClr val="tx1">
+                  <a:lumMod val="65000"/>
+                  <a:lumOff val="35000"/>
+                </a:schemeClr>
+              </a:solidFill>
+              <a:latin typeface="+mn-lt"/>
+              <a:ea typeface="+mn-ea"/>
+              <a:cs typeface="+mn-cs"/>
+            </a:defRPr>
+          </a:pPr>
+          <a:endParaRPr lang="en-US"/>
+        </a:p>
+      </c:txPr>
+    </c:title>
+    <c:autoTitleDeleted val="0"/>
+    <c:plotArea>
+      <c:layout/>
+      <c:scatterChart>
+        <c:scatterStyle val="smoothMarker"/>
+        <c:varyColors val="0"/>
+        <c:ser>
+          <c:idx val="0"/>
+          <c:order val="0"/>
+          <c:spPr>
+            <a:ln w="19050" cap="rnd">
+              <a:solidFill>
+                <a:schemeClr val="accent1"/>
+              </a:solidFill>
+              <a:round/>
+            </a:ln>
+            <a:effectLst/>
+          </c:spPr>
+          <c:marker>
+            <c:symbol val="none"/>
+          </c:marker>
+          <c:yVal>
+            <c:numRef>
+              <c:f>Sheet1!$B$1:$B$75</c:f>
+              <c:numCache>
+                <c:formatCode>General</c:formatCode>
+                <c:ptCount val="75"/>
+                <c:pt idx="0">
+                  <c:v>350</c:v>
+                </c:pt>
+                <c:pt idx="1">
+                  <c:v>350</c:v>
+                </c:pt>
+                <c:pt idx="2">
+                  <c:v>350</c:v>
+                </c:pt>
+                <c:pt idx="3">
+                  <c:v>350</c:v>
+                </c:pt>
+                <c:pt idx="4">
+                  <c:v>350</c:v>
+                </c:pt>
+                <c:pt idx="5">
+                  <c:v>350</c:v>
+                </c:pt>
+                <c:pt idx="6">
+                  <c:v>350</c:v>
+                </c:pt>
+                <c:pt idx="7">
+                  <c:v>350</c:v>
+                </c:pt>
+                <c:pt idx="8">
+                  <c:v>350</c:v>
+                </c:pt>
+                <c:pt idx="9">
+                  <c:v>350</c:v>
+                </c:pt>
+                <c:pt idx="10">
+                  <c:v>350</c:v>
+                </c:pt>
+                <c:pt idx="11">
+                  <c:v>350</c:v>
+                </c:pt>
+                <c:pt idx="12">
+                  <c:v>350</c:v>
+                </c:pt>
+                <c:pt idx="13">
+                  <c:v>350</c:v>
+                </c:pt>
+                <c:pt idx="14">
+                  <c:v>350</c:v>
+                </c:pt>
+                <c:pt idx="15">
+                  <c:v>350</c:v>
+                </c:pt>
+                <c:pt idx="16">
+                  <c:v>350</c:v>
+                </c:pt>
+                <c:pt idx="17">
+                  <c:v>350</c:v>
+                </c:pt>
+                <c:pt idx="18">
+                  <c:v>350</c:v>
+                </c:pt>
+                <c:pt idx="19">
+                  <c:v>350</c:v>
+                </c:pt>
+                <c:pt idx="20">
+                  <c:v>350</c:v>
+                </c:pt>
+                <c:pt idx="21">
+                  <c:v>350</c:v>
+                </c:pt>
+                <c:pt idx="22">
+                  <c:v>350</c:v>
+                </c:pt>
+                <c:pt idx="23">
+                  <c:v>350</c:v>
+                </c:pt>
+                <c:pt idx="24">
+                  <c:v>350</c:v>
+                </c:pt>
+                <c:pt idx="25">
+                  <c:v>350</c:v>
+                </c:pt>
+                <c:pt idx="26">
+                  <c:v>350</c:v>
+                </c:pt>
+                <c:pt idx="27">
+                  <c:v>350</c:v>
+                </c:pt>
+                <c:pt idx="28">
+                  <c:v>350</c:v>
+                </c:pt>
+                <c:pt idx="29">
+                  <c:v>350</c:v>
+                </c:pt>
+                <c:pt idx="30">
+                  <c:v>350</c:v>
+                </c:pt>
+                <c:pt idx="31">
+                  <c:v>350</c:v>
+                </c:pt>
+                <c:pt idx="32">
+                  <c:v>350</c:v>
+                </c:pt>
+                <c:pt idx="33">
+                  <c:v>350</c:v>
+                </c:pt>
+                <c:pt idx="34">
+                  <c:v>350</c:v>
+                </c:pt>
+                <c:pt idx="35">
+                  <c:v>350</c:v>
+                </c:pt>
+                <c:pt idx="36">
+                  <c:v>350</c:v>
+                </c:pt>
+                <c:pt idx="37">
+                  <c:v>350</c:v>
+                </c:pt>
+                <c:pt idx="38">
+                  <c:v>350</c:v>
+                </c:pt>
+                <c:pt idx="39">
+                  <c:v>350</c:v>
+                </c:pt>
+                <c:pt idx="40">
+                  <c:v>350</c:v>
+                </c:pt>
+                <c:pt idx="41">
+                  <c:v>350</c:v>
+                </c:pt>
+                <c:pt idx="42">
+                  <c:v>350</c:v>
+                </c:pt>
+                <c:pt idx="43">
+                  <c:v>350</c:v>
+                </c:pt>
+                <c:pt idx="44">
+                  <c:v>350</c:v>
+                </c:pt>
+                <c:pt idx="45">
+                  <c:v>350</c:v>
+                </c:pt>
+                <c:pt idx="46">
+                  <c:v>350</c:v>
+                </c:pt>
+                <c:pt idx="47">
+                  <c:v>350</c:v>
+                </c:pt>
+                <c:pt idx="48">
+                  <c:v>350</c:v>
+                </c:pt>
+                <c:pt idx="49">
+                  <c:v>350</c:v>
+                </c:pt>
+                <c:pt idx="50">
+                  <c:v>350</c:v>
+                </c:pt>
+                <c:pt idx="51">
+                  <c:v>350</c:v>
+                </c:pt>
+                <c:pt idx="52">
+                  <c:v>350</c:v>
+                </c:pt>
+                <c:pt idx="53">
+                  <c:v>350</c:v>
+                </c:pt>
+                <c:pt idx="54">
+                  <c:v>350</c:v>
+                </c:pt>
+                <c:pt idx="55">
+                  <c:v>350</c:v>
+                </c:pt>
+                <c:pt idx="56">
+                  <c:v>350</c:v>
+                </c:pt>
+                <c:pt idx="57">
+                  <c:v>350</c:v>
+                </c:pt>
+                <c:pt idx="58">
+                  <c:v>350</c:v>
+                </c:pt>
+                <c:pt idx="59">
+                  <c:v>350</c:v>
+                </c:pt>
+                <c:pt idx="60">
+                  <c:v>350</c:v>
+                </c:pt>
+                <c:pt idx="61">
+                  <c:v>350</c:v>
+                </c:pt>
+                <c:pt idx="62">
+                  <c:v>350</c:v>
+                </c:pt>
+                <c:pt idx="63">
+                  <c:v>350</c:v>
+                </c:pt>
+                <c:pt idx="64">
+                  <c:v>350</c:v>
+                </c:pt>
+                <c:pt idx="65">
+                  <c:v>350</c:v>
+                </c:pt>
+                <c:pt idx="66">
+                  <c:v>350</c:v>
+                </c:pt>
+                <c:pt idx="67">
+                  <c:v>350</c:v>
+                </c:pt>
+                <c:pt idx="68">
+                  <c:v>350</c:v>
+                </c:pt>
+                <c:pt idx="69">
+                  <c:v>350</c:v>
+                </c:pt>
+                <c:pt idx="70">
+                  <c:v>350</c:v>
+                </c:pt>
+                <c:pt idx="71">
+                  <c:v>350</c:v>
+                </c:pt>
+                <c:pt idx="72">
+                  <c:v>350</c:v>
+                </c:pt>
+                <c:pt idx="73">
+                  <c:v>350</c:v>
+                </c:pt>
+                <c:pt idx="74">
+                  <c:v>350</c:v>
+                </c:pt>
+              </c:numCache>
+            </c:numRef>
+          </c:yVal>
+          <c:smooth val="1"/>
+          <c:extLst>
+            <c:ext xmlns:c16="http://schemas.microsoft.com/office/drawing/2014/chart" uri="{C3380CC4-5D6E-409C-BE32-E72D297353CC}">
+              <c16:uniqueId val="{00000000-0D14-46F4-887E-473E87B858EE}"/>
+            </c:ext>
+          </c:extLst>
+        </c:ser>
+        <c:ser>
+          <c:idx val="1"/>
+          <c:order val="1"/>
+          <c:spPr>
+            <a:ln w="19050" cap="rnd">
+              <a:solidFill>
+                <a:schemeClr val="accent2"/>
+              </a:solidFill>
+              <a:round/>
+            </a:ln>
+            <a:effectLst/>
+          </c:spPr>
+          <c:marker>
+            <c:symbol val="none"/>
+          </c:marker>
+          <c:yVal>
+            <c:numRef>
+              <c:f>Sheet1!$D$1:$D$75</c:f>
+              <c:numCache>
+                <c:formatCode>General</c:formatCode>
+                <c:ptCount val="75"/>
+                <c:pt idx="0">
+                  <c:v>0</c:v>
+                </c:pt>
+                <c:pt idx="1">
+                  <c:v>11</c:v>
+                </c:pt>
+                <c:pt idx="2">
+                  <c:v>38</c:v>
+                </c:pt>
+                <c:pt idx="3">
+                  <c:v>77</c:v>
+                </c:pt>
+                <c:pt idx="4">
+                  <c:v>124</c:v>
+                </c:pt>
+                <c:pt idx="5">
+                  <c:v>174</c:v>
+                </c:pt>
+                <c:pt idx="6">
+                  <c:v>226</c:v>
+                </c:pt>
+                <c:pt idx="7">
+                  <c:v>279</c:v>
+                </c:pt>
+                <c:pt idx="8">
+                  <c:v>330</c:v>
+                </c:pt>
+                <c:pt idx="9">
+                  <c:v>379</c:v>
+                </c:pt>
+                <c:pt idx="10">
+                  <c:v>414</c:v>
+                </c:pt>
+                <c:pt idx="11">
+                  <c:v>430</c:v>
+                </c:pt>
+                <c:pt idx="12">
+                  <c:v>431</c:v>
+                </c:pt>
+                <c:pt idx="13">
+                  <c:v>421</c:v>
+                </c:pt>
+                <c:pt idx="14">
+                  <c:v>404</c:v>
+                </c:pt>
+                <c:pt idx="15">
+                  <c:v>383</c:v>
+                </c:pt>
+                <c:pt idx="16">
+                  <c:v>358</c:v>
+                </c:pt>
+                <c:pt idx="17">
+                  <c:v>332</c:v>
+                </c:pt>
+                <c:pt idx="18">
+                  <c:v>316</c:v>
+                </c:pt>
+                <c:pt idx="19">
+                  <c:v>318</c:v>
+                </c:pt>
+                <c:pt idx="20">
+                  <c:v>331</c:v>
+                </c:pt>
+                <c:pt idx="21">
+                  <c:v>353</c:v>
+                </c:pt>
+                <c:pt idx="22">
+                  <c:v>370</c:v>
+                </c:pt>
+                <c:pt idx="23">
+                  <c:v>374</c:v>
+                </c:pt>
+                <c:pt idx="24">
+                  <c:v>367</c:v>
+                </c:pt>
+                <c:pt idx="25">
+                  <c:v>354</c:v>
+                </c:pt>
+                <c:pt idx="26">
+                  <c:v>336</c:v>
+                </c:pt>
+                <c:pt idx="27">
+                  <c:v>326</c:v>
+                </c:pt>
+                <c:pt idx="28">
+                  <c:v>331</c:v>
+                </c:pt>
+                <c:pt idx="29">
+                  <c:v>347</c:v>
+                </c:pt>
+                <c:pt idx="30">
+                  <c:v>371</c:v>
+                </c:pt>
+                <c:pt idx="31">
+                  <c:v>388</c:v>
+                </c:pt>
+                <c:pt idx="32">
+                  <c:v>392</c:v>
+                </c:pt>
+                <c:pt idx="33">
+                  <c:v>385</c:v>
+                </c:pt>
+                <c:pt idx="34">
+                  <c:v>371</c:v>
+                </c:pt>
+                <c:pt idx="35">
+                  <c:v>352</c:v>
+                </c:pt>
+                <c:pt idx="36">
+                  <c:v>330</c:v>
+                </c:pt>
+                <c:pt idx="37">
+                  <c:v>317</c:v>
+                </c:pt>
+                <c:pt idx="38">
+                  <c:v>321</c:v>
+                </c:pt>
+                <c:pt idx="39">
+                  <c:v>336</c:v>
+                </c:pt>
+                <c:pt idx="40">
+                  <c:v>359</c:v>
+                </c:pt>
+                <c:pt idx="41">
+                  <c:v>377</c:v>
+                </c:pt>
+                <c:pt idx="42">
+                  <c:v>380</c:v>
+                </c:pt>
+                <c:pt idx="43">
+                  <c:v>374</c:v>
+                </c:pt>
+                <c:pt idx="44">
+                  <c:v>360</c:v>
+                </c:pt>
+                <c:pt idx="45">
+                  <c:v>342</c:v>
+                </c:pt>
+                <c:pt idx="46">
+                  <c:v>332</c:v>
+                </c:pt>
+                <c:pt idx="47">
+                  <c:v>337</c:v>
+                </c:pt>
+                <c:pt idx="48">
+                  <c:v>352</c:v>
+                </c:pt>
+                <c:pt idx="49">
+                  <c:v>365</c:v>
+                </c:pt>
+                <c:pt idx="50">
+                  <c:v>365</c:v>
+                </c:pt>
+                <c:pt idx="51">
+                  <c:v>357</c:v>
+                </c:pt>
+                <c:pt idx="52">
+                  <c:v>342</c:v>
+                </c:pt>
+                <c:pt idx="53">
+                  <c:v>334</c:v>
+                </c:pt>
+                <c:pt idx="54">
+                  <c:v>341</c:v>
+                </c:pt>
+                <c:pt idx="55">
+                  <c:v>358</c:v>
+                </c:pt>
+                <c:pt idx="56">
+                  <c:v>371</c:v>
+                </c:pt>
+                <c:pt idx="57">
+                  <c:v>372</c:v>
+                </c:pt>
+                <c:pt idx="58">
+                  <c:v>363</c:v>
+                </c:pt>
+                <c:pt idx="59">
+                  <c:v>349</c:v>
+                </c:pt>
+                <c:pt idx="60">
+                  <c:v>341</c:v>
+                </c:pt>
+                <c:pt idx="61">
+                  <c:v>347</c:v>
+                </c:pt>
+                <c:pt idx="62">
+                  <c:v>364</c:v>
+                </c:pt>
+                <c:pt idx="63">
+                  <c:v>376</c:v>
+                </c:pt>
+                <c:pt idx="64">
+                  <c:v>377</c:v>
+                </c:pt>
+                <c:pt idx="65">
+                  <c:v>368</c:v>
+                </c:pt>
+                <c:pt idx="66">
+                  <c:v>353</c:v>
+                </c:pt>
+                <c:pt idx="67">
+                  <c:v>334</c:v>
+                </c:pt>
+                <c:pt idx="68">
+                  <c:v>323</c:v>
+                </c:pt>
+                <c:pt idx="69">
+                  <c:v>328</c:v>
+                </c:pt>
+                <c:pt idx="70">
+                  <c:v>343</c:v>
+                </c:pt>
+                <c:pt idx="71">
+                  <c:v>367</c:v>
+                </c:pt>
+                <c:pt idx="72">
+                  <c:v>384</c:v>
+                </c:pt>
+                <c:pt idx="73">
+                  <c:v>388</c:v>
+                </c:pt>
+                <c:pt idx="74">
+                  <c:v>381</c:v>
+                </c:pt>
+              </c:numCache>
+            </c:numRef>
+          </c:yVal>
+          <c:smooth val="1"/>
+          <c:extLst>
+            <c:ext xmlns:c16="http://schemas.microsoft.com/office/drawing/2014/chart" uri="{C3380CC4-5D6E-409C-BE32-E72D297353CC}">
+              <c16:uniqueId val="{00000001-0D14-46F4-887E-473E87B858EE}"/>
+            </c:ext>
+          </c:extLst>
+        </c:ser>
+        <c:dLbls>
+          <c:showLegendKey val="0"/>
+          <c:showVal val="0"/>
+          <c:showCatName val="0"/>
+          <c:showSerName val="0"/>
+          <c:showPercent val="0"/>
+          <c:showBubbleSize val="0"/>
+        </c:dLbls>
+        <c:axId val="1683782175"/>
+        <c:axId val="1683798495"/>
+      </c:scatterChart>
+      <c:valAx>
+        <c:axId val="1683782175"/>
+        <c:scaling>
+          <c:orientation val="minMax"/>
+          <c:max val="75"/>
+        </c:scaling>
+        <c:delete val="0"/>
+        <c:axPos val="b"/>
+        <c:majorGridlines>
+          <c:spPr>
+            <a:ln w="9525" cap="flat" cmpd="sng" algn="ctr">
+              <a:solidFill>
+                <a:schemeClr val="tx1">
+                  <a:lumMod val="15000"/>
+                  <a:lumOff val="85000"/>
+                </a:schemeClr>
+              </a:solidFill>
+              <a:round/>
+            </a:ln>
+            <a:effectLst/>
+          </c:spPr>
+        </c:majorGridlines>
+        <c:majorTickMark val="none"/>
+        <c:minorTickMark val="none"/>
+        <c:tickLblPos val="nextTo"/>
+        <c:spPr>
+          <a:noFill/>
+          <a:ln w="9525" cap="flat" cmpd="sng" algn="ctr">
+            <a:solidFill>
+              <a:schemeClr val="tx1">
+                <a:lumMod val="25000"/>
+                <a:lumOff val="75000"/>
+              </a:schemeClr>
+            </a:solidFill>
+            <a:round/>
+          </a:ln>
+          <a:effectLst/>
+        </c:spPr>
+        <c:txPr>
+          <a:bodyPr rot="-60000000" spcFirstLastPara="1" vertOverflow="ellipsis" vert="horz" wrap="square" anchor="ctr" anchorCtr="1"/>
+          <a:lstStyle/>
+          <a:p>
+            <a:pPr>
+              <a:defRPr sz="900" b="0" i="0" u="none" strike="noStrike" kern="1200" baseline="0">
+                <a:solidFill>
+                  <a:schemeClr val="tx1">
+                    <a:lumMod val="65000"/>
+                    <a:lumOff val="35000"/>
+                  </a:schemeClr>
+                </a:solidFill>
+                <a:latin typeface="+mn-lt"/>
+                <a:ea typeface="+mn-ea"/>
+                <a:cs typeface="+mn-cs"/>
+              </a:defRPr>
+            </a:pPr>
+            <a:endParaRPr lang="en-US"/>
+          </a:p>
+        </c:txPr>
+        <c:crossAx val="1683798495"/>
+        <c:crosses val="autoZero"/>
+        <c:crossBetween val="midCat"/>
+      </c:valAx>
+      <c:valAx>
+        <c:axId val="1683798495"/>
+        <c:scaling>
+          <c:orientation val="minMax"/>
+        </c:scaling>
+        <c:delete val="0"/>
+        <c:axPos val="l"/>
+        <c:majorGridlines>
+          <c:spPr>
+            <a:ln w="9525" cap="flat" cmpd="sng" algn="ctr">
+              <a:solidFill>
+                <a:schemeClr val="tx1">
+                  <a:lumMod val="15000"/>
+                  <a:lumOff val="85000"/>
+                </a:schemeClr>
+              </a:solidFill>
+              <a:round/>
+            </a:ln>
+            <a:effectLst/>
+          </c:spPr>
+        </c:majorGridlines>
+        <c:numFmt formatCode="General" sourceLinked="1"/>
+        <c:majorTickMark val="none"/>
+        <c:minorTickMark val="none"/>
+        <c:tickLblPos val="nextTo"/>
+        <c:spPr>
+          <a:noFill/>
+          <a:ln w="9525" cap="flat" cmpd="sng" algn="ctr">
+            <a:solidFill>
+              <a:schemeClr val="tx1">
+                <a:lumMod val="25000"/>
+                <a:lumOff val="75000"/>
+              </a:schemeClr>
+            </a:solidFill>
+            <a:round/>
+          </a:ln>
+          <a:effectLst/>
+        </c:spPr>
+        <c:txPr>
+          <a:bodyPr rot="-60000000" spcFirstLastPara="1" vertOverflow="ellipsis" vert="horz" wrap="square" anchor="ctr" anchorCtr="1"/>
+          <a:lstStyle/>
+          <a:p>
+            <a:pPr>
+              <a:defRPr sz="900" b="0" i="0" u="none" strike="noStrike" kern="1200" baseline="0">
+                <a:solidFill>
+                  <a:schemeClr val="tx1">
+                    <a:lumMod val="65000"/>
+                    <a:lumOff val="35000"/>
+                  </a:schemeClr>
+                </a:solidFill>
+                <a:latin typeface="+mn-lt"/>
+                <a:ea typeface="+mn-ea"/>
+                <a:cs typeface="+mn-cs"/>
+              </a:defRPr>
+            </a:pPr>
+            <a:endParaRPr lang="en-US"/>
+          </a:p>
+        </c:txPr>
+        <c:crossAx val="1683782175"/>
+        <c:crosses val="autoZero"/>
+        <c:crossBetween val="midCat"/>
+      </c:valAx>
+      <c:spPr>
+        <a:noFill/>
+        <a:ln>
+          <a:noFill/>
+        </a:ln>
+        <a:effectLst/>
+      </c:spPr>
+    </c:plotArea>
+    <c:plotVisOnly val="1"/>
+    <c:dispBlanksAs val="gap"/>
+    <c:extLst>
+      <c:ext xmlns:c16r3="http://schemas.microsoft.com/office/drawing/2017/03/chart" uri="{56B9EC1D-385E-4148-901F-78D8002777C0}">
+        <c16r3:dataDisplayOptions16>
+          <c16r3:dispNaAsBlank val="1"/>
+        </c16r3:dataDisplayOptions16>
+      </c:ext>
+    </c:extLst>
+    <c:showDLblsOverMax val="0"/>
+  </c:chart>
+  <c:spPr>
+    <a:noFill/>
+    <a:ln>
+      <a:noFill/>
+    </a:ln>
+    <a:effectLst/>
+  </c:spPr>
+  <c:txPr>
+    <a:bodyPr/>
+    <a:lstStyle/>
+    <a:p>
+      <a:pPr>
+        <a:defRPr/>
+      </a:pPr>
+      <a:endParaRPr lang="en-US"/>
+    </a:p>
+  </c:txPr>
+  <c:externalData r:id="rId3">
+    <c:autoUpdate val="0"/>
+  </c:externalData>
+</c:chartSpace>
+</file>
+
+<file path=ppt/charts/chart2.xml><?xml version="1.0" encoding="utf-8"?>
+<c:chartSpace xmlns:c="http://schemas.openxmlformats.org/drawingml/2006/chart" xmlns:a="http://schemas.openxmlformats.org/drawingml/2006/main" xmlns:r="http://schemas.openxmlformats.org/officeDocument/2006/relationships" xmlns:c16r2="http://schemas.microsoft.com/office/drawing/2015/06/chart">
+  <c:date1904 val="0"/>
+  <c:lang val="en-US"/>
+  <c:roundedCorners val="0"/>
+  <mc:AlternateContent xmlns:mc="http://schemas.openxmlformats.org/markup-compatibility/2006">
+    <mc:Choice xmlns:c14="http://schemas.microsoft.com/office/drawing/2007/8/2/chart" Requires="c14">
+      <c14:style val="102"/>
+    </mc:Choice>
+    <mc:Fallback>
+      <c:style val="2"/>
+    </mc:Fallback>
+  </mc:AlternateContent>
+  <c:chart>
+    <c:title>
+      <c:tx>
+        <c:rich>
+          <a:bodyPr rot="0" spcFirstLastPara="1" vertOverflow="ellipsis" vert="horz" wrap="square" anchor="ctr" anchorCtr="1"/>
+          <a:lstStyle/>
+          <a:p>
+            <a:pPr>
+              <a:defRPr sz="1400" b="0" i="0" u="none" strike="noStrike" kern="1200" spc="0" baseline="0">
+                <a:solidFill>
+                  <a:schemeClr val="tx1">
+                    <a:lumMod val="65000"/>
+                    <a:lumOff val="35000"/>
+                  </a:schemeClr>
+                </a:solidFill>
+                <a:latin typeface="+mn-lt"/>
+                <a:ea typeface="+mn-ea"/>
+                <a:cs typeface="+mn-cs"/>
+              </a:defRPr>
+            </a:pPr>
+            <a:r>
+              <a:rPr lang="en-US"/>
+              <a:t>PID</a:t>
+            </a:r>
+          </a:p>
+        </c:rich>
+      </c:tx>
+      <c:overlay val="0"/>
+      <c:spPr>
+        <a:noFill/>
+        <a:ln>
+          <a:noFill/>
+        </a:ln>
+        <a:effectLst/>
+      </c:spPr>
+      <c:txPr>
+        <a:bodyPr rot="0" spcFirstLastPara="1" vertOverflow="ellipsis" vert="horz" wrap="square" anchor="ctr" anchorCtr="1"/>
+        <a:lstStyle/>
+        <a:p>
+          <a:pPr>
+            <a:defRPr sz="1400" b="0" i="0" u="none" strike="noStrike" kern="1200" spc="0" baseline="0">
+              <a:solidFill>
+                <a:schemeClr val="tx1">
+                  <a:lumMod val="65000"/>
+                  <a:lumOff val="35000"/>
+                </a:schemeClr>
+              </a:solidFill>
+              <a:latin typeface="+mn-lt"/>
+              <a:ea typeface="+mn-ea"/>
+              <a:cs typeface="+mn-cs"/>
+            </a:defRPr>
+          </a:pPr>
+          <a:endParaRPr lang="en-US"/>
+        </a:p>
+      </c:txPr>
+    </c:title>
+    <c:autoTitleDeleted val="0"/>
+    <c:plotArea>
+      <c:layout/>
+      <c:scatterChart>
+        <c:scatterStyle val="smoothMarker"/>
+        <c:varyColors val="0"/>
+        <c:ser>
+          <c:idx val="0"/>
+          <c:order val="0"/>
+          <c:spPr>
+            <a:ln w="19050" cap="rnd">
+              <a:solidFill>
+                <a:schemeClr val="accent1"/>
+              </a:solidFill>
+              <a:round/>
+            </a:ln>
+            <a:effectLst/>
+          </c:spPr>
+          <c:marker>
+            <c:symbol val="none"/>
+          </c:marker>
+          <c:yVal>
+            <c:numRef>
+              <c:f>Sheet2!$B$1:$B$288</c:f>
+              <c:numCache>
+                <c:formatCode>General</c:formatCode>
+                <c:ptCount val="288"/>
+                <c:pt idx="0">
+                  <c:v>350</c:v>
+                </c:pt>
+                <c:pt idx="1">
+                  <c:v>350</c:v>
+                </c:pt>
+                <c:pt idx="2">
+                  <c:v>350</c:v>
+                </c:pt>
+                <c:pt idx="3">
+                  <c:v>350</c:v>
+                </c:pt>
+                <c:pt idx="4">
+                  <c:v>350</c:v>
+                </c:pt>
+                <c:pt idx="5">
+                  <c:v>350</c:v>
+                </c:pt>
+                <c:pt idx="6">
+                  <c:v>350</c:v>
+                </c:pt>
+                <c:pt idx="7">
+                  <c:v>350</c:v>
+                </c:pt>
+                <c:pt idx="8">
+                  <c:v>350</c:v>
+                </c:pt>
+                <c:pt idx="9">
+                  <c:v>350</c:v>
+                </c:pt>
+                <c:pt idx="10">
+                  <c:v>350</c:v>
+                </c:pt>
+                <c:pt idx="11">
+                  <c:v>350</c:v>
+                </c:pt>
+                <c:pt idx="12">
+                  <c:v>350</c:v>
+                </c:pt>
+                <c:pt idx="13">
+                  <c:v>350</c:v>
+                </c:pt>
+                <c:pt idx="14">
+                  <c:v>350</c:v>
+                </c:pt>
+                <c:pt idx="15">
+                  <c:v>350</c:v>
+                </c:pt>
+                <c:pt idx="16">
+                  <c:v>350</c:v>
+                </c:pt>
+                <c:pt idx="17">
+                  <c:v>350</c:v>
+                </c:pt>
+                <c:pt idx="18">
+                  <c:v>350</c:v>
+                </c:pt>
+                <c:pt idx="19">
+                  <c:v>350</c:v>
+                </c:pt>
+                <c:pt idx="20">
+                  <c:v>350</c:v>
+                </c:pt>
+                <c:pt idx="21">
+                  <c:v>350</c:v>
+                </c:pt>
+                <c:pt idx="22">
+                  <c:v>350</c:v>
+                </c:pt>
+                <c:pt idx="23">
+                  <c:v>350</c:v>
+                </c:pt>
+                <c:pt idx="24">
+                  <c:v>350</c:v>
+                </c:pt>
+                <c:pt idx="25">
+                  <c:v>350</c:v>
+                </c:pt>
+                <c:pt idx="26">
+                  <c:v>350</c:v>
+                </c:pt>
+                <c:pt idx="27">
+                  <c:v>350</c:v>
+                </c:pt>
+                <c:pt idx="28">
+                  <c:v>350</c:v>
+                </c:pt>
+                <c:pt idx="29">
+                  <c:v>350</c:v>
+                </c:pt>
+                <c:pt idx="30">
+                  <c:v>350</c:v>
+                </c:pt>
+                <c:pt idx="31">
+                  <c:v>350</c:v>
+                </c:pt>
+                <c:pt idx="32">
+                  <c:v>350</c:v>
+                </c:pt>
+                <c:pt idx="33">
+                  <c:v>350</c:v>
+                </c:pt>
+                <c:pt idx="34">
+                  <c:v>350</c:v>
+                </c:pt>
+                <c:pt idx="35">
+                  <c:v>350</c:v>
+                </c:pt>
+                <c:pt idx="36">
+                  <c:v>350</c:v>
+                </c:pt>
+                <c:pt idx="37">
+                  <c:v>350</c:v>
+                </c:pt>
+                <c:pt idx="38">
+                  <c:v>350</c:v>
+                </c:pt>
+                <c:pt idx="39">
+                  <c:v>350</c:v>
+                </c:pt>
+                <c:pt idx="40">
+                  <c:v>350</c:v>
+                </c:pt>
+                <c:pt idx="41">
+                  <c:v>350</c:v>
+                </c:pt>
+                <c:pt idx="42">
+                  <c:v>350</c:v>
+                </c:pt>
+                <c:pt idx="43">
+                  <c:v>350</c:v>
+                </c:pt>
+                <c:pt idx="44">
+                  <c:v>350</c:v>
+                </c:pt>
+                <c:pt idx="45">
+                  <c:v>350</c:v>
+                </c:pt>
+                <c:pt idx="46">
+                  <c:v>350</c:v>
+                </c:pt>
+                <c:pt idx="47">
+                  <c:v>350</c:v>
+                </c:pt>
+                <c:pt idx="48">
+                  <c:v>350</c:v>
+                </c:pt>
+                <c:pt idx="49">
+                  <c:v>350</c:v>
+                </c:pt>
+                <c:pt idx="50">
+                  <c:v>350</c:v>
+                </c:pt>
+                <c:pt idx="51">
+                  <c:v>350</c:v>
+                </c:pt>
+                <c:pt idx="52">
+                  <c:v>350</c:v>
+                </c:pt>
+                <c:pt idx="53">
+                  <c:v>350</c:v>
+                </c:pt>
+                <c:pt idx="54">
+                  <c:v>350</c:v>
+                </c:pt>
+                <c:pt idx="55">
+                  <c:v>350</c:v>
+                </c:pt>
+                <c:pt idx="56">
+                  <c:v>350</c:v>
+                </c:pt>
+                <c:pt idx="57">
+                  <c:v>350</c:v>
+                </c:pt>
+                <c:pt idx="58">
+                  <c:v>350</c:v>
+                </c:pt>
+                <c:pt idx="59">
+                  <c:v>350</c:v>
+                </c:pt>
+                <c:pt idx="60">
+                  <c:v>350</c:v>
+                </c:pt>
+                <c:pt idx="61">
+                  <c:v>350</c:v>
+                </c:pt>
+                <c:pt idx="62">
+                  <c:v>350</c:v>
+                </c:pt>
+                <c:pt idx="63">
+                  <c:v>350</c:v>
+                </c:pt>
+                <c:pt idx="64">
+                  <c:v>350</c:v>
+                </c:pt>
+                <c:pt idx="65">
+                  <c:v>350</c:v>
+                </c:pt>
+                <c:pt idx="66">
+                  <c:v>350</c:v>
+                </c:pt>
+                <c:pt idx="67">
+                  <c:v>350</c:v>
+                </c:pt>
+                <c:pt idx="68">
+                  <c:v>350</c:v>
+                </c:pt>
+                <c:pt idx="69">
+                  <c:v>350</c:v>
+                </c:pt>
+                <c:pt idx="70">
+                  <c:v>350</c:v>
+                </c:pt>
+                <c:pt idx="71">
+                  <c:v>350</c:v>
+                </c:pt>
+                <c:pt idx="72">
+                  <c:v>350</c:v>
+                </c:pt>
+                <c:pt idx="73">
+                  <c:v>350</c:v>
+                </c:pt>
+                <c:pt idx="74">
+                  <c:v>350</c:v>
+                </c:pt>
+                <c:pt idx="75">
+                  <c:v>350</c:v>
+                </c:pt>
+                <c:pt idx="76">
+                  <c:v>350</c:v>
+                </c:pt>
+                <c:pt idx="77">
+                  <c:v>350</c:v>
+                </c:pt>
+                <c:pt idx="78">
+                  <c:v>350</c:v>
+                </c:pt>
+                <c:pt idx="79">
+                  <c:v>350</c:v>
+                </c:pt>
+                <c:pt idx="80">
+                  <c:v>350</c:v>
+                </c:pt>
+                <c:pt idx="81">
+                  <c:v>350</c:v>
+                </c:pt>
+                <c:pt idx="82">
+                  <c:v>350</c:v>
+                </c:pt>
+                <c:pt idx="83">
+                  <c:v>350</c:v>
+                </c:pt>
+                <c:pt idx="84">
+                  <c:v>350</c:v>
+                </c:pt>
+                <c:pt idx="85">
+                  <c:v>350</c:v>
+                </c:pt>
+                <c:pt idx="86">
+                  <c:v>350</c:v>
+                </c:pt>
+                <c:pt idx="87">
+                  <c:v>350</c:v>
+                </c:pt>
+                <c:pt idx="88">
+                  <c:v>350</c:v>
+                </c:pt>
+                <c:pt idx="89">
+                  <c:v>350</c:v>
+                </c:pt>
+                <c:pt idx="90">
+                  <c:v>350</c:v>
+                </c:pt>
+                <c:pt idx="91">
+                  <c:v>350</c:v>
+                </c:pt>
+                <c:pt idx="92">
+                  <c:v>350</c:v>
+                </c:pt>
+                <c:pt idx="93">
+                  <c:v>350</c:v>
+                </c:pt>
+                <c:pt idx="94">
+                  <c:v>350</c:v>
+                </c:pt>
+                <c:pt idx="95">
+                  <c:v>350</c:v>
+                </c:pt>
+                <c:pt idx="96">
+                  <c:v>350</c:v>
+                </c:pt>
+                <c:pt idx="97">
+                  <c:v>350</c:v>
+                </c:pt>
+                <c:pt idx="98">
+                  <c:v>350</c:v>
+                </c:pt>
+                <c:pt idx="99">
+                  <c:v>350</c:v>
+                </c:pt>
+                <c:pt idx="100">
+                  <c:v>350</c:v>
+                </c:pt>
+                <c:pt idx="101">
+                  <c:v>350</c:v>
+                </c:pt>
+                <c:pt idx="102">
+                  <c:v>350</c:v>
+                </c:pt>
+                <c:pt idx="103">
+                  <c:v>350</c:v>
+                </c:pt>
+                <c:pt idx="104">
+                  <c:v>350</c:v>
+                </c:pt>
+                <c:pt idx="105">
+                  <c:v>350</c:v>
+                </c:pt>
+                <c:pt idx="106">
+                  <c:v>350</c:v>
+                </c:pt>
+                <c:pt idx="107">
+                  <c:v>350</c:v>
+                </c:pt>
+                <c:pt idx="108">
+                  <c:v>350</c:v>
+                </c:pt>
+                <c:pt idx="109">
+                  <c:v>350</c:v>
+                </c:pt>
+                <c:pt idx="110">
+                  <c:v>350</c:v>
+                </c:pt>
+                <c:pt idx="111">
+                  <c:v>350</c:v>
+                </c:pt>
+                <c:pt idx="112">
+                  <c:v>350</c:v>
+                </c:pt>
+                <c:pt idx="113">
+                  <c:v>350</c:v>
+                </c:pt>
+                <c:pt idx="114">
+                  <c:v>350</c:v>
+                </c:pt>
+                <c:pt idx="115">
+                  <c:v>350</c:v>
+                </c:pt>
+                <c:pt idx="116">
+                  <c:v>350</c:v>
+                </c:pt>
+                <c:pt idx="117">
+                  <c:v>350</c:v>
+                </c:pt>
+                <c:pt idx="118">
+                  <c:v>350</c:v>
+                </c:pt>
+                <c:pt idx="119">
+                  <c:v>350</c:v>
+                </c:pt>
+                <c:pt idx="120">
+                  <c:v>350</c:v>
+                </c:pt>
+                <c:pt idx="121">
+                  <c:v>350</c:v>
+                </c:pt>
+                <c:pt idx="122">
+                  <c:v>350</c:v>
+                </c:pt>
+                <c:pt idx="123">
+                  <c:v>350</c:v>
+                </c:pt>
+                <c:pt idx="124">
+                  <c:v>350</c:v>
+                </c:pt>
+                <c:pt idx="125">
+                  <c:v>350</c:v>
+                </c:pt>
+                <c:pt idx="126">
+                  <c:v>350</c:v>
+                </c:pt>
+                <c:pt idx="127">
+                  <c:v>350</c:v>
+                </c:pt>
+                <c:pt idx="128">
+                  <c:v>350</c:v>
+                </c:pt>
+                <c:pt idx="129">
+                  <c:v>350</c:v>
+                </c:pt>
+                <c:pt idx="130">
+                  <c:v>350</c:v>
+                </c:pt>
+                <c:pt idx="131">
+                  <c:v>350</c:v>
+                </c:pt>
+                <c:pt idx="132">
+                  <c:v>350</c:v>
+                </c:pt>
+                <c:pt idx="133">
+                  <c:v>350</c:v>
+                </c:pt>
+                <c:pt idx="134">
+                  <c:v>350</c:v>
+                </c:pt>
+                <c:pt idx="135">
+                  <c:v>350</c:v>
+                </c:pt>
+                <c:pt idx="136">
+                  <c:v>350</c:v>
+                </c:pt>
+                <c:pt idx="137">
+                  <c:v>350</c:v>
+                </c:pt>
+                <c:pt idx="138">
+                  <c:v>350</c:v>
+                </c:pt>
+                <c:pt idx="139">
+                  <c:v>350</c:v>
+                </c:pt>
+                <c:pt idx="140">
+                  <c:v>350</c:v>
+                </c:pt>
+                <c:pt idx="141">
+                  <c:v>350</c:v>
+                </c:pt>
+                <c:pt idx="142">
+                  <c:v>350</c:v>
+                </c:pt>
+                <c:pt idx="143">
+                  <c:v>350</c:v>
+                </c:pt>
+                <c:pt idx="144">
+                  <c:v>350</c:v>
+                </c:pt>
+                <c:pt idx="145">
+                  <c:v>350</c:v>
+                </c:pt>
+                <c:pt idx="146">
+                  <c:v>350</c:v>
+                </c:pt>
+                <c:pt idx="147">
+                  <c:v>350</c:v>
+                </c:pt>
+                <c:pt idx="148">
+                  <c:v>350</c:v>
+                </c:pt>
+                <c:pt idx="149">
+                  <c:v>350</c:v>
+                </c:pt>
+                <c:pt idx="150">
+                  <c:v>350</c:v>
+                </c:pt>
+                <c:pt idx="151">
+                  <c:v>350</c:v>
+                </c:pt>
+                <c:pt idx="152">
+                  <c:v>350</c:v>
+                </c:pt>
+                <c:pt idx="153">
+                  <c:v>350</c:v>
+                </c:pt>
+                <c:pt idx="154">
+                  <c:v>350</c:v>
+                </c:pt>
+                <c:pt idx="155">
+                  <c:v>350</c:v>
+                </c:pt>
+                <c:pt idx="156">
+                  <c:v>350</c:v>
+                </c:pt>
+                <c:pt idx="157">
+                  <c:v>350</c:v>
+                </c:pt>
+                <c:pt idx="158">
+                  <c:v>350</c:v>
+                </c:pt>
+                <c:pt idx="159">
+                  <c:v>350</c:v>
+                </c:pt>
+                <c:pt idx="160">
+                  <c:v>350</c:v>
+                </c:pt>
+                <c:pt idx="161">
+                  <c:v>350</c:v>
+                </c:pt>
+                <c:pt idx="162">
+                  <c:v>350</c:v>
+                </c:pt>
+                <c:pt idx="163">
+                  <c:v>350</c:v>
+                </c:pt>
+                <c:pt idx="164">
+                  <c:v>350</c:v>
+                </c:pt>
+                <c:pt idx="165">
+                  <c:v>350</c:v>
+                </c:pt>
+                <c:pt idx="166">
+                  <c:v>350</c:v>
+                </c:pt>
+                <c:pt idx="167">
+                  <c:v>350</c:v>
+                </c:pt>
+                <c:pt idx="168">
+                  <c:v>350</c:v>
+                </c:pt>
+                <c:pt idx="169">
+                  <c:v>350</c:v>
+                </c:pt>
+                <c:pt idx="170">
+                  <c:v>350</c:v>
+                </c:pt>
+                <c:pt idx="171">
+                  <c:v>350</c:v>
+                </c:pt>
+                <c:pt idx="172">
+                  <c:v>350</c:v>
+                </c:pt>
+                <c:pt idx="173">
+                  <c:v>350</c:v>
+                </c:pt>
+                <c:pt idx="174">
+                  <c:v>350</c:v>
+                </c:pt>
+                <c:pt idx="175">
+                  <c:v>350</c:v>
+                </c:pt>
+                <c:pt idx="176">
+                  <c:v>350</c:v>
+                </c:pt>
+                <c:pt idx="177">
+                  <c:v>350</c:v>
+                </c:pt>
+                <c:pt idx="178">
+                  <c:v>350</c:v>
+                </c:pt>
+                <c:pt idx="179">
+                  <c:v>350</c:v>
+                </c:pt>
+                <c:pt idx="180">
+                  <c:v>350</c:v>
+                </c:pt>
+                <c:pt idx="181">
+                  <c:v>350</c:v>
+                </c:pt>
+                <c:pt idx="182">
+                  <c:v>350</c:v>
+                </c:pt>
+                <c:pt idx="183">
+                  <c:v>350</c:v>
+                </c:pt>
+                <c:pt idx="184">
+                  <c:v>350</c:v>
+                </c:pt>
+                <c:pt idx="185">
+                  <c:v>350</c:v>
+                </c:pt>
+                <c:pt idx="186">
+                  <c:v>350</c:v>
+                </c:pt>
+                <c:pt idx="187">
+                  <c:v>350</c:v>
+                </c:pt>
+                <c:pt idx="188">
+                  <c:v>350</c:v>
+                </c:pt>
+                <c:pt idx="189">
+                  <c:v>350</c:v>
+                </c:pt>
+                <c:pt idx="190">
+                  <c:v>350</c:v>
+                </c:pt>
+                <c:pt idx="191">
+                  <c:v>350</c:v>
+                </c:pt>
+                <c:pt idx="192">
+                  <c:v>350</c:v>
+                </c:pt>
+                <c:pt idx="193">
+                  <c:v>350</c:v>
+                </c:pt>
+                <c:pt idx="194">
+                  <c:v>350</c:v>
+                </c:pt>
+                <c:pt idx="195">
+                  <c:v>350</c:v>
+                </c:pt>
+                <c:pt idx="196">
+                  <c:v>350</c:v>
+                </c:pt>
+                <c:pt idx="197">
+                  <c:v>350</c:v>
+                </c:pt>
+                <c:pt idx="198">
+                  <c:v>350</c:v>
+                </c:pt>
+                <c:pt idx="199">
+                  <c:v>350</c:v>
+                </c:pt>
+                <c:pt idx="200">
+                  <c:v>350</c:v>
+                </c:pt>
+                <c:pt idx="201">
+                  <c:v>350</c:v>
+                </c:pt>
+                <c:pt idx="202">
+                  <c:v>350</c:v>
+                </c:pt>
+                <c:pt idx="203">
+                  <c:v>350</c:v>
+                </c:pt>
+                <c:pt idx="204">
+                  <c:v>350</c:v>
+                </c:pt>
+                <c:pt idx="205">
+                  <c:v>350</c:v>
+                </c:pt>
+                <c:pt idx="206">
+                  <c:v>350</c:v>
+                </c:pt>
+                <c:pt idx="207">
+                  <c:v>350</c:v>
+                </c:pt>
+                <c:pt idx="208">
+                  <c:v>350</c:v>
+                </c:pt>
+                <c:pt idx="209">
+                  <c:v>350</c:v>
+                </c:pt>
+                <c:pt idx="210">
+                  <c:v>350</c:v>
+                </c:pt>
+                <c:pt idx="211">
+                  <c:v>350</c:v>
+                </c:pt>
+                <c:pt idx="212">
+                  <c:v>350</c:v>
+                </c:pt>
+                <c:pt idx="213">
+                  <c:v>350</c:v>
+                </c:pt>
+                <c:pt idx="214">
+                  <c:v>350</c:v>
+                </c:pt>
+                <c:pt idx="215">
+                  <c:v>350</c:v>
+                </c:pt>
+                <c:pt idx="216">
+                  <c:v>350</c:v>
+                </c:pt>
+                <c:pt idx="217">
+                  <c:v>350</c:v>
+                </c:pt>
+                <c:pt idx="218">
+                  <c:v>350</c:v>
+                </c:pt>
+                <c:pt idx="219">
+                  <c:v>350</c:v>
+                </c:pt>
+                <c:pt idx="220">
+                  <c:v>350</c:v>
+                </c:pt>
+                <c:pt idx="221">
+                  <c:v>350</c:v>
+                </c:pt>
+                <c:pt idx="222">
+                  <c:v>350</c:v>
+                </c:pt>
+                <c:pt idx="223">
+                  <c:v>350</c:v>
+                </c:pt>
+                <c:pt idx="224">
+                  <c:v>350</c:v>
+                </c:pt>
+                <c:pt idx="225">
+                  <c:v>350</c:v>
+                </c:pt>
+                <c:pt idx="226">
+                  <c:v>350</c:v>
+                </c:pt>
+                <c:pt idx="227">
+                  <c:v>350</c:v>
+                </c:pt>
+                <c:pt idx="228">
+                  <c:v>350</c:v>
+                </c:pt>
+                <c:pt idx="229">
+                  <c:v>350</c:v>
+                </c:pt>
+                <c:pt idx="230">
+                  <c:v>350</c:v>
+                </c:pt>
+                <c:pt idx="231">
+                  <c:v>350</c:v>
+                </c:pt>
+                <c:pt idx="232">
+                  <c:v>350</c:v>
+                </c:pt>
+                <c:pt idx="233">
+                  <c:v>350</c:v>
+                </c:pt>
+                <c:pt idx="234">
+                  <c:v>350</c:v>
+                </c:pt>
+                <c:pt idx="235">
+                  <c:v>350</c:v>
+                </c:pt>
+                <c:pt idx="236">
+                  <c:v>350</c:v>
+                </c:pt>
+                <c:pt idx="237">
+                  <c:v>350</c:v>
+                </c:pt>
+                <c:pt idx="238">
+                  <c:v>350</c:v>
+                </c:pt>
+                <c:pt idx="239">
+                  <c:v>350</c:v>
+                </c:pt>
+                <c:pt idx="240">
+                  <c:v>350</c:v>
+                </c:pt>
+                <c:pt idx="241">
+                  <c:v>350</c:v>
+                </c:pt>
+                <c:pt idx="242">
+                  <c:v>350</c:v>
+                </c:pt>
+                <c:pt idx="243">
+                  <c:v>350</c:v>
+                </c:pt>
+                <c:pt idx="244">
+                  <c:v>350</c:v>
+                </c:pt>
+                <c:pt idx="245">
+                  <c:v>350</c:v>
+                </c:pt>
+                <c:pt idx="246">
+                  <c:v>350</c:v>
+                </c:pt>
+                <c:pt idx="247">
+                  <c:v>350</c:v>
+                </c:pt>
+                <c:pt idx="248">
+                  <c:v>350</c:v>
+                </c:pt>
+                <c:pt idx="249">
+                  <c:v>350</c:v>
+                </c:pt>
+                <c:pt idx="250">
+                  <c:v>350</c:v>
+                </c:pt>
+                <c:pt idx="251">
+                  <c:v>350</c:v>
+                </c:pt>
+                <c:pt idx="252">
+                  <c:v>350</c:v>
+                </c:pt>
+                <c:pt idx="253">
+                  <c:v>350</c:v>
+                </c:pt>
+                <c:pt idx="254">
+                  <c:v>350</c:v>
+                </c:pt>
+                <c:pt idx="255">
+                  <c:v>350</c:v>
+                </c:pt>
+                <c:pt idx="256">
+                  <c:v>350</c:v>
+                </c:pt>
+                <c:pt idx="257">
+                  <c:v>350</c:v>
+                </c:pt>
+                <c:pt idx="258">
+                  <c:v>350</c:v>
+                </c:pt>
+                <c:pt idx="259">
+                  <c:v>350</c:v>
+                </c:pt>
+                <c:pt idx="260">
+                  <c:v>350</c:v>
+                </c:pt>
+                <c:pt idx="261">
+                  <c:v>350</c:v>
+                </c:pt>
+                <c:pt idx="262">
+                  <c:v>350</c:v>
+                </c:pt>
+                <c:pt idx="263">
+                  <c:v>350</c:v>
+                </c:pt>
+                <c:pt idx="264">
+                  <c:v>350</c:v>
+                </c:pt>
+                <c:pt idx="265">
+                  <c:v>350</c:v>
+                </c:pt>
+                <c:pt idx="266">
+                  <c:v>350</c:v>
+                </c:pt>
+                <c:pt idx="267">
+                  <c:v>350</c:v>
+                </c:pt>
+                <c:pt idx="268">
+                  <c:v>350</c:v>
+                </c:pt>
+                <c:pt idx="269">
+                  <c:v>350</c:v>
+                </c:pt>
+                <c:pt idx="270">
+                  <c:v>350</c:v>
+                </c:pt>
+                <c:pt idx="271">
+                  <c:v>350</c:v>
+                </c:pt>
+                <c:pt idx="272">
+                  <c:v>350</c:v>
+                </c:pt>
+                <c:pt idx="273">
+                  <c:v>350</c:v>
+                </c:pt>
+                <c:pt idx="274">
+                  <c:v>350</c:v>
+                </c:pt>
+                <c:pt idx="275">
+                  <c:v>350</c:v>
+                </c:pt>
+                <c:pt idx="276">
+                  <c:v>350</c:v>
+                </c:pt>
+                <c:pt idx="277">
+                  <c:v>350</c:v>
+                </c:pt>
+                <c:pt idx="278">
+                  <c:v>350</c:v>
+                </c:pt>
+                <c:pt idx="279">
+                  <c:v>350</c:v>
+                </c:pt>
+                <c:pt idx="280">
+                  <c:v>350</c:v>
+                </c:pt>
+                <c:pt idx="281">
+                  <c:v>350</c:v>
+                </c:pt>
+                <c:pt idx="282">
+                  <c:v>350</c:v>
+                </c:pt>
+                <c:pt idx="283">
+                  <c:v>350</c:v>
+                </c:pt>
+                <c:pt idx="284">
+                  <c:v>350</c:v>
+                </c:pt>
+                <c:pt idx="285">
+                  <c:v>350</c:v>
+                </c:pt>
+                <c:pt idx="286">
+                  <c:v>350</c:v>
+                </c:pt>
+                <c:pt idx="287">
+                  <c:v>350</c:v>
+                </c:pt>
+              </c:numCache>
+            </c:numRef>
+          </c:yVal>
+          <c:smooth val="1"/>
+          <c:extLst>
+            <c:ext xmlns:c16="http://schemas.microsoft.com/office/drawing/2014/chart" uri="{C3380CC4-5D6E-409C-BE32-E72D297353CC}">
+              <c16:uniqueId val="{00000000-CA11-4DE8-B23B-3801086C3F80}"/>
+            </c:ext>
+          </c:extLst>
+        </c:ser>
+        <c:ser>
+          <c:idx val="1"/>
+          <c:order val="1"/>
+          <c:spPr>
+            <a:ln w="19050" cap="rnd">
+              <a:solidFill>
+                <a:schemeClr val="accent2"/>
+              </a:solidFill>
+              <a:round/>
+            </a:ln>
+            <a:effectLst/>
+          </c:spPr>
+          <c:marker>
+            <c:symbol val="none"/>
+          </c:marker>
+          <c:yVal>
+            <c:numRef>
+              <c:f>Sheet2!$D$1:$D$288</c:f>
+              <c:numCache>
+                <c:formatCode>General</c:formatCode>
+                <c:ptCount val="288"/>
+                <c:pt idx="0">
+                  <c:v>0</c:v>
+                </c:pt>
+                <c:pt idx="1">
+                  <c:v>13</c:v>
+                </c:pt>
+                <c:pt idx="2">
+                  <c:v>45</c:v>
+                </c:pt>
+                <c:pt idx="3">
+                  <c:v>89</c:v>
+                </c:pt>
+                <c:pt idx="4">
+                  <c:v>141</c:v>
+                </c:pt>
+                <c:pt idx="5">
+                  <c:v>197</c:v>
+                </c:pt>
+                <c:pt idx="6">
+                  <c:v>254</c:v>
+                </c:pt>
+                <c:pt idx="7">
+                  <c:v>310</c:v>
+                </c:pt>
+                <c:pt idx="8">
+                  <c:v>359</c:v>
+                </c:pt>
+                <c:pt idx="9">
+                  <c:v>394</c:v>
+                </c:pt>
+                <c:pt idx="10">
+                  <c:v>411</c:v>
+                </c:pt>
+                <c:pt idx="11">
+                  <c:v>411</c:v>
+                </c:pt>
+                <c:pt idx="12">
+                  <c:v>400</c:v>
+                </c:pt>
+                <c:pt idx="13">
+                  <c:v>381</c:v>
+                </c:pt>
+                <c:pt idx="14">
+                  <c:v>359</c:v>
+                </c:pt>
+                <c:pt idx="15">
+                  <c:v>337</c:v>
+                </c:pt>
+                <c:pt idx="16">
+                  <c:v>321</c:v>
+                </c:pt>
+                <c:pt idx="17">
+                  <c:v>312</c:v>
+                </c:pt>
+                <c:pt idx="18">
+                  <c:v>311</c:v>
+                </c:pt>
+                <c:pt idx="19">
+                  <c:v>316</c:v>
+                </c:pt>
+                <c:pt idx="20">
+                  <c:v>324</c:v>
+                </c:pt>
+                <c:pt idx="21">
+                  <c:v>335</c:v>
+                </c:pt>
+                <c:pt idx="22">
+                  <c:v>344</c:v>
+                </c:pt>
+                <c:pt idx="23">
+                  <c:v>350</c:v>
+                </c:pt>
+                <c:pt idx="24">
+                  <c:v>353</c:v>
+                </c:pt>
+                <c:pt idx="25">
+                  <c:v>353</c:v>
+                </c:pt>
+                <c:pt idx="26">
+                  <c:v>351</c:v>
+                </c:pt>
+                <c:pt idx="27">
+                  <c:v>347</c:v>
+                </c:pt>
+                <c:pt idx="28">
+                  <c:v>343</c:v>
+                </c:pt>
+                <c:pt idx="29">
+                  <c:v>339</c:v>
+                </c:pt>
+                <c:pt idx="30">
+                  <c:v>337</c:v>
+                </c:pt>
+                <c:pt idx="31">
+                  <c:v>336</c:v>
+                </c:pt>
+                <c:pt idx="32">
+                  <c:v>336</c:v>
+                </c:pt>
+                <c:pt idx="33">
+                  <c:v>338</c:v>
+                </c:pt>
+                <c:pt idx="34">
+                  <c:v>340</c:v>
+                </c:pt>
+                <c:pt idx="35">
+                  <c:v>342</c:v>
+                </c:pt>
+                <c:pt idx="36">
+                  <c:v>344</c:v>
+                </c:pt>
+                <c:pt idx="37">
+                  <c:v>345</c:v>
+                </c:pt>
+                <c:pt idx="38">
+                  <c:v>346</c:v>
+                </c:pt>
+                <c:pt idx="39">
+                  <c:v>346</c:v>
+                </c:pt>
+                <c:pt idx="40">
+                  <c:v>345</c:v>
+                </c:pt>
+                <c:pt idx="41">
+                  <c:v>344</c:v>
+                </c:pt>
+                <c:pt idx="42">
+                  <c:v>343</c:v>
+                </c:pt>
+                <c:pt idx="43">
+                  <c:v>343</c:v>
+                </c:pt>
+                <c:pt idx="44">
+                  <c:v>342</c:v>
+                </c:pt>
+                <c:pt idx="45">
+                  <c:v>342</c:v>
+                </c:pt>
+                <c:pt idx="46">
+                  <c:v>343</c:v>
+                </c:pt>
+                <c:pt idx="47">
+                  <c:v>344</c:v>
+                </c:pt>
+                <c:pt idx="48">
+                  <c:v>344</c:v>
+                </c:pt>
+                <c:pt idx="49">
+                  <c:v>345</c:v>
+                </c:pt>
+                <c:pt idx="50">
+                  <c:v>345</c:v>
+                </c:pt>
+                <c:pt idx="51">
+                  <c:v>345</c:v>
+                </c:pt>
+                <c:pt idx="52">
+                  <c:v>345</c:v>
+                </c:pt>
+                <c:pt idx="53">
+                  <c:v>345</c:v>
+                </c:pt>
+                <c:pt idx="54">
+                  <c:v>345</c:v>
+                </c:pt>
+                <c:pt idx="55">
+                  <c:v>345</c:v>
+                </c:pt>
+                <c:pt idx="56">
+                  <c:v>345</c:v>
+                </c:pt>
+                <c:pt idx="57">
+                  <c:v>346</c:v>
+                </c:pt>
+                <c:pt idx="58">
+                  <c:v>346</c:v>
+                </c:pt>
+                <c:pt idx="59">
+                  <c:v>346</c:v>
+                </c:pt>
+                <c:pt idx="60">
+                  <c:v>345</c:v>
+                </c:pt>
+                <c:pt idx="61">
+                  <c:v>345</c:v>
+                </c:pt>
+                <c:pt idx="62">
+                  <c:v>346</c:v>
+                </c:pt>
+                <c:pt idx="63">
+                  <c:v>346</c:v>
+                </c:pt>
+                <c:pt idx="64">
+                  <c:v>346</c:v>
+                </c:pt>
+                <c:pt idx="65">
+                  <c:v>346</c:v>
+                </c:pt>
+                <c:pt idx="66">
+                  <c:v>346</c:v>
+                </c:pt>
+                <c:pt idx="67">
+                  <c:v>346</c:v>
+                </c:pt>
+                <c:pt idx="68">
+                  <c:v>346</c:v>
+                </c:pt>
+                <c:pt idx="69">
+                  <c:v>347</c:v>
+                </c:pt>
+                <c:pt idx="70">
+                  <c:v>347</c:v>
+                </c:pt>
+                <c:pt idx="71">
+                  <c:v>347</c:v>
+                </c:pt>
+                <c:pt idx="72">
+                  <c:v>347</c:v>
+                </c:pt>
+                <c:pt idx="73">
+                  <c:v>347</c:v>
+                </c:pt>
+                <c:pt idx="74">
+                  <c:v>347</c:v>
+                </c:pt>
+                <c:pt idx="75">
+                  <c:v>346</c:v>
+                </c:pt>
+                <c:pt idx="76">
+                  <c:v>347</c:v>
+                </c:pt>
+                <c:pt idx="77">
+                  <c:v>347</c:v>
+                </c:pt>
+                <c:pt idx="78">
+                  <c:v>347</c:v>
+                </c:pt>
+                <c:pt idx="79">
+                  <c:v>347</c:v>
+                </c:pt>
+                <c:pt idx="80">
+                  <c:v>347</c:v>
+                </c:pt>
+                <c:pt idx="81">
+                  <c:v>347</c:v>
+                </c:pt>
+                <c:pt idx="82">
+                  <c:v>347</c:v>
+                </c:pt>
+                <c:pt idx="83">
+                  <c:v>347</c:v>
+                </c:pt>
+                <c:pt idx="84">
+                  <c:v>348</c:v>
+                </c:pt>
+                <c:pt idx="85">
+                  <c:v>348</c:v>
+                </c:pt>
+                <c:pt idx="86">
+                  <c:v>348</c:v>
+                </c:pt>
+                <c:pt idx="87">
+                  <c:v>348</c:v>
+                </c:pt>
+                <c:pt idx="88">
+                  <c:v>348</c:v>
+                </c:pt>
+                <c:pt idx="89">
+                  <c:v>348</c:v>
+                </c:pt>
+                <c:pt idx="90">
+                  <c:v>347</c:v>
+                </c:pt>
+                <c:pt idx="91">
+                  <c:v>347</c:v>
+                </c:pt>
+                <c:pt idx="92">
+                  <c:v>347</c:v>
+                </c:pt>
+                <c:pt idx="93">
+                  <c:v>348</c:v>
+                </c:pt>
+                <c:pt idx="94">
+                  <c:v>348</c:v>
+                </c:pt>
+                <c:pt idx="95">
+                  <c:v>348</c:v>
+                </c:pt>
+                <c:pt idx="96">
+                  <c:v>348</c:v>
+                </c:pt>
+                <c:pt idx="97">
+                  <c:v>349</c:v>
+                </c:pt>
+                <c:pt idx="98">
+                  <c:v>348</c:v>
+                </c:pt>
+                <c:pt idx="99">
+                  <c:v>348</c:v>
+                </c:pt>
+                <c:pt idx="100">
+                  <c:v>348</c:v>
+                </c:pt>
+                <c:pt idx="101">
+                  <c:v>348</c:v>
+                </c:pt>
+                <c:pt idx="102">
+                  <c:v>349</c:v>
+                </c:pt>
+                <c:pt idx="103">
+                  <c:v>349</c:v>
+                </c:pt>
+                <c:pt idx="104">
+                  <c:v>349</c:v>
+                </c:pt>
+                <c:pt idx="105">
+                  <c:v>348</c:v>
+                </c:pt>
+                <c:pt idx="106">
+                  <c:v>348</c:v>
+                </c:pt>
+                <c:pt idx="107">
+                  <c:v>348</c:v>
+                </c:pt>
+                <c:pt idx="108">
+                  <c:v>349</c:v>
+                </c:pt>
+                <c:pt idx="109">
+                  <c:v>349</c:v>
+                </c:pt>
+                <c:pt idx="110">
+                  <c:v>349</c:v>
+                </c:pt>
+                <c:pt idx="111">
+                  <c:v>348</c:v>
+                </c:pt>
+                <c:pt idx="112">
+                  <c:v>348</c:v>
+                </c:pt>
+                <c:pt idx="113">
+                  <c:v>348</c:v>
+                </c:pt>
+                <c:pt idx="114">
+                  <c:v>349</c:v>
+                </c:pt>
+                <c:pt idx="115">
+                  <c:v>349</c:v>
+                </c:pt>
+                <c:pt idx="116">
+                  <c:v>349</c:v>
+                </c:pt>
+                <c:pt idx="117">
+                  <c:v>349</c:v>
+                </c:pt>
+                <c:pt idx="118">
+                  <c:v>349</c:v>
+                </c:pt>
+                <c:pt idx="119">
+                  <c:v>349</c:v>
+                </c:pt>
+                <c:pt idx="120">
+                  <c:v>349</c:v>
+                </c:pt>
+                <c:pt idx="121">
+                  <c:v>349</c:v>
+                </c:pt>
+                <c:pt idx="122">
+                  <c:v>349</c:v>
+                </c:pt>
+                <c:pt idx="123">
+                  <c:v>349</c:v>
+                </c:pt>
+                <c:pt idx="124">
+                  <c:v>349</c:v>
+                </c:pt>
+                <c:pt idx="125">
+                  <c:v>349</c:v>
+                </c:pt>
+                <c:pt idx="126">
+                  <c:v>349</c:v>
+                </c:pt>
+                <c:pt idx="127">
+                  <c:v>349</c:v>
+                </c:pt>
+                <c:pt idx="128">
+                  <c:v>349</c:v>
+                </c:pt>
+                <c:pt idx="129">
+                  <c:v>349</c:v>
+                </c:pt>
+                <c:pt idx="130">
+                  <c:v>349</c:v>
+                </c:pt>
+                <c:pt idx="131">
+                  <c:v>348</c:v>
+                </c:pt>
+                <c:pt idx="132">
+                  <c:v>349</c:v>
+                </c:pt>
+                <c:pt idx="133">
+                  <c:v>349</c:v>
+                </c:pt>
+                <c:pt idx="134">
+                  <c:v>349</c:v>
+                </c:pt>
+                <c:pt idx="135">
+                  <c:v>349</c:v>
+                </c:pt>
+                <c:pt idx="136">
+                  <c:v>350</c:v>
+                </c:pt>
+                <c:pt idx="137">
+                  <c:v>350</c:v>
+                </c:pt>
+                <c:pt idx="138">
+                  <c:v>350</c:v>
+                </c:pt>
+                <c:pt idx="139">
+                  <c:v>349</c:v>
+                </c:pt>
+                <c:pt idx="140">
+                  <c:v>349</c:v>
+                </c:pt>
+                <c:pt idx="141">
+                  <c:v>349</c:v>
+                </c:pt>
+                <c:pt idx="142">
+                  <c:v>349</c:v>
+                </c:pt>
+                <c:pt idx="143">
+                  <c:v>349</c:v>
+                </c:pt>
+                <c:pt idx="144">
+                  <c:v>349</c:v>
+                </c:pt>
+                <c:pt idx="145">
+                  <c:v>350</c:v>
+                </c:pt>
+                <c:pt idx="146">
+                  <c:v>350</c:v>
+                </c:pt>
+                <c:pt idx="147">
+                  <c:v>349</c:v>
+                </c:pt>
+                <c:pt idx="148">
+                  <c:v>349</c:v>
+                </c:pt>
+                <c:pt idx="149">
+                  <c:v>349</c:v>
+                </c:pt>
+                <c:pt idx="150">
+                  <c:v>349</c:v>
+                </c:pt>
+                <c:pt idx="151">
+                  <c:v>349</c:v>
+                </c:pt>
+                <c:pt idx="152">
+                  <c:v>350</c:v>
+                </c:pt>
+                <c:pt idx="153">
+                  <c:v>350</c:v>
+                </c:pt>
+                <c:pt idx="154">
+                  <c:v>350</c:v>
+                </c:pt>
+                <c:pt idx="155">
+                  <c:v>349</c:v>
+                </c:pt>
+                <c:pt idx="156">
+                  <c:v>349</c:v>
+                </c:pt>
+                <c:pt idx="157">
+                  <c:v>349</c:v>
+                </c:pt>
+                <c:pt idx="158">
+                  <c:v>349</c:v>
+                </c:pt>
+                <c:pt idx="159">
+                  <c:v>349</c:v>
+                </c:pt>
+                <c:pt idx="160">
+                  <c:v>350</c:v>
+                </c:pt>
+                <c:pt idx="161">
+                  <c:v>350</c:v>
+                </c:pt>
+                <c:pt idx="162">
+                  <c:v>350</c:v>
+                </c:pt>
+                <c:pt idx="163">
+                  <c:v>350</c:v>
+                </c:pt>
+                <c:pt idx="164">
+                  <c:v>350</c:v>
+                </c:pt>
+                <c:pt idx="165">
+                  <c:v>350</c:v>
+                </c:pt>
+                <c:pt idx="166">
+                  <c:v>350</c:v>
+                </c:pt>
+                <c:pt idx="167">
+                  <c:v>350</c:v>
+                </c:pt>
+                <c:pt idx="168">
+                  <c:v>349</c:v>
+                </c:pt>
+                <c:pt idx="169">
+                  <c:v>349</c:v>
+                </c:pt>
+                <c:pt idx="170">
+                  <c:v>350</c:v>
+                </c:pt>
+                <c:pt idx="171">
+                  <c:v>350</c:v>
+                </c:pt>
+                <c:pt idx="172">
+                  <c:v>350</c:v>
+                </c:pt>
+                <c:pt idx="173">
+                  <c:v>350</c:v>
+                </c:pt>
+                <c:pt idx="174">
+                  <c:v>350</c:v>
+                </c:pt>
+                <c:pt idx="175">
+                  <c:v>350</c:v>
+                </c:pt>
+                <c:pt idx="176">
+                  <c:v>350</c:v>
+                </c:pt>
+                <c:pt idx="177">
+                  <c:v>350</c:v>
+                </c:pt>
+                <c:pt idx="178">
+                  <c:v>349</c:v>
+                </c:pt>
+                <c:pt idx="179">
+                  <c:v>349</c:v>
+                </c:pt>
+                <c:pt idx="180">
+                  <c:v>350</c:v>
+                </c:pt>
+                <c:pt idx="181">
+                  <c:v>350</c:v>
+                </c:pt>
+                <c:pt idx="182">
+                  <c:v>350</c:v>
+                </c:pt>
+                <c:pt idx="183">
+                  <c:v>350</c:v>
+                </c:pt>
+                <c:pt idx="184">
+                  <c:v>350</c:v>
+                </c:pt>
+                <c:pt idx="185">
+                  <c:v>350</c:v>
+                </c:pt>
+                <c:pt idx="186">
+                  <c:v>350</c:v>
+                </c:pt>
+                <c:pt idx="187">
+                  <c:v>349</c:v>
+                </c:pt>
+                <c:pt idx="188">
+                  <c:v>349</c:v>
+                </c:pt>
+                <c:pt idx="189">
+                  <c:v>350</c:v>
+                </c:pt>
+                <c:pt idx="190">
+                  <c:v>350</c:v>
+                </c:pt>
+                <c:pt idx="191">
+                  <c:v>350</c:v>
+                </c:pt>
+                <c:pt idx="192">
+                  <c:v>350</c:v>
+                </c:pt>
+                <c:pt idx="193">
+                  <c:v>350</c:v>
+                </c:pt>
+                <c:pt idx="194">
+                  <c:v>350</c:v>
+                </c:pt>
+                <c:pt idx="195">
+                  <c:v>350</c:v>
+                </c:pt>
+                <c:pt idx="196">
+                  <c:v>350</c:v>
+                </c:pt>
+                <c:pt idx="197">
+                  <c:v>349</c:v>
+                </c:pt>
+                <c:pt idx="198">
+                  <c:v>349</c:v>
+                </c:pt>
+                <c:pt idx="199">
+                  <c:v>350</c:v>
+                </c:pt>
+                <c:pt idx="200">
+                  <c:v>350</c:v>
+                </c:pt>
+                <c:pt idx="201">
+                  <c:v>350</c:v>
+                </c:pt>
+                <c:pt idx="202">
+                  <c:v>350</c:v>
+                </c:pt>
+                <c:pt idx="203">
+                  <c:v>350</c:v>
+                </c:pt>
+                <c:pt idx="204">
+                  <c:v>350</c:v>
+                </c:pt>
+                <c:pt idx="205">
+                  <c:v>350</c:v>
+                </c:pt>
+                <c:pt idx="206">
+                  <c:v>349</c:v>
+                </c:pt>
+                <c:pt idx="207">
+                  <c:v>349</c:v>
+                </c:pt>
+                <c:pt idx="208">
+                  <c:v>350</c:v>
+                </c:pt>
+                <c:pt idx="209">
+                  <c:v>350</c:v>
+                </c:pt>
+                <c:pt idx="210">
+                  <c:v>350</c:v>
+                </c:pt>
+                <c:pt idx="211">
+                  <c:v>350</c:v>
+                </c:pt>
+                <c:pt idx="212">
+                  <c:v>350</c:v>
+                </c:pt>
+                <c:pt idx="213">
+                  <c:v>350</c:v>
+                </c:pt>
+                <c:pt idx="214">
+                  <c:v>350</c:v>
+                </c:pt>
+                <c:pt idx="215">
+                  <c:v>350</c:v>
+                </c:pt>
+                <c:pt idx="216">
+                  <c:v>349</c:v>
+                </c:pt>
+                <c:pt idx="217">
+                  <c:v>349</c:v>
+                </c:pt>
+                <c:pt idx="218">
+                  <c:v>350</c:v>
+                </c:pt>
+                <c:pt idx="219">
+                  <c:v>350</c:v>
+                </c:pt>
+                <c:pt idx="220">
+                  <c:v>350</c:v>
+                </c:pt>
+                <c:pt idx="221">
+                  <c:v>350</c:v>
+                </c:pt>
+                <c:pt idx="222">
+                  <c:v>350</c:v>
+                </c:pt>
+                <c:pt idx="223">
+                  <c:v>350</c:v>
+                </c:pt>
+                <c:pt idx="224">
+                  <c:v>350</c:v>
+                </c:pt>
+                <c:pt idx="225">
+                  <c:v>350</c:v>
+                </c:pt>
+                <c:pt idx="226">
+                  <c:v>349</c:v>
+                </c:pt>
+                <c:pt idx="227">
+                  <c:v>349</c:v>
+                </c:pt>
+                <c:pt idx="228">
+                  <c:v>349</c:v>
+                </c:pt>
+                <c:pt idx="229">
+                  <c:v>350</c:v>
+                </c:pt>
+                <c:pt idx="230">
+                  <c:v>350</c:v>
+                </c:pt>
+                <c:pt idx="231">
+                  <c:v>350</c:v>
+                </c:pt>
+                <c:pt idx="232">
+                  <c:v>350</c:v>
+                </c:pt>
+                <c:pt idx="233">
+                  <c:v>350</c:v>
+                </c:pt>
+                <c:pt idx="234">
+                  <c:v>350</c:v>
+                </c:pt>
+                <c:pt idx="235">
+                  <c:v>350</c:v>
+                </c:pt>
+                <c:pt idx="236">
+                  <c:v>350</c:v>
+                </c:pt>
+                <c:pt idx="237">
+                  <c:v>350</c:v>
+                </c:pt>
+                <c:pt idx="238">
+                  <c:v>349</c:v>
+                </c:pt>
+                <c:pt idx="239">
+                  <c:v>349</c:v>
+                </c:pt>
+                <c:pt idx="240">
+                  <c:v>350</c:v>
+                </c:pt>
+                <c:pt idx="241">
+                  <c:v>350</c:v>
+                </c:pt>
+                <c:pt idx="242">
+                  <c:v>350</c:v>
+                </c:pt>
+                <c:pt idx="243">
+                  <c:v>350</c:v>
+                </c:pt>
+                <c:pt idx="244">
+                  <c:v>350</c:v>
+                </c:pt>
+                <c:pt idx="245">
+                  <c:v>350</c:v>
+                </c:pt>
+                <c:pt idx="246">
+                  <c:v>350</c:v>
+                </c:pt>
+                <c:pt idx="247">
+                  <c:v>350</c:v>
+                </c:pt>
+                <c:pt idx="248">
+                  <c:v>349</c:v>
+                </c:pt>
+                <c:pt idx="249">
+                  <c:v>350</c:v>
+                </c:pt>
+                <c:pt idx="250">
+                  <c:v>350</c:v>
+                </c:pt>
+                <c:pt idx="251">
+                  <c:v>350</c:v>
+                </c:pt>
+                <c:pt idx="252">
+                  <c:v>350</c:v>
+                </c:pt>
+                <c:pt idx="253">
+                  <c:v>350</c:v>
+                </c:pt>
+                <c:pt idx="254">
+                  <c:v>350</c:v>
+                </c:pt>
+                <c:pt idx="255">
+                  <c:v>349</c:v>
+                </c:pt>
+                <c:pt idx="256">
+                  <c:v>350</c:v>
+                </c:pt>
+                <c:pt idx="257">
+                  <c:v>350</c:v>
+                </c:pt>
+                <c:pt idx="258">
+                  <c:v>350</c:v>
+                </c:pt>
+                <c:pt idx="259">
+                  <c:v>350</c:v>
+                </c:pt>
+                <c:pt idx="260">
+                  <c:v>350</c:v>
+                </c:pt>
+                <c:pt idx="261">
+                  <c:v>350</c:v>
+                </c:pt>
+                <c:pt idx="262">
+                  <c:v>350</c:v>
+                </c:pt>
+                <c:pt idx="263">
+                  <c:v>351</c:v>
+                </c:pt>
+                <c:pt idx="264">
+                  <c:v>351</c:v>
+                </c:pt>
+                <c:pt idx="265">
+                  <c:v>350</c:v>
+                </c:pt>
+                <c:pt idx="266">
+                  <c:v>350</c:v>
+                </c:pt>
+                <c:pt idx="267">
+                  <c:v>350</c:v>
+                </c:pt>
+                <c:pt idx="268">
+                  <c:v>350</c:v>
+                </c:pt>
+                <c:pt idx="269">
+                  <c:v>349</c:v>
+                </c:pt>
+                <c:pt idx="270">
+                  <c:v>349</c:v>
+                </c:pt>
+                <c:pt idx="271">
+                  <c:v>350</c:v>
+                </c:pt>
+                <c:pt idx="272">
+                  <c:v>350</c:v>
+                </c:pt>
+                <c:pt idx="273">
+                  <c:v>350</c:v>
+                </c:pt>
+                <c:pt idx="274">
+                  <c:v>350</c:v>
+                </c:pt>
+                <c:pt idx="275">
+                  <c:v>350</c:v>
+                </c:pt>
+                <c:pt idx="276">
+                  <c:v>351</c:v>
+                </c:pt>
+                <c:pt idx="277">
+                  <c:v>351</c:v>
+                </c:pt>
+                <c:pt idx="278">
+                  <c:v>350</c:v>
+                </c:pt>
+                <c:pt idx="279">
+                  <c:v>350</c:v>
+                </c:pt>
+                <c:pt idx="280">
+                  <c:v>350</c:v>
+                </c:pt>
+                <c:pt idx="281">
+                  <c:v>350</c:v>
+                </c:pt>
+                <c:pt idx="282">
+                  <c:v>350</c:v>
+                </c:pt>
+                <c:pt idx="283">
+                  <c:v>349</c:v>
+                </c:pt>
+                <c:pt idx="284">
+                  <c:v>349</c:v>
+                </c:pt>
+                <c:pt idx="285">
+                  <c:v>350</c:v>
+                </c:pt>
+                <c:pt idx="286">
+                  <c:v>350</c:v>
+                </c:pt>
+                <c:pt idx="287">
+                  <c:v>350</c:v>
+                </c:pt>
+              </c:numCache>
+            </c:numRef>
+          </c:yVal>
+          <c:smooth val="1"/>
+          <c:extLst>
+            <c:ext xmlns:c16="http://schemas.microsoft.com/office/drawing/2014/chart" uri="{C3380CC4-5D6E-409C-BE32-E72D297353CC}">
+              <c16:uniqueId val="{00000001-CA11-4DE8-B23B-3801086C3F80}"/>
+            </c:ext>
+          </c:extLst>
+        </c:ser>
+        <c:dLbls>
+          <c:showLegendKey val="0"/>
+          <c:showVal val="0"/>
+          <c:showCatName val="0"/>
+          <c:showSerName val="0"/>
+          <c:showPercent val="0"/>
+          <c:showBubbleSize val="0"/>
+        </c:dLbls>
+        <c:axId val="1683804255"/>
+        <c:axId val="1683806175"/>
+      </c:scatterChart>
+      <c:valAx>
+        <c:axId val="1683804255"/>
+        <c:scaling>
+          <c:orientation val="minMax"/>
+          <c:max val="280"/>
+        </c:scaling>
+        <c:delete val="0"/>
+        <c:axPos val="b"/>
+        <c:majorGridlines>
+          <c:spPr>
+            <a:ln w="9525" cap="flat" cmpd="sng" algn="ctr">
+              <a:solidFill>
+                <a:schemeClr val="tx1">
+                  <a:lumMod val="15000"/>
+                  <a:lumOff val="85000"/>
+                </a:schemeClr>
+              </a:solidFill>
+              <a:round/>
+            </a:ln>
+            <a:effectLst/>
+          </c:spPr>
+        </c:majorGridlines>
+        <c:majorTickMark val="none"/>
+        <c:minorTickMark val="none"/>
+        <c:tickLblPos val="nextTo"/>
+        <c:spPr>
+          <a:noFill/>
+          <a:ln w="9525" cap="flat" cmpd="sng" algn="ctr">
+            <a:solidFill>
+              <a:schemeClr val="tx1">
+                <a:lumMod val="25000"/>
+                <a:lumOff val="75000"/>
+              </a:schemeClr>
+            </a:solidFill>
+            <a:round/>
+          </a:ln>
+          <a:effectLst/>
+        </c:spPr>
+        <c:txPr>
+          <a:bodyPr rot="-60000000" spcFirstLastPara="1" vertOverflow="ellipsis" vert="horz" wrap="square" anchor="ctr" anchorCtr="1"/>
+          <a:lstStyle/>
+          <a:p>
+            <a:pPr>
+              <a:defRPr sz="900" b="0" i="0" u="none" strike="noStrike" kern="1200" baseline="0">
+                <a:solidFill>
+                  <a:schemeClr val="tx1">
+                    <a:lumMod val="65000"/>
+                    <a:lumOff val="35000"/>
+                  </a:schemeClr>
+                </a:solidFill>
+                <a:latin typeface="+mn-lt"/>
+                <a:ea typeface="+mn-ea"/>
+                <a:cs typeface="+mn-cs"/>
+              </a:defRPr>
+            </a:pPr>
+            <a:endParaRPr lang="en-US"/>
+          </a:p>
+        </c:txPr>
+        <c:crossAx val="1683806175"/>
+        <c:crosses val="autoZero"/>
+        <c:crossBetween val="midCat"/>
+      </c:valAx>
+      <c:valAx>
+        <c:axId val="1683806175"/>
+        <c:scaling>
+          <c:orientation val="minMax"/>
+        </c:scaling>
+        <c:delete val="0"/>
+        <c:axPos val="l"/>
+        <c:majorGridlines>
+          <c:spPr>
+            <a:ln w="9525" cap="flat" cmpd="sng" algn="ctr">
+              <a:solidFill>
+                <a:schemeClr val="tx1">
+                  <a:lumMod val="15000"/>
+                  <a:lumOff val="85000"/>
+                </a:schemeClr>
+              </a:solidFill>
+              <a:round/>
+            </a:ln>
+            <a:effectLst/>
+          </c:spPr>
+        </c:majorGridlines>
+        <c:numFmt formatCode="General" sourceLinked="1"/>
+        <c:majorTickMark val="none"/>
+        <c:minorTickMark val="none"/>
+        <c:tickLblPos val="nextTo"/>
+        <c:spPr>
+          <a:noFill/>
+          <a:ln w="9525" cap="flat" cmpd="sng" algn="ctr">
+            <a:solidFill>
+              <a:schemeClr val="tx1">
+                <a:lumMod val="25000"/>
+                <a:lumOff val="75000"/>
+              </a:schemeClr>
+            </a:solidFill>
+            <a:round/>
+          </a:ln>
+          <a:effectLst/>
+        </c:spPr>
+        <c:txPr>
+          <a:bodyPr rot="-60000000" spcFirstLastPara="1" vertOverflow="ellipsis" vert="horz" wrap="square" anchor="ctr" anchorCtr="1"/>
+          <a:lstStyle/>
+          <a:p>
+            <a:pPr>
+              <a:defRPr sz="900" b="0" i="0" u="none" strike="noStrike" kern="1200" baseline="0">
+                <a:solidFill>
+                  <a:schemeClr val="tx1">
+                    <a:lumMod val="65000"/>
+                    <a:lumOff val="35000"/>
+                  </a:schemeClr>
+                </a:solidFill>
+                <a:latin typeface="+mn-lt"/>
+                <a:ea typeface="+mn-ea"/>
+                <a:cs typeface="+mn-cs"/>
+              </a:defRPr>
+            </a:pPr>
+            <a:endParaRPr lang="en-US"/>
+          </a:p>
+        </c:txPr>
+        <c:crossAx val="1683804255"/>
+        <c:crosses val="autoZero"/>
+        <c:crossBetween val="midCat"/>
+      </c:valAx>
+      <c:spPr>
+        <a:noFill/>
+        <a:ln>
+          <a:noFill/>
+        </a:ln>
+        <a:effectLst/>
+      </c:spPr>
+    </c:plotArea>
+    <c:plotVisOnly val="1"/>
+    <c:dispBlanksAs val="gap"/>
+    <c:extLst>
+      <c:ext xmlns:c16r3="http://schemas.microsoft.com/office/drawing/2017/03/chart" uri="{56B9EC1D-385E-4148-901F-78D8002777C0}">
+        <c16r3:dataDisplayOptions16>
+          <c16r3:dispNaAsBlank val="1"/>
+        </c16r3:dataDisplayOptions16>
+      </c:ext>
+    </c:extLst>
+    <c:showDLblsOverMax val="0"/>
+  </c:chart>
+  <c:spPr>
+    <a:noFill/>
+    <a:ln>
+      <a:noFill/>
+    </a:ln>
+    <a:effectLst/>
+  </c:spPr>
+  <c:txPr>
+    <a:bodyPr/>
+    <a:lstStyle/>
+    <a:p>
+      <a:pPr>
+        <a:defRPr/>
+      </a:pPr>
+      <a:endParaRPr lang="en-US"/>
+    </a:p>
+  </c:txPr>
+  <c:externalData r:id="rId3">
+    <c:autoUpdate val="0"/>
+  </c:externalData>
+</c:chartSpace>
+</file>
+
+<file path=ppt/charts/colors1.xml><?xml version="1.0" encoding="utf-8"?>
+<cs:colorStyle xmlns:cs="http://schemas.microsoft.com/office/drawing/2012/chartStyle" xmlns:a="http://schemas.openxmlformats.org/drawingml/2006/main" meth="cycle" id="10">
+  <a:schemeClr val="accent1"/>
+  <a:schemeClr val="accent2"/>
+  <a:schemeClr val="accent3"/>
+  <a:schemeClr val="accent4"/>
+  <a:schemeClr val="accent5"/>
+  <a:schemeClr val="accent6"/>
+  <cs:variation/>
+  <cs:variation>
+    <a:lumMod val="60000"/>
+  </cs:variation>
+  <cs:variation>
+    <a:lumMod val="80000"/>
+    <a:lumOff val="20000"/>
+  </cs:variation>
+  <cs:variation>
+    <a:lumMod val="80000"/>
+  </cs:variation>
+  <cs:variation>
+    <a:lumMod val="60000"/>
+    <a:lumOff val="40000"/>
+  </cs:variation>
+  <cs:variation>
+    <a:lumMod val="50000"/>
+  </cs:variation>
+  <cs:variation>
+    <a:lumMod val="70000"/>
+    <a:lumOff val="30000"/>
+  </cs:variation>
+  <cs:variation>
+    <a:lumMod val="70000"/>
+  </cs:variation>
+  <cs:variation>
+    <a:lumMod val="50000"/>
+    <a:lumOff val="50000"/>
+  </cs:variation>
+</cs:colorStyle>
+</file>
+
+<file path=ppt/charts/colors2.xml><?xml version="1.0" encoding="utf-8"?>
+<cs:colorStyle xmlns:cs="http://schemas.microsoft.com/office/drawing/2012/chartStyle" xmlns:a="http://schemas.openxmlformats.org/drawingml/2006/main" meth="cycle" id="10">
+  <a:schemeClr val="accent1"/>
+  <a:schemeClr val="accent2"/>
+  <a:schemeClr val="accent3"/>
+  <a:schemeClr val="accent4"/>
+  <a:schemeClr val="accent5"/>
+  <a:schemeClr val="accent6"/>
+  <cs:variation/>
+  <cs:variation>
+    <a:lumMod val="60000"/>
+  </cs:variation>
+  <cs:variation>
+    <a:lumMod val="80000"/>
+    <a:lumOff val="20000"/>
+  </cs:variation>
+  <cs:variation>
+    <a:lumMod val="80000"/>
+  </cs:variation>
+  <cs:variation>
+    <a:lumMod val="60000"/>
+    <a:lumOff val="40000"/>
+  </cs:variation>
+  <cs:variation>
+    <a:lumMod val="50000"/>
+  </cs:variation>
+  <cs:variation>
+    <a:lumMod val="70000"/>
+    <a:lumOff val="30000"/>
+  </cs:variation>
+  <cs:variation>
+    <a:lumMod val="70000"/>
+  </cs:variation>
+  <cs:variation>
+    <a:lumMod val="50000"/>
+    <a:lumOff val="50000"/>
+  </cs:variation>
+</cs:colorStyle>
+</file>
+
+<file path=ppt/charts/style1.xml><?xml version="1.0" encoding="utf-8"?>
+<cs:chartStyle xmlns:cs="http://schemas.microsoft.com/office/drawing/2012/chartStyle" xmlns:a="http://schemas.openxmlformats.org/drawingml/2006/main" id="240">
+  <cs:axisTitle>
+    <cs:lnRef idx="0"/>
+    <cs:fillRef idx="0"/>
+    <cs:effectRef idx="0"/>
+    <cs:fontRef idx="minor">
+      <a:schemeClr val="tx1">
+        <a:lumMod val="65000"/>
+        <a:lumOff val="35000"/>
+      </a:schemeClr>
+    </cs:fontRef>
+    <cs:defRPr sz="1000" kern="1200"/>
+  </cs:axisTitle>
+  <cs:categoryAxis>
+    <cs:lnRef idx="0"/>
+    <cs:fillRef idx="0"/>
+    <cs:effectRef idx="0"/>
+    <cs:fontRef idx="minor">
+      <a:schemeClr val="tx1">
+        <a:lumMod val="65000"/>
+        <a:lumOff val="35000"/>
+      </a:schemeClr>
+    </cs:fontRef>
+    <cs:spPr>
+      <a:ln w="9525" cap="flat" cmpd="sng" algn="ctr">
+        <a:solidFill>
+          <a:schemeClr val="tx1">
+            <a:lumMod val="25000"/>
+            <a:lumOff val="75000"/>
+          </a:schemeClr>
+        </a:solidFill>
+        <a:round/>
+      </a:ln>
+    </cs:spPr>
+    <cs:defRPr sz="900" kern="1200"/>
+  </cs:categoryAxis>
+  <cs:chartArea mods="allowNoFillOverride allowNoLineOverride">
+    <cs:lnRef idx="0"/>
+    <cs:fillRef idx="0"/>
+    <cs:effectRef idx="0"/>
+    <cs:fontRef idx="minor">
+      <a:schemeClr val="tx1"/>
+    </cs:fontRef>
+    <cs:spPr>
+      <a:solidFill>
+        <a:schemeClr val="bg1"/>
+      </a:solidFill>
+      <a:ln w="9525" cap="flat" cmpd="sng" algn="ctr">
+        <a:solidFill>
+          <a:schemeClr val="tx1">
+            <a:lumMod val="15000"/>
+            <a:lumOff val="85000"/>
+          </a:schemeClr>
+        </a:solidFill>
+        <a:round/>
+      </a:ln>
+    </cs:spPr>
+    <cs:defRPr sz="1000" kern="1200"/>
+  </cs:chartArea>
+  <cs:dataLabel>
+    <cs:lnRef idx="0"/>
+    <cs:fillRef idx="0"/>
+    <cs:effectRef idx="0"/>
+    <cs:fontRef idx="minor">
+      <a:schemeClr val="tx1">
+        <a:lumMod val="75000"/>
+        <a:lumOff val="25000"/>
+      </a:schemeClr>
+    </cs:fontRef>
+    <cs:defRPr sz="900" kern="1200"/>
+  </cs:dataLabel>
+  <cs:dataLabelCallout>
+    <cs:lnRef idx="0"/>
+    <cs:fillRef idx="0"/>
+    <cs:effectRef idx="0"/>
+    <cs:fontRef idx="minor">
+      <a:schemeClr val="dk1">
+        <a:lumMod val="65000"/>
+        <a:lumOff val="35000"/>
+      </a:schemeClr>
+    </cs:fontRef>
+    <cs:spPr>
+      <a:solidFill>
+        <a:schemeClr val="lt1"/>
+      </a:solidFill>
+      <a:ln>
+        <a:solidFill>
+          <a:schemeClr val="dk1">
+            <a:lumMod val="25000"/>
+            <a:lumOff val="75000"/>
+          </a:schemeClr>
+        </a:solidFill>
+      </a:ln>
+    </cs:spPr>
+    <cs:defRPr sz="900" kern="1200"/>
+    <cs:bodyPr rot="0" spcFirstLastPara="1" vertOverflow="clip" horzOverflow="clip" vert="horz" wrap="square" lIns="36576" tIns="18288" rIns="36576" bIns="18288" anchor="ctr" anchorCtr="1">
+      <a:spAutoFit/>
+    </cs:bodyPr>
+  </cs:dataLabelCallout>
+  <cs:dataPoint>
+    <cs:lnRef idx="0"/>
+    <cs:fillRef idx="1">
+      <cs:styleClr val="auto"/>
+    </cs:fillRef>
+    <cs:effectRef idx="0"/>
+    <cs:fontRef idx="minor">
+      <a:schemeClr val="tx1"/>
+    </cs:fontRef>
+  </cs:dataPoint>
+  <cs:dataPoint3D>
+    <cs:lnRef idx="0"/>
+    <cs:fillRef idx="1">
+      <cs:styleClr val="auto"/>
+    </cs:fillRef>
+    <cs:effectRef idx="0"/>
+    <cs:fontRef idx="minor">
+      <a:schemeClr val="tx1"/>
+    </cs:fontRef>
+  </cs:dataPoint3D>
+  <cs:dataPointLine>
+    <cs:lnRef idx="0">
+      <cs:styleClr val="auto"/>
+    </cs:lnRef>
+    <cs:fillRef idx="1"/>
+    <cs:effectRef idx="0"/>
+    <cs:fontRef idx="minor">
+      <a:schemeClr val="tx1"/>
+    </cs:fontRef>
+    <cs:spPr>
+      <a:ln w="19050" cap="rnd">
+        <a:solidFill>
+          <a:schemeClr val="phClr"/>
+        </a:solidFill>
+        <a:round/>
+      </a:ln>
+    </cs:spPr>
+  </cs:dataPointLine>
+  <cs:dataPointMarker>
+    <cs:lnRef idx="0">
+      <cs:styleClr val="auto"/>
+    </cs:lnRef>
+    <cs:fillRef idx="1">
+      <cs:styleClr val="auto"/>
+    </cs:fillRef>
+    <cs:effectRef idx="0"/>
+    <cs:fontRef idx="minor">
+      <a:schemeClr val="tx1"/>
+    </cs:fontRef>
+    <cs:spPr>
+      <a:ln w="9525">
+        <a:solidFill>
+          <a:schemeClr val="phClr"/>
+        </a:solidFill>
+      </a:ln>
+    </cs:spPr>
+  </cs:dataPointMarker>
+  <cs:dataPointMarkerLayout symbol="circle" size="5"/>
+  <cs:dataPointWireframe>
+    <cs:lnRef idx="0">
+      <cs:styleClr val="auto"/>
+    </cs:lnRef>
+    <cs:fillRef idx="0"/>
+    <cs:effectRef idx="0"/>
+    <cs:fontRef idx="minor">
+      <a:schemeClr val="dk1"/>
+    </cs:fontRef>
+    <cs:spPr>
+      <a:ln w="9525" cap="rnd">
+        <a:solidFill>
+          <a:schemeClr val="phClr"/>
+        </a:solidFill>
+        <a:round/>
+      </a:ln>
+    </cs:spPr>
+  </cs:dataPointWireframe>
+  <cs:dataTable>
+    <cs:lnRef idx="0"/>
+    <cs:fillRef idx="0"/>
+    <cs:effectRef idx="0"/>
+    <cs:fontRef idx="minor">
+      <a:schemeClr val="tx1">
+        <a:lumMod val="65000"/>
+        <a:lumOff val="35000"/>
+      </a:schemeClr>
+    </cs:fontRef>
+    <cs:spPr>
+      <a:noFill/>
+      <a:ln w="9525" cap="flat" cmpd="sng" algn="ctr">
+        <a:solidFill>
+          <a:schemeClr val="tx1">
+            <a:lumMod val="15000"/>
+            <a:lumOff val="85000"/>
+          </a:schemeClr>
+        </a:solidFill>
+        <a:round/>
+      </a:ln>
+    </cs:spPr>
+    <cs:defRPr sz="900" kern="1200"/>
+  </cs:dataTable>
+  <cs:downBar>
+    <cs:lnRef idx="0"/>
+    <cs:fillRef idx="0"/>
+    <cs:effectRef idx="0"/>
+    <cs:fontRef idx="minor">
+      <a:schemeClr val="tx1"/>
+    </cs:fontRef>
+    <cs:spPr>
+      <a:solidFill>
+        <a:schemeClr val="dk1">
+          <a:lumMod val="75000"/>
+          <a:lumOff val="25000"/>
+        </a:schemeClr>
+      </a:solidFill>
+      <a:ln w="9525" cap="flat" cmpd="sng" algn="ctr">
+        <a:solidFill>
+          <a:schemeClr val="tx1">
+            <a:lumMod val="65000"/>
+            <a:lumOff val="35000"/>
+          </a:schemeClr>
+        </a:solidFill>
+        <a:round/>
+      </a:ln>
+    </cs:spPr>
+  </cs:downBar>
+  <cs:dropLine>
+    <cs:lnRef idx="0"/>
+    <cs:fillRef idx="0"/>
+    <cs:effectRef idx="0"/>
+    <cs:fontRef idx="minor">
+      <a:schemeClr val="tx1"/>
+    </cs:fontRef>
+    <cs:spPr>
+      <a:ln w="9525" cap="flat" cmpd="sng" algn="ctr">
+        <a:solidFill>
+          <a:schemeClr val="tx1">
+            <a:lumMod val="35000"/>
+            <a:lumOff val="65000"/>
+          </a:schemeClr>
+        </a:solidFill>
+        <a:round/>
+      </a:ln>
+    </cs:spPr>
+  </cs:dropLine>
+  <cs:errorBar>
+    <cs:lnRef idx="0"/>
+    <cs:fillRef idx="0"/>
+    <cs:effectRef idx="0"/>
+    <cs:fontRef idx="minor">
+      <a:schemeClr val="tx1"/>
+    </cs:fontRef>
+    <cs:spPr>
+      <a:ln w="9525" cap="flat" cmpd="sng" algn="ctr">
+        <a:solidFill>
+          <a:schemeClr val="tx1">
+            <a:lumMod val="65000"/>
+            <a:lumOff val="35000"/>
+          </a:schemeClr>
+        </a:solidFill>
+        <a:round/>
+      </a:ln>
+    </cs:spPr>
+  </cs:errorBar>
+  <cs:floor>
+    <cs:lnRef idx="0"/>
+    <cs:fillRef idx="0"/>
+    <cs:effectRef idx="0"/>
+    <cs:fontRef idx="minor">
+      <a:schemeClr val="tx1"/>
+    </cs:fontRef>
+    <cs:spPr>
+      <a:noFill/>
+      <a:ln>
+        <a:noFill/>
+      </a:ln>
+    </cs:spPr>
+  </cs:floor>
+  <cs:gridlineMajor>
+    <cs:lnRef idx="0"/>
+    <cs:fillRef idx="0"/>
+    <cs:effectRef idx="0"/>
+    <cs:fontRef idx="minor">
+      <a:schemeClr val="tx1"/>
+    </cs:fontRef>
+    <cs:spPr>
+      <a:ln w="9525" cap="flat" cmpd="sng" algn="ctr">
+        <a:solidFill>
+          <a:schemeClr val="tx1">
+            <a:lumMod val="15000"/>
+            <a:lumOff val="85000"/>
+          </a:schemeClr>
+        </a:solidFill>
+        <a:round/>
+      </a:ln>
+    </cs:spPr>
+  </cs:gridlineMajor>
+  <cs:gridlineMinor>
+    <cs:lnRef idx="0"/>
+    <cs:fillRef idx="0"/>
+    <cs:effectRef idx="0"/>
+    <cs:fontRef idx="minor">
+      <a:schemeClr val="tx1"/>
+    </cs:fontRef>
+    <cs:spPr>
+      <a:ln w="9525" cap="flat" cmpd="sng" algn="ctr">
+        <a:solidFill>
+          <a:schemeClr val="tx1">
+            <a:lumMod val="5000"/>
+            <a:lumOff val="95000"/>
+          </a:schemeClr>
+        </a:solidFill>
+        <a:round/>
+      </a:ln>
+    </cs:spPr>
+  </cs:gridlineMinor>
+  <cs:hiLoLine>
+    <cs:lnRef idx="0"/>
+    <cs:fillRef idx="0"/>
+    <cs:effectRef idx="0"/>
+    <cs:fontRef idx="minor">
+      <a:schemeClr val="tx1"/>
+    </cs:fontRef>
+    <cs:spPr>
+      <a:ln w="9525" cap="flat" cmpd="sng" algn="ctr">
+        <a:solidFill>
+          <a:schemeClr val="tx1">
+            <a:lumMod val="50000"/>
+            <a:lumOff val="50000"/>
+          </a:schemeClr>
+        </a:solidFill>
+        <a:round/>
+      </a:ln>
+    </cs:spPr>
+  </cs:hiLoLine>
+  <cs:leaderLine>
+    <cs:lnRef idx="0"/>
+    <cs:fillRef idx="0"/>
+    <cs:effectRef idx="0"/>
+    <cs:fontRef idx="minor">
+      <a:schemeClr val="tx1"/>
+    </cs:fontRef>
+    <cs:spPr>
+      <a:ln w="9525" cap="flat" cmpd="sng" algn="ctr">
+        <a:solidFill>
+          <a:schemeClr val="tx1">
+            <a:lumMod val="35000"/>
+            <a:lumOff val="65000"/>
+          </a:schemeClr>
+        </a:solidFill>
+        <a:round/>
+      </a:ln>
+    </cs:spPr>
+  </cs:leaderLine>
+  <cs:legend>
+    <cs:lnRef idx="0"/>
+    <cs:fillRef idx="0"/>
+    <cs:effectRef idx="0"/>
+    <cs:fontRef idx="minor">
+      <a:schemeClr val="tx1">
+        <a:lumMod val="65000"/>
+        <a:lumOff val="35000"/>
+      </a:schemeClr>
+    </cs:fontRef>
+    <cs:defRPr sz="900" kern="1200"/>
+  </cs:legend>
+  <cs:plotArea mods="allowNoFillOverride allowNoLineOverride">
+    <cs:lnRef idx="0"/>
+    <cs:fillRef idx="0"/>
+    <cs:effectRef idx="0"/>
+    <cs:fontRef idx="minor">
+      <a:schemeClr val="tx1"/>
+    </cs:fontRef>
+  </cs:plotArea>
+  <cs:plotArea3D mods="allowNoFillOverride allowNoLineOverride">
+    <cs:lnRef idx="0"/>
+    <cs:fillRef idx="0"/>
+    <cs:effectRef idx="0"/>
+    <cs:fontRef idx="minor">
+      <a:schemeClr val="tx1"/>
+    </cs:fontRef>
+  </cs:plotArea3D>
+  <cs:seriesAxis>
+    <cs:lnRef idx="0"/>
+    <cs:fillRef idx="0"/>
+    <cs:effectRef idx="0"/>
+    <cs:fontRef idx="minor">
+      <a:schemeClr val="tx1">
+        <a:lumMod val="65000"/>
+        <a:lumOff val="35000"/>
+      </a:schemeClr>
+    </cs:fontRef>
+    <cs:defRPr sz="900" kern="1200"/>
+  </cs:seriesAxis>
+  <cs:seriesLine>
+    <cs:lnRef idx="0"/>
+    <cs:fillRef idx="0"/>
+    <cs:effectRef idx="0"/>
+    <cs:fontRef idx="minor">
+      <a:schemeClr val="tx1"/>
+    </cs:fontRef>
+    <cs:spPr>
+      <a:ln w="9525" cap="flat" cmpd="sng" algn="ctr">
+        <a:solidFill>
+          <a:schemeClr val="tx1">
+            <a:lumMod val="35000"/>
+            <a:lumOff val="65000"/>
+          </a:schemeClr>
+        </a:solidFill>
+        <a:round/>
+      </a:ln>
+    </cs:spPr>
+  </cs:seriesLine>
+  <cs:title>
+    <cs:lnRef idx="0"/>
+    <cs:fillRef idx="0"/>
+    <cs:effectRef idx="0"/>
+    <cs:fontRef idx="minor">
+      <a:schemeClr val="tx1">
+        <a:lumMod val="65000"/>
+        <a:lumOff val="35000"/>
+      </a:schemeClr>
+    </cs:fontRef>
+    <cs:defRPr sz="1400" b="0" kern="1200" spc="0" baseline="0"/>
+  </cs:title>
+  <cs:trendline>
+    <cs:lnRef idx="0">
+      <cs:styleClr val="auto"/>
+    </cs:lnRef>
+    <cs:fillRef idx="0"/>
+    <cs:effectRef idx="0"/>
+    <cs:fontRef idx="minor">
+      <a:schemeClr val="tx1"/>
+    </cs:fontRef>
+    <cs:spPr>
+      <a:ln w="19050" cap="rnd">
+        <a:solidFill>
+          <a:schemeClr val="phClr"/>
+        </a:solidFill>
+        <a:prstDash val="sysDot"/>
+      </a:ln>
+    </cs:spPr>
+  </cs:trendline>
+  <cs:trendlineLabel>
+    <cs:lnRef idx="0"/>
+    <cs:fillRef idx="0"/>
+    <cs:effectRef idx="0"/>
+    <cs:fontRef idx="minor">
+      <a:schemeClr val="tx1">
+        <a:lumMod val="65000"/>
+        <a:lumOff val="35000"/>
+      </a:schemeClr>
+    </cs:fontRef>
+    <cs:defRPr sz="900" kern="1200"/>
+  </cs:trendlineLabel>
+  <cs:upBar>
+    <cs:lnRef idx="0"/>
+    <cs:fillRef idx="0"/>
+    <cs:effectRef idx="0"/>
+    <cs:fontRef idx="minor">
+      <a:schemeClr val="tx1"/>
+    </cs:fontRef>
+    <cs:spPr>
+      <a:solidFill>
+        <a:schemeClr val="lt1"/>
+      </a:solidFill>
+      <a:ln w="9525" cap="flat" cmpd="sng" algn="ctr">
+        <a:solidFill>
+          <a:schemeClr val="tx1">
+            <a:lumMod val="65000"/>
+            <a:lumOff val="35000"/>
+          </a:schemeClr>
+        </a:solidFill>
+        <a:round/>
+      </a:ln>
+    </cs:spPr>
+  </cs:upBar>
+  <cs:valueAxis>
+    <cs:lnRef idx="0"/>
+    <cs:fillRef idx="0"/>
+    <cs:effectRef idx="0"/>
+    <cs:fontRef idx="minor">
+      <a:schemeClr val="tx1">
+        <a:lumMod val="65000"/>
+        <a:lumOff val="35000"/>
+      </a:schemeClr>
+    </cs:fontRef>
+    <cs:spPr>
+      <a:ln w="9525" cap="flat" cmpd="sng" algn="ctr">
+        <a:solidFill>
+          <a:schemeClr val="tx1">
+            <a:lumMod val="25000"/>
+            <a:lumOff val="75000"/>
+          </a:schemeClr>
+        </a:solidFill>
+        <a:round/>
+      </a:ln>
+    </cs:spPr>
+    <cs:defRPr sz="900" kern="1200"/>
+  </cs:valueAxis>
+  <cs:wall>
+    <cs:lnRef idx="0"/>
+    <cs:fillRef idx="0"/>
+    <cs:effectRef idx="0"/>
+    <cs:fontRef idx="minor">
+      <a:schemeClr val="tx1"/>
+    </cs:fontRef>
+    <cs:spPr>
+      <a:noFill/>
+      <a:ln>
+        <a:noFill/>
+      </a:ln>
+    </cs:spPr>
+  </cs:wall>
+</cs:chartStyle>
+</file>
+
+<file path=ppt/charts/style2.xml><?xml version="1.0" encoding="utf-8"?>
+<cs:chartStyle xmlns:cs="http://schemas.microsoft.com/office/drawing/2012/chartStyle" xmlns:a="http://schemas.openxmlformats.org/drawingml/2006/main" id="240">
+  <cs:axisTitle>
+    <cs:lnRef idx="0"/>
+    <cs:fillRef idx="0"/>
+    <cs:effectRef idx="0"/>
+    <cs:fontRef idx="minor">
+      <a:schemeClr val="tx1">
+        <a:lumMod val="65000"/>
+        <a:lumOff val="35000"/>
+      </a:schemeClr>
+    </cs:fontRef>
+    <cs:defRPr sz="1000" kern="1200"/>
+  </cs:axisTitle>
+  <cs:categoryAxis>
+    <cs:lnRef idx="0"/>
+    <cs:fillRef idx="0"/>
+    <cs:effectRef idx="0"/>
+    <cs:fontRef idx="minor">
+      <a:schemeClr val="tx1">
+        <a:lumMod val="65000"/>
+        <a:lumOff val="35000"/>
+      </a:schemeClr>
+    </cs:fontRef>
+    <cs:spPr>
+      <a:ln w="9525" cap="flat" cmpd="sng" algn="ctr">
+        <a:solidFill>
+          <a:schemeClr val="tx1">
+            <a:lumMod val="25000"/>
+            <a:lumOff val="75000"/>
+          </a:schemeClr>
+        </a:solidFill>
+        <a:round/>
+      </a:ln>
+    </cs:spPr>
+    <cs:defRPr sz="900" kern="1200"/>
+  </cs:categoryAxis>
+  <cs:chartArea mods="allowNoFillOverride allowNoLineOverride">
+    <cs:lnRef idx="0"/>
+    <cs:fillRef idx="0"/>
+    <cs:effectRef idx="0"/>
+    <cs:fontRef idx="minor">
+      <a:schemeClr val="tx1"/>
+    </cs:fontRef>
+    <cs:spPr>
+      <a:solidFill>
+        <a:schemeClr val="bg1"/>
+      </a:solidFill>
+      <a:ln w="9525" cap="flat" cmpd="sng" algn="ctr">
+        <a:solidFill>
+          <a:schemeClr val="tx1">
+            <a:lumMod val="15000"/>
+            <a:lumOff val="85000"/>
+          </a:schemeClr>
+        </a:solidFill>
+        <a:round/>
+      </a:ln>
+    </cs:spPr>
+    <cs:defRPr sz="1000" kern="1200"/>
+  </cs:chartArea>
+  <cs:dataLabel>
+    <cs:lnRef idx="0"/>
+    <cs:fillRef idx="0"/>
+    <cs:effectRef idx="0"/>
+    <cs:fontRef idx="minor">
+      <a:schemeClr val="tx1">
+        <a:lumMod val="75000"/>
+        <a:lumOff val="25000"/>
+      </a:schemeClr>
+    </cs:fontRef>
+    <cs:defRPr sz="900" kern="1200"/>
+  </cs:dataLabel>
+  <cs:dataLabelCallout>
+    <cs:lnRef idx="0"/>
+    <cs:fillRef idx="0"/>
+    <cs:effectRef idx="0"/>
+    <cs:fontRef idx="minor">
+      <a:schemeClr val="dk1">
+        <a:lumMod val="65000"/>
+        <a:lumOff val="35000"/>
+      </a:schemeClr>
+    </cs:fontRef>
+    <cs:spPr>
+      <a:solidFill>
+        <a:schemeClr val="lt1"/>
+      </a:solidFill>
+      <a:ln>
+        <a:solidFill>
+          <a:schemeClr val="dk1">
+            <a:lumMod val="25000"/>
+            <a:lumOff val="75000"/>
+          </a:schemeClr>
+        </a:solidFill>
+      </a:ln>
+    </cs:spPr>
+    <cs:defRPr sz="900" kern="1200"/>
+    <cs:bodyPr rot="0" spcFirstLastPara="1" vertOverflow="clip" horzOverflow="clip" vert="horz" wrap="square" lIns="36576" tIns="18288" rIns="36576" bIns="18288" anchor="ctr" anchorCtr="1">
+      <a:spAutoFit/>
+    </cs:bodyPr>
+  </cs:dataLabelCallout>
+  <cs:dataPoint>
+    <cs:lnRef idx="0"/>
+    <cs:fillRef idx="1">
+      <cs:styleClr val="auto"/>
+    </cs:fillRef>
+    <cs:effectRef idx="0"/>
+    <cs:fontRef idx="minor">
+      <a:schemeClr val="tx1"/>
+    </cs:fontRef>
+  </cs:dataPoint>
+  <cs:dataPoint3D>
+    <cs:lnRef idx="0"/>
+    <cs:fillRef idx="1">
+      <cs:styleClr val="auto"/>
+    </cs:fillRef>
+    <cs:effectRef idx="0"/>
+    <cs:fontRef idx="minor">
+      <a:schemeClr val="tx1"/>
+    </cs:fontRef>
+  </cs:dataPoint3D>
+  <cs:dataPointLine>
+    <cs:lnRef idx="0">
+      <cs:styleClr val="auto"/>
+    </cs:lnRef>
+    <cs:fillRef idx="1"/>
+    <cs:effectRef idx="0"/>
+    <cs:fontRef idx="minor">
+      <a:schemeClr val="tx1"/>
+    </cs:fontRef>
+    <cs:spPr>
+      <a:ln w="19050" cap="rnd">
+        <a:solidFill>
+          <a:schemeClr val="phClr"/>
+        </a:solidFill>
+        <a:round/>
+      </a:ln>
+    </cs:spPr>
+  </cs:dataPointLine>
+  <cs:dataPointMarker>
+    <cs:lnRef idx="0">
+      <cs:styleClr val="auto"/>
+    </cs:lnRef>
+    <cs:fillRef idx="1">
+      <cs:styleClr val="auto"/>
+    </cs:fillRef>
+    <cs:effectRef idx="0"/>
+    <cs:fontRef idx="minor">
+      <a:schemeClr val="tx1"/>
+    </cs:fontRef>
+    <cs:spPr>
+      <a:ln w="9525">
+        <a:solidFill>
+          <a:schemeClr val="phClr"/>
+        </a:solidFill>
+      </a:ln>
+    </cs:spPr>
+  </cs:dataPointMarker>
+  <cs:dataPointMarkerLayout symbol="circle" size="5"/>
+  <cs:dataPointWireframe>
+    <cs:lnRef idx="0">
+      <cs:styleClr val="auto"/>
+    </cs:lnRef>
+    <cs:fillRef idx="0"/>
+    <cs:effectRef idx="0"/>
+    <cs:fontRef idx="minor">
+      <a:schemeClr val="dk1"/>
+    </cs:fontRef>
+    <cs:spPr>
+      <a:ln w="9525" cap="rnd">
+        <a:solidFill>
+          <a:schemeClr val="phClr"/>
+        </a:solidFill>
+        <a:round/>
+      </a:ln>
+    </cs:spPr>
+  </cs:dataPointWireframe>
+  <cs:dataTable>
+    <cs:lnRef idx="0"/>
+    <cs:fillRef idx="0"/>
+    <cs:effectRef idx="0"/>
+    <cs:fontRef idx="minor">
+      <a:schemeClr val="tx1">
+        <a:lumMod val="65000"/>
+        <a:lumOff val="35000"/>
+      </a:schemeClr>
+    </cs:fontRef>
+    <cs:spPr>
+      <a:noFill/>
+      <a:ln w="9525" cap="flat" cmpd="sng" algn="ctr">
+        <a:solidFill>
+          <a:schemeClr val="tx1">
+            <a:lumMod val="15000"/>
+            <a:lumOff val="85000"/>
+          </a:schemeClr>
+        </a:solidFill>
+        <a:round/>
+      </a:ln>
+    </cs:spPr>
+    <cs:defRPr sz="900" kern="1200"/>
+  </cs:dataTable>
+  <cs:downBar>
+    <cs:lnRef idx="0"/>
+    <cs:fillRef idx="0"/>
+    <cs:effectRef idx="0"/>
+    <cs:fontRef idx="minor">
+      <a:schemeClr val="tx1"/>
+    </cs:fontRef>
+    <cs:spPr>
+      <a:solidFill>
+        <a:schemeClr val="dk1">
+          <a:lumMod val="75000"/>
+          <a:lumOff val="25000"/>
+        </a:schemeClr>
+      </a:solidFill>
+      <a:ln w="9525" cap="flat" cmpd="sng" algn="ctr">
+        <a:solidFill>
+          <a:schemeClr val="tx1">
+            <a:lumMod val="65000"/>
+            <a:lumOff val="35000"/>
+          </a:schemeClr>
+        </a:solidFill>
+        <a:round/>
+      </a:ln>
+    </cs:spPr>
+  </cs:downBar>
+  <cs:dropLine>
+    <cs:lnRef idx="0"/>
+    <cs:fillRef idx="0"/>
+    <cs:effectRef idx="0"/>
+    <cs:fontRef idx="minor">
+      <a:schemeClr val="tx1"/>
+    </cs:fontRef>
+    <cs:spPr>
+      <a:ln w="9525" cap="flat" cmpd="sng" algn="ctr">
+        <a:solidFill>
+          <a:schemeClr val="tx1">
+            <a:lumMod val="35000"/>
+            <a:lumOff val="65000"/>
+          </a:schemeClr>
+        </a:solidFill>
+        <a:round/>
+      </a:ln>
+    </cs:spPr>
+  </cs:dropLine>
+  <cs:errorBar>
+    <cs:lnRef idx="0"/>
+    <cs:fillRef idx="0"/>
+    <cs:effectRef idx="0"/>
+    <cs:fontRef idx="minor">
+      <a:schemeClr val="tx1"/>
+    </cs:fontRef>
+    <cs:spPr>
+      <a:ln w="9525" cap="flat" cmpd="sng" algn="ctr">
+        <a:solidFill>
+          <a:schemeClr val="tx1">
+            <a:lumMod val="65000"/>
+            <a:lumOff val="35000"/>
+          </a:schemeClr>
+        </a:solidFill>
+        <a:round/>
+      </a:ln>
+    </cs:spPr>
+  </cs:errorBar>
+  <cs:floor>
+    <cs:lnRef idx="0"/>
+    <cs:fillRef idx="0"/>
+    <cs:effectRef idx="0"/>
+    <cs:fontRef idx="minor">
+      <a:schemeClr val="tx1"/>
+    </cs:fontRef>
+    <cs:spPr>
+      <a:noFill/>
+      <a:ln>
+        <a:noFill/>
+      </a:ln>
+    </cs:spPr>
+  </cs:floor>
+  <cs:gridlineMajor>
+    <cs:lnRef idx="0"/>
+    <cs:fillRef idx="0"/>
+    <cs:effectRef idx="0"/>
+    <cs:fontRef idx="minor">
+      <a:schemeClr val="tx1"/>
+    </cs:fontRef>
+    <cs:spPr>
+      <a:ln w="9525" cap="flat" cmpd="sng" algn="ctr">
+        <a:solidFill>
+          <a:schemeClr val="tx1">
+            <a:lumMod val="15000"/>
+            <a:lumOff val="85000"/>
+          </a:schemeClr>
+        </a:solidFill>
+        <a:round/>
+      </a:ln>
+    </cs:spPr>
+  </cs:gridlineMajor>
+  <cs:gridlineMinor>
+    <cs:lnRef idx="0"/>
+    <cs:fillRef idx="0"/>
+    <cs:effectRef idx="0"/>
+    <cs:fontRef idx="minor">
+      <a:schemeClr val="tx1"/>
+    </cs:fontRef>
+    <cs:spPr>
+      <a:ln w="9525" cap="flat" cmpd="sng" algn="ctr">
+        <a:solidFill>
+          <a:schemeClr val="tx1">
+            <a:lumMod val="5000"/>
+            <a:lumOff val="95000"/>
+          </a:schemeClr>
+        </a:solidFill>
+        <a:round/>
+      </a:ln>
+    </cs:spPr>
+  </cs:gridlineMinor>
+  <cs:hiLoLine>
+    <cs:lnRef idx="0"/>
+    <cs:fillRef idx="0"/>
+    <cs:effectRef idx="0"/>
+    <cs:fontRef idx="minor">
+      <a:schemeClr val="tx1"/>
+    </cs:fontRef>
+    <cs:spPr>
+      <a:ln w="9525" cap="flat" cmpd="sng" algn="ctr">
+        <a:solidFill>
+          <a:schemeClr val="tx1">
+            <a:lumMod val="50000"/>
+            <a:lumOff val="50000"/>
+          </a:schemeClr>
+        </a:solidFill>
+        <a:round/>
+      </a:ln>
+    </cs:spPr>
+  </cs:hiLoLine>
+  <cs:leaderLine>
+    <cs:lnRef idx="0"/>
+    <cs:fillRef idx="0"/>
+    <cs:effectRef idx="0"/>
+    <cs:fontRef idx="minor">
+      <a:schemeClr val="tx1"/>
+    </cs:fontRef>
+    <cs:spPr>
+      <a:ln w="9525" cap="flat" cmpd="sng" algn="ctr">
+        <a:solidFill>
+          <a:schemeClr val="tx1">
+            <a:lumMod val="35000"/>
+            <a:lumOff val="65000"/>
+          </a:schemeClr>
+        </a:solidFill>
+        <a:round/>
+      </a:ln>
+    </cs:spPr>
+  </cs:leaderLine>
+  <cs:legend>
+    <cs:lnRef idx="0"/>
+    <cs:fillRef idx="0"/>
+    <cs:effectRef idx="0"/>
+    <cs:fontRef idx="minor">
+      <a:schemeClr val="tx1">
+        <a:lumMod val="65000"/>
+        <a:lumOff val="35000"/>
+      </a:schemeClr>
+    </cs:fontRef>
+    <cs:defRPr sz="900" kern="1200"/>
+  </cs:legend>
+  <cs:plotArea mods="allowNoFillOverride allowNoLineOverride">
+    <cs:lnRef idx="0"/>
+    <cs:fillRef idx="0"/>
+    <cs:effectRef idx="0"/>
+    <cs:fontRef idx="minor">
+      <a:schemeClr val="tx1"/>
+    </cs:fontRef>
+  </cs:plotArea>
+  <cs:plotArea3D mods="allowNoFillOverride allowNoLineOverride">
+    <cs:lnRef idx="0"/>
+    <cs:fillRef idx="0"/>
+    <cs:effectRef idx="0"/>
+    <cs:fontRef idx="minor">
+      <a:schemeClr val="tx1"/>
+    </cs:fontRef>
+  </cs:plotArea3D>
+  <cs:seriesAxis>
+    <cs:lnRef idx="0"/>
+    <cs:fillRef idx="0"/>
+    <cs:effectRef idx="0"/>
+    <cs:fontRef idx="minor">
+      <a:schemeClr val="tx1">
+        <a:lumMod val="65000"/>
+        <a:lumOff val="35000"/>
+      </a:schemeClr>
+    </cs:fontRef>
+    <cs:defRPr sz="900" kern="1200"/>
+  </cs:seriesAxis>
+  <cs:seriesLine>
+    <cs:lnRef idx="0"/>
+    <cs:fillRef idx="0"/>
+    <cs:effectRef idx="0"/>
+    <cs:fontRef idx="minor">
+      <a:schemeClr val="tx1"/>
+    </cs:fontRef>
+    <cs:spPr>
+      <a:ln w="9525" cap="flat" cmpd="sng" algn="ctr">
+        <a:solidFill>
+          <a:schemeClr val="tx1">
+            <a:lumMod val="35000"/>
+            <a:lumOff val="65000"/>
+          </a:schemeClr>
+        </a:solidFill>
+        <a:round/>
+      </a:ln>
+    </cs:spPr>
+  </cs:seriesLine>
+  <cs:title>
+    <cs:lnRef idx="0"/>
+    <cs:fillRef idx="0"/>
+    <cs:effectRef idx="0"/>
+    <cs:fontRef idx="minor">
+      <a:schemeClr val="tx1">
+        <a:lumMod val="65000"/>
+        <a:lumOff val="35000"/>
+      </a:schemeClr>
+    </cs:fontRef>
+    <cs:defRPr sz="1400" b="0" kern="1200" spc="0" baseline="0"/>
+  </cs:title>
+  <cs:trendline>
+    <cs:lnRef idx="0">
+      <cs:styleClr val="auto"/>
+    </cs:lnRef>
+    <cs:fillRef idx="0"/>
+    <cs:effectRef idx="0"/>
+    <cs:fontRef idx="minor">
+      <a:schemeClr val="tx1"/>
+    </cs:fontRef>
+    <cs:spPr>
+      <a:ln w="19050" cap="rnd">
+        <a:solidFill>
+          <a:schemeClr val="phClr"/>
+        </a:solidFill>
+        <a:prstDash val="sysDot"/>
+      </a:ln>
+    </cs:spPr>
+  </cs:trendline>
+  <cs:trendlineLabel>
+    <cs:lnRef idx="0"/>
+    <cs:fillRef idx="0"/>
+    <cs:effectRef idx="0"/>
+    <cs:fontRef idx="minor">
+      <a:schemeClr val="tx1">
+        <a:lumMod val="65000"/>
+        <a:lumOff val="35000"/>
+      </a:schemeClr>
+    </cs:fontRef>
+    <cs:defRPr sz="900" kern="1200"/>
+  </cs:trendlineLabel>
+  <cs:upBar>
+    <cs:lnRef idx="0"/>
+    <cs:fillRef idx="0"/>
+    <cs:effectRef idx="0"/>
+    <cs:fontRef idx="minor">
+      <a:schemeClr val="tx1"/>
+    </cs:fontRef>
+    <cs:spPr>
+      <a:solidFill>
+        <a:schemeClr val="lt1"/>
+      </a:solidFill>
+      <a:ln w="9525" cap="flat" cmpd="sng" algn="ctr">
+        <a:solidFill>
+          <a:schemeClr val="tx1">
+            <a:lumMod val="65000"/>
+            <a:lumOff val="35000"/>
+          </a:schemeClr>
+        </a:solidFill>
+        <a:round/>
+      </a:ln>
+    </cs:spPr>
+  </cs:upBar>
+  <cs:valueAxis>
+    <cs:lnRef idx="0"/>
+    <cs:fillRef idx="0"/>
+    <cs:effectRef idx="0"/>
+    <cs:fontRef idx="minor">
+      <a:schemeClr val="tx1">
+        <a:lumMod val="65000"/>
+        <a:lumOff val="35000"/>
+      </a:schemeClr>
+    </cs:fontRef>
+    <cs:spPr>
+      <a:ln w="9525" cap="flat" cmpd="sng" algn="ctr">
+        <a:solidFill>
+          <a:schemeClr val="tx1">
+            <a:lumMod val="25000"/>
+            <a:lumOff val="75000"/>
+          </a:schemeClr>
+        </a:solidFill>
+        <a:round/>
+      </a:ln>
+    </cs:spPr>
+    <cs:defRPr sz="900" kern="1200"/>
+  </cs:valueAxis>
+  <cs:wall>
+    <cs:lnRef idx="0"/>
+    <cs:fillRef idx="0"/>
+    <cs:effectRef idx="0"/>
+    <cs:fontRef idx="minor">
+      <a:schemeClr val="tx1"/>
+    </cs:fontRef>
+    <cs:spPr>
+      <a:noFill/>
+      <a:ln>
+        <a:noFill/>
+      </a:ln>
+    </cs:spPr>
+  </cs:wall>
+</cs:chartStyle>
 </file>
 
 <file path=ppt/ink/ink1.xml><?xml version="1.0" encoding="utf-8"?>
@@ -834,7 +4757,7 @@
           <a:p>
             <a:fld id="{06F3406E-E051-43FD-BE07-57F9DFC74A63}" type="datetimeFigureOut">
               <a:rPr lang="en-US" smtClean="0"/>
-              <a:t>6/12/2025</a:t>
+              <a:t>6/13/2025</a:t>
             </a:fld>
             <a:endParaRPr lang="en-US"/>
           </a:p>
@@ -1166,7 +5089,7 @@
           <a:p>
             <a:fld id="{AFB73065-EE1C-4A0B-8743-A2AD4AB2CEAC}" type="slidenum">
               <a:rPr lang="en-US" smtClean="0"/>
-              <a:t>20</a:t>
+              <a:t>23</a:t>
             </a:fld>
             <a:endParaRPr lang="en-US"/>
           </a:p>
@@ -1332,7 +5255,7 @@
           <a:p>
             <a:fld id="{4477B12C-E1D3-4618-BF49-56692E878129}" type="datetimeFigureOut">
               <a:rPr lang="en-US" smtClean="0"/>
-              <a:t>6/12/2025</a:t>
+              <a:t>6/13/2025</a:t>
             </a:fld>
             <a:endParaRPr lang="en-US"/>
           </a:p>
@@ -1530,7 +5453,7 @@
           <a:p>
             <a:fld id="{4477B12C-E1D3-4618-BF49-56692E878129}" type="datetimeFigureOut">
               <a:rPr lang="en-US" smtClean="0"/>
-              <a:t>6/12/2025</a:t>
+              <a:t>6/13/2025</a:t>
             </a:fld>
             <a:endParaRPr lang="en-US"/>
           </a:p>
@@ -1738,7 +5661,7 @@
           <a:p>
             <a:fld id="{4477B12C-E1D3-4618-BF49-56692E878129}" type="datetimeFigureOut">
               <a:rPr lang="en-US" smtClean="0"/>
-              <a:t>6/12/2025</a:t>
+              <a:t>6/13/2025</a:t>
             </a:fld>
             <a:endParaRPr lang="en-US"/>
           </a:p>
@@ -1936,7 +5859,7 @@
           <a:p>
             <a:fld id="{4477B12C-E1D3-4618-BF49-56692E878129}" type="datetimeFigureOut">
               <a:rPr lang="en-US" smtClean="0"/>
-              <a:t>6/12/2025</a:t>
+              <a:t>6/13/2025</a:t>
             </a:fld>
             <a:endParaRPr lang="en-US"/>
           </a:p>
@@ -2211,7 +6134,7 @@
           <a:p>
             <a:fld id="{4477B12C-E1D3-4618-BF49-56692E878129}" type="datetimeFigureOut">
               <a:rPr lang="en-US" smtClean="0"/>
-              <a:t>6/12/2025</a:t>
+              <a:t>6/13/2025</a:t>
             </a:fld>
             <a:endParaRPr lang="en-US"/>
           </a:p>
@@ -2476,7 +6399,7 @@
           <a:p>
             <a:fld id="{4477B12C-E1D3-4618-BF49-56692E878129}" type="datetimeFigureOut">
               <a:rPr lang="en-US" smtClean="0"/>
-              <a:t>6/12/2025</a:t>
+              <a:t>6/13/2025</a:t>
             </a:fld>
             <a:endParaRPr lang="en-US"/>
           </a:p>
@@ -2888,7 +6811,7 @@
           <a:p>
             <a:fld id="{4477B12C-E1D3-4618-BF49-56692E878129}" type="datetimeFigureOut">
               <a:rPr lang="en-US" smtClean="0"/>
-              <a:t>6/12/2025</a:t>
+              <a:t>6/13/2025</a:t>
             </a:fld>
             <a:endParaRPr lang="en-US"/>
           </a:p>
@@ -3029,7 +6952,7 @@
           <a:p>
             <a:fld id="{4477B12C-E1D3-4618-BF49-56692E878129}" type="datetimeFigureOut">
               <a:rPr lang="en-US" smtClean="0"/>
-              <a:t>6/12/2025</a:t>
+              <a:t>6/13/2025</a:t>
             </a:fld>
             <a:endParaRPr lang="en-US"/>
           </a:p>
@@ -3142,7 +7065,7 @@
           <a:p>
             <a:fld id="{4477B12C-E1D3-4618-BF49-56692E878129}" type="datetimeFigureOut">
               <a:rPr lang="en-US" smtClean="0"/>
-              <a:t>6/12/2025</a:t>
+              <a:t>6/13/2025</a:t>
             </a:fld>
             <a:endParaRPr lang="en-US"/>
           </a:p>
@@ -3453,7 +7376,7 @@
           <a:p>
             <a:fld id="{4477B12C-E1D3-4618-BF49-56692E878129}" type="datetimeFigureOut">
               <a:rPr lang="en-US" smtClean="0"/>
-              <a:t>6/12/2025</a:t>
+              <a:t>6/13/2025</a:t>
             </a:fld>
             <a:endParaRPr lang="en-US"/>
           </a:p>
@@ -3741,7 +7664,7 @@
           <a:p>
             <a:fld id="{4477B12C-E1D3-4618-BF49-56692E878129}" type="datetimeFigureOut">
               <a:rPr lang="en-US" smtClean="0"/>
-              <a:t>6/12/2025</a:t>
+              <a:t>6/13/2025</a:t>
             </a:fld>
             <a:endParaRPr lang="en-US"/>
           </a:p>
@@ -3982,7 +7905,7 @@
           <a:p>
             <a:fld id="{4477B12C-E1D3-4618-BF49-56692E878129}" type="datetimeFigureOut">
               <a:rPr lang="en-US" smtClean="0"/>
-              <a:t>6/12/2025</a:t>
+              <a:t>6/13/2025</a:t>
             </a:fld>
             <a:endParaRPr lang="en-US"/>
           </a:p>
@@ -4573,6 +8496,446 @@
           <p:cNvPr id="2" name="Title 1">
             <a:extLst>
               <a:ext uri="{FF2B5EF4-FFF2-40B4-BE49-F238E27FC236}">
+                <a16:creationId xmlns:a16="http://schemas.microsoft.com/office/drawing/2014/main" id="{55028AF4-5EB3-3C4A-8456-19632B4EEAFE}"/>
+              </a:ext>
+            </a:extLst>
+          </p:cNvPr>
+          <p:cNvSpPr>
+            <a:spLocks noGrp="1"/>
+          </p:cNvSpPr>
+          <p:nvPr>
+            <p:ph type="title"/>
+          </p:nvPr>
+        </p:nvSpPr>
+        <p:spPr/>
+        <p:txBody>
+          <a:bodyPr/>
+          <a:lstStyle/>
+          <a:p>
+            <a:r>
+              <a:rPr lang="en-US" dirty="0"/>
+              <a:t>Jadi PID control </a:t>
+            </a:r>
+            <a:r>
+              <a:rPr lang="en-US" dirty="0" err="1"/>
+              <a:t>itu</a:t>
+            </a:r>
+            <a:r>
+              <a:rPr lang="en-US" dirty="0"/>
+              <a:t> </a:t>
+            </a:r>
+            <a:r>
+              <a:rPr lang="en-US" dirty="0" err="1"/>
+              <a:t>terdiri</a:t>
+            </a:r>
+            <a:r>
+              <a:rPr lang="en-US" dirty="0"/>
+              <a:t> </a:t>
+            </a:r>
+            <a:r>
+              <a:rPr lang="en-US" dirty="0" err="1"/>
+              <a:t>dari</a:t>
+            </a:r>
+            <a:r>
+              <a:rPr lang="en-US" dirty="0"/>
+              <a:t> </a:t>
+            </a:r>
+            <a:r>
+              <a:rPr lang="en-US" dirty="0" err="1"/>
+              <a:t>tiga</a:t>
+            </a:r>
+            <a:endParaRPr lang="en-US" dirty="0"/>
+          </a:p>
+        </p:txBody>
+      </p:sp>
+      <p:sp>
+        <p:nvSpPr>
+          <p:cNvPr id="3" name="Content Placeholder 2">
+            <a:extLst>
+              <a:ext uri="{FF2B5EF4-FFF2-40B4-BE49-F238E27FC236}">
+                <a16:creationId xmlns:a16="http://schemas.microsoft.com/office/drawing/2014/main" id="{106D3291-DC48-7F7B-C40F-163459ECA759}"/>
+              </a:ext>
+            </a:extLst>
+          </p:cNvPr>
+          <p:cNvSpPr>
+            <a:spLocks noGrp="1"/>
+          </p:cNvSpPr>
+          <p:nvPr>
+            <p:ph idx="1"/>
+          </p:nvPr>
+        </p:nvSpPr>
+        <p:spPr/>
+        <p:txBody>
+          <a:bodyPr/>
+          <a:lstStyle/>
+          <a:p>
+            <a:r>
+              <a:rPr lang="en-US" dirty="0"/>
+              <a:t>Proportional Control</a:t>
+            </a:r>
+          </a:p>
+          <a:p>
+            <a:r>
+              <a:rPr lang="en-US" dirty="0"/>
+              <a:t>Integral Control</a:t>
+            </a:r>
+          </a:p>
+          <a:p>
+            <a:r>
+              <a:rPr lang="en-US" dirty="0"/>
+              <a:t>Derivative Control</a:t>
+            </a:r>
+          </a:p>
+        </p:txBody>
+      </p:sp>
+    </p:spTree>
+    <p:extLst>
+      <p:ext uri="{BB962C8B-B14F-4D97-AF65-F5344CB8AC3E}">
+        <p14:creationId xmlns:p14="http://schemas.microsoft.com/office/powerpoint/2010/main" val="3306252254"/>
+      </p:ext>
+    </p:extLst>
+  </p:cSld>
+  <p:clrMapOvr>
+    <a:masterClrMapping/>
+  </p:clrMapOvr>
+</p:sld>
+</file>
+
+<file path=ppt/slides/slide11.xml><?xml version="1.0" encoding="utf-8"?>
+<p:sld xmlns:a="http://schemas.openxmlformats.org/drawingml/2006/main" xmlns:r="http://schemas.openxmlformats.org/officeDocument/2006/relationships" xmlns:p="http://schemas.openxmlformats.org/presentationml/2006/main">
+  <p:cSld>
+    <p:spTree>
+      <p:nvGrpSpPr>
+        <p:cNvPr id="1" name=""/>
+        <p:cNvGrpSpPr/>
+        <p:nvPr/>
+      </p:nvGrpSpPr>
+      <p:grpSpPr>
+        <a:xfrm>
+          <a:off x="0" y="0"/>
+          <a:ext cx="0" cy="0"/>
+          <a:chOff x="0" y="0"/>
+          <a:chExt cx="0" cy="0"/>
+        </a:xfrm>
+      </p:grpSpPr>
+      <p:sp>
+        <p:nvSpPr>
+          <p:cNvPr id="2" name="Title 1">
+            <a:extLst>
+              <a:ext uri="{FF2B5EF4-FFF2-40B4-BE49-F238E27FC236}">
+                <a16:creationId xmlns:a16="http://schemas.microsoft.com/office/drawing/2014/main" id="{FA1B5C5B-1856-6015-27AD-CA2A46E830E4}"/>
+              </a:ext>
+            </a:extLst>
+          </p:cNvPr>
+          <p:cNvSpPr>
+            <a:spLocks noGrp="1"/>
+          </p:cNvSpPr>
+          <p:nvPr>
+            <p:ph type="title"/>
+          </p:nvPr>
+        </p:nvSpPr>
+        <p:spPr/>
+        <p:txBody>
+          <a:bodyPr/>
+          <a:lstStyle/>
+          <a:p>
+            <a:r>
+              <a:rPr lang="en-US" dirty="0" err="1"/>
+              <a:t>Sebelum</a:t>
+            </a:r>
+            <a:r>
+              <a:rPr lang="en-US" dirty="0"/>
+              <a:t> </a:t>
+            </a:r>
+            <a:r>
+              <a:rPr lang="en-US" dirty="0" err="1"/>
+              <a:t>kita</a:t>
+            </a:r>
+            <a:r>
+              <a:rPr lang="en-US" dirty="0"/>
+              <a:t> </a:t>
+            </a:r>
+            <a:r>
+              <a:rPr lang="en-US" dirty="0" err="1"/>
+              <a:t>ke</a:t>
+            </a:r>
+            <a:r>
+              <a:rPr lang="en-US" dirty="0"/>
+              <a:t> PID </a:t>
+            </a:r>
+            <a:r>
+              <a:rPr lang="en-US" dirty="0" err="1"/>
+              <a:t>ada</a:t>
+            </a:r>
+            <a:r>
+              <a:rPr lang="en-US" dirty="0"/>
+              <a:t> kata </a:t>
+            </a:r>
+            <a:r>
+              <a:rPr lang="en-US" dirty="0" err="1"/>
+              <a:t>kunci</a:t>
+            </a:r>
+            <a:r>
+              <a:rPr lang="en-US" dirty="0"/>
+              <a:t> yang </a:t>
+            </a:r>
+            <a:r>
+              <a:rPr lang="en-US" dirty="0" err="1"/>
+              <a:t>harus</a:t>
+            </a:r>
+            <a:r>
+              <a:rPr lang="en-US" dirty="0"/>
+              <a:t> </a:t>
+            </a:r>
+            <a:r>
+              <a:rPr lang="en-US" dirty="0" err="1"/>
+              <a:t>diketahui</a:t>
+            </a:r>
+            <a:endParaRPr lang="en-US" dirty="0"/>
+          </a:p>
+        </p:txBody>
+      </p:sp>
+      <p:sp>
+        <p:nvSpPr>
+          <p:cNvPr id="3" name="Content Placeholder 2">
+            <a:extLst>
+              <a:ext uri="{FF2B5EF4-FFF2-40B4-BE49-F238E27FC236}">
+                <a16:creationId xmlns:a16="http://schemas.microsoft.com/office/drawing/2014/main" id="{62F950D0-F45A-31DE-C21F-1BF4853DFCAD}"/>
+              </a:ext>
+            </a:extLst>
+          </p:cNvPr>
+          <p:cNvSpPr>
+            <a:spLocks noGrp="1"/>
+          </p:cNvSpPr>
+          <p:nvPr>
+            <p:ph idx="1"/>
+          </p:nvPr>
+        </p:nvSpPr>
+        <p:spPr/>
+        <p:txBody>
+          <a:bodyPr/>
+          <a:lstStyle/>
+          <a:p>
+            <a:r>
+              <a:rPr lang="en-US" dirty="0" err="1"/>
+              <a:t>Sp</a:t>
+            </a:r>
+            <a:r>
+              <a:rPr lang="en-US" dirty="0"/>
+              <a:t> = setpoint (target yang </a:t>
+            </a:r>
+            <a:r>
+              <a:rPr lang="en-US" dirty="0" err="1"/>
+              <a:t>kita</a:t>
+            </a:r>
+            <a:r>
+              <a:rPr lang="en-US" dirty="0"/>
+              <a:t> </a:t>
+            </a:r>
+            <a:r>
+              <a:rPr lang="en-US" dirty="0" err="1"/>
+              <a:t>inginkan</a:t>
+            </a:r>
+            <a:r>
+              <a:rPr lang="en-US" dirty="0"/>
+              <a:t>)</a:t>
+            </a:r>
+          </a:p>
+          <a:p>
+            <a:r>
+              <a:rPr lang="en-US" dirty="0" err="1"/>
+              <a:t>Pv</a:t>
+            </a:r>
+            <a:r>
+              <a:rPr lang="en-US" dirty="0"/>
+              <a:t> = preset value (</a:t>
+            </a:r>
+            <a:r>
+              <a:rPr lang="en-US" dirty="0" err="1"/>
+              <a:t>nilai</a:t>
+            </a:r>
+            <a:r>
+              <a:rPr lang="en-US" dirty="0"/>
+              <a:t> sensor/</a:t>
+            </a:r>
+            <a:r>
+              <a:rPr lang="en-US" dirty="0" err="1"/>
+              <a:t>nilai</a:t>
+            </a:r>
+            <a:r>
+              <a:rPr lang="en-US" dirty="0"/>
+              <a:t> </a:t>
+            </a:r>
+            <a:r>
+              <a:rPr lang="en-US" dirty="0" err="1"/>
+              <a:t>aktual</a:t>
+            </a:r>
+            <a:r>
+              <a:rPr lang="en-US" dirty="0"/>
+              <a:t>)</a:t>
+            </a:r>
+          </a:p>
+          <a:p>
+            <a:r>
+              <a:rPr lang="en-US" dirty="0"/>
+              <a:t>e = error (</a:t>
+            </a:r>
+            <a:r>
+              <a:rPr lang="en-US" dirty="0" err="1"/>
+              <a:t>selisih</a:t>
+            </a:r>
+            <a:r>
+              <a:rPr lang="en-US" dirty="0"/>
+              <a:t> </a:t>
+            </a:r>
+            <a:r>
+              <a:rPr lang="en-US" dirty="0" err="1"/>
+              <a:t>dari</a:t>
+            </a:r>
+            <a:r>
+              <a:rPr lang="en-US" dirty="0"/>
+              <a:t> </a:t>
+            </a:r>
+            <a:r>
+              <a:rPr lang="en-US" dirty="0" err="1"/>
+              <a:t>sp</a:t>
+            </a:r>
+            <a:r>
+              <a:rPr lang="en-US" dirty="0"/>
+              <a:t> (target) dan </a:t>
+            </a:r>
+            <a:r>
+              <a:rPr lang="en-US" dirty="0" err="1"/>
+              <a:t>pv</a:t>
+            </a:r>
+            <a:r>
+              <a:rPr lang="en-US" dirty="0"/>
+              <a:t> (</a:t>
+            </a:r>
+            <a:r>
+              <a:rPr lang="en-US" dirty="0" err="1"/>
+              <a:t>nilai</a:t>
+            </a:r>
+            <a:r>
+              <a:rPr lang="en-US" dirty="0"/>
+              <a:t> actual))</a:t>
+            </a:r>
+          </a:p>
+          <a:p>
+            <a:r>
+              <a:rPr lang="en-US" dirty="0" err="1"/>
+              <a:t>Kp</a:t>
+            </a:r>
+            <a:r>
+              <a:rPr lang="en-US" dirty="0"/>
+              <a:t> = gain </a:t>
+            </a:r>
+            <a:r>
+              <a:rPr lang="en-US" dirty="0" err="1"/>
+              <a:t>proporsional</a:t>
+            </a:r>
+            <a:endParaRPr lang="en-US" dirty="0"/>
+          </a:p>
+          <a:p>
+            <a:r>
+              <a:rPr lang="en-US" dirty="0"/>
+              <a:t>Ki = gain integral</a:t>
+            </a:r>
+          </a:p>
+          <a:p>
+            <a:r>
+              <a:rPr lang="en-US" dirty="0" err="1"/>
+              <a:t>Kd</a:t>
+            </a:r>
+            <a:r>
+              <a:rPr lang="en-US" dirty="0"/>
+              <a:t> = gain derivative</a:t>
+            </a:r>
+          </a:p>
+          <a:p>
+            <a:r>
+              <a:rPr lang="en-US" dirty="0" err="1"/>
+              <a:t>Sinyal</a:t>
+            </a:r>
+            <a:r>
+              <a:rPr lang="en-US" dirty="0"/>
+              <a:t> </a:t>
+            </a:r>
+            <a:r>
+              <a:rPr lang="en-US" dirty="0" err="1"/>
+              <a:t>kendali</a:t>
+            </a:r>
+            <a:r>
+              <a:rPr lang="en-US" dirty="0"/>
+              <a:t> = </a:t>
+            </a:r>
+            <a:r>
+              <a:rPr lang="en-US" dirty="0" err="1"/>
+              <a:t>nilai</a:t>
+            </a:r>
+            <a:r>
+              <a:rPr lang="en-US" dirty="0"/>
+              <a:t> yang </a:t>
+            </a:r>
+            <a:r>
+              <a:rPr lang="en-US" dirty="0" err="1"/>
+              <a:t>dihasilkan</a:t>
+            </a:r>
+            <a:r>
+              <a:rPr lang="en-US" dirty="0"/>
+              <a:t> </a:t>
+            </a:r>
+            <a:r>
+              <a:rPr lang="en-US" dirty="0" err="1"/>
+              <a:t>dari</a:t>
+            </a:r>
+            <a:r>
+              <a:rPr lang="en-US" dirty="0"/>
+              <a:t> proses </a:t>
+            </a:r>
+            <a:r>
+              <a:rPr lang="en-US" dirty="0" err="1"/>
+              <a:t>kendali</a:t>
+            </a:r>
+            <a:endParaRPr lang="en-US" dirty="0"/>
+          </a:p>
+        </p:txBody>
+      </p:sp>
+    </p:spTree>
+    <p:extLst>
+      <p:ext uri="{BB962C8B-B14F-4D97-AF65-F5344CB8AC3E}">
+        <p14:creationId xmlns:p14="http://schemas.microsoft.com/office/powerpoint/2010/main" val="3314401587"/>
+      </p:ext>
+    </p:extLst>
+  </p:cSld>
+  <p:clrMapOvr>
+    <a:masterClrMapping/>
+  </p:clrMapOvr>
+</p:sld>
+</file>
+
+<file path=ppt/slides/slide12.xml><?xml version="1.0" encoding="utf-8"?>
+<p:sld xmlns:a="http://schemas.openxmlformats.org/drawingml/2006/main" xmlns:r="http://schemas.openxmlformats.org/officeDocument/2006/relationships" xmlns:p="http://schemas.openxmlformats.org/presentationml/2006/main">
+  <p:cSld>
+    <p:spTree>
+      <p:nvGrpSpPr>
+        <p:cNvPr id="1" name=""/>
+        <p:cNvGrpSpPr/>
+        <p:nvPr/>
+      </p:nvGrpSpPr>
+      <p:grpSpPr>
+        <a:xfrm>
+          <a:off x="0" y="0"/>
+          <a:ext cx="0" cy="0"/>
+          <a:chOff x="0" y="0"/>
+          <a:chExt cx="0" cy="0"/>
+        </a:xfrm>
+      </p:grpSpPr>
+      <p:sp>
+        <p:nvSpPr>
+          <p:cNvPr id="2" name="Title 1">
+            <a:extLst>
+              <a:ext uri="{FF2B5EF4-FFF2-40B4-BE49-F238E27FC236}">
                 <a16:creationId xmlns:a16="http://schemas.microsoft.com/office/drawing/2014/main" id="{D4A03C5A-0318-390C-8E5C-606DA5FD0D32}"/>
               </a:ext>
             </a:extLst>
@@ -4723,7 +9086,7 @@
 </p:sld>
 </file>
 
-<file path=ppt/slides/slide11.xml><?xml version="1.0" encoding="utf-8"?>
+<file path=ppt/slides/slide13.xml><?xml version="1.0" encoding="utf-8"?>
 <p:sld xmlns:a="http://schemas.openxmlformats.org/drawingml/2006/main" xmlns:r="http://schemas.openxmlformats.org/officeDocument/2006/relationships" xmlns:p="http://schemas.openxmlformats.org/presentationml/2006/main">
   <p:cSld>
     <p:spTree>
@@ -4934,6 +9297,108 @@
           </a:prstGeom>
         </p:spPr>
       </p:pic>
+      <p:sp>
+        <p:nvSpPr>
+          <p:cNvPr id="4" name="Title 1">
+            <a:extLst>
+              <a:ext uri="{FF2B5EF4-FFF2-40B4-BE49-F238E27FC236}">
+                <a16:creationId xmlns:a16="http://schemas.microsoft.com/office/drawing/2014/main" id="{8AB083CB-4AC8-7819-8783-EAE64E6FF5A8}"/>
+              </a:ext>
+            </a:extLst>
+          </p:cNvPr>
+          <p:cNvSpPr txBox="1">
+            <a:spLocks/>
+          </p:cNvSpPr>
+          <p:nvPr/>
+        </p:nvSpPr>
+        <p:spPr>
+          <a:xfrm>
+            <a:off x="751703" y="4331644"/>
+            <a:ext cx="10515600" cy="1325563"/>
+          </a:xfrm>
+          <a:prstGeom prst="rect">
+            <a:avLst/>
+          </a:prstGeom>
+        </p:spPr>
+        <p:txBody>
+          <a:bodyPr vert="horz" lIns="91440" tIns="45720" rIns="91440" bIns="45720" rtlCol="0" anchor="ctr">
+            <a:normAutofit/>
+          </a:bodyPr>
+          <a:lstStyle>
+            <a:lvl1pPr algn="l" defTabSz="914400" rtl="0" eaLnBrk="1" latinLnBrk="0" hangingPunct="1">
+              <a:lnSpc>
+                <a:spcPct val="90000"/>
+              </a:lnSpc>
+              <a:spcBef>
+                <a:spcPct val="0"/>
+              </a:spcBef>
+              <a:buNone/>
+              <a:defRPr sz="4400" kern="1200">
+                <a:solidFill>
+                  <a:schemeClr val="tx1"/>
+                </a:solidFill>
+                <a:latin typeface="+mj-lt"/>
+                <a:ea typeface="+mj-ea"/>
+                <a:cs typeface="+mj-cs"/>
+              </a:defRPr>
+            </a:lvl1pPr>
+          </a:lstStyle>
+          <a:p>
+            <a:r>
+              <a:rPr lang="en-US" dirty="0"/>
+              <a:t>“</a:t>
+            </a:r>
+            <a:r>
+              <a:rPr lang="en-US" dirty="0" err="1"/>
+              <a:t>sinyal</a:t>
+            </a:r>
+            <a:r>
+              <a:rPr lang="en-US" dirty="0"/>
+              <a:t> </a:t>
+            </a:r>
+            <a:r>
+              <a:rPr lang="en-US" dirty="0" err="1"/>
+              <a:t>kendali</a:t>
+            </a:r>
+            <a:r>
+              <a:rPr lang="en-US" dirty="0"/>
+              <a:t> </a:t>
+            </a:r>
+            <a:r>
+              <a:rPr lang="en-US" dirty="0" err="1"/>
+              <a:t>berbanding</a:t>
+            </a:r>
+            <a:r>
+              <a:rPr lang="en-US" dirty="0"/>
+              <a:t> </a:t>
+            </a:r>
+            <a:r>
+              <a:rPr lang="en-US" dirty="0" err="1"/>
+              <a:t>lurus</a:t>
+            </a:r>
+            <a:r>
+              <a:rPr lang="en-US" dirty="0"/>
+              <a:t> </a:t>
+            </a:r>
+            <a:r>
+              <a:rPr lang="en-US" dirty="0" err="1"/>
+              <a:t>dengan</a:t>
+            </a:r>
+            <a:r>
+              <a:rPr lang="en-US" dirty="0"/>
+              <a:t> </a:t>
+            </a:r>
+            <a:r>
+              <a:rPr lang="en-US" dirty="0" err="1"/>
+              <a:t>jumlah</a:t>
+            </a:r>
+            <a:r>
+              <a:rPr lang="en-US" dirty="0"/>
+              <a:t> error”</a:t>
+            </a:r>
+          </a:p>
+        </p:txBody>
+      </p:sp>
     </p:spTree>
     <p:extLst>
       <p:ext uri="{BB962C8B-B14F-4D97-AF65-F5344CB8AC3E}">
@@ -4947,7 +9412,7 @@
 </p:sld>
 </file>
 
-<file path=ppt/slides/slide12.xml><?xml version="1.0" encoding="utf-8"?>
+<file path=ppt/slides/slide14.xml><?xml version="1.0" encoding="utf-8"?>
 <p:sld xmlns:a="http://schemas.openxmlformats.org/drawingml/2006/main" xmlns:r="http://schemas.openxmlformats.org/officeDocument/2006/relationships" xmlns:p="http://schemas.openxmlformats.org/presentationml/2006/main">
   <p:cSld>
     <p:spTree>
@@ -5233,7 +9698,7 @@
         <p:spPr>
           <a:xfrm>
             <a:off x="4689131" y="1690688"/>
-            <a:ext cx="6048632" cy="1233488"/>
+            <a:ext cx="6860318" cy="1233488"/>
           </a:xfrm>
           <a:prstGeom prst="rect">
             <a:avLst/>
@@ -5241,7 +9706,7 @@
         </p:spPr>
         <p:txBody>
           <a:bodyPr vert="horz" lIns="91440" tIns="45720" rIns="91440" bIns="45720" rtlCol="0">
-            <a:normAutofit lnSpcReduction="10000"/>
+            <a:normAutofit/>
           </a:bodyPr>
           <a:lstStyle>
             <a:lvl1pPr marL="228600" indent="-228600" algn="l" defTabSz="914400" rtl="0" eaLnBrk="1" latinLnBrk="0" hangingPunct="1">
@@ -5492,7 +9957,7 @@
 </p:sld>
 </file>
 
-<file path=ppt/slides/slide13.xml><?xml version="1.0" encoding="utf-8"?>
+<file path=ppt/slides/slide15.xml><?xml version="1.0" encoding="utf-8"?>
 <p:sld xmlns:a="http://schemas.openxmlformats.org/drawingml/2006/main" xmlns:r="http://schemas.openxmlformats.org/officeDocument/2006/relationships" xmlns:p="http://schemas.openxmlformats.org/presentationml/2006/main">
   <p:cSld>
     <p:spTree>
@@ -5761,7 +10226,7 @@
 </p:sld>
 </file>
 
-<file path=ppt/slides/slide14.xml><?xml version="1.0" encoding="utf-8"?>
+<file path=ppt/slides/slide16.xml><?xml version="1.0" encoding="utf-8"?>
 <p:sld xmlns:a="http://schemas.openxmlformats.org/drawingml/2006/main" xmlns:r="http://schemas.openxmlformats.org/officeDocument/2006/relationships" xmlns:p="http://schemas.openxmlformats.org/presentationml/2006/main">
   <p:cSld>
     <p:spTree>
@@ -5914,7 +10379,7 @@
 </p:sld>
 </file>
 
-<file path=ppt/slides/slide15.xml><?xml version="1.0" encoding="utf-8"?>
+<file path=ppt/slides/slide17.xml><?xml version="1.0" encoding="utf-8"?>
 <p:sld xmlns:a="http://schemas.openxmlformats.org/drawingml/2006/main" xmlns:r="http://schemas.openxmlformats.org/officeDocument/2006/relationships" xmlns:p="http://schemas.openxmlformats.org/presentationml/2006/main">
   <p:cSld>
     <p:spTree>
@@ -6775,8 +11240,8 @@
           </p:style>
         </p:cxnSp>
       </p:grpSp>
-      <mc:AlternateContent xmlns:mc="http://schemas.openxmlformats.org/markup-compatibility/2006">
-        <mc:Choice xmlns:a14="http://schemas.microsoft.com/office/drawing/2010/main" Requires="a14">
+      <mc:AlternateContent xmlns:mc="http://schemas.openxmlformats.org/markup-compatibility/2006" xmlns:a14="http://schemas.microsoft.com/office/drawing/2010/main">
+        <mc:Choice Requires="a14">
           <p:sp>
             <p:nvSpPr>
               <p:cNvPr id="50" name="TextBox 49">
@@ -7045,7 +11510,7 @@
             </p:txBody>
           </p:sp>
         </mc:Choice>
-        <mc:Fallback>
+        <mc:Fallback xmlns="">
           <p:sp>
             <p:nvSpPr>
               <p:cNvPr id="50" name="TextBox 49">
@@ -7090,8 +11555,8 @@
           </p:sp>
         </mc:Fallback>
       </mc:AlternateContent>
-      <mc:AlternateContent xmlns:mc="http://schemas.openxmlformats.org/markup-compatibility/2006">
-        <mc:Choice xmlns:p14="http://schemas.microsoft.com/office/powerpoint/2010/main" Requires="p14">
+      <mc:AlternateContent xmlns:mc="http://schemas.openxmlformats.org/markup-compatibility/2006" xmlns:p14="http://schemas.microsoft.com/office/powerpoint/2010/main">
+        <mc:Choice Requires="p14">
           <p:contentPart p14:bwMode="auto" r:id="rId11">
             <p14:nvContentPartPr>
               <p14:cNvPr id="3" name="Ink 2">
@@ -7110,7 +11575,7 @@
             </p14:xfrm>
           </p:contentPart>
         </mc:Choice>
-        <mc:Fallback>
+        <mc:Fallback xmlns="">
           <p:pic>
             <p:nvPicPr>
               <p:cNvPr id="3" name="Ink 2">
@@ -7141,8 +11606,8 @@
           </p:pic>
         </mc:Fallback>
       </mc:AlternateContent>
-      <mc:AlternateContent xmlns:mc="http://schemas.openxmlformats.org/markup-compatibility/2006">
-        <mc:Choice xmlns:p14="http://schemas.microsoft.com/office/powerpoint/2010/main" Requires="p14">
+      <mc:AlternateContent xmlns:mc="http://schemas.openxmlformats.org/markup-compatibility/2006" xmlns:p14="http://schemas.microsoft.com/office/powerpoint/2010/main">
+        <mc:Choice Requires="p14">
           <p:contentPart p14:bwMode="auto" r:id="rId13">
             <p14:nvContentPartPr>
               <p14:cNvPr id="7" name="Ink 6">
@@ -7161,7 +11626,7 @@
             </p14:xfrm>
           </p:contentPart>
         </mc:Choice>
-        <mc:Fallback>
+        <mc:Fallback xmlns="">
           <p:pic>
             <p:nvPicPr>
               <p:cNvPr id="7" name="Ink 6">
@@ -7212,8 +11677,8 @@
             <a:chExt cx="3814920" cy="558360"/>
           </a:xfrm>
         </p:grpSpPr>
-        <mc:AlternateContent xmlns:mc="http://schemas.openxmlformats.org/markup-compatibility/2006">
-          <mc:Choice xmlns:p14="http://schemas.microsoft.com/office/powerpoint/2010/main" Requires="p14">
+        <mc:AlternateContent xmlns:mc="http://schemas.openxmlformats.org/markup-compatibility/2006" xmlns:p14="http://schemas.microsoft.com/office/powerpoint/2010/main">
+          <mc:Choice Requires="p14">
             <p:contentPart p14:bwMode="auto" r:id="rId15">
               <p14:nvContentPartPr>
                 <p14:cNvPr id="8" name="Ink 7">
@@ -7232,7 +11697,7 @@
               </p14:xfrm>
             </p:contentPart>
           </mc:Choice>
-          <mc:Fallback>
+          <mc:Fallback xmlns="">
             <p:pic>
               <p:nvPicPr>
                 <p:cNvPr id="8" name="Ink 7">
@@ -7263,8 +11728,8 @@
             </p:pic>
           </mc:Fallback>
         </mc:AlternateContent>
-        <mc:AlternateContent xmlns:mc="http://schemas.openxmlformats.org/markup-compatibility/2006">
-          <mc:Choice xmlns:p14="http://schemas.microsoft.com/office/powerpoint/2010/main" Requires="p14">
+        <mc:AlternateContent xmlns:mc="http://schemas.openxmlformats.org/markup-compatibility/2006" xmlns:p14="http://schemas.microsoft.com/office/powerpoint/2010/main">
+          <mc:Choice Requires="p14">
             <p:contentPart p14:bwMode="auto" r:id="rId17">
               <p14:nvContentPartPr>
                 <p14:cNvPr id="9" name="Ink 8">
@@ -7283,7 +11748,7 @@
               </p14:xfrm>
             </p:contentPart>
           </mc:Choice>
-          <mc:Fallback>
+          <mc:Fallback xmlns="">
             <p:pic>
               <p:nvPicPr>
                 <p:cNvPr id="9" name="Ink 8">
@@ -7335,8 +11800,8 @@
             <a:chExt cx="2653200" cy="541800"/>
           </a:xfrm>
         </p:grpSpPr>
-        <mc:AlternateContent xmlns:mc="http://schemas.openxmlformats.org/markup-compatibility/2006">
-          <mc:Choice xmlns:p14="http://schemas.microsoft.com/office/powerpoint/2010/main" Requires="p14">
+        <mc:AlternateContent xmlns:mc="http://schemas.openxmlformats.org/markup-compatibility/2006" xmlns:p14="http://schemas.microsoft.com/office/powerpoint/2010/main">
+          <mc:Choice Requires="p14">
             <p:contentPart p14:bwMode="auto" r:id="rId19">
               <p14:nvContentPartPr>
                 <p14:cNvPr id="11" name="Ink 10">
@@ -7355,7 +11820,7 @@
               </p14:xfrm>
             </p:contentPart>
           </mc:Choice>
-          <mc:Fallback>
+          <mc:Fallback xmlns="">
             <p:pic>
               <p:nvPicPr>
                 <p:cNvPr id="11" name="Ink 10">
@@ -7386,8 +11851,8 @@
             </p:pic>
           </mc:Fallback>
         </mc:AlternateContent>
-        <mc:AlternateContent xmlns:mc="http://schemas.openxmlformats.org/markup-compatibility/2006">
-          <mc:Choice xmlns:p14="http://schemas.microsoft.com/office/powerpoint/2010/main" Requires="p14">
+        <mc:AlternateContent xmlns:mc="http://schemas.openxmlformats.org/markup-compatibility/2006" xmlns:p14="http://schemas.microsoft.com/office/powerpoint/2010/main">
+          <mc:Choice Requires="p14">
             <p:contentPart p14:bwMode="auto" r:id="rId21">
               <p14:nvContentPartPr>
                 <p14:cNvPr id="15" name="Ink 14">
@@ -7406,7 +11871,7 @@
               </p14:xfrm>
             </p:contentPart>
           </mc:Choice>
-          <mc:Fallback>
+          <mc:Fallback xmlns="">
             <p:pic>
               <p:nvPicPr>
                 <p:cNvPr id="15" name="Ink 14">
@@ -7556,36 +12021,6 @@
           </a:prstGeom>
         </p:spPr>
       </p:pic>
-      <p:pic>
-        <p:nvPicPr>
-          <p:cNvPr id="33" name="Picture 32">
-            <a:extLst>
-              <a:ext uri="{FF2B5EF4-FFF2-40B4-BE49-F238E27FC236}">
-                <a16:creationId xmlns:a16="http://schemas.microsoft.com/office/drawing/2014/main" id="{99B24C6F-04A2-E512-47F4-42299E5CA605}"/>
-              </a:ext>
-            </a:extLst>
-          </p:cNvPr>
-          <p:cNvPicPr>
-            <a:picLocks noChangeAspect="1"/>
-          </p:cNvPicPr>
-          <p:nvPr/>
-        </p:nvPicPr>
-        <p:blipFill>
-          <a:blip r:embed="rId23"/>
-          <a:stretch>
-            <a:fillRect/>
-          </a:stretch>
-        </p:blipFill>
-        <p:spPr>
-          <a:xfrm>
-            <a:off x="7242232" y="1840551"/>
-            <a:ext cx="3467470" cy="1233488"/>
-          </a:xfrm>
-          <a:prstGeom prst="rect">
-            <a:avLst/>
-          </a:prstGeom>
-        </p:spPr>
-      </p:pic>
     </p:spTree>
     <p:extLst>
       <p:ext uri="{BB962C8B-B14F-4D97-AF65-F5344CB8AC3E}">
@@ -7599,7 +12034,7 @@
 </p:sld>
 </file>
 
-<file path=ppt/slides/slide16.xml><?xml version="1.0" encoding="utf-8"?>
+<file path=ppt/slides/slide18.xml><?xml version="1.0" encoding="utf-8"?>
 <p:sld xmlns:a="http://schemas.openxmlformats.org/drawingml/2006/main" xmlns:r="http://schemas.openxmlformats.org/officeDocument/2006/relationships" xmlns:p="http://schemas.openxmlformats.org/presentationml/2006/main">
   <p:cSld>
     <p:spTree>
@@ -7700,7 +12135,7 @@
 </p:sld>
 </file>
 
-<file path=ppt/slides/slide17.xml><?xml version="1.0" encoding="utf-8"?>
+<file path=ppt/slides/slide19.xml><?xml version="1.0" encoding="utf-8"?>
 <p:sld xmlns:a="http://schemas.openxmlformats.org/drawingml/2006/main" xmlns:r="http://schemas.openxmlformats.org/officeDocument/2006/relationships" xmlns:p="http://schemas.openxmlformats.org/presentationml/2006/main">
   <p:cSld>
     <p:spTree>
@@ -10324,7 +14759,176 @@
 </p:sld>
 </file>
 
-<file path=ppt/slides/slide18.xml><?xml version="1.0" encoding="utf-8"?>
+<file path=ppt/slides/slide2.xml><?xml version="1.0" encoding="utf-8"?>
+<p:sld xmlns:a="http://schemas.openxmlformats.org/drawingml/2006/main" xmlns:r="http://schemas.openxmlformats.org/officeDocument/2006/relationships" xmlns:p="http://schemas.openxmlformats.org/presentationml/2006/main">
+  <p:cSld>
+    <p:spTree>
+      <p:nvGrpSpPr>
+        <p:cNvPr id="1" name=""/>
+        <p:cNvGrpSpPr/>
+        <p:nvPr/>
+      </p:nvGrpSpPr>
+      <p:grpSpPr>
+        <a:xfrm>
+          <a:off x="0" y="0"/>
+          <a:ext cx="0" cy="0"/>
+          <a:chOff x="0" y="0"/>
+          <a:chExt cx="0" cy="0"/>
+        </a:xfrm>
+      </p:grpSpPr>
+      <p:sp>
+        <p:nvSpPr>
+          <p:cNvPr id="2" name="Title 1">
+            <a:extLst>
+              <a:ext uri="{FF2B5EF4-FFF2-40B4-BE49-F238E27FC236}">
+                <a16:creationId xmlns:a16="http://schemas.microsoft.com/office/drawing/2014/main" id="{CD3C60AC-FF11-A727-890F-824B8E3B490D}"/>
+              </a:ext>
+            </a:extLst>
+          </p:cNvPr>
+          <p:cNvSpPr>
+            <a:spLocks noGrp="1"/>
+          </p:cNvSpPr>
+          <p:nvPr>
+            <p:ph type="title"/>
+          </p:nvPr>
+        </p:nvSpPr>
+        <p:spPr/>
+        <p:txBody>
+          <a:bodyPr/>
+          <a:lstStyle/>
+          <a:p>
+            <a:r>
+              <a:rPr lang="en-US" dirty="0" err="1"/>
+              <a:t>Perkenalkan</a:t>
+            </a:r>
+            <a:endParaRPr lang="en-US" dirty="0"/>
+          </a:p>
+        </p:txBody>
+      </p:sp>
+      <p:sp>
+        <p:nvSpPr>
+          <p:cNvPr id="3" name="Content Placeholder 2">
+            <a:extLst>
+              <a:ext uri="{FF2B5EF4-FFF2-40B4-BE49-F238E27FC236}">
+                <a16:creationId xmlns:a16="http://schemas.microsoft.com/office/drawing/2014/main" id="{9AC0F450-CFA9-E721-7A38-2666A7D189C5}"/>
+              </a:ext>
+            </a:extLst>
+          </p:cNvPr>
+          <p:cNvSpPr>
+            <a:spLocks noGrp="1"/>
+          </p:cNvSpPr>
+          <p:nvPr>
+            <p:ph idx="1"/>
+          </p:nvPr>
+        </p:nvSpPr>
+        <p:spPr>
+          <a:xfrm>
+            <a:off x="3672114" y="2814914"/>
+            <a:ext cx="7681686" cy="1879272"/>
+          </a:xfrm>
+        </p:spPr>
+        <p:txBody>
+          <a:bodyPr>
+            <a:normAutofit lnSpcReduction="10000"/>
+          </a:bodyPr>
+          <a:lstStyle/>
+          <a:p>
+            <a:r>
+              <a:rPr lang="en-US" dirty="0"/>
+              <a:t>Muhammad Husni Muttaqin</a:t>
+            </a:r>
+          </a:p>
+          <a:p>
+            <a:r>
+              <a:rPr lang="en-US" dirty="0"/>
+              <a:t>PT SYERGIE </a:t>
+            </a:r>
+            <a:r>
+              <a:rPr lang="en-US" dirty="0" err="1"/>
+              <a:t>Indoprima</a:t>
+            </a:r>
+            <a:endParaRPr lang="en-US" dirty="0"/>
+          </a:p>
+          <a:p>
+            <a:r>
+              <a:rPr lang="en-US" dirty="0"/>
+              <a:t>Sedang </a:t>
+            </a:r>
+            <a:r>
+              <a:rPr lang="en-US"/>
+              <a:t>s2 di Teknik </a:t>
+            </a:r>
+            <a:r>
+              <a:rPr lang="en-US" dirty="0" err="1"/>
+              <a:t>Kendali</a:t>
+            </a:r>
+            <a:r>
+              <a:rPr lang="en-US" dirty="0"/>
+              <a:t> dan </a:t>
+            </a:r>
+            <a:r>
+              <a:rPr lang="en-US" dirty="0" err="1"/>
+              <a:t>instrumen</a:t>
+            </a:r>
+            <a:r>
+              <a:rPr lang="en-US" dirty="0"/>
+              <a:t> </a:t>
+            </a:r>
+            <a:r>
+              <a:rPr lang="en-US" dirty="0" err="1"/>
+              <a:t>cerdas</a:t>
+            </a:r>
+            <a:r>
+              <a:rPr lang="en-US" dirty="0"/>
+              <a:t> - STEI ITB</a:t>
+            </a:r>
+          </a:p>
+        </p:txBody>
+      </p:sp>
+      <p:pic>
+        <p:nvPicPr>
+          <p:cNvPr id="8" name="Picture 7">
+            <a:extLst>
+              <a:ext uri="{FF2B5EF4-FFF2-40B4-BE49-F238E27FC236}">
+                <a16:creationId xmlns:a16="http://schemas.microsoft.com/office/drawing/2014/main" id="{1E4E2968-F5C1-C3FE-3FB5-689F9380F675}"/>
+              </a:ext>
+            </a:extLst>
+          </p:cNvPr>
+          <p:cNvPicPr>
+            <a:picLocks noChangeAspect="1"/>
+          </p:cNvPicPr>
+          <p:nvPr/>
+        </p:nvPicPr>
+        <p:blipFill>
+          <a:blip r:embed="rId2"/>
+          <a:stretch>
+            <a:fillRect/>
+          </a:stretch>
+        </p:blipFill>
+        <p:spPr>
+          <a:xfrm>
+            <a:off x="838200" y="2558996"/>
+            <a:ext cx="2400635" cy="2391109"/>
+          </a:xfrm>
+          <a:prstGeom prst="rect">
+            <a:avLst/>
+          </a:prstGeom>
+        </p:spPr>
+      </p:pic>
+    </p:spTree>
+    <p:extLst>
+      <p:ext uri="{BB962C8B-B14F-4D97-AF65-F5344CB8AC3E}">
+        <p14:creationId xmlns:p14="http://schemas.microsoft.com/office/powerpoint/2010/main" val="3780938623"/>
+      </p:ext>
+    </p:extLst>
+  </p:cSld>
+  <p:clrMapOvr>
+    <a:masterClrMapping/>
+  </p:clrMapOvr>
+</p:sld>
+</file>
+
+<file path=ppt/slides/slide20.xml><?xml version="1.0" encoding="utf-8"?>
 <p:sld xmlns:a="http://schemas.openxmlformats.org/drawingml/2006/main" xmlns:r="http://schemas.openxmlformats.org/officeDocument/2006/relationships" xmlns:p="http://schemas.openxmlformats.org/presentationml/2006/main">
   <p:cSld>
     <p:spTree>
@@ -10401,8 +15005,8 @@
           </a:prstGeom>
         </p:spPr>
       </p:pic>
-      <mc:AlternateContent xmlns:mc="http://schemas.openxmlformats.org/markup-compatibility/2006">
-        <mc:Choice xmlns:p14="http://schemas.microsoft.com/office/powerpoint/2010/main" Requires="p14">
+      <mc:AlternateContent xmlns:mc="http://schemas.openxmlformats.org/markup-compatibility/2006" xmlns:p14="http://schemas.microsoft.com/office/powerpoint/2010/main">
+        <mc:Choice Requires="p14">
           <p:contentPart p14:bwMode="auto" r:id="rId4">
             <p14:nvContentPartPr>
               <p14:cNvPr id="7" name="Ink 6">
@@ -10421,7 +15025,7 @@
             </p14:xfrm>
           </p:contentPart>
         </mc:Choice>
-        <mc:Fallback>
+        <mc:Fallback xmlns="">
           <p:pic>
             <p:nvPicPr>
               <p:cNvPr id="7" name="Ink 6">
@@ -10472,8 +15076,8 @@
             <a:chExt cx="2446560" cy="644760"/>
           </a:xfrm>
         </p:grpSpPr>
-        <mc:AlternateContent xmlns:mc="http://schemas.openxmlformats.org/markup-compatibility/2006">
-          <mc:Choice xmlns:p14="http://schemas.microsoft.com/office/powerpoint/2010/main" Requires="p14">
+        <mc:AlternateContent xmlns:mc="http://schemas.openxmlformats.org/markup-compatibility/2006" xmlns:p14="http://schemas.microsoft.com/office/powerpoint/2010/main">
+          <mc:Choice Requires="p14">
             <p:contentPart p14:bwMode="auto" r:id="rId6">
               <p14:nvContentPartPr>
                 <p14:cNvPr id="10" name="Ink 9">
@@ -10492,7 +15096,7 @@
               </p14:xfrm>
             </p:contentPart>
           </mc:Choice>
-          <mc:Fallback>
+          <mc:Fallback xmlns="">
             <p:pic>
               <p:nvPicPr>
                 <p:cNvPr id="10" name="Ink 9">
@@ -10523,8 +15127,8 @@
             </p:pic>
           </mc:Fallback>
         </mc:AlternateContent>
-        <mc:AlternateContent xmlns:mc="http://schemas.openxmlformats.org/markup-compatibility/2006">
-          <mc:Choice xmlns:p14="http://schemas.microsoft.com/office/powerpoint/2010/main" Requires="p14">
+        <mc:AlternateContent xmlns:mc="http://schemas.openxmlformats.org/markup-compatibility/2006" xmlns:p14="http://schemas.microsoft.com/office/powerpoint/2010/main">
+          <mc:Choice Requires="p14">
             <p:contentPart p14:bwMode="auto" r:id="rId8">
               <p14:nvContentPartPr>
                 <p14:cNvPr id="11" name="Ink 10">
@@ -10543,7 +15147,7 @@
               </p14:xfrm>
             </p:contentPart>
           </mc:Choice>
-          <mc:Fallback>
+          <mc:Fallback xmlns="">
             <p:pic>
               <p:nvPicPr>
                 <p:cNvPr id="11" name="Ink 10">
@@ -10729,8 +15333,8 @@
           </a:p>
         </p:txBody>
       </p:sp>
-      <mc:AlternateContent xmlns:mc="http://schemas.openxmlformats.org/markup-compatibility/2006">
-        <mc:Choice xmlns:p14="http://schemas.microsoft.com/office/powerpoint/2010/main" Requires="p14">
+      <mc:AlternateContent xmlns:mc="http://schemas.openxmlformats.org/markup-compatibility/2006" xmlns:p14="http://schemas.microsoft.com/office/powerpoint/2010/main">
+        <mc:Choice Requires="p14">
           <p:contentPart p14:bwMode="auto" r:id="rId10">
             <p14:nvContentPartPr>
               <p14:cNvPr id="17" name="Ink 16">
@@ -10749,7 +15353,7 @@
             </p14:xfrm>
           </p:contentPart>
         </mc:Choice>
-        <mc:Fallback>
+        <mc:Fallback xmlns="">
           <p:pic>
             <p:nvPicPr>
               <p:cNvPr id="17" name="Ink 16">
@@ -10800,8 +15404,8 @@
             <a:chExt cx="1656360" cy="772560"/>
           </a:xfrm>
         </p:grpSpPr>
-        <mc:AlternateContent xmlns:mc="http://schemas.openxmlformats.org/markup-compatibility/2006">
-          <mc:Choice xmlns:p14="http://schemas.microsoft.com/office/powerpoint/2010/main" Requires="p14">
+        <mc:AlternateContent xmlns:mc="http://schemas.openxmlformats.org/markup-compatibility/2006" xmlns:p14="http://schemas.microsoft.com/office/powerpoint/2010/main">
+          <mc:Choice Requires="p14">
             <p:contentPart p14:bwMode="auto" r:id="rId12">
               <p14:nvContentPartPr>
                 <p14:cNvPr id="18" name="Ink 17">
@@ -10820,7 +15424,7 @@
               </p14:xfrm>
             </p:contentPart>
           </mc:Choice>
-          <mc:Fallback>
+          <mc:Fallback xmlns="">
             <p:pic>
               <p:nvPicPr>
                 <p:cNvPr id="18" name="Ink 17">
@@ -10851,8 +15455,8 @@
             </p:pic>
           </mc:Fallback>
         </mc:AlternateContent>
-        <mc:AlternateContent xmlns:mc="http://schemas.openxmlformats.org/markup-compatibility/2006">
-          <mc:Choice xmlns:p14="http://schemas.microsoft.com/office/powerpoint/2010/main" Requires="p14">
+        <mc:AlternateContent xmlns:mc="http://schemas.openxmlformats.org/markup-compatibility/2006" xmlns:p14="http://schemas.microsoft.com/office/powerpoint/2010/main">
+          <mc:Choice Requires="p14">
             <p:contentPart p14:bwMode="auto" r:id="rId14">
               <p14:nvContentPartPr>
                 <p14:cNvPr id="19" name="Ink 18">
@@ -10871,7 +15475,7 @@
               </p14:xfrm>
             </p:contentPart>
           </mc:Choice>
-          <mc:Fallback>
+          <mc:Fallback xmlns="">
             <p:pic>
               <p:nvPicPr>
                 <p:cNvPr id="19" name="Ink 18">
@@ -10903,8 +15507,8 @@
           </mc:Fallback>
         </mc:AlternateContent>
       </p:grpSp>
-      <mc:AlternateContent xmlns:mc="http://schemas.openxmlformats.org/markup-compatibility/2006">
-        <mc:Choice xmlns:p14="http://schemas.microsoft.com/office/powerpoint/2010/main" Requires="p14">
+      <mc:AlternateContent xmlns:mc="http://schemas.openxmlformats.org/markup-compatibility/2006" xmlns:p14="http://schemas.microsoft.com/office/powerpoint/2010/main">
+        <mc:Choice Requires="p14">
           <p:contentPart p14:bwMode="auto" r:id="rId16">
             <p14:nvContentPartPr>
               <p14:cNvPr id="21" name="Ink 20">
@@ -10923,7 +15527,7 @@
             </p14:xfrm>
           </p:contentPart>
         </mc:Choice>
-        <mc:Fallback>
+        <mc:Fallback xmlns="">
           <p:pic>
             <p:nvPicPr>
               <p:cNvPr id="21" name="Ink 20">
@@ -10954,8 +15558,8 @@
           </p:pic>
         </mc:Fallback>
       </mc:AlternateContent>
-      <mc:AlternateContent xmlns:mc="http://schemas.openxmlformats.org/markup-compatibility/2006">
-        <mc:Choice xmlns:p14="http://schemas.microsoft.com/office/powerpoint/2010/main" Requires="p14">
+      <mc:AlternateContent xmlns:mc="http://schemas.openxmlformats.org/markup-compatibility/2006" xmlns:p14="http://schemas.microsoft.com/office/powerpoint/2010/main">
+        <mc:Choice Requires="p14">
           <p:contentPart p14:bwMode="auto" r:id="rId18">
             <p14:nvContentPartPr>
               <p14:cNvPr id="22" name="Ink 21">
@@ -10974,7 +15578,7 @@
             </p14:xfrm>
           </p:contentPart>
         </mc:Choice>
-        <mc:Fallback>
+        <mc:Fallback xmlns="">
           <p:pic>
             <p:nvPicPr>
               <p:cNvPr id="22" name="Ink 21">
@@ -11018,7 +15622,179 @@
 </p:sld>
 </file>
 
-<file path=ppt/slides/slide19.xml><?xml version="1.0" encoding="utf-8"?>
+<file path=ppt/slides/slide21.xml><?xml version="1.0" encoding="utf-8"?>
+<p:sld xmlns:a="http://schemas.openxmlformats.org/drawingml/2006/main" xmlns:r="http://schemas.openxmlformats.org/officeDocument/2006/relationships" xmlns:p="http://schemas.openxmlformats.org/presentationml/2006/main">
+  <p:cSld>
+    <p:spTree>
+      <p:nvGrpSpPr>
+        <p:cNvPr id="1" name=""/>
+        <p:cNvGrpSpPr/>
+        <p:nvPr/>
+      </p:nvGrpSpPr>
+      <p:grpSpPr>
+        <a:xfrm>
+          <a:off x="0" y="0"/>
+          <a:ext cx="0" cy="0"/>
+          <a:chOff x="0" y="0"/>
+          <a:chExt cx="0" cy="0"/>
+        </a:xfrm>
+      </p:grpSpPr>
+      <p:sp>
+        <p:nvSpPr>
+          <p:cNvPr id="2" name="Title 1">
+            <a:extLst>
+              <a:ext uri="{FF2B5EF4-FFF2-40B4-BE49-F238E27FC236}">
+                <a16:creationId xmlns:a16="http://schemas.microsoft.com/office/drawing/2014/main" id="{642A90FD-5A93-DA25-7A73-7567186B619A}"/>
+              </a:ext>
+            </a:extLst>
+          </p:cNvPr>
+          <p:cNvSpPr>
+            <a:spLocks noGrp="1"/>
+          </p:cNvSpPr>
+          <p:nvPr>
+            <p:ph type="title"/>
+          </p:nvPr>
+        </p:nvSpPr>
+        <p:spPr/>
+        <p:txBody>
+          <a:bodyPr/>
+          <a:lstStyle/>
+          <a:p>
+            <a:r>
+              <a:rPr lang="en-US" dirty="0"/>
+              <a:t>Integral Control</a:t>
+            </a:r>
+          </a:p>
+        </p:txBody>
+      </p:sp>
+      <p:sp>
+        <p:nvSpPr>
+          <p:cNvPr id="3" name="Content Placeholder 2">
+            <a:extLst>
+              <a:ext uri="{FF2B5EF4-FFF2-40B4-BE49-F238E27FC236}">
+                <a16:creationId xmlns:a16="http://schemas.microsoft.com/office/drawing/2014/main" id="{34A8CED3-6B58-E67E-C968-81C1D24DDCA1}"/>
+              </a:ext>
+            </a:extLst>
+          </p:cNvPr>
+          <p:cNvSpPr>
+            <a:spLocks noGrp="1"/>
+          </p:cNvSpPr>
+          <p:nvPr>
+            <p:ph idx="1"/>
+          </p:nvPr>
+        </p:nvSpPr>
+        <p:spPr>
+          <a:xfrm>
+            <a:off x="838200" y="5058031"/>
+            <a:ext cx="10515600" cy="1118931"/>
+          </a:xfrm>
+        </p:spPr>
+        <p:txBody>
+          <a:bodyPr/>
+          <a:lstStyle/>
+          <a:p>
+            <a:pPr marL="0" indent="0" algn="ctr">
+              <a:buNone/>
+            </a:pPr>
+            <a:r>
+              <a:rPr lang="en-US" dirty="0"/>
+              <a:t>“</a:t>
+            </a:r>
+            <a:r>
+              <a:rPr lang="en-US" dirty="0" err="1"/>
+              <a:t>sinyal</a:t>
+            </a:r>
+            <a:r>
+              <a:rPr lang="en-US" dirty="0"/>
+              <a:t> </a:t>
+            </a:r>
+            <a:r>
+              <a:rPr lang="en-US" dirty="0" err="1"/>
+              <a:t>kendali</a:t>
+            </a:r>
+            <a:r>
+              <a:rPr lang="en-US" dirty="0"/>
+              <a:t> </a:t>
+            </a:r>
+            <a:r>
+              <a:rPr lang="en-US" dirty="0" err="1"/>
+              <a:t>berbanding</a:t>
+            </a:r>
+            <a:r>
+              <a:rPr lang="en-US" dirty="0"/>
+              <a:t> </a:t>
+            </a:r>
+            <a:r>
+              <a:rPr lang="en-US" dirty="0" err="1"/>
+              <a:t>lurus</a:t>
+            </a:r>
+            <a:r>
+              <a:rPr lang="en-US" dirty="0"/>
+              <a:t> </a:t>
+            </a:r>
+            <a:r>
+              <a:rPr lang="en-US" dirty="0" err="1"/>
+              <a:t>dengan</a:t>
+            </a:r>
+            <a:r>
+              <a:rPr lang="en-US" dirty="0"/>
+              <a:t> </a:t>
+            </a:r>
+            <a:r>
+              <a:rPr lang="en-US" dirty="0" err="1"/>
+              <a:t>akumulasi</a:t>
+            </a:r>
+            <a:r>
+              <a:rPr lang="en-US" dirty="0"/>
+              <a:t> error”</a:t>
+            </a:r>
+          </a:p>
+        </p:txBody>
+      </p:sp>
+      <p:pic>
+        <p:nvPicPr>
+          <p:cNvPr id="4" name="Picture 3">
+            <a:extLst>
+              <a:ext uri="{FF2B5EF4-FFF2-40B4-BE49-F238E27FC236}">
+                <a16:creationId xmlns:a16="http://schemas.microsoft.com/office/drawing/2014/main" id="{99D97659-F6BF-1378-B358-6DEBCDC40AA2}"/>
+              </a:ext>
+            </a:extLst>
+          </p:cNvPr>
+          <p:cNvPicPr>
+            <a:picLocks noChangeAspect="1"/>
+          </p:cNvPicPr>
+          <p:nvPr/>
+        </p:nvPicPr>
+        <p:blipFill>
+          <a:blip r:embed="rId2"/>
+          <a:stretch>
+            <a:fillRect/>
+          </a:stretch>
+        </p:blipFill>
+        <p:spPr>
+          <a:xfrm>
+            <a:off x="4362265" y="2417933"/>
+            <a:ext cx="3467470" cy="1233488"/>
+          </a:xfrm>
+          <a:prstGeom prst="rect">
+            <a:avLst/>
+          </a:prstGeom>
+        </p:spPr>
+      </p:pic>
+    </p:spTree>
+    <p:extLst>
+      <p:ext uri="{BB962C8B-B14F-4D97-AF65-F5344CB8AC3E}">
+        <p14:creationId xmlns:p14="http://schemas.microsoft.com/office/powerpoint/2010/main" val="2356166110"/>
+      </p:ext>
+    </p:extLst>
+  </p:cSld>
+  <p:clrMapOvr>
+    <a:masterClrMapping/>
+  </p:clrMapOvr>
+</p:sld>
+</file>
+
+<file path=ppt/slides/slide22.xml><?xml version="1.0" encoding="utf-8"?>
 <p:sld xmlns:a="http://schemas.openxmlformats.org/drawingml/2006/main" xmlns:r="http://schemas.openxmlformats.org/officeDocument/2006/relationships" xmlns:p="http://schemas.openxmlformats.org/presentationml/2006/main">
   <p:cSld>
     <p:spTree>
@@ -11081,13 +15857,13 @@
         </p:nvSpPr>
         <p:spPr>
           <a:xfrm>
-            <a:off x="5368496" y="3429000"/>
-            <a:ext cx="6271054" cy="3357563"/>
+            <a:off x="5368495" y="3429000"/>
+            <a:ext cx="6881169" cy="3357563"/>
           </a:xfrm>
         </p:spPr>
         <p:txBody>
           <a:bodyPr>
-            <a:normAutofit lnSpcReduction="10000"/>
+            <a:normAutofit/>
           </a:bodyPr>
           <a:lstStyle/>
           <a:p>
@@ -11580,176 +16356,7 @@
 </p:sld>
 </file>
 
-<file path=ppt/slides/slide2.xml><?xml version="1.0" encoding="utf-8"?>
-<p:sld xmlns:a="http://schemas.openxmlformats.org/drawingml/2006/main" xmlns:r="http://schemas.openxmlformats.org/officeDocument/2006/relationships" xmlns:p="http://schemas.openxmlformats.org/presentationml/2006/main">
-  <p:cSld>
-    <p:spTree>
-      <p:nvGrpSpPr>
-        <p:cNvPr id="1" name=""/>
-        <p:cNvGrpSpPr/>
-        <p:nvPr/>
-      </p:nvGrpSpPr>
-      <p:grpSpPr>
-        <a:xfrm>
-          <a:off x="0" y="0"/>
-          <a:ext cx="0" cy="0"/>
-          <a:chOff x="0" y="0"/>
-          <a:chExt cx="0" cy="0"/>
-        </a:xfrm>
-      </p:grpSpPr>
-      <p:sp>
-        <p:nvSpPr>
-          <p:cNvPr id="2" name="Title 1">
-            <a:extLst>
-              <a:ext uri="{FF2B5EF4-FFF2-40B4-BE49-F238E27FC236}">
-                <a16:creationId xmlns:a16="http://schemas.microsoft.com/office/drawing/2014/main" id="{CD3C60AC-FF11-A727-890F-824B8E3B490D}"/>
-              </a:ext>
-            </a:extLst>
-          </p:cNvPr>
-          <p:cNvSpPr>
-            <a:spLocks noGrp="1"/>
-          </p:cNvSpPr>
-          <p:nvPr>
-            <p:ph type="title"/>
-          </p:nvPr>
-        </p:nvSpPr>
-        <p:spPr/>
-        <p:txBody>
-          <a:bodyPr/>
-          <a:lstStyle/>
-          <a:p>
-            <a:r>
-              <a:rPr lang="en-US" dirty="0" err="1"/>
-              <a:t>Perkenalkan</a:t>
-            </a:r>
-            <a:endParaRPr lang="en-US" dirty="0"/>
-          </a:p>
-        </p:txBody>
-      </p:sp>
-      <p:sp>
-        <p:nvSpPr>
-          <p:cNvPr id="3" name="Content Placeholder 2">
-            <a:extLst>
-              <a:ext uri="{FF2B5EF4-FFF2-40B4-BE49-F238E27FC236}">
-                <a16:creationId xmlns:a16="http://schemas.microsoft.com/office/drawing/2014/main" id="{9AC0F450-CFA9-E721-7A38-2666A7D189C5}"/>
-              </a:ext>
-            </a:extLst>
-          </p:cNvPr>
-          <p:cNvSpPr>
-            <a:spLocks noGrp="1"/>
-          </p:cNvSpPr>
-          <p:nvPr>
-            <p:ph idx="1"/>
-          </p:nvPr>
-        </p:nvSpPr>
-        <p:spPr>
-          <a:xfrm>
-            <a:off x="3672114" y="2814914"/>
-            <a:ext cx="7681686" cy="1879272"/>
-          </a:xfrm>
-        </p:spPr>
-        <p:txBody>
-          <a:bodyPr>
-            <a:normAutofit lnSpcReduction="10000"/>
-          </a:bodyPr>
-          <a:lstStyle/>
-          <a:p>
-            <a:r>
-              <a:rPr lang="en-US" dirty="0"/>
-              <a:t>Muhammad Husni Muttaqin</a:t>
-            </a:r>
-          </a:p>
-          <a:p>
-            <a:r>
-              <a:rPr lang="en-US" dirty="0"/>
-              <a:t>PT SYERGIE </a:t>
-            </a:r>
-            <a:r>
-              <a:rPr lang="en-US" dirty="0" err="1"/>
-              <a:t>Indoprima</a:t>
-            </a:r>
-            <a:endParaRPr lang="en-US" dirty="0"/>
-          </a:p>
-          <a:p>
-            <a:r>
-              <a:rPr lang="en-US" dirty="0"/>
-              <a:t>Sedang </a:t>
-            </a:r>
-            <a:r>
-              <a:rPr lang="en-US"/>
-              <a:t>s2 di Teknik </a:t>
-            </a:r>
-            <a:r>
-              <a:rPr lang="en-US" dirty="0" err="1"/>
-              <a:t>Kendali</a:t>
-            </a:r>
-            <a:r>
-              <a:rPr lang="en-US" dirty="0"/>
-              <a:t> dan </a:t>
-            </a:r>
-            <a:r>
-              <a:rPr lang="en-US" dirty="0" err="1"/>
-              <a:t>instrumen</a:t>
-            </a:r>
-            <a:r>
-              <a:rPr lang="en-US" dirty="0"/>
-              <a:t> </a:t>
-            </a:r>
-            <a:r>
-              <a:rPr lang="en-US" dirty="0" err="1"/>
-              <a:t>cerdas</a:t>
-            </a:r>
-            <a:r>
-              <a:rPr lang="en-US" dirty="0"/>
-              <a:t> - STEI ITB</a:t>
-            </a:r>
-          </a:p>
-        </p:txBody>
-      </p:sp>
-      <p:pic>
-        <p:nvPicPr>
-          <p:cNvPr id="8" name="Picture 7">
-            <a:extLst>
-              <a:ext uri="{FF2B5EF4-FFF2-40B4-BE49-F238E27FC236}">
-                <a16:creationId xmlns:a16="http://schemas.microsoft.com/office/drawing/2014/main" id="{1E4E2968-F5C1-C3FE-3FB5-689F9380F675}"/>
-              </a:ext>
-            </a:extLst>
-          </p:cNvPr>
-          <p:cNvPicPr>
-            <a:picLocks noChangeAspect="1"/>
-          </p:cNvPicPr>
-          <p:nvPr/>
-        </p:nvPicPr>
-        <p:blipFill>
-          <a:blip r:embed="rId2"/>
-          <a:stretch>
-            <a:fillRect/>
-          </a:stretch>
-        </p:blipFill>
-        <p:spPr>
-          <a:xfrm>
-            <a:off x="838200" y="2558996"/>
-            <a:ext cx="2400635" cy="2391109"/>
-          </a:xfrm>
-          <a:prstGeom prst="rect">
-            <a:avLst/>
-          </a:prstGeom>
-        </p:spPr>
-      </p:pic>
-    </p:spTree>
-    <p:extLst>
-      <p:ext uri="{BB962C8B-B14F-4D97-AF65-F5344CB8AC3E}">
-        <p14:creationId xmlns:p14="http://schemas.microsoft.com/office/powerpoint/2010/main" val="3780938623"/>
-      </p:ext>
-    </p:extLst>
-  </p:cSld>
-  <p:clrMapOvr>
-    <a:masterClrMapping/>
-  </p:clrMapOvr>
-</p:sld>
-</file>
-
-<file path=ppt/slides/slide20.xml><?xml version="1.0" encoding="utf-8"?>
+<file path=ppt/slides/slide23.xml><?xml version="1.0" encoding="utf-8"?>
 <p:sld xmlns:a="http://schemas.openxmlformats.org/drawingml/2006/main" xmlns:r="http://schemas.openxmlformats.org/officeDocument/2006/relationships" xmlns:p="http://schemas.openxmlformats.org/presentationml/2006/main">
   <p:cSld>
     <p:spTree>
@@ -11915,7 +16522,7 @@
 </p:sld>
 </file>
 
-<file path=ppt/slides/slide21.xml><?xml version="1.0" encoding="utf-8"?>
+<file path=ppt/slides/slide24.xml><?xml version="1.0" encoding="utf-8"?>
 <p:sld xmlns:a="http://schemas.openxmlformats.org/drawingml/2006/main" xmlns:r="http://schemas.openxmlformats.org/officeDocument/2006/relationships" xmlns:p="http://schemas.openxmlformats.org/presentationml/2006/main">
   <p:cSld>
     <p:spTree>
@@ -12787,8 +17394,8 @@
           </p:style>
         </p:cxnSp>
       </p:grpSp>
-      <mc:AlternateContent xmlns:mc="http://schemas.openxmlformats.org/markup-compatibility/2006">
-        <mc:Choice xmlns:a14="http://schemas.microsoft.com/office/drawing/2010/main" Requires="a14">
+      <mc:AlternateContent xmlns:mc="http://schemas.openxmlformats.org/markup-compatibility/2006" xmlns:a14="http://schemas.microsoft.com/office/drawing/2010/main">
+        <mc:Choice Requires="a14">
           <p:sp>
             <p:nvSpPr>
               <p:cNvPr id="25" name="TextBox 24">
@@ -12827,7 +17434,7 @@
                       <m:f>
                         <m:fPr>
                           <m:ctrlPr>
-                            <a:rPr lang="en-US" smtClean="0">
+                            <a:rPr lang="en-US" i="1" smtClean="0">
                               <a:solidFill>
                                 <a:srgbClr val="836967"/>
                               </a:solidFill>
@@ -12997,7 +17604,7 @@
             </p:txBody>
           </p:sp>
         </mc:Choice>
-        <mc:Fallback>
+        <mc:Fallback xmlns="">
           <p:sp>
             <p:nvSpPr>
               <p:cNvPr id="25" name="TextBox 24">
@@ -13042,6 +17649,36 @@
           </p:sp>
         </mc:Fallback>
       </mc:AlternateContent>
+      <p:pic>
+        <p:nvPicPr>
+          <p:cNvPr id="27" name="Picture 26">
+            <a:extLst>
+              <a:ext uri="{FF2B5EF4-FFF2-40B4-BE49-F238E27FC236}">
+                <a16:creationId xmlns:a16="http://schemas.microsoft.com/office/drawing/2014/main" id="{F3FDD8B1-97E5-DDD2-296E-F87064AFDB27}"/>
+              </a:ext>
+            </a:extLst>
+          </p:cNvPr>
+          <p:cNvPicPr>
+            <a:picLocks noChangeAspect="1"/>
+          </p:cNvPicPr>
+          <p:nvPr/>
+        </p:nvPicPr>
+        <p:blipFill>
+          <a:blip r:embed="rId11"/>
+          <a:stretch>
+            <a:fillRect/>
+          </a:stretch>
+        </p:blipFill>
+        <p:spPr>
+          <a:xfrm>
+            <a:off x="6424885" y="2206679"/>
+            <a:ext cx="4477375" cy="1781424"/>
+          </a:xfrm>
+          <a:prstGeom prst="rect">
+            <a:avLst/>
+          </a:prstGeom>
+        </p:spPr>
+      </p:pic>
     </p:spTree>
     <p:extLst>
       <p:ext uri="{BB962C8B-B14F-4D97-AF65-F5344CB8AC3E}">
@@ -13055,7 +17692,103 @@
 </p:sld>
 </file>
 
-<file path=ppt/slides/slide22.xml><?xml version="1.0" encoding="utf-8"?>
+<file path=ppt/slides/slide25.xml><?xml version="1.0" encoding="utf-8"?>
+<p:sld xmlns:a="http://schemas.openxmlformats.org/drawingml/2006/main" xmlns:r="http://schemas.openxmlformats.org/officeDocument/2006/relationships" xmlns:p="http://schemas.openxmlformats.org/presentationml/2006/main">
+  <p:cSld>
+    <p:spTree>
+      <p:nvGrpSpPr>
+        <p:cNvPr id="1" name=""/>
+        <p:cNvGrpSpPr/>
+        <p:nvPr/>
+      </p:nvGrpSpPr>
+      <p:grpSpPr>
+        <a:xfrm>
+          <a:off x="0" y="0"/>
+          <a:ext cx="0" cy="0"/>
+          <a:chOff x="0" y="0"/>
+          <a:chExt cx="0" cy="0"/>
+        </a:xfrm>
+      </p:grpSpPr>
+      <p:sp>
+        <p:nvSpPr>
+          <p:cNvPr id="2" name="Title 1">
+            <a:extLst>
+              <a:ext uri="{FF2B5EF4-FFF2-40B4-BE49-F238E27FC236}">
+                <a16:creationId xmlns:a16="http://schemas.microsoft.com/office/drawing/2014/main" id="{C86DE756-BB52-793C-5274-FE65CBD015C0}"/>
+              </a:ext>
+            </a:extLst>
+          </p:cNvPr>
+          <p:cNvSpPr>
+            <a:spLocks noGrp="1"/>
+          </p:cNvSpPr>
+          <p:nvPr>
+            <p:ph type="title"/>
+          </p:nvPr>
+        </p:nvSpPr>
+        <p:spPr/>
+        <p:txBody>
+          <a:bodyPr/>
+          <a:lstStyle/>
+          <a:p>
+            <a:r>
+              <a:rPr lang="en-US" dirty="0"/>
+              <a:t>Derivative control </a:t>
+            </a:r>
+            <a:r>
+              <a:rPr lang="en-US" dirty="0" err="1"/>
+              <a:t>dengan</a:t>
+            </a:r>
+            <a:r>
+              <a:rPr lang="en-US" dirty="0"/>
+              <a:t> Arduino (CODING)</a:t>
+            </a:r>
+          </a:p>
+        </p:txBody>
+      </p:sp>
+      <p:pic>
+        <p:nvPicPr>
+          <p:cNvPr id="7" name="Picture 6">
+            <a:extLst>
+              <a:ext uri="{FF2B5EF4-FFF2-40B4-BE49-F238E27FC236}">
+                <a16:creationId xmlns:a16="http://schemas.microsoft.com/office/drawing/2014/main" id="{54BE20CA-F03C-83C6-DF86-0D3598CE251F}"/>
+              </a:ext>
+            </a:extLst>
+          </p:cNvPr>
+          <p:cNvPicPr>
+            <a:picLocks noChangeAspect="1"/>
+          </p:cNvPicPr>
+          <p:nvPr/>
+        </p:nvPicPr>
+        <p:blipFill>
+          <a:blip r:embed="rId2"/>
+          <a:stretch>
+            <a:fillRect/>
+          </a:stretch>
+        </p:blipFill>
+        <p:spPr>
+          <a:xfrm>
+            <a:off x="2850247" y="1667142"/>
+            <a:ext cx="6491505" cy="4825733"/>
+          </a:xfrm>
+          <a:prstGeom prst="rect">
+            <a:avLst/>
+          </a:prstGeom>
+        </p:spPr>
+      </p:pic>
+    </p:spTree>
+    <p:extLst>
+      <p:ext uri="{BB962C8B-B14F-4D97-AF65-F5344CB8AC3E}">
+        <p14:creationId xmlns:p14="http://schemas.microsoft.com/office/powerpoint/2010/main" val="14711413"/>
+      </p:ext>
+    </p:extLst>
+  </p:cSld>
+  <p:clrMapOvr>
+    <a:masterClrMapping/>
+  </p:clrMapOvr>
+</p:sld>
+</file>
+
+<file path=ppt/slides/slide26.xml><?xml version="1.0" encoding="utf-8"?>
 <p:sld xmlns:a="http://schemas.openxmlformats.org/drawingml/2006/main" xmlns:r="http://schemas.openxmlformats.org/officeDocument/2006/relationships" xmlns:p="http://schemas.openxmlformats.org/presentationml/2006/main">
   <p:cSld>
     <p:spTree>
@@ -13094,18 +17827,86 @@
           <a:lstStyle/>
           <a:p>
             <a:r>
+              <a:rPr lang="en-US" dirty="0"/>
+              <a:t>Bisa juga </a:t>
+            </a:r>
+            <a:r>
               <a:rPr lang="en-US" dirty="0" err="1"/>
-              <a:t>Kendali</a:t>
-            </a:r>
-            <a:r>
-              <a:rPr lang="en-US" dirty="0"/>
-              <a:t> Derivative</a:t>
+              <a:t>pake</a:t>
+            </a:r>
+            <a:r>
+              <a:rPr lang="en-US" dirty="0"/>
+              <a:t> </a:t>
+            </a:r>
+            <a:r>
+              <a:rPr lang="en-US" dirty="0" err="1"/>
+              <a:t>metode</a:t>
+            </a:r>
+            <a:r>
+              <a:rPr lang="en-US" dirty="0"/>
+              <a:t> yang </a:t>
+            </a:r>
+            <a:r>
+              <a:rPr lang="en-US" dirty="0" err="1"/>
+              <a:t>tadi</a:t>
+            </a:r>
+            <a:r>
+              <a:rPr lang="en-US" dirty="0"/>
+              <a:t>, </a:t>
+            </a:r>
+            <a:r>
+              <a:rPr lang="en-US" dirty="0" err="1"/>
+              <a:t>tapi</a:t>
+            </a:r>
+            <a:r>
+              <a:rPr lang="en-US" dirty="0"/>
+              <a:t> </a:t>
+            </a:r>
+            <a:r>
+              <a:rPr lang="en-US" dirty="0" err="1"/>
+              <a:t>kita</a:t>
+            </a:r>
+            <a:r>
+              <a:rPr lang="en-US" dirty="0"/>
+              <a:t> </a:t>
+            </a:r>
+            <a:r>
+              <a:rPr lang="en-US" dirty="0" err="1"/>
+              <a:t>ambil</a:t>
+            </a:r>
+            <a:r>
+              <a:rPr lang="en-US" dirty="0"/>
+              <a:t> </a:t>
+            </a:r>
+            <a:r>
+              <a:rPr lang="en-US" dirty="0" err="1"/>
+              <a:t>cara</a:t>
+            </a:r>
+            <a:r>
+              <a:rPr lang="en-US" dirty="0"/>
+              <a:t> </a:t>
+            </a:r>
+            <a:r>
+              <a:rPr lang="en-US" dirty="0" err="1"/>
+              <a:t>gampangnya</a:t>
+            </a:r>
+            <a:r>
+              <a:rPr lang="en-US" dirty="0"/>
+              <a:t> </a:t>
+            </a:r>
+            <a:r>
+              <a:rPr lang="en-US" dirty="0" err="1"/>
+              <a:t>aja</a:t>
+            </a:r>
+            <a:r>
+              <a:rPr lang="en-US" dirty="0"/>
+              <a:t> deh</a:t>
             </a:r>
           </a:p>
         </p:txBody>
       </p:sp>
-      <mc:AlternateContent xmlns:mc="http://schemas.openxmlformats.org/markup-compatibility/2006" xmlns:a14="http://schemas.microsoft.com/office/drawing/2010/main">
-        <mc:Choice Requires="a14">
+      <mc:AlternateContent xmlns:mc="http://schemas.openxmlformats.org/markup-compatibility/2006">
+        <mc:Choice xmlns:a14="http://schemas.microsoft.com/office/drawing/2010/main" Requires="a14">
           <p:sp>
             <p:nvSpPr>
               <p:cNvPr id="3" name="Content Placeholder 2">
@@ -13122,7 +17923,12 @@
                 <p:ph idx="1"/>
               </p:nvPr>
             </p:nvSpPr>
-            <p:spPr/>
+            <p:spPr>
+              <a:xfrm>
+                <a:off x="838200" y="2141537"/>
+                <a:ext cx="10515600" cy="4351338"/>
+              </a:xfrm>
+            </p:spPr>
             <p:txBody>
               <a:bodyPr/>
               <a:lstStyle/>
@@ -14302,11 +19108,298 @@
                         <a:ea typeface="Times New Roman" panose="02020603050405020304" pitchFamily="18" charset="0"/>
                         <a:cs typeface="Times New Roman" panose="02020603050405020304" pitchFamily="18" charset="0"/>
                       </a:rPr>
+                      <m:t>−</m:t>
+                    </m:r>
+                    <m:d>
+                      <m:dPr>
+                        <m:ctrlPr>
+                          <a:rPr lang="en-US" sz="1800" i="1" kern="100">
+                            <a:effectLst/>
+                            <a:latin typeface="Cambria Math" panose="02040503050406030204" pitchFamily="18" charset="0"/>
+                            <a:ea typeface="Times New Roman" panose="02020603050405020304" pitchFamily="18" charset="0"/>
+                            <a:cs typeface="Times New Roman" panose="02020603050405020304" pitchFamily="18" charset="0"/>
+                          </a:rPr>
+                        </m:ctrlPr>
+                      </m:dPr>
+                      <m:e>
+                        <m:r>
+                          <a:rPr lang="en-US" sz="1800" b="0" i="1" kern="100" smtClean="0">
+                            <a:effectLst/>
+                            <a:latin typeface="Cambria Math" panose="02040503050406030204" pitchFamily="18" charset="0"/>
+                            <a:ea typeface="Times New Roman" panose="02020603050405020304" pitchFamily="18" charset="0"/>
+                            <a:cs typeface="Times New Roman" panose="02020603050405020304" pitchFamily="18" charset="0"/>
+                          </a:rPr>
+                          <m:t>𝐷</m:t>
+                        </m:r>
+                        <m:d>
+                          <m:dPr>
+                            <m:ctrlPr>
+                              <a:rPr lang="en-US" sz="1800" i="1" kern="100">
+                                <a:effectLst/>
+                                <a:latin typeface="Cambria Math" panose="02040503050406030204" pitchFamily="18" charset="0"/>
+                                <a:ea typeface="Calibri" panose="020F0502020204030204" pitchFamily="34" charset="0"/>
+                                <a:cs typeface="Times New Roman" panose="02020603050405020304" pitchFamily="18" charset="0"/>
+                              </a:rPr>
+                            </m:ctrlPr>
+                          </m:dPr>
+                          <m:e>
+                            <m:r>
+                              <a:rPr lang="en-US" sz="1800" i="1" kern="100">
+                                <a:effectLst/>
+                                <a:latin typeface="Cambria Math" panose="02040503050406030204" pitchFamily="18" charset="0"/>
+                                <a:ea typeface="Calibri" panose="020F0502020204030204" pitchFamily="34" charset="0"/>
+                                <a:cs typeface="Times New Roman" panose="02020603050405020304" pitchFamily="18" charset="0"/>
+                              </a:rPr>
+                              <m:t>𝑧</m:t>
+                            </m:r>
+                          </m:e>
+                        </m:d>
+                        <m:r>
+                          <a:rPr lang="en-US" sz="1800" i="1" kern="100">
+                            <a:effectLst/>
+                            <a:latin typeface="Cambria Math" panose="02040503050406030204" pitchFamily="18" charset="0"/>
+                            <a:ea typeface="Calibri" panose="020F0502020204030204" pitchFamily="34" charset="0"/>
+                            <a:cs typeface="Times New Roman" panose="02020603050405020304" pitchFamily="18" charset="0"/>
+                          </a:rPr>
+                          <m:t>∗</m:t>
+                        </m:r>
+                        <m:sSup>
+                          <m:sSupPr>
+                            <m:ctrlPr>
+                              <a:rPr lang="en-US" sz="1800" i="1" kern="100">
+                                <a:effectLst/>
+                                <a:latin typeface="Cambria Math" panose="02040503050406030204" pitchFamily="18" charset="0"/>
+                                <a:ea typeface="Times New Roman" panose="02020603050405020304" pitchFamily="18" charset="0"/>
+                                <a:cs typeface="Times New Roman" panose="02020603050405020304" pitchFamily="18" charset="0"/>
+                              </a:rPr>
+                            </m:ctrlPr>
+                          </m:sSupPr>
+                          <m:e>
+                            <m:r>
+                              <a:rPr lang="en-US" sz="1800" i="1" kern="100">
+                                <a:effectLst/>
+                                <a:latin typeface="Cambria Math" panose="02040503050406030204" pitchFamily="18" charset="0"/>
+                                <a:ea typeface="Times New Roman" panose="02020603050405020304" pitchFamily="18" charset="0"/>
+                                <a:cs typeface="Times New Roman" panose="02020603050405020304" pitchFamily="18" charset="0"/>
+                              </a:rPr>
+                              <m:t>𝑧</m:t>
+                            </m:r>
+                          </m:e>
+                          <m:sup>
+                            <m:r>
+                              <a:rPr lang="en-US" sz="1800" i="1" kern="100">
+                                <a:effectLst/>
+                                <a:latin typeface="Cambria Math" panose="02040503050406030204" pitchFamily="18" charset="0"/>
+                                <a:ea typeface="Times New Roman" panose="02020603050405020304" pitchFamily="18" charset="0"/>
+                                <a:cs typeface="Times New Roman" panose="02020603050405020304" pitchFamily="18" charset="0"/>
+                              </a:rPr>
+                              <m:t>−1</m:t>
+                            </m:r>
+                          </m:sup>
+                        </m:sSup>
+                      </m:e>
+                    </m:d>
+                  </m:oMath>
+                </a14:m>
+                <a:endParaRPr lang="en-US" sz="1800" kern="100" dirty="0">
+                  <a:effectLst/>
+                  <a:latin typeface="Calibri" panose="020F0502020204030204" pitchFamily="34" charset="0"/>
+                  <a:ea typeface="Calibri" panose="020F0502020204030204" pitchFamily="34" charset="0"/>
+                  <a:cs typeface="Times New Roman" panose="02020603050405020304" pitchFamily="18" charset="0"/>
+                </a:endParaRPr>
+              </a:p>
+              <a:p>
+                <a:pPr>
+                  <a:lnSpc>
+                    <a:spcPct val="107000"/>
+                  </a:lnSpc>
+                  <a:spcAft>
+                    <a:spcPts val="800"/>
+                  </a:spcAft>
+                </a:pPr>
+                <a14:m>
+                  <m:oMath xmlns:m="http://schemas.openxmlformats.org/officeDocument/2006/math">
+                    <m:r>
+                      <a:rPr lang="en-US" sz="1800" i="1" kern="100">
+                        <a:latin typeface="Cambria Math" panose="02040503050406030204" pitchFamily="18" charset="0"/>
+                        <a:ea typeface="Calibri" panose="020F0502020204030204" pitchFamily="34" charset="0"/>
+                        <a:cs typeface="Times New Roman" panose="02020603050405020304" pitchFamily="18" charset="0"/>
+                      </a:rPr>
+                      <m:t>𝐷</m:t>
+                    </m:r>
+                    <m:d>
+                      <m:dPr>
+                        <m:ctrlPr>
+                          <a:rPr lang="en-US" sz="1800" i="1" kern="100">
+                            <a:latin typeface="Cambria Math" panose="02040503050406030204" pitchFamily="18" charset="0"/>
+                            <a:ea typeface="Calibri" panose="020F0502020204030204" pitchFamily="34" charset="0"/>
+                            <a:cs typeface="Times New Roman" panose="02020603050405020304" pitchFamily="18" charset="0"/>
+                          </a:rPr>
+                        </m:ctrlPr>
+                      </m:dPr>
+                      <m:e>
+                        <m:r>
+                          <a:rPr lang="en-US" sz="1800" b="0" i="1" kern="100" smtClean="0">
+                            <a:latin typeface="Cambria Math" panose="02040503050406030204" pitchFamily="18" charset="0"/>
+                            <a:ea typeface="Calibri" panose="020F0502020204030204" pitchFamily="34" charset="0"/>
+                            <a:cs typeface="Times New Roman" panose="02020603050405020304" pitchFamily="18" charset="0"/>
+                          </a:rPr>
+                          <m:t>𝑘</m:t>
+                        </m:r>
+                      </m:e>
+                    </m:d>
+                    <m:r>
+                      <a:rPr lang="en-US" sz="1800" i="1" kern="100">
+                        <a:latin typeface="Cambria Math" panose="02040503050406030204" pitchFamily="18" charset="0"/>
+                        <a:ea typeface="Calibri" panose="020F0502020204030204" pitchFamily="34" charset="0"/>
+                        <a:cs typeface="Times New Roman" panose="02020603050405020304" pitchFamily="18" charset="0"/>
+                      </a:rPr>
+                      <m:t>= </m:t>
+                    </m:r>
+                    <m:r>
+                      <a:rPr lang="en-US" sz="1800" i="1" kern="100">
+                        <a:latin typeface="Cambria Math" panose="02040503050406030204" pitchFamily="18" charset="0"/>
+                        <a:ea typeface="Calibri" panose="020F0502020204030204" pitchFamily="34" charset="0"/>
+                        <a:cs typeface="Times New Roman" panose="02020603050405020304" pitchFamily="18" charset="0"/>
+                      </a:rPr>
+                      <m:t>𝐾𝑑</m:t>
+                    </m:r>
+                    <m:r>
+                      <a:rPr lang="en-US" sz="1800" i="1" kern="100">
+                        <a:latin typeface="Cambria Math" panose="02040503050406030204" pitchFamily="18" charset="0"/>
+                        <a:ea typeface="Calibri" panose="020F0502020204030204" pitchFamily="34" charset="0"/>
+                        <a:cs typeface="Times New Roman" panose="02020603050405020304" pitchFamily="18" charset="0"/>
+                      </a:rPr>
+                      <m:t>∗</m:t>
+                    </m:r>
+                    <m:f>
+                      <m:fPr>
+                        <m:ctrlPr>
+                          <a:rPr lang="en-US" sz="1800" i="1" kern="100">
+                            <a:latin typeface="Cambria Math" panose="02040503050406030204" pitchFamily="18" charset="0"/>
+                            <a:ea typeface="Times New Roman" panose="02020603050405020304" pitchFamily="18" charset="0"/>
+                            <a:cs typeface="Times New Roman" panose="02020603050405020304" pitchFamily="18" charset="0"/>
+                          </a:rPr>
+                        </m:ctrlPr>
+                      </m:fPr>
+                      <m:num>
+                        <m:r>
+                          <a:rPr lang="en-US" sz="1800" i="1" kern="100">
+                            <a:latin typeface="Cambria Math" panose="02040503050406030204" pitchFamily="18" charset="0"/>
+                            <a:ea typeface="Times New Roman" panose="02020603050405020304" pitchFamily="18" charset="0"/>
+                            <a:cs typeface="Times New Roman" panose="02020603050405020304" pitchFamily="18" charset="0"/>
+                          </a:rPr>
+                          <m:t>2</m:t>
+                        </m:r>
+                      </m:num>
+                      <m:den>
+                        <m:r>
+                          <a:rPr lang="en-US" sz="1800" i="1" kern="100">
+                            <a:latin typeface="Cambria Math" panose="02040503050406030204" pitchFamily="18" charset="0"/>
+                            <a:ea typeface="Times New Roman" panose="02020603050405020304" pitchFamily="18" charset="0"/>
+                            <a:cs typeface="Times New Roman" panose="02020603050405020304" pitchFamily="18" charset="0"/>
+                          </a:rPr>
+                          <m:t>𝑇</m:t>
+                        </m:r>
+                      </m:den>
+                    </m:f>
+                    <m:d>
+                      <m:dPr>
+                        <m:ctrlPr>
+                          <a:rPr lang="en-US" sz="1800" i="1" kern="100">
+                            <a:latin typeface="Cambria Math" panose="02040503050406030204" pitchFamily="18" charset="0"/>
+                            <a:ea typeface="Times New Roman" panose="02020603050405020304" pitchFamily="18" charset="0"/>
+                            <a:cs typeface="Times New Roman" panose="02020603050405020304" pitchFamily="18" charset="0"/>
+                          </a:rPr>
+                        </m:ctrlPr>
+                      </m:dPr>
+                      <m:e>
+                        <m:r>
+                          <a:rPr lang="en-US" sz="1800" i="1" kern="100">
+                            <a:latin typeface="Cambria Math" panose="02040503050406030204" pitchFamily="18" charset="0"/>
+                            <a:ea typeface="Times New Roman" panose="02020603050405020304" pitchFamily="18" charset="0"/>
+                            <a:cs typeface="Times New Roman" panose="02020603050405020304" pitchFamily="18" charset="0"/>
+                          </a:rPr>
+                          <m:t>𝑒</m:t>
+                        </m:r>
+                        <m:d>
+                          <m:dPr>
+                            <m:ctrlPr>
+                              <a:rPr lang="en-US" sz="1800" i="1" kern="100">
+                                <a:latin typeface="Cambria Math" panose="02040503050406030204" pitchFamily="18" charset="0"/>
+                                <a:ea typeface="Times New Roman" panose="02020603050405020304" pitchFamily="18" charset="0"/>
+                                <a:cs typeface="Times New Roman" panose="02020603050405020304" pitchFamily="18" charset="0"/>
+                              </a:rPr>
+                            </m:ctrlPr>
+                          </m:dPr>
+                          <m:e>
+                            <m:r>
+                              <a:rPr lang="en-US" sz="1800" b="0" i="1" kern="100" smtClean="0">
+                                <a:latin typeface="Cambria Math" panose="02040503050406030204" pitchFamily="18" charset="0"/>
+                                <a:ea typeface="Times New Roman" panose="02020603050405020304" pitchFamily="18" charset="0"/>
+                                <a:cs typeface="Times New Roman" panose="02020603050405020304" pitchFamily="18" charset="0"/>
+                              </a:rPr>
+                              <m:t>𝑘</m:t>
+                            </m:r>
+                          </m:e>
+                        </m:d>
+                        <m:r>
+                          <a:rPr lang="en-US" sz="1800" i="1" kern="100">
+                            <a:latin typeface="Cambria Math" panose="02040503050406030204" pitchFamily="18" charset="0"/>
+                            <a:ea typeface="Times New Roman" panose="02020603050405020304" pitchFamily="18" charset="0"/>
+                            <a:cs typeface="Times New Roman" panose="02020603050405020304" pitchFamily="18" charset="0"/>
+                          </a:rPr>
+                          <m:t>−</m:t>
+                        </m:r>
+                        <m:r>
+                          <a:rPr lang="en-US" sz="1800" i="1" kern="100">
+                            <a:latin typeface="Cambria Math" panose="02040503050406030204" pitchFamily="18" charset="0"/>
+                            <a:ea typeface="Times New Roman" panose="02020603050405020304" pitchFamily="18" charset="0"/>
+                            <a:cs typeface="Times New Roman" panose="02020603050405020304" pitchFamily="18" charset="0"/>
+                          </a:rPr>
+                          <m:t>𝑒</m:t>
+                        </m:r>
+                        <m:d>
+                          <m:dPr>
+                            <m:ctrlPr>
+                              <a:rPr lang="en-US" sz="1800" i="1" kern="100">
+                                <a:latin typeface="Cambria Math" panose="02040503050406030204" pitchFamily="18" charset="0"/>
+                                <a:ea typeface="Times New Roman" panose="02020603050405020304" pitchFamily="18" charset="0"/>
+                                <a:cs typeface="Times New Roman" panose="02020603050405020304" pitchFamily="18" charset="0"/>
+                              </a:rPr>
+                            </m:ctrlPr>
+                          </m:dPr>
+                          <m:e>
+                            <m:r>
+                              <a:rPr lang="en-US" sz="1800" b="0" i="1" kern="100" smtClean="0">
+                                <a:latin typeface="Cambria Math" panose="02040503050406030204" pitchFamily="18" charset="0"/>
+                                <a:ea typeface="Times New Roman" panose="02020603050405020304" pitchFamily="18" charset="0"/>
+                                <a:cs typeface="Times New Roman" panose="02020603050405020304" pitchFamily="18" charset="0"/>
+                              </a:rPr>
+                              <m:t>𝑘</m:t>
+                            </m:r>
+                            <m:r>
+                              <a:rPr lang="en-US" sz="1800" b="0" i="1" kern="100" smtClean="0">
+                                <a:latin typeface="Cambria Math" panose="02040503050406030204" pitchFamily="18" charset="0"/>
+                                <a:ea typeface="Times New Roman" panose="02020603050405020304" pitchFamily="18" charset="0"/>
+                                <a:cs typeface="Times New Roman" panose="02020603050405020304" pitchFamily="18" charset="0"/>
+                              </a:rPr>
+                              <m:t>−1</m:t>
+                            </m:r>
+                          </m:e>
+                        </m:d>
+                      </m:e>
+                    </m:d>
+                    <m:r>
+                      <a:rPr lang="en-US" sz="1800" i="1" kern="100">
+                        <a:latin typeface="Cambria Math" panose="02040503050406030204" pitchFamily="18" charset="0"/>
+                        <a:ea typeface="Times New Roman" panose="02020603050405020304" pitchFamily="18" charset="0"/>
+                        <a:cs typeface="Times New Roman" panose="02020603050405020304" pitchFamily="18" charset="0"/>
+                      </a:rPr>
                       <m:t>−(</m:t>
                     </m:r>
                     <m:r>
-                      <a:rPr lang="en-US" sz="1800" b="0" i="1" kern="100" smtClean="0">
-                        <a:effectLst/>
+                      <a:rPr lang="en-US" sz="1800" i="1" kern="100">
                         <a:latin typeface="Cambria Math" panose="02040503050406030204" pitchFamily="18" charset="0"/>
                         <a:ea typeface="Times New Roman" panose="02020603050405020304" pitchFamily="18" charset="0"/>
                         <a:cs typeface="Times New Roman" panose="02020603050405020304" pitchFamily="18" charset="0"/>
@@ -14317,7 +19410,6 @@
                       <m:dPr>
                         <m:ctrlPr>
                           <a:rPr lang="en-US" sz="1800" i="1" kern="100">
-                            <a:effectLst/>
                             <a:latin typeface="Cambria Math" panose="02040503050406030204" pitchFamily="18" charset="0"/>
                             <a:ea typeface="Calibri" panose="020F0502020204030204" pitchFamily="34" charset="0"/>
                             <a:cs typeface="Times New Roman" panose="02020603050405020304" pitchFamily="18" charset="0"/>
@@ -14327,61 +19419,24 @@
                       <m:e>
                         <m:r>
                           <a:rPr lang="en-US" sz="1800" i="1" kern="100">
-                            <a:effectLst/>
                             <a:latin typeface="Cambria Math" panose="02040503050406030204" pitchFamily="18" charset="0"/>
                             <a:ea typeface="Calibri" panose="020F0502020204030204" pitchFamily="34" charset="0"/>
                             <a:cs typeface="Times New Roman" panose="02020603050405020304" pitchFamily="18" charset="0"/>
                           </a:rPr>
                           <m:t>𝑧</m:t>
                         </m:r>
+                        <m:r>
+                          <a:rPr lang="en-US" sz="1800" b="0" i="1" kern="100" smtClean="0">
+                            <a:latin typeface="Cambria Math" panose="02040503050406030204" pitchFamily="18" charset="0"/>
+                            <a:ea typeface="Calibri" panose="020F0502020204030204" pitchFamily="34" charset="0"/>
+                            <a:cs typeface="Times New Roman" panose="02020603050405020304" pitchFamily="18" charset="0"/>
+                          </a:rPr>
+                          <m:t> −1</m:t>
+                        </m:r>
                       </m:e>
                     </m:d>
                     <m:r>
                       <a:rPr lang="en-US" sz="1800" i="1" kern="100">
-                        <a:effectLst/>
-                        <a:latin typeface="Cambria Math" panose="02040503050406030204" pitchFamily="18" charset="0"/>
-                        <a:ea typeface="Calibri" panose="020F0502020204030204" pitchFamily="34" charset="0"/>
-                        <a:cs typeface="Times New Roman" panose="02020603050405020304" pitchFamily="18" charset="0"/>
-                      </a:rPr>
-                      <m:t>∗</m:t>
-                    </m:r>
-                    <m:sSup>
-                      <m:sSupPr>
-                        <m:ctrlPr>
-                          <a:rPr lang="en-US" sz="1800" i="1" kern="100">
-                            <a:effectLst/>
-                            <a:latin typeface="Cambria Math" panose="02040503050406030204" pitchFamily="18" charset="0"/>
-                            <a:ea typeface="Times New Roman" panose="02020603050405020304" pitchFamily="18" charset="0"/>
-                            <a:cs typeface="Times New Roman" panose="02020603050405020304" pitchFamily="18" charset="0"/>
-                          </a:rPr>
-                        </m:ctrlPr>
-                      </m:sSupPr>
-                      <m:e>
-                        <m:r>
-                          <a:rPr lang="en-US" sz="1800" i="1" kern="100">
-                            <a:effectLst/>
-                            <a:latin typeface="Cambria Math" panose="02040503050406030204" pitchFamily="18" charset="0"/>
-                            <a:ea typeface="Times New Roman" panose="02020603050405020304" pitchFamily="18" charset="0"/>
-                            <a:cs typeface="Times New Roman" panose="02020603050405020304" pitchFamily="18" charset="0"/>
-                          </a:rPr>
-                          <m:t>𝑧</m:t>
-                        </m:r>
-                      </m:e>
-                      <m:sup>
-                        <m:r>
-                          <a:rPr lang="en-US" sz="1800" i="1" kern="100">
-                            <a:effectLst/>
-                            <a:latin typeface="Cambria Math" panose="02040503050406030204" pitchFamily="18" charset="0"/>
-                            <a:ea typeface="Times New Roman" panose="02020603050405020304" pitchFamily="18" charset="0"/>
-                            <a:cs typeface="Times New Roman" panose="02020603050405020304" pitchFamily="18" charset="0"/>
-                          </a:rPr>
-                          <m:t>−1</m:t>
-                        </m:r>
-                      </m:sup>
-                    </m:sSup>
-                    <m:r>
-                      <a:rPr lang="en-US" sz="1800" i="1" kern="100">
-                        <a:effectLst/>
                         <a:latin typeface="Cambria Math" panose="02040503050406030204" pitchFamily="18" charset="0"/>
                         <a:ea typeface="Calibri" panose="020F0502020204030204" pitchFamily="34" charset="0"/>
                         <a:cs typeface="Times New Roman" panose="02020603050405020304" pitchFamily="18" charset="0"/>
@@ -14390,6 +19445,21 @@
                     </m:r>
                   </m:oMath>
                 </a14:m>
+                <a:endParaRPr lang="en-US" sz="1800" kern="100" dirty="0">
+                  <a:latin typeface="Calibri" panose="020F0502020204030204" pitchFamily="34" charset="0"/>
+                  <a:ea typeface="Calibri" panose="020F0502020204030204" pitchFamily="34" charset="0"/>
+                  <a:cs typeface="Times New Roman" panose="02020603050405020304" pitchFamily="18" charset="0"/>
+                </a:endParaRPr>
+              </a:p>
+              <a:p>
+                <a:pPr>
+                  <a:lnSpc>
+                    <a:spcPct val="107000"/>
+                  </a:lnSpc>
+                  <a:spcAft>
+                    <a:spcPts val="800"/>
+                  </a:spcAft>
+                </a:pPr>
                 <a:endParaRPr lang="en-US" sz="1800" kern="100" dirty="0">
                   <a:effectLst/>
                   <a:latin typeface="Calibri" panose="020F0502020204030204" pitchFamily="34" charset="0"/>
@@ -14400,7 +19470,7 @@
             </p:txBody>
           </p:sp>
         </mc:Choice>
-        <mc:Fallback xmlns="">
+        <mc:Fallback>
           <p:sp>
             <p:nvSpPr>
               <p:cNvPr id="3" name="Content Placeholder 2">
@@ -14418,6 +19488,10 @@
               </p:nvPr>
             </p:nvSpPr>
             <p:spPr>
+              <a:xfrm>
+                <a:off x="838200" y="2141537"/>
+                <a:ext cx="10515600" cy="4351338"/>
+              </a:xfrm>
               <a:blipFill>
                 <a:blip r:embed="rId2"/>
                 <a:stretch>
@@ -14453,7 +19527,7 @@
 </p:sld>
 </file>
 
-<file path=ppt/slides/slide23.xml><?xml version="1.0" encoding="utf-8"?>
+<file path=ppt/slides/slide27.xml><?xml version="1.0" encoding="utf-8"?>
 <p:sld xmlns:a="http://schemas.openxmlformats.org/drawingml/2006/main" xmlns:r="http://schemas.openxmlformats.org/officeDocument/2006/relationships" xmlns:p="http://schemas.openxmlformats.org/presentationml/2006/main">
   <p:cSld>
     <p:spTree>
@@ -14527,7 +19601,7 @@
         </p:blipFill>
         <p:spPr bwMode="auto">
           <a:xfrm>
-            <a:off x="165873" y="2446767"/>
+            <a:off x="1854630" y="2199632"/>
             <a:ext cx="7807235" cy="3245579"/>
           </a:xfrm>
           <a:prstGeom prst="rect">
@@ -14558,7 +19632,7 @@
 </p:sld>
 </file>
 
-<file path=ppt/slides/slide24.xml><?xml version="1.0" encoding="utf-8"?>
+<file path=ppt/slides/slide28.xml><?xml version="1.0" encoding="utf-8"?>
 <p:sld xmlns:a="http://schemas.openxmlformats.org/drawingml/2006/main" xmlns:r="http://schemas.openxmlformats.org/officeDocument/2006/relationships" xmlns:p="http://schemas.openxmlformats.org/presentationml/2006/main">
   <p:cSld>
     <p:spTree>
@@ -14596,7 +19670,10 @@
           <a:bodyPr/>
           <a:lstStyle/>
           <a:p>
-            <a:endParaRPr lang="en-US"/>
+            <a:r>
+              <a:rPr lang="en-US" dirty="0"/>
+              <a:t>Tuning PID</a:t>
+            </a:r>
           </a:p>
         </p:txBody>
       </p:sp>
@@ -14629,7 +19706,7 @@
         </p:blipFill>
         <p:spPr bwMode="auto">
           <a:xfrm>
-            <a:off x="0" y="5002384"/>
+            <a:off x="214184" y="3585476"/>
             <a:ext cx="6367849" cy="1596124"/>
           </a:xfrm>
           <a:prstGeom prst="rect">
@@ -14669,7 +19746,7 @@
         </p:blipFill>
         <p:spPr>
           <a:xfrm>
-            <a:off x="6796217" y="2265404"/>
+            <a:off x="7068066" y="2232453"/>
             <a:ext cx="4693319" cy="4078419"/>
           </a:xfrm>
           <a:prstGeom prst="rect">
@@ -14690,7 +19767,7 @@
 </p:sld>
 </file>
 
-<file path=ppt/slides/slide25.xml><?xml version="1.0" encoding="utf-8"?>
+<file path=ppt/slides/slide29.xml><?xml version="1.0" encoding="utf-8"?>
 <p:sld xmlns:a="http://schemas.openxmlformats.org/drawingml/2006/main" xmlns:r="http://schemas.openxmlformats.org/officeDocument/2006/relationships" xmlns:p="http://schemas.openxmlformats.org/presentationml/2006/main">
   <p:cSld>
     <p:spTree>
@@ -14723,12 +19800,28 @@
             <p:ph type="title"/>
           </p:nvPr>
         </p:nvSpPr>
-        <p:spPr/>
+        <p:spPr>
+          <a:xfrm>
+            <a:off x="838200" y="18255"/>
+            <a:ext cx="10515600" cy="912621"/>
+          </a:xfrm>
+        </p:spPr>
         <p:txBody>
           <a:bodyPr/>
           <a:lstStyle/>
           <a:p>
-            <a:endParaRPr lang="en-US"/>
+            <a:r>
+              <a:rPr lang="en-US" dirty="0"/>
+              <a:t>Jenis </a:t>
+            </a:r>
+            <a:r>
+              <a:rPr lang="en-US" dirty="0" err="1"/>
+              <a:t>jenis</a:t>
+            </a:r>
+            <a:r>
+              <a:rPr lang="en-US" dirty="0"/>
+              <a:t> tuning PID : </a:t>
+            </a:r>
           </a:p>
         </p:txBody>
       </p:sp>
@@ -14748,269 +19841,45 @@
             <p:ph idx="1"/>
           </p:nvPr>
         </p:nvSpPr>
-        <p:spPr/>
+        <p:spPr>
+          <a:xfrm>
+            <a:off x="912341" y="1253331"/>
+            <a:ext cx="10515600" cy="4351338"/>
+          </a:xfrm>
+        </p:spPr>
         <p:txBody>
           <a:bodyPr>
-            <a:normAutofit fontScale="40000" lnSpcReduction="20000"/>
+            <a:normAutofit/>
           </a:bodyPr>
           <a:lstStyle/>
           <a:p>
+            <a:pPr marL="0" indent="0">
+              <a:buNone/>
+            </a:pPr>
             <a:r>
               <a:rPr lang="en-US" b="1" dirty="0"/>
-              <a:t>1. Tuning Manual</a:t>
+              <a:t>- Tuning Manual (trial and error)</a:t>
             </a:r>
           </a:p>
           <a:p>
-            <a:r>
-              <a:rPr lang="en-US" b="1" dirty="0" err="1"/>
-              <a:t>Definisi</a:t>
-            </a:r>
-            <a:r>
-              <a:rPr lang="en-US" dirty="0"/>
-              <a:t>: </a:t>
-            </a:r>
-            <a:r>
-              <a:rPr lang="en-US" dirty="0" err="1"/>
-              <a:t>Penyesuaian</a:t>
-            </a:r>
-            <a:r>
-              <a:rPr lang="en-US" dirty="0"/>
-              <a:t> parameter PID </a:t>
-            </a:r>
-            <a:r>
-              <a:rPr lang="en-US" dirty="0" err="1"/>
-              <a:t>dilakukan</a:t>
-            </a:r>
-            <a:r>
-              <a:rPr lang="en-US" dirty="0"/>
-              <a:t> </a:t>
-            </a:r>
-            <a:r>
-              <a:rPr lang="en-US" dirty="0" err="1"/>
-              <a:t>secara</a:t>
-            </a:r>
-            <a:r>
-              <a:rPr lang="en-US" dirty="0"/>
-              <a:t> </a:t>
-            </a:r>
-            <a:r>
-              <a:rPr lang="en-US" dirty="0" err="1"/>
-              <a:t>langsung</a:t>
-            </a:r>
-            <a:r>
-              <a:rPr lang="en-US" dirty="0"/>
-              <a:t> oleh operator </a:t>
-            </a:r>
-            <a:r>
-              <a:rPr lang="en-US" dirty="0" err="1"/>
-              <a:t>atau</a:t>
-            </a:r>
-            <a:r>
-              <a:rPr lang="en-US" dirty="0"/>
-              <a:t> engineer </a:t>
-            </a:r>
-            <a:r>
-              <a:rPr lang="en-US" dirty="0" err="1"/>
-              <a:t>berdasarkan</a:t>
-            </a:r>
-            <a:r>
-              <a:rPr lang="en-US" dirty="0"/>
-              <a:t> </a:t>
-            </a:r>
-            <a:r>
-              <a:rPr lang="en-US" dirty="0" err="1"/>
-              <a:t>pengamatan</a:t>
-            </a:r>
-            <a:r>
-              <a:rPr lang="en-US" dirty="0"/>
-              <a:t> dan </a:t>
-            </a:r>
-            <a:r>
-              <a:rPr lang="en-US" dirty="0" err="1"/>
-              <a:t>eksperimen</a:t>
-            </a:r>
-            <a:r>
-              <a:rPr lang="en-US" dirty="0"/>
-              <a:t>.</a:t>
-            </a:r>
+            <a:pPr marL="0" indent="0">
+              <a:buNone/>
+            </a:pPr>
+            <a:endParaRPr lang="en-US" dirty="0"/>
           </a:p>
           <a:p>
-            <a:r>
-              <a:rPr lang="en-US" b="1" dirty="0"/>
-              <a:t>Ciri-</a:t>
-            </a:r>
-            <a:r>
-              <a:rPr lang="en-US" b="1" dirty="0" err="1"/>
-              <a:t>ciri</a:t>
-            </a:r>
-            <a:r>
-              <a:rPr lang="en-US" dirty="0"/>
-              <a:t>:</a:t>
-            </a:r>
+            <a:pPr marL="0" indent="0">
+              <a:buNone/>
+            </a:pPr>
+            <a:endParaRPr lang="en-US" dirty="0"/>
           </a:p>
           <a:p>
-            <a:pPr lvl="1"/>
-            <a:r>
-              <a:rPr lang="en-US" dirty="0" err="1"/>
-              <a:t>Memerlukan</a:t>
-            </a:r>
-            <a:r>
-              <a:rPr lang="en-US" dirty="0"/>
-              <a:t> </a:t>
-            </a:r>
-            <a:r>
-              <a:rPr lang="en-US" dirty="0" err="1"/>
-              <a:t>eksperimen</a:t>
-            </a:r>
-            <a:r>
-              <a:rPr lang="en-US" dirty="0"/>
-              <a:t> </a:t>
-            </a:r>
-            <a:r>
-              <a:rPr lang="en-US" dirty="0" err="1"/>
-              <a:t>langsung</a:t>
-            </a:r>
-            <a:r>
-              <a:rPr lang="en-US" dirty="0"/>
-              <a:t>.</a:t>
-            </a:r>
-          </a:p>
-          <a:p>
-            <a:pPr lvl="1"/>
-            <a:r>
-              <a:rPr lang="en-US" dirty="0" err="1"/>
-              <a:t>Bergantung</a:t>
-            </a:r>
-            <a:r>
-              <a:rPr lang="en-US" dirty="0"/>
-              <a:t> pada </a:t>
-            </a:r>
-            <a:r>
-              <a:rPr lang="en-US" dirty="0" err="1"/>
-              <a:t>intuisi</a:t>
-            </a:r>
-            <a:r>
-              <a:rPr lang="en-US" dirty="0"/>
-              <a:t> dan </a:t>
-            </a:r>
-            <a:r>
-              <a:rPr lang="en-US" dirty="0" err="1"/>
-              <a:t>pengalaman</a:t>
-            </a:r>
-            <a:r>
-              <a:rPr lang="en-US" dirty="0"/>
-              <a:t> </a:t>
-            </a:r>
-            <a:r>
-              <a:rPr lang="en-US" dirty="0" err="1"/>
-              <a:t>pengguna</a:t>
-            </a:r>
-            <a:r>
-              <a:rPr lang="en-US" dirty="0"/>
-              <a:t>.</a:t>
-            </a:r>
-          </a:p>
-          <a:p>
-            <a:pPr lvl="1"/>
-            <a:r>
-              <a:rPr lang="en-US" dirty="0"/>
-              <a:t>Sering kali </a:t>
-            </a:r>
-            <a:r>
-              <a:rPr lang="en-US" dirty="0" err="1"/>
-              <a:t>menggunakan</a:t>
-            </a:r>
-            <a:r>
-              <a:rPr lang="en-US" dirty="0"/>
-              <a:t> </a:t>
-            </a:r>
-            <a:r>
-              <a:rPr lang="en-US" dirty="0" err="1"/>
-              <a:t>metode</a:t>
-            </a:r>
-            <a:r>
-              <a:rPr lang="en-US" dirty="0"/>
-              <a:t> trial-and-error.</a:t>
-            </a:r>
-          </a:p>
-          <a:p>
-            <a:r>
-              <a:rPr lang="en-US" b="1" dirty="0" err="1"/>
-              <a:t>Contoh</a:t>
-            </a:r>
-            <a:r>
-              <a:rPr lang="en-US" dirty="0"/>
-              <a:t>: Tuning PID manual yang </a:t>
-            </a:r>
-            <a:r>
-              <a:rPr lang="en-US" dirty="0" err="1"/>
-              <a:t>dilakukan</a:t>
-            </a:r>
-            <a:r>
-              <a:rPr lang="en-US" dirty="0"/>
-              <a:t> di </a:t>
-            </a:r>
-            <a:r>
-              <a:rPr lang="en-US" dirty="0" err="1"/>
-              <a:t>lapangan</a:t>
-            </a:r>
-            <a:r>
-              <a:rPr lang="en-US" dirty="0"/>
-              <a:t>, </a:t>
-            </a:r>
-            <a:r>
-              <a:rPr lang="en-US" dirty="0" err="1"/>
-              <a:t>dengan</a:t>
-            </a:r>
-            <a:r>
-              <a:rPr lang="en-US" dirty="0"/>
-              <a:t> </a:t>
-            </a:r>
-            <a:r>
-              <a:rPr lang="en-US" dirty="0" err="1"/>
-              <a:t>menyesuaikan</a:t>
-            </a:r>
-            <a:r>
-              <a:rPr lang="en-US" dirty="0"/>
-              <a:t> parameter </a:t>
-            </a:r>
-            <a:r>
-              <a:rPr lang="en-US" dirty="0" err="1"/>
-              <a:t>sambil</a:t>
-            </a:r>
-            <a:r>
-              <a:rPr lang="en-US" dirty="0"/>
-              <a:t> </a:t>
-            </a:r>
-            <a:r>
-              <a:rPr lang="en-US" dirty="0" err="1"/>
-              <a:t>memonitor</a:t>
-            </a:r>
-            <a:r>
-              <a:rPr lang="en-US" dirty="0"/>
-              <a:t> </a:t>
-            </a:r>
-            <a:r>
-              <a:rPr lang="en-US" dirty="0" err="1"/>
-              <a:t>respons</a:t>
-            </a:r>
-            <a:r>
-              <a:rPr lang="en-US" dirty="0"/>
-              <a:t> </a:t>
-            </a:r>
-            <a:r>
-              <a:rPr lang="en-US" dirty="0" err="1"/>
-              <a:t>sistem</a:t>
-            </a:r>
-            <a:r>
-              <a:rPr lang="en-US" dirty="0"/>
-              <a:t>.</a:t>
-            </a:r>
-          </a:p>
-          <a:p>
+            <a:pPr marL="0" indent="0">
+              <a:buNone/>
+            </a:pPr>
             <a:r>
               <a:rPr lang="en-US" b="1" dirty="0"/>
-              <a:t>2. Tuning </a:t>
+              <a:t>- Tuning </a:t>
             </a:r>
             <a:r>
               <a:rPr lang="en-US" b="1" dirty="0" err="1"/>
@@ -15019,543 +19888,34 @@
             <a:endParaRPr lang="en-US" b="1" dirty="0"/>
           </a:p>
           <a:p>
-            <a:r>
-              <a:rPr lang="en-US" b="1" dirty="0" err="1"/>
-              <a:t>Definisi</a:t>
-            </a:r>
-            <a:r>
-              <a:rPr lang="en-US" dirty="0"/>
-              <a:t>: Tuning PID </a:t>
-            </a:r>
-            <a:r>
-              <a:rPr lang="en-US" dirty="0" err="1"/>
-              <a:t>dilakukan</a:t>
-            </a:r>
-            <a:r>
-              <a:rPr lang="en-US" dirty="0"/>
-              <a:t> </a:t>
-            </a:r>
-            <a:r>
-              <a:rPr lang="en-US" dirty="0" err="1"/>
-              <a:t>dengan</a:t>
-            </a:r>
-            <a:r>
-              <a:rPr lang="en-US" dirty="0"/>
-              <a:t> </a:t>
-            </a:r>
-            <a:r>
-              <a:rPr lang="en-US" dirty="0" err="1"/>
-              <a:t>menggunakan</a:t>
-            </a:r>
-            <a:r>
-              <a:rPr lang="en-US" dirty="0"/>
-              <a:t> model </a:t>
-            </a:r>
-            <a:r>
-              <a:rPr lang="en-US" dirty="0" err="1"/>
-              <a:t>matematika</a:t>
-            </a:r>
-            <a:r>
-              <a:rPr lang="en-US" dirty="0"/>
-              <a:t> </a:t>
-            </a:r>
-            <a:r>
-              <a:rPr lang="en-US" dirty="0" err="1"/>
-              <a:t>atau</a:t>
-            </a:r>
-            <a:r>
-              <a:rPr lang="en-US" dirty="0"/>
-              <a:t> </a:t>
-            </a:r>
-            <a:r>
-              <a:rPr lang="en-US" dirty="0" err="1"/>
-              <a:t>analitik</a:t>
-            </a:r>
-            <a:r>
-              <a:rPr lang="en-US" dirty="0"/>
-              <a:t> </a:t>
-            </a:r>
-            <a:r>
-              <a:rPr lang="en-US" dirty="0" err="1"/>
-              <a:t>dari</a:t>
-            </a:r>
-            <a:r>
-              <a:rPr lang="en-US" dirty="0"/>
-              <a:t> </a:t>
-            </a:r>
-            <a:r>
-              <a:rPr lang="en-US" dirty="0" err="1"/>
-              <a:t>sistem</a:t>
-            </a:r>
-            <a:r>
-              <a:rPr lang="en-US" dirty="0"/>
-              <a:t> </a:t>
-            </a:r>
-            <a:r>
-              <a:rPr lang="en-US" dirty="0" err="1"/>
-              <a:t>untuk</a:t>
-            </a:r>
-            <a:r>
-              <a:rPr lang="en-US" dirty="0"/>
-              <a:t> </a:t>
-            </a:r>
-            <a:r>
-              <a:rPr lang="en-US" dirty="0" err="1"/>
-              <a:t>menghitung</a:t>
-            </a:r>
-            <a:r>
-              <a:rPr lang="en-US" dirty="0"/>
-              <a:t> parameter PID yang optimal.</a:t>
-            </a:r>
+            <a:pPr marL="0" indent="0">
+              <a:buNone/>
+            </a:pPr>
+            <a:endParaRPr lang="en-US" dirty="0"/>
           </a:p>
           <a:p>
-            <a:r>
-              <a:rPr lang="en-US" b="1" dirty="0"/>
-              <a:t>Ciri-</a:t>
-            </a:r>
-            <a:r>
-              <a:rPr lang="en-US" b="1" dirty="0" err="1"/>
-              <a:t>ciri</a:t>
-            </a:r>
-            <a:r>
-              <a:rPr lang="en-US" dirty="0"/>
-              <a:t>:</a:t>
-            </a:r>
+            <a:pPr marL="0" indent="0">
+              <a:buNone/>
+            </a:pPr>
+            <a:endParaRPr lang="en-US" dirty="0"/>
           </a:p>
           <a:p>
-            <a:pPr lvl="1"/>
-            <a:r>
-              <a:rPr lang="en-US" dirty="0" err="1"/>
-              <a:t>Menggunakan</a:t>
-            </a:r>
-            <a:r>
-              <a:rPr lang="en-US" dirty="0"/>
-              <a:t> </a:t>
-            </a:r>
-            <a:r>
-              <a:rPr lang="en-US" dirty="0" err="1"/>
-              <a:t>teori</a:t>
-            </a:r>
-            <a:r>
-              <a:rPr lang="en-US" dirty="0"/>
-              <a:t> </a:t>
-            </a:r>
-            <a:r>
-              <a:rPr lang="en-US" dirty="0" err="1"/>
-              <a:t>kontrol</a:t>
-            </a:r>
-            <a:r>
-              <a:rPr lang="en-US" dirty="0"/>
-              <a:t> dan model </a:t>
-            </a:r>
-            <a:r>
-              <a:rPr lang="en-US" dirty="0" err="1"/>
-              <a:t>matematika</a:t>
-            </a:r>
-            <a:r>
-              <a:rPr lang="en-US" dirty="0"/>
-              <a:t>.</a:t>
-            </a:r>
-          </a:p>
-          <a:p>
-            <a:pPr lvl="1"/>
-            <a:r>
-              <a:rPr lang="en-US" dirty="0"/>
-              <a:t>Parameter PID </a:t>
-            </a:r>
-            <a:r>
-              <a:rPr lang="en-US" dirty="0" err="1"/>
-              <a:t>dihitung</a:t>
-            </a:r>
-            <a:r>
-              <a:rPr lang="en-US" dirty="0"/>
-              <a:t> </a:t>
-            </a:r>
-            <a:r>
-              <a:rPr lang="en-US" dirty="0" err="1"/>
-              <a:t>berdasarkan</a:t>
-            </a:r>
-            <a:r>
-              <a:rPr lang="en-US" dirty="0"/>
-              <a:t> transfer function </a:t>
-            </a:r>
-            <a:r>
-              <a:rPr lang="en-US" dirty="0" err="1"/>
-              <a:t>atau</a:t>
-            </a:r>
-            <a:r>
-              <a:rPr lang="en-US" dirty="0"/>
-              <a:t> model </a:t>
-            </a:r>
-            <a:r>
-              <a:rPr lang="en-US" dirty="0" err="1"/>
-              <a:t>sistem</a:t>
-            </a:r>
-            <a:r>
-              <a:rPr lang="en-US" dirty="0"/>
-              <a:t>.</a:t>
-            </a:r>
-          </a:p>
-          <a:p>
-            <a:r>
-              <a:rPr lang="en-US" b="1" dirty="0" err="1"/>
-              <a:t>Contoh</a:t>
-            </a:r>
-            <a:r>
-              <a:rPr lang="en-US" dirty="0"/>
-              <a:t>: </a:t>
-            </a:r>
-            <a:r>
-              <a:rPr lang="en-US" dirty="0" err="1"/>
-              <a:t>Penggunaan</a:t>
-            </a:r>
-            <a:r>
-              <a:rPr lang="en-US" dirty="0"/>
-              <a:t> </a:t>
-            </a:r>
-            <a:r>
-              <a:rPr lang="en-US" dirty="0" err="1"/>
-              <a:t>teori</a:t>
-            </a:r>
-            <a:r>
-              <a:rPr lang="en-US" dirty="0"/>
-              <a:t> </a:t>
-            </a:r>
-            <a:r>
-              <a:rPr lang="en-US" dirty="0" err="1"/>
-              <a:t>kontrol</a:t>
-            </a:r>
-            <a:r>
-              <a:rPr lang="en-US" dirty="0"/>
-              <a:t> </a:t>
-            </a:r>
-            <a:r>
-              <a:rPr lang="en-US" dirty="0" err="1"/>
-              <a:t>klasik</a:t>
-            </a:r>
-            <a:r>
-              <a:rPr lang="en-US" dirty="0"/>
-              <a:t>, </a:t>
-            </a:r>
-            <a:r>
-              <a:rPr lang="en-US" dirty="0" err="1"/>
-              <a:t>seperti</a:t>
-            </a:r>
-            <a:r>
-              <a:rPr lang="en-US" dirty="0"/>
-              <a:t> Ziegler-Nichols </a:t>
-            </a:r>
-            <a:r>
-              <a:rPr lang="en-US" dirty="0" err="1"/>
-              <a:t>atau</a:t>
-            </a:r>
-            <a:r>
-              <a:rPr lang="en-US" dirty="0"/>
-              <a:t> </a:t>
-            </a:r>
-            <a:r>
-              <a:rPr lang="en-US" dirty="0" err="1"/>
-              <a:t>metode</a:t>
-            </a:r>
-            <a:r>
-              <a:rPr lang="en-US" dirty="0"/>
-              <a:t> yang </a:t>
-            </a:r>
-            <a:r>
-              <a:rPr lang="en-US" dirty="0" err="1"/>
-              <a:t>berbasis</a:t>
-            </a:r>
-            <a:r>
-              <a:rPr lang="en-US" dirty="0"/>
-              <a:t> model transfer function.</a:t>
-            </a:r>
-          </a:p>
-          <a:p>
+            <a:pPr marL="0" indent="0">
+              <a:buNone/>
+            </a:pPr>
+            <a:r>
+              <a:rPr lang="en-US" dirty="0"/>
+              <a:t>- </a:t>
+            </a:r>
             <a:r>
               <a:rPr lang="en-US" b="1" dirty="0"/>
-              <a:t>3. Tuning </a:t>
+              <a:t>Tuning </a:t>
             </a:r>
             <a:r>
               <a:rPr lang="en-US" b="1" dirty="0" err="1"/>
               <a:t>Numerik</a:t>
             </a:r>
             <a:endParaRPr lang="en-US" b="1" dirty="0"/>
-          </a:p>
-          <a:p>
-            <a:r>
-              <a:rPr lang="en-US" b="1" dirty="0" err="1"/>
-              <a:t>Definisi</a:t>
-            </a:r>
-            <a:r>
-              <a:rPr lang="en-US" dirty="0"/>
-              <a:t>: </a:t>
-            </a:r>
-            <a:r>
-              <a:rPr lang="en-US" dirty="0" err="1"/>
-              <a:t>Pendekatan</a:t>
-            </a:r>
-            <a:r>
-              <a:rPr lang="en-US" dirty="0"/>
-              <a:t> </a:t>
-            </a:r>
-            <a:r>
-              <a:rPr lang="en-US" dirty="0" err="1"/>
-              <a:t>ini</a:t>
-            </a:r>
-            <a:r>
-              <a:rPr lang="en-US" dirty="0"/>
-              <a:t> </a:t>
-            </a:r>
-            <a:r>
-              <a:rPr lang="en-US" dirty="0" err="1"/>
-              <a:t>menggunakan</a:t>
-            </a:r>
-            <a:r>
-              <a:rPr lang="en-US" dirty="0"/>
-              <a:t> </a:t>
-            </a:r>
-            <a:r>
-              <a:rPr lang="en-US" dirty="0" err="1"/>
-              <a:t>algoritma</a:t>
-            </a:r>
-            <a:r>
-              <a:rPr lang="en-US" dirty="0"/>
-              <a:t> </a:t>
-            </a:r>
-            <a:r>
-              <a:rPr lang="en-US" dirty="0" err="1"/>
-              <a:t>komputer</a:t>
-            </a:r>
-            <a:r>
-              <a:rPr lang="en-US" dirty="0"/>
-              <a:t> </a:t>
-            </a:r>
-            <a:r>
-              <a:rPr lang="en-US" dirty="0" err="1"/>
-              <a:t>untuk</a:t>
-            </a:r>
-            <a:r>
-              <a:rPr lang="en-US" dirty="0"/>
-              <a:t> </a:t>
-            </a:r>
-            <a:r>
-              <a:rPr lang="en-US" dirty="0" err="1"/>
-              <a:t>mencari</a:t>
-            </a:r>
-            <a:r>
-              <a:rPr lang="en-US" dirty="0"/>
-              <a:t> parameter PID yang optimal </a:t>
-            </a:r>
-            <a:r>
-              <a:rPr lang="en-US" dirty="0" err="1"/>
-              <a:t>melalui</a:t>
-            </a:r>
-            <a:r>
-              <a:rPr lang="en-US" dirty="0"/>
-              <a:t> </a:t>
-            </a:r>
-            <a:r>
-              <a:rPr lang="en-US" dirty="0" err="1"/>
-              <a:t>simulasi</a:t>
-            </a:r>
-            <a:r>
-              <a:rPr lang="en-US" dirty="0"/>
-              <a:t> </a:t>
-            </a:r>
-            <a:r>
-              <a:rPr lang="en-US" dirty="0" err="1"/>
-              <a:t>atau</a:t>
-            </a:r>
-            <a:r>
-              <a:rPr lang="en-US" dirty="0"/>
-              <a:t> </a:t>
-            </a:r>
-            <a:r>
-              <a:rPr lang="en-US" dirty="0" err="1"/>
-              <a:t>optimisasi</a:t>
-            </a:r>
-            <a:r>
-              <a:rPr lang="en-US" dirty="0"/>
-              <a:t> </a:t>
-            </a:r>
-            <a:r>
-              <a:rPr lang="en-US" dirty="0" err="1"/>
-              <a:t>berbasis</a:t>
-            </a:r>
-            <a:r>
-              <a:rPr lang="en-US" dirty="0"/>
-              <a:t> data.</a:t>
-            </a:r>
-          </a:p>
-          <a:p>
-            <a:r>
-              <a:rPr lang="en-US" b="1" dirty="0"/>
-              <a:t>Ciri-</a:t>
-            </a:r>
-            <a:r>
-              <a:rPr lang="en-US" b="1" dirty="0" err="1"/>
-              <a:t>ciri</a:t>
-            </a:r>
-            <a:r>
-              <a:rPr lang="en-US" dirty="0"/>
-              <a:t>:</a:t>
-            </a:r>
-          </a:p>
-          <a:p>
-            <a:pPr lvl="1"/>
-            <a:r>
-              <a:rPr lang="en-US" dirty="0" err="1"/>
-              <a:t>Menggunakan</a:t>
-            </a:r>
-            <a:r>
-              <a:rPr lang="en-US" dirty="0"/>
-              <a:t> </a:t>
-            </a:r>
-            <a:r>
-              <a:rPr lang="en-US" dirty="0" err="1"/>
-              <a:t>teknik</a:t>
-            </a:r>
-            <a:r>
-              <a:rPr lang="en-US" dirty="0"/>
-              <a:t> </a:t>
-            </a:r>
-            <a:r>
-              <a:rPr lang="en-US" dirty="0" err="1"/>
-              <a:t>optimisasi</a:t>
-            </a:r>
-            <a:r>
-              <a:rPr lang="en-US" dirty="0"/>
-              <a:t> </a:t>
-            </a:r>
-            <a:r>
-              <a:rPr lang="en-US" dirty="0" err="1"/>
-              <a:t>untuk</a:t>
-            </a:r>
-            <a:r>
-              <a:rPr lang="en-US" dirty="0"/>
-              <a:t> </a:t>
-            </a:r>
-            <a:r>
-              <a:rPr lang="en-US" dirty="0" err="1"/>
-              <a:t>menemukan</a:t>
-            </a:r>
-            <a:r>
-              <a:rPr lang="en-US" dirty="0"/>
-              <a:t> parameter yang </a:t>
-            </a:r>
-            <a:r>
-              <a:rPr lang="en-US" dirty="0" err="1"/>
-              <a:t>terbaik</a:t>
-            </a:r>
-            <a:r>
-              <a:rPr lang="en-US" dirty="0"/>
-              <a:t>.</a:t>
-            </a:r>
-          </a:p>
-          <a:p>
-            <a:pPr lvl="1"/>
-            <a:r>
-              <a:rPr lang="en-US" dirty="0"/>
-              <a:t>Dapat </a:t>
-            </a:r>
-            <a:r>
-              <a:rPr lang="en-US" dirty="0" err="1"/>
-              <a:t>menggunakan</a:t>
-            </a:r>
-            <a:r>
-              <a:rPr lang="en-US" dirty="0"/>
-              <a:t> </a:t>
-            </a:r>
-            <a:r>
-              <a:rPr lang="en-US" dirty="0" err="1"/>
-              <a:t>algoritma</a:t>
-            </a:r>
-            <a:r>
-              <a:rPr lang="en-US" dirty="0"/>
-              <a:t> </a:t>
-            </a:r>
-            <a:r>
-              <a:rPr lang="en-US" dirty="0" err="1"/>
-              <a:t>numerik</a:t>
-            </a:r>
-            <a:r>
-              <a:rPr lang="en-US" dirty="0"/>
-              <a:t> </a:t>
-            </a:r>
-            <a:r>
-              <a:rPr lang="en-US" dirty="0" err="1"/>
-              <a:t>seperti</a:t>
-            </a:r>
-            <a:r>
-              <a:rPr lang="en-US" dirty="0"/>
-              <a:t> Gradient Descent, Genetic Algorithm, </a:t>
-            </a:r>
-            <a:r>
-              <a:rPr lang="en-US" dirty="0" err="1"/>
-              <a:t>atau</a:t>
-            </a:r>
-            <a:r>
-              <a:rPr lang="en-US" dirty="0"/>
-              <a:t> Simulated Annealing.</a:t>
-            </a:r>
-          </a:p>
-          <a:p>
-            <a:r>
-              <a:rPr lang="en-US" b="1" dirty="0" err="1"/>
-              <a:t>Contoh</a:t>
-            </a:r>
-            <a:r>
-              <a:rPr lang="en-US" dirty="0"/>
-              <a:t>: </a:t>
-            </a:r>
-            <a:r>
-              <a:rPr lang="en-US" dirty="0" err="1"/>
-              <a:t>Menggunakan</a:t>
-            </a:r>
-            <a:r>
-              <a:rPr lang="en-US" dirty="0"/>
-              <a:t> software </a:t>
-            </a:r>
-            <a:r>
-              <a:rPr lang="en-US" dirty="0" err="1"/>
-              <a:t>simulasi</a:t>
-            </a:r>
-            <a:r>
-              <a:rPr lang="en-US" dirty="0"/>
-              <a:t> </a:t>
-            </a:r>
-            <a:r>
-              <a:rPr lang="en-US" dirty="0" err="1"/>
-              <a:t>atau</a:t>
-            </a:r>
-            <a:r>
-              <a:rPr lang="en-US" dirty="0"/>
-              <a:t> </a:t>
-            </a:r>
-            <a:r>
-              <a:rPr lang="en-US" dirty="0" err="1"/>
-              <a:t>optimisasi</a:t>
-            </a:r>
-            <a:r>
-              <a:rPr lang="en-US" dirty="0"/>
-              <a:t> </a:t>
-            </a:r>
-            <a:r>
-              <a:rPr lang="en-US" dirty="0" err="1"/>
-              <a:t>untuk</a:t>
-            </a:r>
-            <a:r>
-              <a:rPr lang="en-US" dirty="0"/>
-              <a:t> </a:t>
-            </a:r>
-            <a:r>
-              <a:rPr lang="en-US" dirty="0" err="1"/>
-              <a:t>menyesuaikan</a:t>
-            </a:r>
-            <a:r>
-              <a:rPr lang="en-US" dirty="0"/>
-              <a:t> parameter PID.</a:t>
-            </a:r>
           </a:p>
           <a:p>
             <a:pPr marL="0" indent="0">
@@ -15569,79 +19929,6 @@
     <p:extLst>
       <p:ext uri="{BB962C8B-B14F-4D97-AF65-F5344CB8AC3E}">
         <p14:creationId xmlns:p14="http://schemas.microsoft.com/office/powerpoint/2010/main" val="3329323791"/>
-      </p:ext>
-    </p:extLst>
-  </p:cSld>
-  <p:clrMapOvr>
-    <a:masterClrMapping/>
-  </p:clrMapOvr>
-</p:sld>
-</file>
-
-<file path=ppt/slides/slide26.xml><?xml version="1.0" encoding="utf-8"?>
-<p:sld xmlns:a="http://schemas.openxmlformats.org/drawingml/2006/main" xmlns:r="http://schemas.openxmlformats.org/officeDocument/2006/relationships" xmlns:p="http://schemas.openxmlformats.org/presentationml/2006/main">
-  <p:cSld>
-    <p:spTree>
-      <p:nvGrpSpPr>
-        <p:cNvPr id="1" name=""/>
-        <p:cNvGrpSpPr/>
-        <p:nvPr/>
-      </p:nvGrpSpPr>
-      <p:grpSpPr>
-        <a:xfrm>
-          <a:off x="0" y="0"/>
-          <a:ext cx="0" cy="0"/>
-          <a:chOff x="0" y="0"/>
-          <a:chExt cx="0" cy="0"/>
-        </a:xfrm>
-      </p:grpSpPr>
-      <p:sp>
-        <p:nvSpPr>
-          <p:cNvPr id="2" name="Title 1">
-            <a:extLst>
-              <a:ext uri="{FF2B5EF4-FFF2-40B4-BE49-F238E27FC236}">
-                <a16:creationId xmlns:a16="http://schemas.microsoft.com/office/drawing/2014/main" id="{C0899DF0-1942-8FE8-44A8-FD48418376E3}"/>
-              </a:ext>
-            </a:extLst>
-          </p:cNvPr>
-          <p:cNvSpPr>
-            <a:spLocks noGrp="1"/>
-          </p:cNvSpPr>
-          <p:nvPr>
-            <p:ph type="title"/>
-          </p:nvPr>
-        </p:nvSpPr>
-        <p:spPr>
-          <a:xfrm>
-            <a:off x="956187" y="2872351"/>
-            <a:ext cx="10515600" cy="1325563"/>
-          </a:xfrm>
-        </p:spPr>
-        <p:txBody>
-          <a:bodyPr/>
-          <a:lstStyle/>
-          <a:p>
-            <a:pPr algn="ctr"/>
-            <a:r>
-              <a:rPr lang="en-US" dirty="0" err="1"/>
-              <a:t>Sekian</a:t>
-            </a:r>
-            <a:r>
-              <a:rPr lang="en-US" dirty="0"/>
-              <a:t> dan </a:t>
-            </a:r>
-            <a:r>
-              <a:rPr lang="en-US" dirty="0" err="1"/>
-              <a:t>terimakasih</a:t>
-            </a:r>
-            <a:endParaRPr lang="en-US" dirty="0"/>
-          </a:p>
-        </p:txBody>
-      </p:sp>
-    </p:spTree>
-    <p:extLst>
-      <p:ext uri="{BB962C8B-B14F-4D97-AF65-F5344CB8AC3E}">
-        <p14:creationId xmlns:p14="http://schemas.microsoft.com/office/powerpoint/2010/main" val="2803601535"/>
       </p:ext>
     </p:extLst>
   </p:cSld>
@@ -15740,14 +20027,49 @@
         </p:blipFill>
         <p:spPr>
           <a:xfrm>
-            <a:off x="235161" y="1020472"/>
-            <a:ext cx="9264228" cy="5551778"/>
+            <a:off x="2596167" y="1331654"/>
+            <a:ext cx="6999663" cy="4194691"/>
           </a:xfrm>
           <a:prstGeom prst="rect">
             <a:avLst/>
           </a:prstGeom>
         </p:spPr>
       </p:pic>
+      <p:sp>
+        <p:nvSpPr>
+          <p:cNvPr id="7" name="TextBox 6">
+            <a:extLst>
+              <a:ext uri="{FF2B5EF4-FFF2-40B4-BE49-F238E27FC236}">
+                <a16:creationId xmlns:a16="http://schemas.microsoft.com/office/drawing/2014/main" id="{55292211-4B43-6FD3-D591-4B764EFA84D3}"/>
+              </a:ext>
+            </a:extLst>
+          </p:cNvPr>
+          <p:cNvSpPr txBox="1"/>
+          <p:nvPr/>
+        </p:nvSpPr>
+        <p:spPr>
+          <a:xfrm>
+            <a:off x="3186112" y="5823467"/>
+            <a:ext cx="5819775" cy="369332"/>
+          </a:xfrm>
+          <a:prstGeom prst="rect">
+            <a:avLst/>
+          </a:prstGeom>
+          <a:noFill/>
+        </p:spPr>
+        <p:txBody>
+          <a:bodyPr wrap="square">
+            <a:spAutoFit/>
+          </a:bodyPr>
+          <a:lstStyle/>
+          <a:p>
+            <a:r>
+              <a:rPr lang="en-US" dirty="0"/>
+              <a:t>https://github.com/muhammadhusni777/kelasrobot_pid</a:t>
+            </a:r>
+          </a:p>
+        </p:txBody>
+      </p:sp>
     </p:spTree>
     <p:extLst>
       <p:ext uri="{BB962C8B-B14F-4D97-AF65-F5344CB8AC3E}">
@@ -15761,7 +20083,275 @@
 </p:sld>
 </file>
 
+<file path=ppt/slides/slide30.xml><?xml version="1.0" encoding="utf-8"?>
+<p:sld xmlns:a="http://schemas.openxmlformats.org/drawingml/2006/main" xmlns:r="http://schemas.openxmlformats.org/officeDocument/2006/relationships" xmlns:p="http://schemas.openxmlformats.org/presentationml/2006/main">
+  <p:cSld>
+    <p:spTree>
+      <p:nvGrpSpPr>
+        <p:cNvPr id="1" name=""/>
+        <p:cNvGrpSpPr/>
+        <p:nvPr/>
+      </p:nvGrpSpPr>
+      <p:grpSpPr>
+        <a:xfrm>
+          <a:off x="0" y="0"/>
+          <a:ext cx="0" cy="0"/>
+          <a:chOff x="0" y="0"/>
+          <a:chExt cx="0" cy="0"/>
+        </a:xfrm>
+      </p:grpSpPr>
+      <p:pic>
+        <p:nvPicPr>
+          <p:cNvPr id="6" name="Picture 5">
+            <a:extLst>
+              <a:ext uri="{FF2B5EF4-FFF2-40B4-BE49-F238E27FC236}">
+                <a16:creationId xmlns:a16="http://schemas.microsoft.com/office/drawing/2014/main" id="{E14954E2-398B-81E8-CDBB-B37C8D404BC4}"/>
+              </a:ext>
+            </a:extLst>
+          </p:cNvPr>
+          <p:cNvPicPr>
+            <a:picLocks noChangeAspect="1"/>
+          </p:cNvPicPr>
+          <p:nvPr/>
+        </p:nvPicPr>
+        <p:blipFill>
+          <a:blip r:embed="rId2"/>
+          <a:stretch>
+            <a:fillRect/>
+          </a:stretch>
+        </p:blipFill>
+        <p:spPr>
+          <a:xfrm>
+            <a:off x="1174187" y="486032"/>
+            <a:ext cx="9706747" cy="5816966"/>
+          </a:xfrm>
+          <a:prstGeom prst="rect">
+            <a:avLst/>
+          </a:prstGeom>
+        </p:spPr>
+      </p:pic>
+    </p:spTree>
+    <p:extLst>
+      <p:ext uri="{BB962C8B-B14F-4D97-AF65-F5344CB8AC3E}">
+        <p14:creationId xmlns:p14="http://schemas.microsoft.com/office/powerpoint/2010/main" val="2252032630"/>
+      </p:ext>
+    </p:extLst>
+  </p:cSld>
+  <p:clrMapOvr>
+    <a:masterClrMapping/>
+  </p:clrMapOvr>
+</p:sld>
+</file>
+
+<file path=ppt/slides/slide31.xml><?xml version="1.0" encoding="utf-8"?>
+<p:sld xmlns:a="http://schemas.openxmlformats.org/drawingml/2006/main" xmlns:r="http://schemas.openxmlformats.org/officeDocument/2006/relationships" xmlns:p="http://schemas.openxmlformats.org/presentationml/2006/main">
+  <p:cSld>
+    <p:spTree>
+      <p:nvGrpSpPr>
+        <p:cNvPr id="1" name=""/>
+        <p:cNvGrpSpPr/>
+        <p:nvPr/>
+      </p:nvGrpSpPr>
+      <p:grpSpPr>
+        <a:xfrm>
+          <a:off x="0" y="0"/>
+          <a:ext cx="0" cy="0"/>
+          <a:chOff x="0" y="0"/>
+          <a:chExt cx="0" cy="0"/>
+        </a:xfrm>
+      </p:grpSpPr>
+      <p:sp>
+        <p:nvSpPr>
+          <p:cNvPr id="2" name="Title 1">
+            <a:extLst>
+              <a:ext uri="{FF2B5EF4-FFF2-40B4-BE49-F238E27FC236}">
+                <a16:creationId xmlns:a16="http://schemas.microsoft.com/office/drawing/2014/main" id="{C0899DF0-1942-8FE8-44A8-FD48418376E3}"/>
+              </a:ext>
+            </a:extLst>
+          </p:cNvPr>
+          <p:cNvSpPr>
+            <a:spLocks noGrp="1"/>
+          </p:cNvSpPr>
+          <p:nvPr>
+            <p:ph type="title"/>
+          </p:nvPr>
+        </p:nvSpPr>
+        <p:spPr>
+          <a:xfrm>
+            <a:off x="956187" y="2872351"/>
+            <a:ext cx="10515600" cy="1325563"/>
+          </a:xfrm>
+        </p:spPr>
+        <p:txBody>
+          <a:bodyPr/>
+          <a:lstStyle/>
+          <a:p>
+            <a:pPr algn="ctr"/>
+            <a:r>
+              <a:rPr lang="en-US" dirty="0" err="1"/>
+              <a:t>Sekian</a:t>
+            </a:r>
+            <a:r>
+              <a:rPr lang="en-US" dirty="0"/>
+              <a:t> dan </a:t>
+            </a:r>
+            <a:r>
+              <a:rPr lang="en-US" dirty="0" err="1"/>
+              <a:t>terimakasih</a:t>
+            </a:r>
+            <a:endParaRPr lang="en-US" dirty="0"/>
+          </a:p>
+        </p:txBody>
+      </p:sp>
+    </p:spTree>
+    <p:extLst>
+      <p:ext uri="{BB962C8B-B14F-4D97-AF65-F5344CB8AC3E}">
+        <p14:creationId xmlns:p14="http://schemas.microsoft.com/office/powerpoint/2010/main" val="2803601535"/>
+      </p:ext>
+    </p:extLst>
+  </p:cSld>
+  <p:clrMapOvr>
+    <a:masterClrMapping/>
+  </p:clrMapOvr>
+</p:sld>
+</file>
+
 <file path=ppt/slides/slide4.xml><?xml version="1.0" encoding="utf-8"?>
+<p:sld xmlns:a="http://schemas.openxmlformats.org/drawingml/2006/main" xmlns:r="http://schemas.openxmlformats.org/officeDocument/2006/relationships" xmlns:p="http://schemas.openxmlformats.org/presentationml/2006/main">
+  <p:cSld>
+    <p:spTree>
+      <p:nvGrpSpPr>
+        <p:cNvPr id="1" name=""/>
+        <p:cNvGrpSpPr/>
+        <p:nvPr/>
+      </p:nvGrpSpPr>
+      <p:grpSpPr>
+        <a:xfrm>
+          <a:off x="0" y="0"/>
+          <a:ext cx="0" cy="0"/>
+          <a:chOff x="0" y="0"/>
+          <a:chExt cx="0" cy="0"/>
+        </a:xfrm>
+      </p:grpSpPr>
+      <p:sp>
+        <p:nvSpPr>
+          <p:cNvPr id="2" name="Title 1">
+            <a:extLst>
+              <a:ext uri="{FF2B5EF4-FFF2-40B4-BE49-F238E27FC236}">
+                <a16:creationId xmlns:a16="http://schemas.microsoft.com/office/drawing/2014/main" id="{9F9319D0-9FF0-7F56-74EB-D52FEAC6D54D}"/>
+              </a:ext>
+            </a:extLst>
+          </p:cNvPr>
+          <p:cNvSpPr>
+            <a:spLocks noGrp="1"/>
+          </p:cNvSpPr>
+          <p:nvPr>
+            <p:ph type="title"/>
+          </p:nvPr>
+        </p:nvSpPr>
+        <p:spPr/>
+        <p:txBody>
+          <a:bodyPr/>
+          <a:lstStyle/>
+          <a:p>
+            <a:r>
+              <a:rPr lang="en-US" dirty="0" err="1"/>
+              <a:t>Bahasan</a:t>
+            </a:r>
+            <a:r>
+              <a:rPr lang="en-US" dirty="0"/>
+              <a:t> </a:t>
+            </a:r>
+            <a:r>
+              <a:rPr lang="en-US" dirty="0" err="1"/>
+              <a:t>hari</a:t>
+            </a:r>
+            <a:r>
+              <a:rPr lang="en-US" dirty="0"/>
+              <a:t> </a:t>
+            </a:r>
+            <a:r>
+              <a:rPr lang="en-US" dirty="0" err="1"/>
+              <a:t>ini</a:t>
+            </a:r>
+            <a:endParaRPr lang="en-US" dirty="0"/>
+          </a:p>
+        </p:txBody>
+      </p:sp>
+      <p:graphicFrame>
+        <p:nvGraphicFramePr>
+          <p:cNvPr id="4" name="Chart 3">
+            <a:extLst>
+              <a:ext uri="{FF2B5EF4-FFF2-40B4-BE49-F238E27FC236}">
+                <a16:creationId xmlns:a16="http://schemas.microsoft.com/office/drawing/2014/main" id="{F8BF10CA-D2E6-400D-9B6F-01ACED053917}"/>
+              </a:ext>
+            </a:extLst>
+          </p:cNvPr>
+          <p:cNvGraphicFramePr>
+            <a:graphicFrameLocks/>
+          </p:cNvGraphicFramePr>
+          <p:nvPr>
+            <p:extLst>
+              <p:ext uri="{D42A27DB-BD31-4B8C-83A1-F6EECF244321}">
+                <p14:modId xmlns:p14="http://schemas.microsoft.com/office/powerpoint/2010/main" val="313655117"/>
+              </p:ext>
+            </p:extLst>
+          </p:nvPr>
+        </p:nvGraphicFramePr>
+        <p:xfrm>
+          <a:off x="542925" y="1985834"/>
+          <a:ext cx="5153025" cy="3048000"/>
+        </p:xfrm>
+        <a:graphic>
+          <a:graphicData uri="http://schemas.openxmlformats.org/drawingml/2006/chart">
+            <c:chart xmlns:c="http://schemas.openxmlformats.org/drawingml/2006/chart" xmlns:r="http://schemas.openxmlformats.org/officeDocument/2006/relationships" r:id="rId2"/>
+          </a:graphicData>
+        </a:graphic>
+      </p:graphicFrame>
+      <p:graphicFrame>
+        <p:nvGraphicFramePr>
+          <p:cNvPr id="5" name="Chart 4">
+            <a:extLst>
+              <a:ext uri="{FF2B5EF4-FFF2-40B4-BE49-F238E27FC236}">
+                <a16:creationId xmlns:a16="http://schemas.microsoft.com/office/drawing/2014/main" id="{55218EA6-8AC2-488E-96D4-1A4660C82385}"/>
+              </a:ext>
+            </a:extLst>
+          </p:cNvPr>
+          <p:cNvGraphicFramePr>
+            <a:graphicFrameLocks/>
+          </p:cNvGraphicFramePr>
+          <p:nvPr>
+            <p:extLst>
+              <p:ext uri="{D42A27DB-BD31-4B8C-83A1-F6EECF244321}">
+                <p14:modId xmlns:p14="http://schemas.microsoft.com/office/powerpoint/2010/main" val="362365954"/>
+              </p:ext>
+            </p:extLst>
+          </p:nvPr>
+        </p:nvGraphicFramePr>
+        <p:xfrm>
+          <a:off x="6599795" y="1949001"/>
+          <a:ext cx="4933950" cy="2959997"/>
+        </p:xfrm>
+        <a:graphic>
+          <a:graphicData uri="http://schemas.openxmlformats.org/drawingml/2006/chart">
+            <c:chart xmlns:c="http://schemas.openxmlformats.org/drawingml/2006/chart" xmlns:r="http://schemas.openxmlformats.org/officeDocument/2006/relationships" r:id="rId3"/>
+          </a:graphicData>
+        </a:graphic>
+      </p:graphicFrame>
+    </p:spTree>
+    <p:extLst>
+      <p:ext uri="{BB962C8B-B14F-4D97-AF65-F5344CB8AC3E}">
+        <p14:creationId xmlns:p14="http://schemas.microsoft.com/office/powerpoint/2010/main" val="488981852"/>
+      </p:ext>
+    </p:extLst>
+  </p:cSld>
+  <p:clrMapOvr>
+    <a:masterClrMapping/>
+  </p:clrMapOvr>
+</p:sld>
+</file>
+
+<file path=ppt/slides/slide5.xml><?xml version="1.0" encoding="utf-8"?>
 <p:sld xmlns:a="http://schemas.openxmlformats.org/drawingml/2006/main" xmlns:r="http://schemas.openxmlformats.org/officeDocument/2006/relationships" xmlns:p="http://schemas.openxmlformats.org/presentationml/2006/main">
   <p:cSld>
     <p:spTree>
@@ -15898,7 +20488,7 @@
 </p:sld>
 </file>
 
-<file path=ppt/slides/slide5.xml><?xml version="1.0" encoding="utf-8"?>
+<file path=ppt/slides/slide6.xml><?xml version="1.0" encoding="utf-8"?>
 <p:sld xmlns:a="http://schemas.openxmlformats.org/drawingml/2006/main" xmlns:r="http://schemas.openxmlformats.org/officeDocument/2006/relationships" xmlns:p="http://schemas.openxmlformats.org/presentationml/2006/main">
   <p:cSld>
     <p:spTree>
@@ -16029,7 +20619,329 @@
 </p:sld>
 </file>
 
-<file path=ppt/slides/slide6.xml><?xml version="1.0" encoding="utf-8"?>
+<file path=ppt/slides/slide7.xml><?xml version="1.0" encoding="utf-8"?>
+<p:sld xmlns:a="http://schemas.openxmlformats.org/drawingml/2006/main" xmlns:r="http://schemas.openxmlformats.org/officeDocument/2006/relationships" xmlns:p="http://schemas.openxmlformats.org/presentationml/2006/main">
+  <p:cSld>
+    <p:spTree>
+      <p:nvGrpSpPr>
+        <p:cNvPr id="1" name=""/>
+        <p:cNvGrpSpPr/>
+        <p:nvPr/>
+      </p:nvGrpSpPr>
+      <p:grpSpPr>
+        <a:xfrm>
+          <a:off x="0" y="0"/>
+          <a:ext cx="0" cy="0"/>
+          <a:chOff x="0" y="0"/>
+          <a:chExt cx="0" cy="0"/>
+        </a:xfrm>
+      </p:grpSpPr>
+      <p:sp>
+        <p:nvSpPr>
+          <p:cNvPr id="2" name="Title 1">
+            <a:extLst>
+              <a:ext uri="{FF2B5EF4-FFF2-40B4-BE49-F238E27FC236}">
+                <a16:creationId xmlns:a16="http://schemas.microsoft.com/office/drawing/2014/main" id="{94B2762F-95CF-DBF0-6C10-B6599B8FF8CA}"/>
+              </a:ext>
+            </a:extLst>
+          </p:cNvPr>
+          <p:cNvSpPr>
+            <a:spLocks noGrp="1"/>
+          </p:cNvSpPr>
+          <p:nvPr>
+            <p:ph type="title"/>
+          </p:nvPr>
+        </p:nvSpPr>
+        <p:spPr/>
+        <p:txBody>
+          <a:bodyPr/>
+          <a:lstStyle/>
+          <a:p>
+            <a:r>
+              <a:rPr lang="en-US" dirty="0" err="1"/>
+              <a:t>Kegunaan</a:t>
+            </a:r>
+            <a:r>
+              <a:rPr lang="en-US" dirty="0"/>
+              <a:t> </a:t>
+            </a:r>
+            <a:r>
+              <a:rPr lang="en-US" dirty="0" err="1"/>
+              <a:t>kendali</a:t>
+            </a:r>
+            <a:r>
+              <a:rPr lang="en-US" dirty="0"/>
+              <a:t> PID </a:t>
+            </a:r>
+          </a:p>
+        </p:txBody>
+      </p:sp>
+      <p:sp>
+        <p:nvSpPr>
+          <p:cNvPr id="3" name="Content Placeholder 2">
+            <a:extLst>
+              <a:ext uri="{FF2B5EF4-FFF2-40B4-BE49-F238E27FC236}">
+                <a16:creationId xmlns:a16="http://schemas.microsoft.com/office/drawing/2014/main" id="{DAFE2DA3-E743-C7D3-376F-128510E91080}"/>
+              </a:ext>
+            </a:extLst>
+          </p:cNvPr>
+          <p:cNvSpPr>
+            <a:spLocks noGrp="1"/>
+          </p:cNvSpPr>
+          <p:nvPr>
+            <p:ph idx="1"/>
+          </p:nvPr>
+        </p:nvSpPr>
+        <p:spPr>
+          <a:xfrm>
+            <a:off x="722870" y="2080998"/>
+            <a:ext cx="10515600" cy="3932624"/>
+          </a:xfrm>
+        </p:spPr>
+        <p:txBody>
+          <a:bodyPr>
+            <a:normAutofit/>
+          </a:bodyPr>
+          <a:lstStyle/>
+          <a:p>
+            <a:r>
+              <a:rPr lang="en-US" dirty="0"/>
+              <a:t>Setpoint tracking – </a:t>
+            </a:r>
+            <a:r>
+              <a:rPr lang="en-US" dirty="0" err="1"/>
+              <a:t>kemampuan</a:t>
+            </a:r>
+            <a:r>
+              <a:rPr lang="en-US" dirty="0"/>
+              <a:t> </a:t>
+            </a:r>
+            <a:r>
+              <a:rPr lang="en-US" dirty="0" err="1"/>
+              <a:t>untuk</a:t>
+            </a:r>
+            <a:r>
+              <a:rPr lang="en-US" dirty="0"/>
+              <a:t> </a:t>
+            </a:r>
+            <a:r>
+              <a:rPr lang="en-US" dirty="0" err="1"/>
+              <a:t>mengikuti</a:t>
+            </a:r>
+            <a:r>
+              <a:rPr lang="en-US" dirty="0"/>
+              <a:t> setpoint</a:t>
+            </a:r>
+          </a:p>
+          <a:p>
+            <a:r>
+              <a:rPr lang="en-US" dirty="0"/>
+              <a:t>Disturbance rejection –  </a:t>
+            </a:r>
+            <a:r>
+              <a:rPr lang="en-US" dirty="0" err="1"/>
+              <a:t>kemampuan</a:t>
+            </a:r>
+            <a:r>
+              <a:rPr lang="en-US" dirty="0"/>
+              <a:t> </a:t>
+            </a:r>
+            <a:r>
+              <a:rPr lang="en-US" dirty="0" err="1"/>
+              <a:t>untuk</a:t>
+            </a:r>
+            <a:r>
+              <a:rPr lang="en-US" dirty="0"/>
+              <a:t> </a:t>
+            </a:r>
+            <a:r>
+              <a:rPr lang="en-US" dirty="0" err="1"/>
+              <a:t>mengakomodir</a:t>
+            </a:r>
+            <a:r>
+              <a:rPr lang="en-US" dirty="0"/>
+              <a:t> </a:t>
+            </a:r>
+            <a:r>
+              <a:rPr lang="en-US" dirty="0" err="1"/>
+              <a:t>gangguan</a:t>
+            </a:r>
+            <a:r>
+              <a:rPr lang="en-US" dirty="0"/>
+              <a:t> </a:t>
+            </a:r>
+            <a:r>
+              <a:rPr lang="en-US" dirty="0" err="1"/>
+              <a:t>eksternal</a:t>
+            </a:r>
+            <a:endParaRPr lang="en-US" dirty="0"/>
+          </a:p>
+          <a:p>
+            <a:r>
+              <a:rPr lang="en-US" dirty="0"/>
+              <a:t>Robustness –  </a:t>
+            </a:r>
+            <a:r>
+              <a:rPr lang="en-US" dirty="0" err="1"/>
+              <a:t>kemampuan</a:t>
+            </a:r>
+            <a:r>
+              <a:rPr lang="en-US" dirty="0"/>
+              <a:t> </a:t>
+            </a:r>
+            <a:r>
+              <a:rPr lang="en-US" dirty="0" err="1"/>
+              <a:t>untuk</a:t>
+            </a:r>
+            <a:r>
+              <a:rPr lang="en-US" dirty="0"/>
+              <a:t> </a:t>
+            </a:r>
+            <a:r>
+              <a:rPr lang="en-US" dirty="0" err="1"/>
+              <a:t>mengakomodir</a:t>
+            </a:r>
+            <a:r>
+              <a:rPr lang="en-US" dirty="0"/>
+              <a:t> </a:t>
+            </a:r>
+            <a:r>
+              <a:rPr lang="en-US" dirty="0" err="1"/>
+              <a:t>ketidakpastian</a:t>
+            </a:r>
+            <a:r>
+              <a:rPr lang="en-US" dirty="0"/>
+              <a:t> </a:t>
+            </a:r>
+            <a:r>
+              <a:rPr lang="en-US" dirty="0" err="1"/>
+              <a:t>sistem</a:t>
+            </a:r>
+            <a:endParaRPr lang="en-US" dirty="0"/>
+          </a:p>
+          <a:p>
+            <a:r>
+              <a:rPr lang="en-US" dirty="0"/>
+              <a:t>Low input usage – </a:t>
+            </a:r>
+            <a:r>
+              <a:rPr lang="en-US" dirty="0" err="1"/>
+              <a:t>kemampuan</a:t>
+            </a:r>
+            <a:r>
+              <a:rPr lang="en-US" dirty="0"/>
+              <a:t> </a:t>
+            </a:r>
+            <a:r>
+              <a:rPr lang="en-US" dirty="0" err="1"/>
+              <a:t>untuk</a:t>
+            </a:r>
+            <a:r>
+              <a:rPr lang="en-US" dirty="0"/>
+              <a:t> </a:t>
+            </a:r>
+            <a:r>
+              <a:rPr lang="en-US" dirty="0" err="1"/>
+              <a:t>mengontrol</a:t>
+            </a:r>
+            <a:r>
+              <a:rPr lang="en-US" dirty="0"/>
+              <a:t> </a:t>
+            </a:r>
+            <a:r>
+              <a:rPr lang="en-US" dirty="0" err="1"/>
+              <a:t>sistem</a:t>
+            </a:r>
+            <a:r>
+              <a:rPr lang="en-US" dirty="0"/>
+              <a:t> </a:t>
+            </a:r>
+            <a:r>
+              <a:rPr lang="en-US" dirty="0" err="1"/>
+              <a:t>tanpa</a:t>
+            </a:r>
+            <a:r>
+              <a:rPr lang="en-US" dirty="0"/>
+              <a:t> </a:t>
+            </a:r>
+            <a:r>
+              <a:rPr lang="en-US" dirty="0" err="1"/>
+              <a:t>terlalu</a:t>
+            </a:r>
+            <a:r>
+              <a:rPr lang="en-US" dirty="0"/>
+              <a:t> </a:t>
+            </a:r>
+            <a:r>
+              <a:rPr lang="en-US" dirty="0" err="1"/>
+              <a:t>sering</a:t>
+            </a:r>
+            <a:r>
+              <a:rPr lang="en-US" dirty="0"/>
+              <a:t> </a:t>
+            </a:r>
+            <a:r>
+              <a:rPr lang="en-US" dirty="0" err="1"/>
+              <a:t>atau</a:t>
+            </a:r>
+            <a:r>
+              <a:rPr lang="en-US" dirty="0"/>
+              <a:t> </a:t>
+            </a:r>
+            <a:r>
+              <a:rPr lang="en-US" dirty="0" err="1"/>
+              <a:t>terlalu</a:t>
+            </a:r>
+            <a:r>
+              <a:rPr lang="en-US" dirty="0"/>
+              <a:t> </a:t>
+            </a:r>
+            <a:r>
+              <a:rPr lang="en-US" dirty="0" err="1"/>
+              <a:t>besar</a:t>
+            </a:r>
+            <a:r>
+              <a:rPr lang="en-US" dirty="0"/>
+              <a:t> </a:t>
+            </a:r>
+            <a:r>
+              <a:rPr lang="en-US" dirty="0" err="1"/>
+              <a:t>mengubah</a:t>
+            </a:r>
+            <a:r>
+              <a:rPr lang="en-US" dirty="0"/>
+              <a:t> input </a:t>
+            </a:r>
+            <a:r>
+              <a:rPr lang="en-US" dirty="0" err="1"/>
+              <a:t>ke</a:t>
+            </a:r>
+            <a:r>
+              <a:rPr lang="en-US" dirty="0"/>
+              <a:t> </a:t>
+            </a:r>
+            <a:r>
+              <a:rPr lang="en-US" dirty="0" err="1"/>
+              <a:t>aktuator</a:t>
+            </a:r>
+            <a:endParaRPr lang="en-US" dirty="0"/>
+          </a:p>
+        </p:txBody>
+      </p:sp>
+    </p:spTree>
+    <p:extLst>
+      <p:ext uri="{BB962C8B-B14F-4D97-AF65-F5344CB8AC3E}">
+        <p14:creationId xmlns:p14="http://schemas.microsoft.com/office/powerpoint/2010/main" val="1647205716"/>
+      </p:ext>
+    </p:extLst>
+  </p:cSld>
+  <p:clrMapOvr>
+    <a:masterClrMapping/>
+  </p:clrMapOvr>
+</p:sld>
+</file>
+
+<file path=ppt/slides/slide8.xml><?xml version="1.0" encoding="utf-8"?>
 <p:sld xmlns:a="http://schemas.openxmlformats.org/drawingml/2006/main" xmlns:r="http://schemas.openxmlformats.org/officeDocument/2006/relationships" xmlns:p="http://schemas.openxmlformats.org/presentationml/2006/main">
   <p:cSld>
     <p:spTree>
@@ -16199,7 +21111,7 @@
 </p:sld>
 </file>
 
-<file path=ppt/slides/slide7.xml><?xml version="1.0" encoding="utf-8"?>
+<file path=ppt/slides/slide9.xml><?xml version="1.0" encoding="utf-8"?>
 <p:sld xmlns:a="http://schemas.openxmlformats.org/drawingml/2006/main" xmlns:r="http://schemas.openxmlformats.org/officeDocument/2006/relationships" xmlns:p="http://schemas.openxmlformats.org/presentationml/2006/main">
   <p:cSld>
     <p:spTree>
@@ -16250,399 +21162,6 @@
     <p:extLst>
       <p:ext uri="{BB962C8B-B14F-4D97-AF65-F5344CB8AC3E}">
         <p14:creationId xmlns:p14="http://schemas.microsoft.com/office/powerpoint/2010/main" val="955753966"/>
-      </p:ext>
-    </p:extLst>
-  </p:cSld>
-  <p:clrMapOvr>
-    <a:masterClrMapping/>
-  </p:clrMapOvr>
-</p:sld>
-</file>
-
-<file path=ppt/slides/slide8.xml><?xml version="1.0" encoding="utf-8"?>
-<p:sld xmlns:a="http://schemas.openxmlformats.org/drawingml/2006/main" xmlns:r="http://schemas.openxmlformats.org/officeDocument/2006/relationships" xmlns:p="http://schemas.openxmlformats.org/presentationml/2006/main">
-  <p:cSld>
-    <p:spTree>
-      <p:nvGrpSpPr>
-        <p:cNvPr id="1" name=""/>
-        <p:cNvGrpSpPr/>
-        <p:nvPr/>
-      </p:nvGrpSpPr>
-      <p:grpSpPr>
-        <a:xfrm>
-          <a:off x="0" y="0"/>
-          <a:ext cx="0" cy="0"/>
-          <a:chOff x="0" y="0"/>
-          <a:chExt cx="0" cy="0"/>
-        </a:xfrm>
-      </p:grpSpPr>
-      <p:sp>
-        <p:nvSpPr>
-          <p:cNvPr id="2" name="Title 1">
-            <a:extLst>
-              <a:ext uri="{FF2B5EF4-FFF2-40B4-BE49-F238E27FC236}">
-                <a16:creationId xmlns:a16="http://schemas.microsoft.com/office/drawing/2014/main" id="{55028AF4-5EB3-3C4A-8456-19632B4EEAFE}"/>
-              </a:ext>
-            </a:extLst>
-          </p:cNvPr>
-          <p:cNvSpPr>
-            <a:spLocks noGrp="1"/>
-          </p:cNvSpPr>
-          <p:nvPr>
-            <p:ph type="title"/>
-          </p:nvPr>
-        </p:nvSpPr>
-        <p:spPr/>
-        <p:txBody>
-          <a:bodyPr/>
-          <a:lstStyle/>
-          <a:p>
-            <a:r>
-              <a:rPr lang="en-US" dirty="0"/>
-              <a:t>Jadi PID control </a:t>
-            </a:r>
-            <a:r>
-              <a:rPr lang="en-US" dirty="0" err="1"/>
-              <a:t>itu</a:t>
-            </a:r>
-            <a:r>
-              <a:rPr lang="en-US" dirty="0"/>
-              <a:t> </a:t>
-            </a:r>
-            <a:r>
-              <a:rPr lang="en-US" dirty="0" err="1"/>
-              <a:t>terdiri</a:t>
-            </a:r>
-            <a:r>
-              <a:rPr lang="en-US" dirty="0"/>
-              <a:t> </a:t>
-            </a:r>
-            <a:r>
-              <a:rPr lang="en-US" dirty="0" err="1"/>
-              <a:t>dari</a:t>
-            </a:r>
-            <a:r>
-              <a:rPr lang="en-US" dirty="0"/>
-              <a:t> </a:t>
-            </a:r>
-            <a:r>
-              <a:rPr lang="en-US" dirty="0" err="1"/>
-              <a:t>tiga</a:t>
-            </a:r>
-            <a:endParaRPr lang="en-US" dirty="0"/>
-          </a:p>
-        </p:txBody>
-      </p:sp>
-      <p:sp>
-        <p:nvSpPr>
-          <p:cNvPr id="3" name="Content Placeholder 2">
-            <a:extLst>
-              <a:ext uri="{FF2B5EF4-FFF2-40B4-BE49-F238E27FC236}">
-                <a16:creationId xmlns:a16="http://schemas.microsoft.com/office/drawing/2014/main" id="{106D3291-DC48-7F7B-C40F-163459ECA759}"/>
-              </a:ext>
-            </a:extLst>
-          </p:cNvPr>
-          <p:cNvSpPr>
-            <a:spLocks noGrp="1"/>
-          </p:cNvSpPr>
-          <p:nvPr>
-            <p:ph idx="1"/>
-          </p:nvPr>
-        </p:nvSpPr>
-        <p:spPr/>
-        <p:txBody>
-          <a:bodyPr/>
-          <a:lstStyle/>
-          <a:p>
-            <a:r>
-              <a:rPr lang="en-US" dirty="0"/>
-              <a:t>Proportional Control</a:t>
-            </a:r>
-          </a:p>
-          <a:p>
-            <a:r>
-              <a:rPr lang="en-US" dirty="0"/>
-              <a:t>Integral Control</a:t>
-            </a:r>
-          </a:p>
-          <a:p>
-            <a:r>
-              <a:rPr lang="en-US" dirty="0"/>
-              <a:t>Derivative Control</a:t>
-            </a:r>
-          </a:p>
-        </p:txBody>
-      </p:sp>
-    </p:spTree>
-    <p:extLst>
-      <p:ext uri="{BB962C8B-B14F-4D97-AF65-F5344CB8AC3E}">
-        <p14:creationId xmlns:p14="http://schemas.microsoft.com/office/powerpoint/2010/main" val="3306252254"/>
-      </p:ext>
-    </p:extLst>
-  </p:cSld>
-  <p:clrMapOvr>
-    <a:masterClrMapping/>
-  </p:clrMapOvr>
-</p:sld>
-</file>
-
-<file path=ppt/slides/slide9.xml><?xml version="1.0" encoding="utf-8"?>
-<p:sld xmlns:a="http://schemas.openxmlformats.org/drawingml/2006/main" xmlns:r="http://schemas.openxmlformats.org/officeDocument/2006/relationships" xmlns:p="http://schemas.openxmlformats.org/presentationml/2006/main">
-  <p:cSld>
-    <p:spTree>
-      <p:nvGrpSpPr>
-        <p:cNvPr id="1" name=""/>
-        <p:cNvGrpSpPr/>
-        <p:nvPr/>
-      </p:nvGrpSpPr>
-      <p:grpSpPr>
-        <a:xfrm>
-          <a:off x="0" y="0"/>
-          <a:ext cx="0" cy="0"/>
-          <a:chOff x="0" y="0"/>
-          <a:chExt cx="0" cy="0"/>
-        </a:xfrm>
-      </p:grpSpPr>
-      <p:sp>
-        <p:nvSpPr>
-          <p:cNvPr id="2" name="Title 1">
-            <a:extLst>
-              <a:ext uri="{FF2B5EF4-FFF2-40B4-BE49-F238E27FC236}">
-                <a16:creationId xmlns:a16="http://schemas.microsoft.com/office/drawing/2014/main" id="{FA1B5C5B-1856-6015-27AD-CA2A46E830E4}"/>
-              </a:ext>
-            </a:extLst>
-          </p:cNvPr>
-          <p:cNvSpPr>
-            <a:spLocks noGrp="1"/>
-          </p:cNvSpPr>
-          <p:nvPr>
-            <p:ph type="title"/>
-          </p:nvPr>
-        </p:nvSpPr>
-        <p:spPr/>
-        <p:txBody>
-          <a:bodyPr/>
-          <a:lstStyle/>
-          <a:p>
-            <a:r>
-              <a:rPr lang="en-US" dirty="0" err="1"/>
-              <a:t>Sebelum</a:t>
-            </a:r>
-            <a:r>
-              <a:rPr lang="en-US" dirty="0"/>
-              <a:t> </a:t>
-            </a:r>
-            <a:r>
-              <a:rPr lang="en-US" dirty="0" err="1"/>
-              <a:t>kita</a:t>
-            </a:r>
-            <a:r>
-              <a:rPr lang="en-US" dirty="0"/>
-              <a:t> </a:t>
-            </a:r>
-            <a:r>
-              <a:rPr lang="en-US" dirty="0" err="1"/>
-              <a:t>ke</a:t>
-            </a:r>
-            <a:r>
-              <a:rPr lang="en-US" dirty="0"/>
-              <a:t> PID </a:t>
-            </a:r>
-            <a:r>
-              <a:rPr lang="en-US" dirty="0" err="1"/>
-              <a:t>ada</a:t>
-            </a:r>
-            <a:r>
-              <a:rPr lang="en-US" dirty="0"/>
-              <a:t> kata </a:t>
-            </a:r>
-            <a:r>
-              <a:rPr lang="en-US" dirty="0" err="1"/>
-              <a:t>kunci</a:t>
-            </a:r>
-            <a:r>
-              <a:rPr lang="en-US" dirty="0"/>
-              <a:t> yang </a:t>
-            </a:r>
-            <a:r>
-              <a:rPr lang="en-US" dirty="0" err="1"/>
-              <a:t>harus</a:t>
-            </a:r>
-            <a:r>
-              <a:rPr lang="en-US" dirty="0"/>
-              <a:t> </a:t>
-            </a:r>
-            <a:r>
-              <a:rPr lang="en-US" dirty="0" err="1"/>
-              <a:t>diketahui</a:t>
-            </a:r>
-            <a:endParaRPr lang="en-US" dirty="0"/>
-          </a:p>
-        </p:txBody>
-      </p:sp>
-      <p:sp>
-        <p:nvSpPr>
-          <p:cNvPr id="3" name="Content Placeholder 2">
-            <a:extLst>
-              <a:ext uri="{FF2B5EF4-FFF2-40B4-BE49-F238E27FC236}">
-                <a16:creationId xmlns:a16="http://schemas.microsoft.com/office/drawing/2014/main" id="{62F950D0-F45A-31DE-C21F-1BF4853DFCAD}"/>
-              </a:ext>
-            </a:extLst>
-          </p:cNvPr>
-          <p:cNvSpPr>
-            <a:spLocks noGrp="1"/>
-          </p:cNvSpPr>
-          <p:nvPr>
-            <p:ph idx="1"/>
-          </p:nvPr>
-        </p:nvSpPr>
-        <p:spPr/>
-        <p:txBody>
-          <a:bodyPr/>
-          <a:lstStyle/>
-          <a:p>
-            <a:r>
-              <a:rPr lang="en-US" dirty="0" err="1"/>
-              <a:t>Sp</a:t>
-            </a:r>
-            <a:r>
-              <a:rPr lang="en-US" dirty="0"/>
-              <a:t> = setpoint (target yang </a:t>
-            </a:r>
-            <a:r>
-              <a:rPr lang="en-US" dirty="0" err="1"/>
-              <a:t>kita</a:t>
-            </a:r>
-            <a:r>
-              <a:rPr lang="en-US" dirty="0"/>
-              <a:t> </a:t>
-            </a:r>
-            <a:r>
-              <a:rPr lang="en-US" dirty="0" err="1"/>
-              <a:t>inginkan</a:t>
-            </a:r>
-            <a:r>
-              <a:rPr lang="en-US" dirty="0"/>
-              <a:t>)</a:t>
-            </a:r>
-          </a:p>
-          <a:p>
-            <a:r>
-              <a:rPr lang="en-US" dirty="0" err="1"/>
-              <a:t>Pv</a:t>
-            </a:r>
-            <a:r>
-              <a:rPr lang="en-US" dirty="0"/>
-              <a:t> = preset value (</a:t>
-            </a:r>
-            <a:r>
-              <a:rPr lang="en-US" dirty="0" err="1"/>
-              <a:t>nilai</a:t>
-            </a:r>
-            <a:r>
-              <a:rPr lang="en-US" dirty="0"/>
-              <a:t> sensor/</a:t>
-            </a:r>
-            <a:r>
-              <a:rPr lang="en-US" dirty="0" err="1"/>
-              <a:t>nilai</a:t>
-            </a:r>
-            <a:r>
-              <a:rPr lang="en-US" dirty="0"/>
-              <a:t> </a:t>
-            </a:r>
-            <a:r>
-              <a:rPr lang="en-US" dirty="0" err="1"/>
-              <a:t>aktual</a:t>
-            </a:r>
-            <a:r>
-              <a:rPr lang="en-US" dirty="0"/>
-              <a:t>)</a:t>
-            </a:r>
-          </a:p>
-          <a:p>
-            <a:r>
-              <a:rPr lang="en-US" dirty="0"/>
-              <a:t>e = error (</a:t>
-            </a:r>
-            <a:r>
-              <a:rPr lang="en-US" dirty="0" err="1"/>
-              <a:t>selisih</a:t>
-            </a:r>
-            <a:r>
-              <a:rPr lang="en-US" dirty="0"/>
-              <a:t> </a:t>
-            </a:r>
-            <a:r>
-              <a:rPr lang="en-US" dirty="0" err="1"/>
-              <a:t>dari</a:t>
-            </a:r>
-            <a:r>
-              <a:rPr lang="en-US" dirty="0"/>
-              <a:t> </a:t>
-            </a:r>
-            <a:r>
-              <a:rPr lang="en-US" dirty="0" err="1"/>
-              <a:t>sp</a:t>
-            </a:r>
-            <a:r>
-              <a:rPr lang="en-US" dirty="0"/>
-              <a:t> (target) dan </a:t>
-            </a:r>
-            <a:r>
-              <a:rPr lang="en-US" dirty="0" err="1"/>
-              <a:t>pv</a:t>
-            </a:r>
-            <a:r>
-              <a:rPr lang="en-US" dirty="0"/>
-              <a:t> (</a:t>
-            </a:r>
-            <a:r>
-              <a:rPr lang="en-US" dirty="0" err="1"/>
-              <a:t>nilai</a:t>
-            </a:r>
-            <a:r>
-              <a:rPr lang="en-US" dirty="0"/>
-              <a:t> actual))</a:t>
-            </a:r>
-          </a:p>
-          <a:p>
-            <a:r>
-              <a:rPr lang="en-US" dirty="0" err="1"/>
-              <a:t>Kp</a:t>
-            </a:r>
-            <a:r>
-              <a:rPr lang="en-US" dirty="0"/>
-              <a:t> = gain </a:t>
-            </a:r>
-            <a:r>
-              <a:rPr lang="en-US" dirty="0" err="1"/>
-              <a:t>proporsional</a:t>
-            </a:r>
-            <a:endParaRPr lang="en-US" dirty="0"/>
-          </a:p>
-          <a:p>
-            <a:r>
-              <a:rPr lang="en-US" dirty="0"/>
-              <a:t>Ki = gain integral</a:t>
-            </a:r>
-          </a:p>
-          <a:p>
-            <a:r>
-              <a:rPr lang="en-US" dirty="0" err="1"/>
-              <a:t>Kd</a:t>
-            </a:r>
-            <a:r>
-              <a:rPr lang="en-US" dirty="0"/>
-              <a:t> = gain derivative</a:t>
-            </a:r>
-          </a:p>
-        </p:txBody>
-      </p:sp>
-    </p:spTree>
-    <p:extLst>
-      <p:ext uri="{BB962C8B-B14F-4D97-AF65-F5344CB8AC3E}">
-        <p14:creationId xmlns:p14="http://schemas.microsoft.com/office/powerpoint/2010/main" val="3314401587"/>
       </p:ext>
     </p:extLst>
   </p:cSld>

--- a/ppt.pptx
+++ b/ppt.pptx
@@ -4757,7 +4757,7 @@
           <a:p>
             <a:fld id="{06F3406E-E051-43FD-BE07-57F9DFC74A63}" type="datetimeFigureOut">
               <a:rPr lang="en-US" smtClean="0"/>
-              <a:t>6/13/2025</a:t>
+              <a:t>6/14/2025</a:t>
             </a:fld>
             <a:endParaRPr lang="en-US"/>
           </a:p>
@@ -5255,7 +5255,7 @@
           <a:p>
             <a:fld id="{4477B12C-E1D3-4618-BF49-56692E878129}" type="datetimeFigureOut">
               <a:rPr lang="en-US" smtClean="0"/>
-              <a:t>6/13/2025</a:t>
+              <a:t>6/14/2025</a:t>
             </a:fld>
             <a:endParaRPr lang="en-US"/>
           </a:p>
@@ -5453,7 +5453,7 @@
           <a:p>
             <a:fld id="{4477B12C-E1D3-4618-BF49-56692E878129}" type="datetimeFigureOut">
               <a:rPr lang="en-US" smtClean="0"/>
-              <a:t>6/13/2025</a:t>
+              <a:t>6/14/2025</a:t>
             </a:fld>
             <a:endParaRPr lang="en-US"/>
           </a:p>
@@ -5661,7 +5661,7 @@
           <a:p>
             <a:fld id="{4477B12C-E1D3-4618-BF49-56692E878129}" type="datetimeFigureOut">
               <a:rPr lang="en-US" smtClean="0"/>
-              <a:t>6/13/2025</a:t>
+              <a:t>6/14/2025</a:t>
             </a:fld>
             <a:endParaRPr lang="en-US"/>
           </a:p>
@@ -5859,7 +5859,7 @@
           <a:p>
             <a:fld id="{4477B12C-E1D3-4618-BF49-56692E878129}" type="datetimeFigureOut">
               <a:rPr lang="en-US" smtClean="0"/>
-              <a:t>6/13/2025</a:t>
+              <a:t>6/14/2025</a:t>
             </a:fld>
             <a:endParaRPr lang="en-US"/>
           </a:p>
@@ -6134,7 +6134,7 @@
           <a:p>
             <a:fld id="{4477B12C-E1D3-4618-BF49-56692E878129}" type="datetimeFigureOut">
               <a:rPr lang="en-US" smtClean="0"/>
-              <a:t>6/13/2025</a:t>
+              <a:t>6/14/2025</a:t>
             </a:fld>
             <a:endParaRPr lang="en-US"/>
           </a:p>
@@ -6399,7 +6399,7 @@
           <a:p>
             <a:fld id="{4477B12C-E1D3-4618-BF49-56692E878129}" type="datetimeFigureOut">
               <a:rPr lang="en-US" smtClean="0"/>
-              <a:t>6/13/2025</a:t>
+              <a:t>6/14/2025</a:t>
             </a:fld>
             <a:endParaRPr lang="en-US"/>
           </a:p>
@@ -6811,7 +6811,7 @@
           <a:p>
             <a:fld id="{4477B12C-E1D3-4618-BF49-56692E878129}" type="datetimeFigureOut">
               <a:rPr lang="en-US" smtClean="0"/>
-              <a:t>6/13/2025</a:t>
+              <a:t>6/14/2025</a:t>
             </a:fld>
             <a:endParaRPr lang="en-US"/>
           </a:p>
@@ -6952,7 +6952,7 @@
           <a:p>
             <a:fld id="{4477B12C-E1D3-4618-BF49-56692E878129}" type="datetimeFigureOut">
               <a:rPr lang="en-US" smtClean="0"/>
-              <a:t>6/13/2025</a:t>
+              <a:t>6/14/2025</a:t>
             </a:fld>
             <a:endParaRPr lang="en-US"/>
           </a:p>
@@ -7065,7 +7065,7 @@
           <a:p>
             <a:fld id="{4477B12C-E1D3-4618-BF49-56692E878129}" type="datetimeFigureOut">
               <a:rPr lang="en-US" smtClean="0"/>
-              <a:t>6/13/2025</a:t>
+              <a:t>6/14/2025</a:t>
             </a:fld>
             <a:endParaRPr lang="en-US"/>
           </a:p>
@@ -7376,7 +7376,7 @@
           <a:p>
             <a:fld id="{4477B12C-E1D3-4618-BF49-56692E878129}" type="datetimeFigureOut">
               <a:rPr lang="en-US" smtClean="0"/>
-              <a:t>6/13/2025</a:t>
+              <a:t>6/14/2025</a:t>
             </a:fld>
             <a:endParaRPr lang="en-US"/>
           </a:p>
@@ -7664,7 +7664,7 @@
           <a:p>
             <a:fld id="{4477B12C-E1D3-4618-BF49-56692E878129}" type="datetimeFigureOut">
               <a:rPr lang="en-US" smtClean="0"/>
-              <a:t>6/13/2025</a:t>
+              <a:t>6/14/2025</a:t>
             </a:fld>
             <a:endParaRPr lang="en-US"/>
           </a:p>
@@ -7905,7 +7905,7 @@
           <a:p>
             <a:fld id="{4477B12C-E1D3-4618-BF49-56692E878129}" type="datetimeFigureOut">
               <a:rPr lang="en-US" smtClean="0"/>
-              <a:t>6/13/2025</a:t>
+              <a:t>6/14/2025</a:t>
             </a:fld>
             <a:endParaRPr lang="en-US"/>
           </a:p>
@@ -10210,6 +10210,54 @@
               <a:rPr lang="en-US" dirty="0"/>
               <a:t>https://informatika.stei.itb.ac.id/~rinaldi.munir/MetNum/2010-2011/Integrasi%20Numerik%20(Bagian%201).pdf</a:t>
             </a:r>
+          </a:p>
+        </p:txBody>
+      </p:sp>
+      <p:sp>
+        <p:nvSpPr>
+          <p:cNvPr id="3" name="TextBox 2">
+            <a:extLst>
+              <a:ext uri="{FF2B5EF4-FFF2-40B4-BE49-F238E27FC236}">
+                <a16:creationId xmlns:a16="http://schemas.microsoft.com/office/drawing/2014/main" id="{CDF5E5AB-6AE2-68DF-0B17-797506299165}"/>
+              </a:ext>
+            </a:extLst>
+          </p:cNvPr>
+          <p:cNvSpPr txBox="1"/>
+          <p:nvPr/>
+        </p:nvSpPr>
+        <p:spPr>
+          <a:xfrm>
+            <a:off x="62270" y="6121081"/>
+            <a:ext cx="2680930" cy="369332"/>
+          </a:xfrm>
+          <a:prstGeom prst="rect">
+            <a:avLst/>
+          </a:prstGeom>
+          <a:noFill/>
+        </p:spPr>
+        <p:txBody>
+          <a:bodyPr wrap="square">
+            <a:spAutoFit/>
+          </a:bodyPr>
+          <a:lstStyle/>
+          <a:p>
+            <a:r>
+              <a:rPr lang="en-US" dirty="0"/>
+              <a:t>Keyword : </a:t>
+            </a:r>
+            <a:r>
+              <a:rPr lang="en-US" dirty="0" err="1"/>
+              <a:t>analisis</a:t>
+            </a:r>
+            <a:r>
+              <a:rPr lang="en-US" dirty="0"/>
+              <a:t> </a:t>
+            </a:r>
+            <a:r>
+              <a:rPr lang="en-US" dirty="0" err="1"/>
+              <a:t>numerik</a:t>
+            </a:r>
+            <a:endParaRPr lang="en-US" dirty="0"/>
           </a:p>
         </p:txBody>
       </p:sp>
@@ -17394,8 +17442,8 @@
           </p:style>
         </p:cxnSp>
       </p:grpSp>
-      <mc:AlternateContent xmlns:mc="http://schemas.openxmlformats.org/markup-compatibility/2006" xmlns:a14="http://schemas.microsoft.com/office/drawing/2010/main">
-        <mc:Choice Requires="a14">
+      <mc:AlternateContent xmlns:mc="http://schemas.openxmlformats.org/markup-compatibility/2006">
+        <mc:Choice xmlns:a14="http://schemas.microsoft.com/office/drawing/2010/main" Requires="a14">
           <p:sp>
             <p:nvSpPr>
               <p:cNvPr id="25" name="TextBox 24">
@@ -17537,10 +17585,10 @@
                             </m:e>
                           </m:d>
                           <m:r>
-                            <a:rPr lang="en-US">
+                            <a:rPr lang="en-US" b="0" i="0" smtClean="0">
                               <a:latin typeface="Cambria Math" panose="02040503050406030204" pitchFamily="18" charset="0"/>
                             </a:rPr>
-                            <m:t>+</m:t>
+                            <m:t>−</m:t>
                           </m:r>
                           <m:r>
                             <m:rPr>
@@ -17604,7 +17652,7 @@
             </p:txBody>
           </p:sp>
         </mc:Choice>
-        <mc:Fallback xmlns="">
+        <mc:Fallback>
           <p:sp>
             <p:nvSpPr>
               <p:cNvPr id="25" name="TextBox 24">
@@ -17905,8 +17953,8 @@
           </a:p>
         </p:txBody>
       </p:sp>
-      <mc:AlternateContent xmlns:mc="http://schemas.openxmlformats.org/markup-compatibility/2006">
-        <mc:Choice xmlns:a14="http://schemas.microsoft.com/office/drawing/2010/main" Requires="a14">
+      <mc:AlternateContent xmlns:mc="http://schemas.openxmlformats.org/markup-compatibility/2006" xmlns:a14="http://schemas.microsoft.com/office/drawing/2010/main">
+        <mc:Choice Requires="a14">
           <p:sp>
             <p:nvSpPr>
               <p:cNvPr id="3" name="Content Placeholder 2">
@@ -19470,7 +19518,7 @@
             </p:txBody>
           </p:sp>
         </mc:Choice>
-        <mc:Fallback>
+        <mc:Fallback xmlns="">
           <p:sp>
             <p:nvSpPr>
               <p:cNvPr id="3" name="Content Placeholder 2">
@@ -20695,7 +20743,7 @@
         <p:spPr>
           <a:xfrm>
             <a:off x="722870" y="2080998"/>
-            <a:ext cx="10515600" cy="3932624"/>
+            <a:ext cx="7037173" cy="3932624"/>
           </a:xfrm>
         </p:spPr>
         <p:txBody>
@@ -20928,6 +20976,36 @@
           </a:p>
         </p:txBody>
       </p:sp>
+      <p:pic>
+        <p:nvPicPr>
+          <p:cNvPr id="5" name="Picture 4">
+            <a:extLst>
+              <a:ext uri="{FF2B5EF4-FFF2-40B4-BE49-F238E27FC236}">
+                <a16:creationId xmlns:a16="http://schemas.microsoft.com/office/drawing/2014/main" id="{A93CBEB4-FB0B-D279-38C9-1BF4A65FA3BD}"/>
+              </a:ext>
+            </a:extLst>
+          </p:cNvPr>
+          <p:cNvPicPr>
+            <a:picLocks noChangeAspect="1"/>
+          </p:cNvPicPr>
+          <p:nvPr/>
+        </p:nvPicPr>
+        <p:blipFill>
+          <a:blip r:embed="rId2"/>
+          <a:stretch>
+            <a:fillRect/>
+          </a:stretch>
+        </p:blipFill>
+        <p:spPr>
+          <a:xfrm>
+            <a:off x="7760043" y="1619678"/>
+            <a:ext cx="4231212" cy="5024137"/>
+          </a:xfrm>
+          <a:prstGeom prst="rect">
+            <a:avLst/>
+          </a:prstGeom>
+        </p:spPr>
+      </p:pic>
     </p:spTree>
     <p:extLst>
       <p:ext uri="{BB962C8B-B14F-4D97-AF65-F5344CB8AC3E}">

--- a/ppt.pptx
+++ b/ppt.pptx
@@ -5,7 +5,7 @@
     <p:sldMasterId id="2147483648" r:id="rId1"/>
   </p:sldMasterIdLst>
   <p:notesMasterIdLst>
-    <p:notesMasterId r:id="rId33"/>
+    <p:notesMasterId r:id="rId34"/>
   </p:notesMasterIdLst>
   <p:sldIdLst>
     <p:sldId id="256" r:id="rId2"/>
@@ -22,23 +22,24 @@
     <p:sldId id="293" r:id="rId13"/>
     <p:sldId id="290" r:id="rId14"/>
     <p:sldId id="291" r:id="rId15"/>
-    <p:sldId id="299" r:id="rId16"/>
-    <p:sldId id="294" r:id="rId17"/>
-    <p:sldId id="295" r:id="rId18"/>
-    <p:sldId id="296" r:id="rId19"/>
-    <p:sldId id="298" r:id="rId20"/>
-    <p:sldId id="303" r:id="rId21"/>
-    <p:sldId id="306" r:id="rId22"/>
-    <p:sldId id="292" r:id="rId23"/>
-    <p:sldId id="301" r:id="rId24"/>
-    <p:sldId id="302" r:id="rId25"/>
-    <p:sldId id="309" r:id="rId26"/>
-    <p:sldId id="280" r:id="rId27"/>
-    <p:sldId id="259" r:id="rId28"/>
-    <p:sldId id="284" r:id="rId29"/>
-    <p:sldId id="300" r:id="rId30"/>
-    <p:sldId id="308" r:id="rId31"/>
-    <p:sldId id="273" r:id="rId32"/>
+    <p:sldId id="310" r:id="rId16"/>
+    <p:sldId id="299" r:id="rId17"/>
+    <p:sldId id="294" r:id="rId18"/>
+    <p:sldId id="295" r:id="rId19"/>
+    <p:sldId id="296" r:id="rId20"/>
+    <p:sldId id="298" r:id="rId21"/>
+    <p:sldId id="303" r:id="rId22"/>
+    <p:sldId id="306" r:id="rId23"/>
+    <p:sldId id="292" r:id="rId24"/>
+    <p:sldId id="301" r:id="rId25"/>
+    <p:sldId id="302" r:id="rId26"/>
+    <p:sldId id="309" r:id="rId27"/>
+    <p:sldId id="280" r:id="rId28"/>
+    <p:sldId id="259" r:id="rId29"/>
+    <p:sldId id="284" r:id="rId30"/>
+    <p:sldId id="300" r:id="rId31"/>
+    <p:sldId id="308" r:id="rId32"/>
+    <p:sldId id="273" r:id="rId33"/>
   </p:sldIdLst>
   <p:sldSz cx="12192000" cy="6858000"/>
   <p:notesSz cx="6858000" cy="9144000"/>
@@ -4757,7 +4758,7 @@
           <a:p>
             <a:fld id="{06F3406E-E051-43FD-BE07-57F9DFC74A63}" type="datetimeFigureOut">
               <a:rPr lang="en-US" smtClean="0"/>
-              <a:t>6/14/2025</a:t>
+              <a:t>6/15/2025</a:t>
             </a:fld>
             <a:endParaRPr lang="en-US"/>
           </a:p>
@@ -5089,7 +5090,7 @@
           <a:p>
             <a:fld id="{AFB73065-EE1C-4A0B-8743-A2AD4AB2CEAC}" type="slidenum">
               <a:rPr lang="en-US" smtClean="0"/>
-              <a:t>23</a:t>
+              <a:t>24</a:t>
             </a:fld>
             <a:endParaRPr lang="en-US"/>
           </a:p>
@@ -5255,7 +5256,7 @@
           <a:p>
             <a:fld id="{4477B12C-E1D3-4618-BF49-56692E878129}" type="datetimeFigureOut">
               <a:rPr lang="en-US" smtClean="0"/>
-              <a:t>6/14/2025</a:t>
+              <a:t>6/15/2025</a:t>
             </a:fld>
             <a:endParaRPr lang="en-US"/>
           </a:p>
@@ -5453,7 +5454,7 @@
           <a:p>
             <a:fld id="{4477B12C-E1D3-4618-BF49-56692E878129}" type="datetimeFigureOut">
               <a:rPr lang="en-US" smtClean="0"/>
-              <a:t>6/14/2025</a:t>
+              <a:t>6/15/2025</a:t>
             </a:fld>
             <a:endParaRPr lang="en-US"/>
           </a:p>
@@ -5661,7 +5662,7 @@
           <a:p>
             <a:fld id="{4477B12C-E1D3-4618-BF49-56692E878129}" type="datetimeFigureOut">
               <a:rPr lang="en-US" smtClean="0"/>
-              <a:t>6/14/2025</a:t>
+              <a:t>6/15/2025</a:t>
             </a:fld>
             <a:endParaRPr lang="en-US"/>
           </a:p>
@@ -5859,7 +5860,7 @@
           <a:p>
             <a:fld id="{4477B12C-E1D3-4618-BF49-56692E878129}" type="datetimeFigureOut">
               <a:rPr lang="en-US" smtClean="0"/>
-              <a:t>6/14/2025</a:t>
+              <a:t>6/15/2025</a:t>
             </a:fld>
             <a:endParaRPr lang="en-US"/>
           </a:p>
@@ -6134,7 +6135,7 @@
           <a:p>
             <a:fld id="{4477B12C-E1D3-4618-BF49-56692E878129}" type="datetimeFigureOut">
               <a:rPr lang="en-US" smtClean="0"/>
-              <a:t>6/14/2025</a:t>
+              <a:t>6/15/2025</a:t>
             </a:fld>
             <a:endParaRPr lang="en-US"/>
           </a:p>
@@ -6399,7 +6400,7 @@
           <a:p>
             <a:fld id="{4477B12C-E1D3-4618-BF49-56692E878129}" type="datetimeFigureOut">
               <a:rPr lang="en-US" smtClean="0"/>
-              <a:t>6/14/2025</a:t>
+              <a:t>6/15/2025</a:t>
             </a:fld>
             <a:endParaRPr lang="en-US"/>
           </a:p>
@@ -6811,7 +6812,7 @@
           <a:p>
             <a:fld id="{4477B12C-E1D3-4618-BF49-56692E878129}" type="datetimeFigureOut">
               <a:rPr lang="en-US" smtClean="0"/>
-              <a:t>6/14/2025</a:t>
+              <a:t>6/15/2025</a:t>
             </a:fld>
             <a:endParaRPr lang="en-US"/>
           </a:p>
@@ -6952,7 +6953,7 @@
           <a:p>
             <a:fld id="{4477B12C-E1D3-4618-BF49-56692E878129}" type="datetimeFigureOut">
               <a:rPr lang="en-US" smtClean="0"/>
-              <a:t>6/14/2025</a:t>
+              <a:t>6/15/2025</a:t>
             </a:fld>
             <a:endParaRPr lang="en-US"/>
           </a:p>
@@ -7065,7 +7066,7 @@
           <a:p>
             <a:fld id="{4477B12C-E1D3-4618-BF49-56692E878129}" type="datetimeFigureOut">
               <a:rPr lang="en-US" smtClean="0"/>
-              <a:t>6/14/2025</a:t>
+              <a:t>6/15/2025</a:t>
             </a:fld>
             <a:endParaRPr lang="en-US"/>
           </a:p>
@@ -7376,7 +7377,7 @@
           <a:p>
             <a:fld id="{4477B12C-E1D3-4618-BF49-56692E878129}" type="datetimeFigureOut">
               <a:rPr lang="en-US" smtClean="0"/>
-              <a:t>6/14/2025</a:t>
+              <a:t>6/15/2025</a:t>
             </a:fld>
             <a:endParaRPr lang="en-US"/>
           </a:p>
@@ -7664,7 +7665,7 @@
           <a:p>
             <a:fld id="{4477B12C-E1D3-4618-BF49-56692E878129}" type="datetimeFigureOut">
               <a:rPr lang="en-US" smtClean="0"/>
-              <a:t>6/14/2025</a:t>
+              <a:t>6/15/2025</a:t>
             </a:fld>
             <a:endParaRPr lang="en-US"/>
           </a:p>
@@ -7905,7 +7906,7 @@
           <a:p>
             <a:fld id="{4477B12C-E1D3-4618-BF49-56692E878129}" type="datetimeFigureOut">
               <a:rPr lang="en-US" smtClean="0"/>
-              <a:t>6/14/2025</a:t>
+              <a:t>6/15/2025</a:t>
             </a:fld>
             <a:endParaRPr lang="en-US"/>
           </a:p>
@@ -9979,6 +9980,92 @@
           <p:cNvPr id="2" name="Title 1">
             <a:extLst>
               <a:ext uri="{FF2B5EF4-FFF2-40B4-BE49-F238E27FC236}">
+                <a16:creationId xmlns:a16="http://schemas.microsoft.com/office/drawing/2014/main" id="{F00CB5D8-CFF1-D748-11D1-269B995EF1D9}"/>
+              </a:ext>
+            </a:extLst>
+          </p:cNvPr>
+          <p:cNvSpPr>
+            <a:spLocks noGrp="1"/>
+          </p:cNvSpPr>
+          <p:nvPr>
+            <p:ph type="title"/>
+          </p:nvPr>
+        </p:nvSpPr>
+        <p:spPr/>
+        <p:txBody>
+          <a:bodyPr/>
+          <a:lstStyle/>
+          <a:p>
+            <a:endParaRPr lang="en-US"/>
+          </a:p>
+        </p:txBody>
+      </p:sp>
+      <p:pic>
+        <p:nvPicPr>
+          <p:cNvPr id="5" name="Picture 4">
+            <a:extLst>
+              <a:ext uri="{FF2B5EF4-FFF2-40B4-BE49-F238E27FC236}">
+                <a16:creationId xmlns:a16="http://schemas.microsoft.com/office/drawing/2014/main" id="{D313A734-0533-8DD5-73C6-36CF7549EB3B}"/>
+              </a:ext>
+            </a:extLst>
+          </p:cNvPr>
+          <p:cNvPicPr>
+            <a:picLocks noChangeAspect="1"/>
+          </p:cNvPicPr>
+          <p:nvPr/>
+        </p:nvPicPr>
+        <p:blipFill>
+          <a:blip r:embed="rId2"/>
+          <a:srcRect b="14662"/>
+          <a:stretch>
+            <a:fillRect/>
+          </a:stretch>
+        </p:blipFill>
+        <p:spPr>
+          <a:xfrm>
+            <a:off x="2740639" y="1690688"/>
+            <a:ext cx="7787318" cy="3968707"/>
+          </a:xfrm>
+          <a:prstGeom prst="rect">
+            <a:avLst/>
+          </a:prstGeom>
+        </p:spPr>
+      </p:pic>
+    </p:spTree>
+    <p:extLst>
+      <p:ext uri="{BB962C8B-B14F-4D97-AF65-F5344CB8AC3E}">
+        <p14:creationId xmlns:p14="http://schemas.microsoft.com/office/powerpoint/2010/main" val="1879210813"/>
+      </p:ext>
+    </p:extLst>
+  </p:cSld>
+  <p:clrMapOvr>
+    <a:masterClrMapping/>
+  </p:clrMapOvr>
+</p:sld>
+</file>
+
+<file path=ppt/slides/slide16.xml><?xml version="1.0" encoding="utf-8"?>
+<p:sld xmlns:a="http://schemas.openxmlformats.org/drawingml/2006/main" xmlns:r="http://schemas.openxmlformats.org/officeDocument/2006/relationships" xmlns:p="http://schemas.openxmlformats.org/presentationml/2006/main">
+  <p:cSld>
+    <p:spTree>
+      <p:nvGrpSpPr>
+        <p:cNvPr id="1" name=""/>
+        <p:cNvGrpSpPr/>
+        <p:nvPr/>
+      </p:nvGrpSpPr>
+      <p:grpSpPr>
+        <a:xfrm>
+          <a:off x="0" y="0"/>
+          <a:ext cx="0" cy="0"/>
+          <a:chOff x="0" y="0"/>
+          <a:chExt cx="0" cy="0"/>
+        </a:xfrm>
+      </p:grpSpPr>
+      <p:sp>
+        <p:nvSpPr>
+          <p:cNvPr id="2" name="Title 1">
+            <a:extLst>
+              <a:ext uri="{FF2B5EF4-FFF2-40B4-BE49-F238E27FC236}">
                 <a16:creationId xmlns:a16="http://schemas.microsoft.com/office/drawing/2014/main" id="{A7A4E57D-4116-B19D-58CC-755045CBF99B}"/>
               </a:ext>
             </a:extLst>
@@ -10050,7 +10137,7 @@
         </p:blipFill>
         <p:spPr>
           <a:xfrm>
-            <a:off x="0" y="983456"/>
+            <a:off x="62270" y="789832"/>
             <a:ext cx="3110270" cy="2471738"/>
           </a:xfrm>
           <a:prstGeom prst="rect">
@@ -10274,7 +10361,7 @@
 </p:sld>
 </file>
 
-<file path=ppt/slides/slide16.xml><?xml version="1.0" encoding="utf-8"?>
+<file path=ppt/slides/slide17.xml><?xml version="1.0" encoding="utf-8"?>
 <p:sld xmlns:a="http://schemas.openxmlformats.org/drawingml/2006/main" xmlns:r="http://schemas.openxmlformats.org/officeDocument/2006/relationships" xmlns:p="http://schemas.openxmlformats.org/presentationml/2006/main">
   <p:cSld>
     <p:spTree>
@@ -10373,8 +10460,8 @@
         </p:blipFill>
         <p:spPr>
           <a:xfrm>
-            <a:off x="390524" y="1635631"/>
-            <a:ext cx="5440981" cy="4080736"/>
+            <a:off x="1381746" y="1509137"/>
+            <a:ext cx="3942579" cy="2956934"/>
           </a:xfrm>
         </p:spPr>
       </p:pic>
@@ -10414,6 +10501,53 @@
           </a:prstGeom>
         </p:spPr>
       </p:pic>
+      <p:pic>
+        <p:nvPicPr>
+          <p:cNvPr id="2050" name="Picture 2" descr="Berita Terkini Hari Ini, Kabar Akurat Terpercaya - Kompas.com">
+            <a:extLst>
+              <a:ext uri="{FF2B5EF4-FFF2-40B4-BE49-F238E27FC236}">
+                <a16:creationId xmlns:a16="http://schemas.microsoft.com/office/drawing/2014/main" id="{6DB27412-8446-C35B-0B62-2E18DDA7BB5A}"/>
+              </a:ext>
+            </a:extLst>
+          </p:cNvPr>
+          <p:cNvPicPr>
+            <a:picLocks noChangeAspect="1" noChangeArrowheads="1"/>
+          </p:cNvPicPr>
+          <p:nvPr/>
+        </p:nvPicPr>
+        <p:blipFill>
+          <a:blip r:embed="rId4">
+            <a:extLst>
+              <a:ext uri="{28A0092B-C50C-407E-A947-70E740481C1C}">
+                <a14:useLocalDpi xmlns:a14="http://schemas.microsoft.com/office/drawing/2010/main" val="0"/>
+              </a:ext>
+            </a:extLst>
+          </a:blip>
+          <a:srcRect/>
+          <a:stretch>
+            <a:fillRect/>
+          </a:stretch>
+        </p:blipFill>
+        <p:spPr bwMode="auto">
+          <a:xfrm>
+            <a:off x="1647182" y="4969799"/>
+            <a:ext cx="3229618" cy="1746123"/>
+          </a:xfrm>
+          <a:prstGeom prst="rect">
+            <a:avLst/>
+          </a:prstGeom>
+          <a:noFill/>
+          <a:extLst>
+            <a:ext uri="{909E8E84-426E-40DD-AFC4-6F175D3DCCD1}">
+              <a14:hiddenFill xmlns:a14="http://schemas.microsoft.com/office/drawing/2010/main">
+                <a:solidFill>
+                  <a:srgbClr val="FFFFFF"/>
+                </a:solidFill>
+              </a14:hiddenFill>
+            </a:ext>
+          </a:extLst>
+        </p:spPr>
+      </p:pic>
     </p:spTree>
     <p:extLst>
       <p:ext uri="{BB962C8B-B14F-4D97-AF65-F5344CB8AC3E}">
@@ -10427,7 +10561,7 @@
 </p:sld>
 </file>
 
-<file path=ppt/slides/slide17.xml><?xml version="1.0" encoding="utf-8"?>
+<file path=ppt/slides/slide18.xml><?xml version="1.0" encoding="utf-8"?>
 <p:sld xmlns:a="http://schemas.openxmlformats.org/drawingml/2006/main" xmlns:r="http://schemas.openxmlformats.org/officeDocument/2006/relationships" xmlns:p="http://schemas.openxmlformats.org/presentationml/2006/main">
   <p:cSld>
     <p:spTree>
@@ -10485,12 +10619,184 @@
           </a:p>
         </p:txBody>
       </p:sp>
+      <mc:AlternateContent xmlns:mc="http://schemas.openxmlformats.org/markup-compatibility/2006">
+        <mc:Choice xmlns:p14="http://schemas.microsoft.com/office/powerpoint/2010/main" Requires="p14">
+          <p:contentPart p14:bwMode="auto" r:id="rId2">
+            <p14:nvContentPartPr>
+              <p14:cNvPr id="5" name="Ink 4">
+                <a:extLst>
+                  <a:ext uri="{FF2B5EF4-FFF2-40B4-BE49-F238E27FC236}">
+                    <a16:creationId xmlns:a16="http://schemas.microsoft.com/office/drawing/2014/main" id="{65C84506-CB15-92B2-2D58-82EA49A36608}"/>
+                  </a:ext>
+                </a:extLst>
+              </p14:cNvPr>
+              <p14:cNvContentPartPr/>
+              <p14:nvPr/>
+            </p14:nvContentPartPr>
+            <p14:xfrm>
+              <a:off x="459794" y="1340508"/>
+              <a:ext cx="68594" cy="3031401"/>
+            </p14:xfrm>
+          </p:contentPart>
+        </mc:Choice>
+        <mc:Fallback>
+          <p:pic>
+            <p:nvPicPr>
+              <p:cNvPr id="5" name="Ink 4">
+                <a:extLst>
+                  <a:ext uri="{FF2B5EF4-FFF2-40B4-BE49-F238E27FC236}">
+                    <a16:creationId xmlns:a16="http://schemas.microsoft.com/office/drawing/2014/main" id="{65C84506-CB15-92B2-2D58-82EA49A36608}"/>
+                  </a:ext>
+                </a:extLst>
+              </p:cNvPr>
+              <p:cNvPicPr/>
+              <p:nvPr/>
+            </p:nvPicPr>
+            <p:blipFill>
+              <a:blip r:embed="rId3"/>
+              <a:stretch>
+                <a:fillRect/>
+              </a:stretch>
+            </p:blipFill>
+            <p:spPr>
+              <a:xfrm>
+                <a:off x="453689" y="1334388"/>
+                <a:ext cx="80804" cy="3043640"/>
+              </a:xfrm>
+              <a:prstGeom prst="rect">
+                <a:avLst/>
+              </a:prstGeom>
+            </p:spPr>
+          </p:pic>
+        </mc:Fallback>
+      </mc:AlternateContent>
+      <mc:AlternateContent xmlns:mc="http://schemas.openxmlformats.org/markup-compatibility/2006">
+        <mc:Choice xmlns:p14="http://schemas.microsoft.com/office/powerpoint/2010/main" Requires="p14">
+          <p:contentPart p14:bwMode="auto" r:id="rId4">
+            <p14:nvContentPartPr>
+              <p14:cNvPr id="12" name="Ink 11">
+                <a:extLst>
+                  <a:ext uri="{FF2B5EF4-FFF2-40B4-BE49-F238E27FC236}">
+                    <a16:creationId xmlns:a16="http://schemas.microsoft.com/office/drawing/2014/main" id="{225C41FD-A480-5F27-7423-A60F4E247418}"/>
+                  </a:ext>
+                </a:extLst>
+              </p14:cNvPr>
+              <p14:cNvContentPartPr/>
+              <p14:nvPr/>
+            </p14:nvContentPartPr>
+            <p14:xfrm rot="5400000">
+              <a:off x="2936099" y="1871309"/>
+              <a:ext cx="117187" cy="5001201"/>
+            </p14:xfrm>
+          </p:contentPart>
+        </mc:Choice>
+        <mc:Fallback>
+          <p:pic>
+            <p:nvPicPr>
+              <p:cNvPr id="12" name="Ink 11">
+                <a:extLst>
+                  <a:ext uri="{FF2B5EF4-FFF2-40B4-BE49-F238E27FC236}">
+                    <a16:creationId xmlns:a16="http://schemas.microsoft.com/office/drawing/2014/main" id="{225C41FD-A480-5F27-7423-A60F4E247418}"/>
+                  </a:ext>
+                </a:extLst>
+              </p:cNvPr>
+              <p:cNvPicPr/>
+              <p:nvPr/>
+            </p:nvPicPr>
+            <p:blipFill>
+              <a:blip r:embed="rId5"/>
+              <a:stretch>
+                <a:fillRect/>
+              </a:stretch>
+            </p:blipFill>
+            <p:spPr>
+              <a:xfrm rot="5400000">
+                <a:off x="2929988" y="1865189"/>
+                <a:ext cx="129409" cy="5013441"/>
+              </a:xfrm>
+              <a:prstGeom prst="rect">
+                <a:avLst/>
+              </a:prstGeom>
+            </p:spPr>
+          </p:pic>
+        </mc:Fallback>
+      </mc:AlternateContent>
+      <p:sp>
+        <p:nvSpPr>
+          <p:cNvPr id="13" name="TextBox 12">
+            <a:extLst>
+              <a:ext uri="{FF2B5EF4-FFF2-40B4-BE49-F238E27FC236}">
+                <a16:creationId xmlns:a16="http://schemas.microsoft.com/office/drawing/2014/main" id="{159B79E1-FFAD-18A4-6B18-3137C0A58DD1}"/>
+              </a:ext>
+            </a:extLst>
+          </p:cNvPr>
+          <p:cNvSpPr txBox="1"/>
+          <p:nvPr/>
+        </p:nvSpPr>
+        <p:spPr>
+          <a:xfrm>
+            <a:off x="370331" y="1030502"/>
+            <a:ext cx="247521" cy="310006"/>
+          </a:xfrm>
+          <a:prstGeom prst="rect">
+            <a:avLst/>
+          </a:prstGeom>
+          <a:noFill/>
+        </p:spPr>
+        <p:txBody>
+          <a:bodyPr wrap="none" rtlCol="0">
+            <a:spAutoFit/>
+          </a:bodyPr>
+          <a:lstStyle/>
+          <a:p>
+            <a:r>
+              <a:rPr lang="en-US" dirty="0"/>
+              <a:t>e</a:t>
+            </a:r>
+          </a:p>
+        </p:txBody>
+      </p:sp>
+      <p:sp>
+        <p:nvSpPr>
+          <p:cNvPr id="14" name="TextBox 13">
+            <a:extLst>
+              <a:ext uri="{FF2B5EF4-FFF2-40B4-BE49-F238E27FC236}">
+                <a16:creationId xmlns:a16="http://schemas.microsoft.com/office/drawing/2014/main" id="{FC7A293C-3977-FF25-5D6A-904E9DA33632}"/>
+              </a:ext>
+            </a:extLst>
+          </p:cNvPr>
+          <p:cNvSpPr txBox="1"/>
+          <p:nvPr/>
+        </p:nvSpPr>
+        <p:spPr>
+          <a:xfrm>
+            <a:off x="5529590" y="4216906"/>
+            <a:ext cx="215787" cy="310006"/>
+          </a:xfrm>
+          <a:prstGeom prst="rect">
+            <a:avLst/>
+          </a:prstGeom>
+          <a:noFill/>
+        </p:spPr>
+        <p:txBody>
+          <a:bodyPr wrap="none" rtlCol="0">
+            <a:spAutoFit/>
+          </a:bodyPr>
+          <a:lstStyle/>
+          <a:p>
+            <a:r>
+              <a:rPr lang="en-US" dirty="0"/>
+              <a:t>t</a:t>
+            </a:r>
+          </a:p>
+        </p:txBody>
+      </p:sp>
       <p:grpSp>
         <p:nvGrpSpPr>
-          <p:cNvPr id="48" name="Group 47">
+          <p:cNvPr id="18" name="Group 17">
             <a:extLst>
               <a:ext uri="{FF2B5EF4-FFF2-40B4-BE49-F238E27FC236}">
-                <a16:creationId xmlns:a16="http://schemas.microsoft.com/office/drawing/2014/main" id="{08F79AF3-3F1D-2E83-0566-CD6E41F31270}"/>
+                <a16:creationId xmlns:a16="http://schemas.microsoft.com/office/drawing/2014/main" id="{DE6E724B-80C8-AB37-D749-650A57A0015F}"/>
               </a:ext>
             </a:extLst>
           </p:cNvPr>
@@ -10499,20 +10805,20 @@
         </p:nvGrpSpPr>
         <p:grpSpPr>
           <a:xfrm>
-            <a:off x="370331" y="1030502"/>
-            <a:ext cx="5375046" cy="3710007"/>
-            <a:chOff x="1473429" y="2176091"/>
-            <a:chExt cx="6516444" cy="4419991"/>
+            <a:off x="507090" y="1748287"/>
+            <a:ext cx="5031710" cy="851222"/>
+            <a:chOff x="1639229" y="3031239"/>
+            <a:chExt cx="6100200" cy="1014120"/>
           </a:xfrm>
         </p:grpSpPr>
         <mc:AlternateContent xmlns:mc="http://schemas.openxmlformats.org/markup-compatibility/2006" xmlns:p14="http://schemas.microsoft.com/office/powerpoint/2010/main">
           <mc:Choice Requires="p14">
-            <p:contentPart p14:bwMode="auto" r:id="rId2">
+            <p:contentPart p14:bwMode="auto" r:id="rId6">
               <p14:nvContentPartPr>
-                <p14:cNvPr id="5" name="Ink 4">
+                <p14:cNvPr id="16" name="Ink 15">
                   <a:extLst>
                     <a:ext uri="{FF2B5EF4-FFF2-40B4-BE49-F238E27FC236}">
-                      <a16:creationId xmlns:a16="http://schemas.microsoft.com/office/drawing/2014/main" id="{65C84506-CB15-92B2-2D58-82EA49A36608}"/>
+                      <a16:creationId xmlns:a16="http://schemas.microsoft.com/office/drawing/2014/main" id="{92B5FED7-F829-3718-301C-901E9DDA9190}"/>
                     </a:ext>
                   </a:extLst>
                 </p14:cNvPr>
@@ -10520,18 +10826,18 @@
                 <p14:nvPr/>
               </p14:nvContentPartPr>
               <p14:xfrm>
-                <a:off x="1581890" y="2545423"/>
-                <a:ext cx="83160" cy="3611520"/>
+                <a:off x="1639229" y="3031239"/>
+                <a:ext cx="5054040" cy="1014120"/>
               </p14:xfrm>
             </p:contentPart>
           </mc:Choice>
           <mc:Fallback xmlns="">
             <p:pic>
               <p:nvPicPr>
-                <p:cNvPr id="5" name="Ink 4">
+                <p:cNvPr id="16" name="Ink 15">
                   <a:extLst>
                     <a:ext uri="{FF2B5EF4-FFF2-40B4-BE49-F238E27FC236}">
-                      <a16:creationId xmlns:a16="http://schemas.microsoft.com/office/drawing/2014/main" id="{65C84506-CB15-92B2-2D58-82EA49A36608}"/>
+                      <a16:creationId xmlns:a16="http://schemas.microsoft.com/office/drawing/2014/main" id="{92B5FED7-F829-3718-301C-901E9DDA9190}"/>
                     </a:ext>
                   </a:extLst>
                 </p:cNvPr>
@@ -10539,15 +10845,15 @@
                 <p:nvPr/>
               </p:nvPicPr>
               <p:blipFill>
-                <a:blip r:embed="rId3"/>
+                <a:blip r:embed="rId7"/>
                 <a:stretch>
                   <a:fillRect/>
                 </a:stretch>
               </p:blipFill>
               <p:spPr>
                 <a:xfrm>
-                  <a:off x="1574488" y="2538132"/>
-                  <a:ext cx="97963" cy="3626102"/>
+                  <a:off x="1631809" y="3023949"/>
+                  <a:ext cx="5068879" cy="1028699"/>
                 </a:xfrm>
                 <a:prstGeom prst="rect">
                   <a:avLst/>
@@ -10558,31 +10864,31 @@
         </mc:AlternateContent>
         <mc:AlternateContent xmlns:mc="http://schemas.openxmlformats.org/markup-compatibility/2006" xmlns:p14="http://schemas.microsoft.com/office/powerpoint/2010/main">
           <mc:Choice Requires="p14">
-            <p:contentPart p14:bwMode="auto" r:id="rId4">
+            <p:contentPart p14:bwMode="auto" r:id="rId8">
               <p14:nvContentPartPr>
-                <p14:cNvPr id="12" name="Ink 11">
+                <p14:cNvPr id="17" name="Ink 16">
                   <a:extLst>
                     <a:ext uri="{FF2B5EF4-FFF2-40B4-BE49-F238E27FC236}">
-                      <a16:creationId xmlns:a16="http://schemas.microsoft.com/office/drawing/2014/main" id="{225C41FD-A480-5F27-7423-A60F4E247418}"/>
+                      <a16:creationId xmlns:a16="http://schemas.microsoft.com/office/drawing/2014/main" id="{C6710BAC-5427-41C9-EEA5-F9038E4232B6}"/>
                     </a:ext>
                   </a:extLst>
                 </p14:cNvPr>
                 <p14:cNvContentPartPr/>
                 <p14:nvPr/>
               </p14:nvContentPartPr>
-              <p14:xfrm rot="5400000">
-                <a:off x="4585270" y="3125337"/>
-                <a:ext cx="139613" cy="6063212"/>
+              <p14:xfrm>
+                <a:off x="6697229" y="3657639"/>
+                <a:ext cx="1042200" cy="240480"/>
               </p14:xfrm>
             </p:contentPart>
           </mc:Choice>
           <mc:Fallback xmlns="">
             <p:pic>
               <p:nvPicPr>
-                <p:cNvPr id="12" name="Ink 11">
+                <p:cNvPr id="17" name="Ink 16">
                   <a:extLst>
                     <a:ext uri="{FF2B5EF4-FFF2-40B4-BE49-F238E27FC236}">
-                      <a16:creationId xmlns:a16="http://schemas.microsoft.com/office/drawing/2014/main" id="{225C41FD-A480-5F27-7423-A60F4E247418}"/>
+                      <a16:creationId xmlns:a16="http://schemas.microsoft.com/office/drawing/2014/main" id="{C6710BAC-5427-41C9-EEA5-F9038E4232B6}"/>
                     </a:ext>
                   </a:extLst>
                 </p:cNvPr>
@@ -10590,15 +10896,15 @@
                 <p:nvPr/>
               </p:nvPicPr>
               <p:blipFill>
-                <a:blip r:embed="rId5"/>
+                <a:blip r:embed="rId9"/>
                 <a:stretch>
                   <a:fillRect/>
                 </a:stretch>
               </p:blipFill>
               <p:spPr>
-                <a:xfrm rot="5400000">
-                  <a:off x="4577990" y="3117917"/>
-                  <a:ext cx="154174" cy="6078051"/>
+                <a:xfrm>
+                  <a:off x="6689810" y="3650352"/>
+                  <a:ext cx="1057039" cy="255055"/>
                 </a:xfrm>
                 <a:prstGeom prst="rect">
                   <a:avLst/>
@@ -10607,687 +10913,494 @@
             </p:pic>
           </mc:Fallback>
         </mc:AlternateContent>
-        <p:sp>
-          <p:nvSpPr>
-            <p:cNvPr id="13" name="TextBox 12">
-              <a:extLst>
-                <a:ext uri="{FF2B5EF4-FFF2-40B4-BE49-F238E27FC236}">
-                  <a16:creationId xmlns:a16="http://schemas.microsoft.com/office/drawing/2014/main" id="{159B79E1-FFAD-18A4-6B18-3137C0A58DD1}"/>
-                </a:ext>
-              </a:extLst>
-            </p:cNvPr>
-            <p:cNvSpPr txBox="1"/>
-            <p:nvPr/>
-          </p:nvSpPr>
-          <p:spPr>
-            <a:xfrm>
-              <a:off x="1473429" y="2176091"/>
-              <a:ext cx="300082" cy="369332"/>
-            </a:xfrm>
-            <a:prstGeom prst="rect">
-              <a:avLst/>
-            </a:prstGeom>
-            <a:noFill/>
-          </p:spPr>
-          <p:txBody>
-            <a:bodyPr wrap="none" rtlCol="0">
-              <a:spAutoFit/>
-            </a:bodyPr>
-            <a:lstStyle/>
-            <a:p>
-              <a:r>
-                <a:rPr lang="en-US" dirty="0"/>
-                <a:t>e</a:t>
-              </a:r>
-            </a:p>
-          </p:txBody>
-        </p:sp>
-        <p:sp>
-          <p:nvSpPr>
-            <p:cNvPr id="14" name="TextBox 13">
-              <a:extLst>
-                <a:ext uri="{FF2B5EF4-FFF2-40B4-BE49-F238E27FC236}">
-                  <a16:creationId xmlns:a16="http://schemas.microsoft.com/office/drawing/2014/main" id="{FC7A293C-3977-FF25-5D6A-904E9DA33632}"/>
-                </a:ext>
-              </a:extLst>
-            </p:cNvPr>
-            <p:cNvSpPr txBox="1"/>
-            <p:nvPr/>
-          </p:nvSpPr>
-          <p:spPr>
-            <a:xfrm>
-              <a:off x="7728263" y="5972277"/>
-              <a:ext cx="261610" cy="369332"/>
-            </a:xfrm>
-            <a:prstGeom prst="rect">
-              <a:avLst/>
-            </a:prstGeom>
-            <a:noFill/>
-          </p:spPr>
-          <p:txBody>
-            <a:bodyPr wrap="none" rtlCol="0">
-              <a:spAutoFit/>
-            </a:bodyPr>
-            <a:lstStyle/>
-            <a:p>
-              <a:r>
-                <a:rPr lang="en-US" dirty="0"/>
-                <a:t>t</a:t>
-              </a:r>
-            </a:p>
-          </p:txBody>
-        </p:sp>
-        <p:grpSp>
-          <p:nvGrpSpPr>
-            <p:cNvPr id="18" name="Group 17">
-              <a:extLst>
-                <a:ext uri="{FF2B5EF4-FFF2-40B4-BE49-F238E27FC236}">
-                  <a16:creationId xmlns:a16="http://schemas.microsoft.com/office/drawing/2014/main" id="{DE6E724B-80C8-AB37-D749-650A57A0015F}"/>
-                </a:ext>
-              </a:extLst>
-            </p:cNvPr>
-            <p:cNvGrpSpPr/>
-            <p:nvPr/>
-          </p:nvGrpSpPr>
-          <p:grpSpPr>
-            <a:xfrm>
-              <a:off x="1639229" y="3031239"/>
-              <a:ext cx="6100200" cy="1014120"/>
-              <a:chOff x="1639229" y="3031239"/>
-              <a:chExt cx="6100200" cy="1014120"/>
-            </a:xfrm>
-          </p:grpSpPr>
-          <mc:AlternateContent xmlns:mc="http://schemas.openxmlformats.org/markup-compatibility/2006" xmlns:p14="http://schemas.microsoft.com/office/powerpoint/2010/main">
-            <mc:Choice Requires="p14">
-              <p:contentPart p14:bwMode="auto" r:id="rId6">
-                <p14:nvContentPartPr>
-                  <p14:cNvPr id="16" name="Ink 15">
-                    <a:extLst>
-                      <a:ext uri="{FF2B5EF4-FFF2-40B4-BE49-F238E27FC236}">
-                        <a16:creationId xmlns:a16="http://schemas.microsoft.com/office/drawing/2014/main" id="{92B5FED7-F829-3718-301C-901E9DDA9190}"/>
-                      </a:ext>
-                    </a:extLst>
-                  </p14:cNvPr>
-                  <p14:cNvContentPartPr/>
-                  <p14:nvPr/>
-                </p14:nvContentPartPr>
-                <p14:xfrm>
-                  <a:off x="1639229" y="3031239"/>
-                  <a:ext cx="5054040" cy="1014120"/>
-                </p14:xfrm>
-              </p:contentPart>
-            </mc:Choice>
-            <mc:Fallback xmlns="">
-              <p:pic>
-                <p:nvPicPr>
-                  <p:cNvPr id="16" name="Ink 15">
-                    <a:extLst>
-                      <a:ext uri="{FF2B5EF4-FFF2-40B4-BE49-F238E27FC236}">
-                        <a16:creationId xmlns:a16="http://schemas.microsoft.com/office/drawing/2014/main" id="{92B5FED7-F829-3718-301C-901E9DDA9190}"/>
-                      </a:ext>
-                    </a:extLst>
-                  </p:cNvPr>
-                  <p:cNvPicPr/>
-                  <p:nvPr/>
-                </p:nvPicPr>
-                <p:blipFill>
-                  <a:blip r:embed="rId7"/>
-                  <a:stretch>
-                    <a:fillRect/>
-                  </a:stretch>
-                </p:blipFill>
-                <p:spPr>
-                  <a:xfrm>
-                    <a:off x="1631809" y="3023949"/>
-                    <a:ext cx="5068879" cy="1028699"/>
-                  </a:xfrm>
-                  <a:prstGeom prst="rect">
-                    <a:avLst/>
-                  </a:prstGeom>
-                </p:spPr>
-              </p:pic>
-            </mc:Fallback>
-          </mc:AlternateContent>
-          <mc:AlternateContent xmlns:mc="http://schemas.openxmlformats.org/markup-compatibility/2006" xmlns:p14="http://schemas.microsoft.com/office/powerpoint/2010/main">
-            <mc:Choice Requires="p14">
-              <p:contentPart p14:bwMode="auto" r:id="rId8">
-                <p14:nvContentPartPr>
-                  <p14:cNvPr id="17" name="Ink 16">
-                    <a:extLst>
-                      <a:ext uri="{FF2B5EF4-FFF2-40B4-BE49-F238E27FC236}">
-                        <a16:creationId xmlns:a16="http://schemas.microsoft.com/office/drawing/2014/main" id="{C6710BAC-5427-41C9-EEA5-F9038E4232B6}"/>
-                      </a:ext>
-                    </a:extLst>
-                  </p14:cNvPr>
-                  <p14:cNvContentPartPr/>
-                  <p14:nvPr/>
-                </p14:nvContentPartPr>
-                <p14:xfrm>
-                  <a:off x="6697229" y="3657639"/>
-                  <a:ext cx="1042200" cy="240480"/>
-                </p14:xfrm>
-              </p:contentPart>
-            </mc:Choice>
-            <mc:Fallback xmlns="">
-              <p:pic>
-                <p:nvPicPr>
-                  <p:cNvPr id="17" name="Ink 16">
-                    <a:extLst>
-                      <a:ext uri="{FF2B5EF4-FFF2-40B4-BE49-F238E27FC236}">
-                        <a16:creationId xmlns:a16="http://schemas.microsoft.com/office/drawing/2014/main" id="{C6710BAC-5427-41C9-EEA5-F9038E4232B6}"/>
-                      </a:ext>
-                    </a:extLst>
-                  </p:cNvPr>
-                  <p:cNvPicPr/>
-                  <p:nvPr/>
-                </p:nvPicPr>
-                <p:blipFill>
-                  <a:blip r:embed="rId9"/>
-                  <a:stretch>
-                    <a:fillRect/>
-                  </a:stretch>
-                </p:blipFill>
-                <p:spPr>
-                  <a:xfrm>
-                    <a:off x="6689810" y="3650352"/>
-                    <a:ext cx="1057039" cy="255055"/>
-                  </a:xfrm>
-                  <a:prstGeom prst="rect">
-                    <a:avLst/>
-                  </a:prstGeom>
-                </p:spPr>
-              </p:pic>
-            </mc:Fallback>
-          </mc:AlternateContent>
-        </p:grpSp>
-        <p:sp>
-          <p:nvSpPr>
-            <p:cNvPr id="19" name="TextBox 18">
-              <a:extLst>
-                <a:ext uri="{FF2B5EF4-FFF2-40B4-BE49-F238E27FC236}">
-                  <a16:creationId xmlns:a16="http://schemas.microsoft.com/office/drawing/2014/main" id="{38260AB8-C392-72A8-B8C1-94B1257FC726}"/>
-                </a:ext>
-              </a:extLst>
-            </p:cNvPr>
-            <p:cNvSpPr txBox="1"/>
-            <p:nvPr/>
-          </p:nvSpPr>
-          <p:spPr>
-            <a:xfrm>
-              <a:off x="2867642" y="6203944"/>
-              <a:ext cx="301686" cy="369332"/>
-            </a:xfrm>
-            <a:prstGeom prst="rect">
-              <a:avLst/>
-            </a:prstGeom>
-            <a:noFill/>
-          </p:spPr>
-          <p:txBody>
-            <a:bodyPr wrap="none" rtlCol="0">
-              <a:spAutoFit/>
-            </a:bodyPr>
-            <a:lstStyle/>
-            <a:p>
-              <a:r>
-                <a:rPr lang="en-US" dirty="0"/>
-                <a:t>1</a:t>
-              </a:r>
-            </a:p>
-          </p:txBody>
-        </p:sp>
-        <p:sp>
-          <p:nvSpPr>
-            <p:cNvPr id="20" name="TextBox 19">
-              <a:extLst>
-                <a:ext uri="{FF2B5EF4-FFF2-40B4-BE49-F238E27FC236}">
-                  <a16:creationId xmlns:a16="http://schemas.microsoft.com/office/drawing/2014/main" id="{71CB94AD-E373-99D9-FC44-82F16E27A955}"/>
-                </a:ext>
-              </a:extLst>
-            </p:cNvPr>
-            <p:cNvSpPr txBox="1"/>
-            <p:nvPr/>
-          </p:nvSpPr>
-          <p:spPr>
-            <a:xfrm>
-              <a:off x="4413499" y="6205851"/>
-              <a:ext cx="301686" cy="369332"/>
-            </a:xfrm>
-            <a:prstGeom prst="rect">
-              <a:avLst/>
-            </a:prstGeom>
-            <a:noFill/>
-          </p:spPr>
-          <p:txBody>
-            <a:bodyPr wrap="none" rtlCol="0">
-              <a:spAutoFit/>
-            </a:bodyPr>
-            <a:lstStyle/>
-            <a:p>
-              <a:r>
-                <a:rPr lang="en-US" dirty="0"/>
-                <a:t>2</a:t>
-              </a:r>
-            </a:p>
-          </p:txBody>
-        </p:sp>
-        <p:sp>
-          <p:nvSpPr>
-            <p:cNvPr id="21" name="TextBox 20">
-              <a:extLst>
-                <a:ext uri="{FF2B5EF4-FFF2-40B4-BE49-F238E27FC236}">
-                  <a16:creationId xmlns:a16="http://schemas.microsoft.com/office/drawing/2014/main" id="{CA93E490-F356-BE00-3FDB-6D061275C8F1}"/>
-                </a:ext>
-              </a:extLst>
-            </p:cNvPr>
-            <p:cNvSpPr txBox="1"/>
-            <p:nvPr/>
-          </p:nvSpPr>
-          <p:spPr>
-            <a:xfrm>
-              <a:off x="5665071" y="6203944"/>
-              <a:ext cx="301686" cy="369332"/>
-            </a:xfrm>
-            <a:prstGeom prst="rect">
-              <a:avLst/>
-            </a:prstGeom>
-            <a:noFill/>
-          </p:spPr>
-          <p:txBody>
-            <a:bodyPr wrap="none" rtlCol="0">
-              <a:spAutoFit/>
-            </a:bodyPr>
-            <a:lstStyle/>
-            <a:p>
-              <a:r>
-                <a:rPr lang="en-US" dirty="0"/>
-                <a:t>3</a:t>
-              </a:r>
-            </a:p>
-          </p:txBody>
-        </p:sp>
-        <p:sp>
-          <p:nvSpPr>
-            <p:cNvPr id="22" name="TextBox 21">
-              <a:extLst>
-                <a:ext uri="{FF2B5EF4-FFF2-40B4-BE49-F238E27FC236}">
-                  <a16:creationId xmlns:a16="http://schemas.microsoft.com/office/drawing/2014/main" id="{72AED1EA-7814-700E-4800-0F86CF8B13E2}"/>
-                </a:ext>
-              </a:extLst>
-            </p:cNvPr>
-            <p:cNvSpPr txBox="1"/>
-            <p:nvPr/>
-          </p:nvSpPr>
-          <p:spPr>
-            <a:xfrm>
-              <a:off x="6916643" y="6226750"/>
-              <a:ext cx="301686" cy="369332"/>
-            </a:xfrm>
-            <a:prstGeom prst="rect">
-              <a:avLst/>
-            </a:prstGeom>
-            <a:noFill/>
-          </p:spPr>
-          <p:txBody>
-            <a:bodyPr wrap="none" rtlCol="0">
-              <a:spAutoFit/>
-            </a:bodyPr>
-            <a:lstStyle/>
-            <a:p>
-              <a:r>
-                <a:rPr lang="en-US" dirty="0"/>
-                <a:t>4</a:t>
-              </a:r>
-            </a:p>
-          </p:txBody>
-        </p:sp>
-        <p:sp>
-          <p:nvSpPr>
-            <p:cNvPr id="23" name="TextBox 22">
-              <a:extLst>
-                <a:ext uri="{FF2B5EF4-FFF2-40B4-BE49-F238E27FC236}">
-                  <a16:creationId xmlns:a16="http://schemas.microsoft.com/office/drawing/2014/main" id="{CD68928A-B63A-1818-3501-A768DFBFE7DF}"/>
-                </a:ext>
-              </a:extLst>
-            </p:cNvPr>
-            <p:cNvSpPr txBox="1"/>
-            <p:nvPr/>
-          </p:nvSpPr>
-          <p:spPr>
-            <a:xfrm>
-              <a:off x="1521252" y="6216468"/>
-              <a:ext cx="301686" cy="369332"/>
-            </a:xfrm>
-            <a:prstGeom prst="rect">
-              <a:avLst/>
-            </a:prstGeom>
-            <a:noFill/>
-          </p:spPr>
-          <p:txBody>
-            <a:bodyPr wrap="none" rtlCol="0">
-              <a:spAutoFit/>
-            </a:bodyPr>
-            <a:lstStyle/>
-            <a:p>
-              <a:r>
-                <a:rPr lang="en-US" dirty="0"/>
-                <a:t>0</a:t>
-              </a:r>
-            </a:p>
-          </p:txBody>
-        </p:sp>
-        <p:cxnSp>
-          <p:nvCxnSpPr>
-            <p:cNvPr id="25" name="Straight Connector 24">
-              <a:extLst>
-                <a:ext uri="{FF2B5EF4-FFF2-40B4-BE49-F238E27FC236}">
-                  <a16:creationId xmlns:a16="http://schemas.microsoft.com/office/drawing/2014/main" id="{2D36D475-3BAC-BC12-7B76-7FF3863FF12B}"/>
-                </a:ext>
-              </a:extLst>
-            </p:cNvPr>
-            <p:cNvCxnSpPr>
-              <a:cxnSpLocks/>
-            </p:cNvCxnSpPr>
-            <p:nvPr/>
-          </p:nvCxnSpPr>
-          <p:spPr>
-            <a:xfrm flipV="1">
-              <a:off x="3018485" y="3528773"/>
-              <a:ext cx="0" cy="2618644"/>
-            </a:xfrm>
-            <a:prstGeom prst="line">
-              <a:avLst/>
-            </a:prstGeom>
-            <a:ln w="28575"/>
-          </p:spPr>
-          <p:style>
-            <a:lnRef idx="1">
-              <a:schemeClr val="accent6"/>
-            </a:lnRef>
-            <a:fillRef idx="0">
-              <a:schemeClr val="accent6"/>
-            </a:fillRef>
-            <a:effectRef idx="0">
-              <a:schemeClr val="accent6"/>
-            </a:effectRef>
-            <a:fontRef idx="minor">
-              <a:schemeClr val="tx1"/>
-            </a:fontRef>
-          </p:style>
-        </p:cxnSp>
-        <p:cxnSp>
-          <p:nvCxnSpPr>
-            <p:cNvPr id="29" name="Straight Connector 28">
-              <a:extLst>
-                <a:ext uri="{FF2B5EF4-FFF2-40B4-BE49-F238E27FC236}">
-                  <a16:creationId xmlns:a16="http://schemas.microsoft.com/office/drawing/2014/main" id="{20CBF987-1E66-BF12-14F7-7A0E566C6FB1}"/>
-                </a:ext>
-              </a:extLst>
-            </p:cNvPr>
-            <p:cNvCxnSpPr>
-              <a:cxnSpLocks/>
-            </p:cNvCxnSpPr>
-            <p:nvPr/>
-          </p:nvCxnSpPr>
-          <p:spPr>
-            <a:xfrm>
-              <a:off x="1623470" y="3031239"/>
-              <a:ext cx="1395015" cy="507060"/>
-            </a:xfrm>
-            <a:prstGeom prst="line">
-              <a:avLst/>
-            </a:prstGeom>
-            <a:ln w="28575"/>
-          </p:spPr>
-          <p:style>
-            <a:lnRef idx="1">
-              <a:schemeClr val="accent6"/>
-            </a:lnRef>
-            <a:fillRef idx="0">
-              <a:schemeClr val="accent6"/>
-            </a:fillRef>
-            <a:effectRef idx="0">
-              <a:schemeClr val="accent6"/>
-            </a:effectRef>
-            <a:fontRef idx="minor">
-              <a:schemeClr val="tx1"/>
-            </a:fontRef>
-          </p:style>
-        </p:cxnSp>
-        <p:cxnSp>
-          <p:nvCxnSpPr>
-            <p:cNvPr id="32" name="Straight Connector 31">
-              <a:extLst>
-                <a:ext uri="{FF2B5EF4-FFF2-40B4-BE49-F238E27FC236}">
-                  <a16:creationId xmlns:a16="http://schemas.microsoft.com/office/drawing/2014/main" id="{DCD1B1E0-EB33-E8AD-4A54-AAC314408529}"/>
-                </a:ext>
-              </a:extLst>
-            </p:cNvPr>
-            <p:cNvCxnSpPr>
-              <a:cxnSpLocks/>
-            </p:cNvCxnSpPr>
-            <p:nvPr/>
-          </p:nvCxnSpPr>
-          <p:spPr>
-            <a:xfrm flipV="1">
-              <a:off x="4572927" y="4045359"/>
-              <a:ext cx="0" cy="2111584"/>
-            </a:xfrm>
-            <a:prstGeom prst="line">
-              <a:avLst/>
-            </a:prstGeom>
-            <a:ln w="28575"/>
-          </p:spPr>
-          <p:style>
-            <a:lnRef idx="1">
-              <a:schemeClr val="accent6"/>
-            </a:lnRef>
-            <a:fillRef idx="0">
-              <a:schemeClr val="accent6"/>
-            </a:fillRef>
-            <a:effectRef idx="0">
-              <a:schemeClr val="accent6"/>
-            </a:effectRef>
-            <a:fontRef idx="minor">
-              <a:schemeClr val="tx1"/>
-            </a:fontRef>
-          </p:style>
-        </p:cxnSp>
-        <p:cxnSp>
-          <p:nvCxnSpPr>
-            <p:cNvPr id="34" name="Straight Connector 33">
-              <a:extLst>
-                <a:ext uri="{FF2B5EF4-FFF2-40B4-BE49-F238E27FC236}">
-                  <a16:creationId xmlns:a16="http://schemas.microsoft.com/office/drawing/2014/main" id="{A4859E46-168E-B88D-A92E-511791155E7D}"/>
-                </a:ext>
-              </a:extLst>
-            </p:cNvPr>
-            <p:cNvCxnSpPr>
-              <a:cxnSpLocks/>
-            </p:cNvCxnSpPr>
-            <p:nvPr/>
-          </p:nvCxnSpPr>
-          <p:spPr>
-            <a:xfrm>
-              <a:off x="3006286" y="3517055"/>
-              <a:ext cx="1558056" cy="518778"/>
-            </a:xfrm>
-            <a:prstGeom prst="line">
-              <a:avLst/>
-            </a:prstGeom>
-            <a:ln w="28575"/>
-          </p:spPr>
-          <p:style>
-            <a:lnRef idx="1">
-              <a:schemeClr val="accent6"/>
-            </a:lnRef>
-            <a:fillRef idx="0">
-              <a:schemeClr val="accent6"/>
-            </a:fillRef>
-            <a:effectRef idx="0">
-              <a:schemeClr val="accent6"/>
-            </a:effectRef>
-            <a:fontRef idx="minor">
-              <a:schemeClr val="tx1"/>
-            </a:fontRef>
-          </p:style>
-        </p:cxnSp>
-        <p:cxnSp>
-          <p:nvCxnSpPr>
-            <p:cNvPr id="36" name="Straight Connector 35">
-              <a:extLst>
-                <a:ext uri="{FF2B5EF4-FFF2-40B4-BE49-F238E27FC236}">
-                  <a16:creationId xmlns:a16="http://schemas.microsoft.com/office/drawing/2014/main" id="{84F129AB-0D4F-4815-D71F-A4E294DFA88E}"/>
-                </a:ext>
-              </a:extLst>
-            </p:cNvPr>
-            <p:cNvCxnSpPr>
-              <a:cxnSpLocks/>
-            </p:cNvCxnSpPr>
-            <p:nvPr/>
-          </p:nvCxnSpPr>
-          <p:spPr>
-            <a:xfrm flipV="1">
-              <a:off x="5815914" y="3657639"/>
-              <a:ext cx="0" cy="2489778"/>
-            </a:xfrm>
-            <a:prstGeom prst="line">
-              <a:avLst/>
-            </a:prstGeom>
-            <a:ln w="28575"/>
-          </p:spPr>
-          <p:style>
-            <a:lnRef idx="1">
-              <a:schemeClr val="accent6"/>
-            </a:lnRef>
-            <a:fillRef idx="0">
-              <a:schemeClr val="accent6"/>
-            </a:fillRef>
-            <a:effectRef idx="0">
-              <a:schemeClr val="accent6"/>
-            </a:effectRef>
-            <a:fontRef idx="minor">
-              <a:schemeClr val="tx1"/>
-            </a:fontRef>
-          </p:style>
-        </p:cxnSp>
-        <p:cxnSp>
-          <p:nvCxnSpPr>
-            <p:cNvPr id="38" name="Straight Connector 37">
-              <a:extLst>
-                <a:ext uri="{FF2B5EF4-FFF2-40B4-BE49-F238E27FC236}">
-                  <a16:creationId xmlns:a16="http://schemas.microsoft.com/office/drawing/2014/main" id="{766FABD6-AB74-2ADC-B461-924BC01FE71C}"/>
-                </a:ext>
-              </a:extLst>
-            </p:cNvPr>
-            <p:cNvCxnSpPr>
-              <a:cxnSpLocks/>
-            </p:cNvCxnSpPr>
-            <p:nvPr/>
-          </p:nvCxnSpPr>
-          <p:spPr>
-            <a:xfrm flipV="1">
-              <a:off x="4564342" y="3657639"/>
-              <a:ext cx="1251572" cy="387720"/>
-            </a:xfrm>
-            <a:prstGeom prst="line">
-              <a:avLst/>
-            </a:prstGeom>
-            <a:ln w="28575"/>
-          </p:spPr>
-          <p:style>
-            <a:lnRef idx="1">
-              <a:schemeClr val="accent6"/>
-            </a:lnRef>
-            <a:fillRef idx="0">
-              <a:schemeClr val="accent6"/>
-            </a:fillRef>
-            <a:effectRef idx="0">
-              <a:schemeClr val="accent6"/>
-            </a:effectRef>
-            <a:fontRef idx="minor">
-              <a:schemeClr val="tx1"/>
-            </a:fontRef>
-          </p:style>
-        </p:cxnSp>
-        <p:cxnSp>
-          <p:nvCxnSpPr>
-            <p:cNvPr id="40" name="Straight Connector 39">
-              <a:extLst>
-                <a:ext uri="{FF2B5EF4-FFF2-40B4-BE49-F238E27FC236}">
-                  <a16:creationId xmlns:a16="http://schemas.microsoft.com/office/drawing/2014/main" id="{E73F0862-9C09-C2EF-AC2F-2A68FAB8DAB4}"/>
-                </a:ext>
-              </a:extLst>
-            </p:cNvPr>
-            <p:cNvCxnSpPr>
-              <a:cxnSpLocks/>
-            </p:cNvCxnSpPr>
-            <p:nvPr/>
-          </p:nvCxnSpPr>
-          <p:spPr>
-            <a:xfrm flipV="1">
-              <a:off x="7067486" y="3732465"/>
-              <a:ext cx="0" cy="2414952"/>
-            </a:xfrm>
-            <a:prstGeom prst="line">
-              <a:avLst/>
-            </a:prstGeom>
-            <a:ln w="28575"/>
-          </p:spPr>
-          <p:style>
-            <a:lnRef idx="1">
-              <a:schemeClr val="accent6"/>
-            </a:lnRef>
-            <a:fillRef idx="0">
-              <a:schemeClr val="accent6"/>
-            </a:fillRef>
-            <a:effectRef idx="0">
-              <a:schemeClr val="accent6"/>
-            </a:effectRef>
-            <a:fontRef idx="minor">
-              <a:schemeClr val="tx1"/>
-            </a:fontRef>
-          </p:style>
-        </p:cxnSp>
-        <p:cxnSp>
-          <p:nvCxnSpPr>
-            <p:cNvPr id="42" name="Straight Connector 41">
-              <a:extLst>
-                <a:ext uri="{FF2B5EF4-FFF2-40B4-BE49-F238E27FC236}">
-                  <a16:creationId xmlns:a16="http://schemas.microsoft.com/office/drawing/2014/main" id="{A49B193F-3F3B-6057-D232-1C42B998CED0}"/>
-                </a:ext>
-              </a:extLst>
-            </p:cNvPr>
-            <p:cNvCxnSpPr>
-              <a:cxnSpLocks/>
-            </p:cNvCxnSpPr>
-            <p:nvPr/>
-          </p:nvCxnSpPr>
-          <p:spPr>
-            <a:xfrm>
-              <a:off x="5824499" y="3656265"/>
-              <a:ext cx="1242987" cy="76200"/>
-            </a:xfrm>
-            <a:prstGeom prst="line">
-              <a:avLst/>
-            </a:prstGeom>
-            <a:ln w="28575"/>
-          </p:spPr>
-          <p:style>
-            <a:lnRef idx="1">
-              <a:schemeClr val="accent6"/>
-            </a:lnRef>
-            <a:fillRef idx="0">
-              <a:schemeClr val="accent6"/>
-            </a:fillRef>
-            <a:effectRef idx="0">
-              <a:schemeClr val="accent6"/>
-            </a:effectRef>
-            <a:fontRef idx="minor">
-              <a:schemeClr val="tx1"/>
-            </a:fontRef>
-          </p:style>
-        </p:cxnSp>
       </p:grpSp>
+      <p:sp>
+        <p:nvSpPr>
+          <p:cNvPr id="19" name="TextBox 18">
+            <a:extLst>
+              <a:ext uri="{FF2B5EF4-FFF2-40B4-BE49-F238E27FC236}">
+                <a16:creationId xmlns:a16="http://schemas.microsoft.com/office/drawing/2014/main" id="{38260AB8-C392-72A8-B8C1-94B1257FC726}"/>
+              </a:ext>
+            </a:extLst>
+          </p:cNvPr>
+          <p:cNvSpPr txBox="1"/>
+          <p:nvPr/>
+        </p:nvSpPr>
+        <p:spPr>
+          <a:xfrm>
+            <a:off x="1520338" y="4411360"/>
+            <a:ext cx="248844" cy="310006"/>
+          </a:xfrm>
+          <a:prstGeom prst="rect">
+            <a:avLst/>
+          </a:prstGeom>
+          <a:noFill/>
+        </p:spPr>
+        <p:txBody>
+          <a:bodyPr wrap="none" rtlCol="0">
+            <a:spAutoFit/>
+          </a:bodyPr>
+          <a:lstStyle/>
+          <a:p>
+            <a:r>
+              <a:rPr lang="en-US" dirty="0"/>
+              <a:t>1</a:t>
+            </a:r>
+          </a:p>
+        </p:txBody>
+      </p:sp>
+      <p:sp>
+        <p:nvSpPr>
+          <p:cNvPr id="20" name="TextBox 19">
+            <a:extLst>
+              <a:ext uri="{FF2B5EF4-FFF2-40B4-BE49-F238E27FC236}">
+                <a16:creationId xmlns:a16="http://schemas.microsoft.com/office/drawing/2014/main" id="{71CB94AD-E373-99D9-FC44-82F16E27A955}"/>
+              </a:ext>
+            </a:extLst>
+          </p:cNvPr>
+          <p:cNvSpPr txBox="1"/>
+          <p:nvPr/>
+        </p:nvSpPr>
+        <p:spPr>
+          <a:xfrm>
+            <a:off x="2795428" y="4412961"/>
+            <a:ext cx="248844" cy="310006"/>
+          </a:xfrm>
+          <a:prstGeom prst="rect">
+            <a:avLst/>
+          </a:prstGeom>
+          <a:noFill/>
+        </p:spPr>
+        <p:txBody>
+          <a:bodyPr wrap="none" rtlCol="0">
+            <a:spAutoFit/>
+          </a:bodyPr>
+          <a:lstStyle/>
+          <a:p>
+            <a:r>
+              <a:rPr lang="en-US" dirty="0"/>
+              <a:t>2</a:t>
+            </a:r>
+          </a:p>
+        </p:txBody>
+      </p:sp>
+      <p:sp>
+        <p:nvSpPr>
+          <p:cNvPr id="21" name="TextBox 20">
+            <a:extLst>
+              <a:ext uri="{FF2B5EF4-FFF2-40B4-BE49-F238E27FC236}">
+                <a16:creationId xmlns:a16="http://schemas.microsoft.com/office/drawing/2014/main" id="{CA93E490-F356-BE00-3FDB-6D061275C8F1}"/>
+              </a:ext>
+            </a:extLst>
+          </p:cNvPr>
+          <p:cNvSpPr txBox="1"/>
+          <p:nvPr/>
+        </p:nvSpPr>
+        <p:spPr>
+          <a:xfrm>
+            <a:off x="3827779" y="4411360"/>
+            <a:ext cx="248844" cy="310006"/>
+          </a:xfrm>
+          <a:prstGeom prst="rect">
+            <a:avLst/>
+          </a:prstGeom>
+          <a:noFill/>
+        </p:spPr>
+        <p:txBody>
+          <a:bodyPr wrap="none" rtlCol="0">
+            <a:spAutoFit/>
+          </a:bodyPr>
+          <a:lstStyle/>
+          <a:p>
+            <a:r>
+              <a:rPr lang="en-US" dirty="0"/>
+              <a:t>3</a:t>
+            </a:r>
+          </a:p>
+        </p:txBody>
+      </p:sp>
+      <p:sp>
+        <p:nvSpPr>
+          <p:cNvPr id="22" name="TextBox 21">
+            <a:extLst>
+              <a:ext uri="{FF2B5EF4-FFF2-40B4-BE49-F238E27FC236}">
+                <a16:creationId xmlns:a16="http://schemas.microsoft.com/office/drawing/2014/main" id="{72AED1EA-7814-700E-4800-0F86CF8B13E2}"/>
+              </a:ext>
+            </a:extLst>
+          </p:cNvPr>
+          <p:cNvSpPr txBox="1"/>
+          <p:nvPr/>
+        </p:nvSpPr>
+        <p:spPr>
+          <a:xfrm>
+            <a:off x="4860130" y="4430503"/>
+            <a:ext cx="248844" cy="310006"/>
+          </a:xfrm>
+          <a:prstGeom prst="rect">
+            <a:avLst/>
+          </a:prstGeom>
+          <a:noFill/>
+        </p:spPr>
+        <p:txBody>
+          <a:bodyPr wrap="none" rtlCol="0">
+            <a:spAutoFit/>
+          </a:bodyPr>
+          <a:lstStyle/>
+          <a:p>
+            <a:r>
+              <a:rPr lang="en-US" dirty="0"/>
+              <a:t>4</a:t>
+            </a:r>
+          </a:p>
+        </p:txBody>
+      </p:sp>
+      <p:sp>
+        <p:nvSpPr>
+          <p:cNvPr id="23" name="TextBox 22">
+            <a:extLst>
+              <a:ext uri="{FF2B5EF4-FFF2-40B4-BE49-F238E27FC236}">
+                <a16:creationId xmlns:a16="http://schemas.microsoft.com/office/drawing/2014/main" id="{CD68928A-B63A-1818-3501-A768DFBFE7DF}"/>
+              </a:ext>
+            </a:extLst>
+          </p:cNvPr>
+          <p:cNvSpPr txBox="1"/>
+          <p:nvPr/>
+        </p:nvSpPr>
+        <p:spPr>
+          <a:xfrm>
+            <a:off x="409777" y="4421872"/>
+            <a:ext cx="248844" cy="310006"/>
+          </a:xfrm>
+          <a:prstGeom prst="rect">
+            <a:avLst/>
+          </a:prstGeom>
+          <a:noFill/>
+        </p:spPr>
+        <p:txBody>
+          <a:bodyPr wrap="none" rtlCol="0">
+            <a:spAutoFit/>
+          </a:bodyPr>
+          <a:lstStyle/>
+          <a:p>
+            <a:r>
+              <a:rPr lang="en-US" dirty="0"/>
+              <a:t>0</a:t>
+            </a:r>
+          </a:p>
+        </p:txBody>
+      </p:sp>
+      <p:cxnSp>
+        <p:nvCxnSpPr>
+          <p:cNvPr id="25" name="Straight Connector 24">
+            <a:extLst>
+              <a:ext uri="{FF2B5EF4-FFF2-40B4-BE49-F238E27FC236}">
+                <a16:creationId xmlns:a16="http://schemas.microsoft.com/office/drawing/2014/main" id="{2D36D475-3BAC-BC12-7B76-7FF3863FF12B}"/>
+              </a:ext>
+            </a:extLst>
+          </p:cNvPr>
+          <p:cNvCxnSpPr>
+            <a:cxnSpLocks/>
+          </p:cNvCxnSpPr>
+          <p:nvPr/>
+        </p:nvCxnSpPr>
+        <p:spPr>
+          <a:xfrm flipV="1">
+            <a:off x="1644760" y="2165902"/>
+            <a:ext cx="0" cy="2198011"/>
+          </a:xfrm>
+          <a:prstGeom prst="line">
+            <a:avLst/>
+          </a:prstGeom>
+          <a:ln w="28575"/>
+        </p:spPr>
+        <p:style>
+          <a:lnRef idx="1">
+            <a:schemeClr val="accent6"/>
+          </a:lnRef>
+          <a:fillRef idx="0">
+            <a:schemeClr val="accent6"/>
+          </a:fillRef>
+          <a:effectRef idx="0">
+            <a:schemeClr val="accent6"/>
+          </a:effectRef>
+          <a:fontRef idx="minor">
+            <a:schemeClr val="tx1"/>
+          </a:fontRef>
+        </p:style>
+      </p:cxnSp>
+      <p:cxnSp>
+        <p:nvCxnSpPr>
+          <p:cNvPr id="29" name="Straight Connector 28">
+            <a:extLst>
+              <a:ext uri="{FF2B5EF4-FFF2-40B4-BE49-F238E27FC236}">
+                <a16:creationId xmlns:a16="http://schemas.microsoft.com/office/drawing/2014/main" id="{20CBF987-1E66-BF12-14F7-7A0E566C6FB1}"/>
+              </a:ext>
+            </a:extLst>
+          </p:cNvPr>
+          <p:cNvCxnSpPr>
+            <a:cxnSpLocks/>
+          </p:cNvCxnSpPr>
+          <p:nvPr/>
+        </p:nvCxnSpPr>
+        <p:spPr>
+          <a:xfrm>
+            <a:off x="494091" y="1748287"/>
+            <a:ext cx="1150669" cy="425611"/>
+          </a:xfrm>
+          <a:prstGeom prst="line">
+            <a:avLst/>
+          </a:prstGeom>
+          <a:ln w="28575"/>
+        </p:spPr>
+        <p:style>
+          <a:lnRef idx="1">
+            <a:schemeClr val="accent6"/>
+          </a:lnRef>
+          <a:fillRef idx="0">
+            <a:schemeClr val="accent6"/>
+          </a:fillRef>
+          <a:effectRef idx="0">
+            <a:schemeClr val="accent6"/>
+          </a:effectRef>
+          <a:fontRef idx="minor">
+            <a:schemeClr val="tx1"/>
+          </a:fontRef>
+        </p:style>
+      </p:cxnSp>
+      <p:cxnSp>
+        <p:nvCxnSpPr>
+          <p:cNvPr id="32" name="Straight Connector 31">
+            <a:extLst>
+              <a:ext uri="{FF2B5EF4-FFF2-40B4-BE49-F238E27FC236}">
+                <a16:creationId xmlns:a16="http://schemas.microsoft.com/office/drawing/2014/main" id="{DCD1B1E0-EB33-E8AD-4A54-AAC314408529}"/>
+              </a:ext>
+            </a:extLst>
+          </p:cNvPr>
+          <p:cNvCxnSpPr>
+            <a:cxnSpLocks/>
+          </p:cNvCxnSpPr>
+          <p:nvPr/>
+        </p:nvCxnSpPr>
+        <p:spPr>
+          <a:xfrm flipV="1">
+            <a:off x="2926932" y="2599509"/>
+            <a:ext cx="0" cy="1772400"/>
+          </a:xfrm>
+          <a:prstGeom prst="line">
+            <a:avLst/>
+          </a:prstGeom>
+          <a:ln w="28575"/>
+        </p:spPr>
+        <p:style>
+          <a:lnRef idx="1">
+            <a:schemeClr val="accent6"/>
+          </a:lnRef>
+          <a:fillRef idx="0">
+            <a:schemeClr val="accent6"/>
+          </a:fillRef>
+          <a:effectRef idx="0">
+            <a:schemeClr val="accent6"/>
+          </a:effectRef>
+          <a:fontRef idx="minor">
+            <a:schemeClr val="tx1"/>
+          </a:fontRef>
+        </p:style>
+      </p:cxnSp>
+      <p:cxnSp>
+        <p:nvCxnSpPr>
+          <p:cNvPr id="34" name="Straight Connector 33">
+            <a:extLst>
+              <a:ext uri="{FF2B5EF4-FFF2-40B4-BE49-F238E27FC236}">
+                <a16:creationId xmlns:a16="http://schemas.microsoft.com/office/drawing/2014/main" id="{A4859E46-168E-B88D-A92E-511791155E7D}"/>
+              </a:ext>
+            </a:extLst>
+          </p:cNvPr>
+          <p:cNvCxnSpPr>
+            <a:cxnSpLocks/>
+          </p:cNvCxnSpPr>
+          <p:nvPr/>
+        </p:nvCxnSpPr>
+        <p:spPr>
+          <a:xfrm>
+            <a:off x="1634698" y="2156067"/>
+            <a:ext cx="1285152" cy="435447"/>
+          </a:xfrm>
+          <a:prstGeom prst="line">
+            <a:avLst/>
+          </a:prstGeom>
+          <a:ln w="28575"/>
+        </p:spPr>
+        <p:style>
+          <a:lnRef idx="1">
+            <a:schemeClr val="accent6"/>
+          </a:lnRef>
+          <a:fillRef idx="0">
+            <a:schemeClr val="accent6"/>
+          </a:fillRef>
+          <a:effectRef idx="0">
+            <a:schemeClr val="accent6"/>
+          </a:effectRef>
+          <a:fontRef idx="minor">
+            <a:schemeClr val="tx1"/>
+          </a:fontRef>
+        </p:style>
+      </p:cxnSp>
+      <p:cxnSp>
+        <p:nvCxnSpPr>
+          <p:cNvPr id="36" name="Straight Connector 35">
+            <a:extLst>
+              <a:ext uri="{FF2B5EF4-FFF2-40B4-BE49-F238E27FC236}">
+                <a16:creationId xmlns:a16="http://schemas.microsoft.com/office/drawing/2014/main" id="{84F129AB-0D4F-4815-D71F-A4E294DFA88E}"/>
+              </a:ext>
+            </a:extLst>
+          </p:cNvPr>
+          <p:cNvCxnSpPr>
+            <a:cxnSpLocks/>
+          </p:cNvCxnSpPr>
+          <p:nvPr/>
+        </p:nvCxnSpPr>
+        <p:spPr>
+          <a:xfrm flipV="1">
+            <a:off x="3952201" y="2274069"/>
+            <a:ext cx="0" cy="2089844"/>
+          </a:xfrm>
+          <a:prstGeom prst="line">
+            <a:avLst/>
+          </a:prstGeom>
+          <a:ln w="28575"/>
+        </p:spPr>
+        <p:style>
+          <a:lnRef idx="1">
+            <a:schemeClr val="accent6"/>
+          </a:lnRef>
+          <a:fillRef idx="0">
+            <a:schemeClr val="accent6"/>
+          </a:fillRef>
+          <a:effectRef idx="0">
+            <a:schemeClr val="accent6"/>
+          </a:effectRef>
+          <a:fontRef idx="minor">
+            <a:schemeClr val="tx1"/>
+          </a:fontRef>
+        </p:style>
+      </p:cxnSp>
+      <p:cxnSp>
+        <p:nvCxnSpPr>
+          <p:cNvPr id="38" name="Straight Connector 37">
+            <a:extLst>
+              <a:ext uri="{FF2B5EF4-FFF2-40B4-BE49-F238E27FC236}">
+                <a16:creationId xmlns:a16="http://schemas.microsoft.com/office/drawing/2014/main" id="{766FABD6-AB74-2ADC-B461-924BC01FE71C}"/>
+              </a:ext>
+            </a:extLst>
+          </p:cNvPr>
+          <p:cNvCxnSpPr>
+            <a:cxnSpLocks/>
+          </p:cNvCxnSpPr>
+          <p:nvPr/>
+        </p:nvCxnSpPr>
+        <p:spPr>
+          <a:xfrm flipV="1">
+            <a:off x="2919850" y="2274069"/>
+            <a:ext cx="1032351" cy="325440"/>
+          </a:xfrm>
+          <a:prstGeom prst="line">
+            <a:avLst/>
+          </a:prstGeom>
+          <a:ln w="28575"/>
+        </p:spPr>
+        <p:style>
+          <a:lnRef idx="1">
+            <a:schemeClr val="accent6"/>
+          </a:lnRef>
+          <a:fillRef idx="0">
+            <a:schemeClr val="accent6"/>
+          </a:fillRef>
+          <a:effectRef idx="0">
+            <a:schemeClr val="accent6"/>
+          </a:effectRef>
+          <a:fontRef idx="minor">
+            <a:schemeClr val="tx1"/>
+          </a:fontRef>
+        </p:style>
+      </p:cxnSp>
+      <p:cxnSp>
+        <p:nvCxnSpPr>
+          <p:cNvPr id="40" name="Straight Connector 39">
+            <a:extLst>
+              <a:ext uri="{FF2B5EF4-FFF2-40B4-BE49-F238E27FC236}">
+                <a16:creationId xmlns:a16="http://schemas.microsoft.com/office/drawing/2014/main" id="{E73F0862-9C09-C2EF-AC2F-2A68FAB8DAB4}"/>
+              </a:ext>
+            </a:extLst>
+          </p:cNvPr>
+          <p:cNvCxnSpPr>
+            <a:cxnSpLocks/>
+          </p:cNvCxnSpPr>
+          <p:nvPr/>
+        </p:nvCxnSpPr>
+        <p:spPr>
+          <a:xfrm flipV="1">
+            <a:off x="4984552" y="2336875"/>
+            <a:ext cx="0" cy="2027038"/>
+          </a:xfrm>
+          <a:prstGeom prst="line">
+            <a:avLst/>
+          </a:prstGeom>
+          <a:ln w="28575"/>
+        </p:spPr>
+        <p:style>
+          <a:lnRef idx="1">
+            <a:schemeClr val="accent6"/>
+          </a:lnRef>
+          <a:fillRef idx="0">
+            <a:schemeClr val="accent6"/>
+          </a:fillRef>
+          <a:effectRef idx="0">
+            <a:schemeClr val="accent6"/>
+          </a:effectRef>
+          <a:fontRef idx="minor">
+            <a:schemeClr val="tx1"/>
+          </a:fontRef>
+        </p:style>
+      </p:cxnSp>
+      <p:cxnSp>
+        <p:nvCxnSpPr>
+          <p:cNvPr id="42" name="Straight Connector 41">
+            <a:extLst>
+              <a:ext uri="{FF2B5EF4-FFF2-40B4-BE49-F238E27FC236}">
+                <a16:creationId xmlns:a16="http://schemas.microsoft.com/office/drawing/2014/main" id="{A49B193F-3F3B-6057-D232-1C42B998CED0}"/>
+              </a:ext>
+            </a:extLst>
+          </p:cNvPr>
+          <p:cNvCxnSpPr>
+            <a:cxnSpLocks/>
+          </p:cNvCxnSpPr>
+          <p:nvPr/>
+        </p:nvCxnSpPr>
+        <p:spPr>
+          <a:xfrm>
+            <a:off x="3959282" y="2272915"/>
+            <a:ext cx="1025270" cy="63960"/>
+          </a:xfrm>
+          <a:prstGeom prst="line">
+            <a:avLst/>
+          </a:prstGeom>
+          <a:ln w="28575"/>
+        </p:spPr>
+        <p:style>
+          <a:lnRef idx="1">
+            <a:schemeClr val="accent6"/>
+          </a:lnRef>
+          <a:fillRef idx="0">
+            <a:schemeClr val="accent6"/>
+          </a:fillRef>
+          <a:effectRef idx="0">
+            <a:schemeClr val="accent6"/>
+          </a:effectRef>
+          <a:fontRef idx="minor">
+            <a:schemeClr val="tx1"/>
+          </a:fontRef>
+        </p:style>
+      </p:cxnSp>
       <mc:AlternateContent xmlns:mc="http://schemas.openxmlformats.org/markup-compatibility/2006" xmlns:a14="http://schemas.microsoft.com/office/drawing/2010/main">
         <mc:Choice Requires="a14">
           <p:sp>
@@ -12082,7 +12195,7 @@
 </p:sld>
 </file>
 
-<file path=ppt/slides/slide18.xml><?xml version="1.0" encoding="utf-8"?>
+<file path=ppt/slides/slide19.xml><?xml version="1.0" encoding="utf-8"?>
 <p:sld xmlns:a="http://schemas.openxmlformats.org/drawingml/2006/main" xmlns:r="http://schemas.openxmlformats.org/officeDocument/2006/relationships" xmlns:p="http://schemas.openxmlformats.org/presentationml/2006/main">
   <p:cSld>
     <p:spTree>
@@ -12183,7 +12296,176 @@
 </p:sld>
 </file>
 
-<file path=ppt/slides/slide19.xml><?xml version="1.0" encoding="utf-8"?>
+<file path=ppt/slides/slide2.xml><?xml version="1.0" encoding="utf-8"?>
+<p:sld xmlns:a="http://schemas.openxmlformats.org/drawingml/2006/main" xmlns:r="http://schemas.openxmlformats.org/officeDocument/2006/relationships" xmlns:p="http://schemas.openxmlformats.org/presentationml/2006/main">
+  <p:cSld>
+    <p:spTree>
+      <p:nvGrpSpPr>
+        <p:cNvPr id="1" name=""/>
+        <p:cNvGrpSpPr/>
+        <p:nvPr/>
+      </p:nvGrpSpPr>
+      <p:grpSpPr>
+        <a:xfrm>
+          <a:off x="0" y="0"/>
+          <a:ext cx="0" cy="0"/>
+          <a:chOff x="0" y="0"/>
+          <a:chExt cx="0" cy="0"/>
+        </a:xfrm>
+      </p:grpSpPr>
+      <p:sp>
+        <p:nvSpPr>
+          <p:cNvPr id="2" name="Title 1">
+            <a:extLst>
+              <a:ext uri="{FF2B5EF4-FFF2-40B4-BE49-F238E27FC236}">
+                <a16:creationId xmlns:a16="http://schemas.microsoft.com/office/drawing/2014/main" id="{CD3C60AC-FF11-A727-890F-824B8E3B490D}"/>
+              </a:ext>
+            </a:extLst>
+          </p:cNvPr>
+          <p:cNvSpPr>
+            <a:spLocks noGrp="1"/>
+          </p:cNvSpPr>
+          <p:nvPr>
+            <p:ph type="title"/>
+          </p:nvPr>
+        </p:nvSpPr>
+        <p:spPr/>
+        <p:txBody>
+          <a:bodyPr/>
+          <a:lstStyle/>
+          <a:p>
+            <a:r>
+              <a:rPr lang="en-US" dirty="0" err="1"/>
+              <a:t>Perkenalkan</a:t>
+            </a:r>
+            <a:endParaRPr lang="en-US" dirty="0"/>
+          </a:p>
+        </p:txBody>
+      </p:sp>
+      <p:sp>
+        <p:nvSpPr>
+          <p:cNvPr id="3" name="Content Placeholder 2">
+            <a:extLst>
+              <a:ext uri="{FF2B5EF4-FFF2-40B4-BE49-F238E27FC236}">
+                <a16:creationId xmlns:a16="http://schemas.microsoft.com/office/drawing/2014/main" id="{9AC0F450-CFA9-E721-7A38-2666A7D189C5}"/>
+              </a:ext>
+            </a:extLst>
+          </p:cNvPr>
+          <p:cNvSpPr>
+            <a:spLocks noGrp="1"/>
+          </p:cNvSpPr>
+          <p:nvPr>
+            <p:ph idx="1"/>
+          </p:nvPr>
+        </p:nvSpPr>
+        <p:spPr>
+          <a:xfrm>
+            <a:off x="3672114" y="2814914"/>
+            <a:ext cx="7681686" cy="1879272"/>
+          </a:xfrm>
+        </p:spPr>
+        <p:txBody>
+          <a:bodyPr>
+            <a:normAutofit lnSpcReduction="10000"/>
+          </a:bodyPr>
+          <a:lstStyle/>
+          <a:p>
+            <a:r>
+              <a:rPr lang="en-US" dirty="0"/>
+              <a:t>Muhammad Husni Muttaqin</a:t>
+            </a:r>
+          </a:p>
+          <a:p>
+            <a:r>
+              <a:rPr lang="en-US" dirty="0"/>
+              <a:t>PT SYERGIE </a:t>
+            </a:r>
+            <a:r>
+              <a:rPr lang="en-US" dirty="0" err="1"/>
+              <a:t>Indoprima</a:t>
+            </a:r>
+            <a:endParaRPr lang="en-US" dirty="0"/>
+          </a:p>
+          <a:p>
+            <a:r>
+              <a:rPr lang="en-US" dirty="0"/>
+              <a:t>Sedang </a:t>
+            </a:r>
+            <a:r>
+              <a:rPr lang="en-US"/>
+              <a:t>s2 di Teknik </a:t>
+            </a:r>
+            <a:r>
+              <a:rPr lang="en-US" dirty="0" err="1"/>
+              <a:t>Kendali</a:t>
+            </a:r>
+            <a:r>
+              <a:rPr lang="en-US" dirty="0"/>
+              <a:t> dan </a:t>
+            </a:r>
+            <a:r>
+              <a:rPr lang="en-US" dirty="0" err="1"/>
+              <a:t>instrumen</a:t>
+            </a:r>
+            <a:r>
+              <a:rPr lang="en-US" dirty="0"/>
+              <a:t> </a:t>
+            </a:r>
+            <a:r>
+              <a:rPr lang="en-US" dirty="0" err="1"/>
+              <a:t>cerdas</a:t>
+            </a:r>
+            <a:r>
+              <a:rPr lang="en-US" dirty="0"/>
+              <a:t> - STEI ITB</a:t>
+            </a:r>
+          </a:p>
+        </p:txBody>
+      </p:sp>
+      <p:pic>
+        <p:nvPicPr>
+          <p:cNvPr id="8" name="Picture 7">
+            <a:extLst>
+              <a:ext uri="{FF2B5EF4-FFF2-40B4-BE49-F238E27FC236}">
+                <a16:creationId xmlns:a16="http://schemas.microsoft.com/office/drawing/2014/main" id="{1E4E2968-F5C1-C3FE-3FB5-689F9380F675}"/>
+              </a:ext>
+            </a:extLst>
+          </p:cNvPr>
+          <p:cNvPicPr>
+            <a:picLocks noChangeAspect="1"/>
+          </p:cNvPicPr>
+          <p:nvPr/>
+        </p:nvPicPr>
+        <p:blipFill>
+          <a:blip r:embed="rId2"/>
+          <a:stretch>
+            <a:fillRect/>
+          </a:stretch>
+        </p:blipFill>
+        <p:spPr>
+          <a:xfrm>
+            <a:off x="838200" y="2558996"/>
+            <a:ext cx="2400635" cy="2391109"/>
+          </a:xfrm>
+          <a:prstGeom prst="rect">
+            <a:avLst/>
+          </a:prstGeom>
+        </p:spPr>
+      </p:pic>
+    </p:spTree>
+    <p:extLst>
+      <p:ext uri="{BB962C8B-B14F-4D97-AF65-F5344CB8AC3E}">
+        <p14:creationId xmlns:p14="http://schemas.microsoft.com/office/powerpoint/2010/main" val="3780938623"/>
+      </p:ext>
+    </p:extLst>
+  </p:cSld>
+  <p:clrMapOvr>
+    <a:masterClrMapping/>
+  </p:clrMapOvr>
+</p:sld>
+</file>
+
+<file path=ppt/slides/slide20.xml><?xml version="1.0" encoding="utf-8"?>
 <p:sld xmlns:a="http://schemas.openxmlformats.org/drawingml/2006/main" xmlns:r="http://schemas.openxmlformats.org/officeDocument/2006/relationships" xmlns:p="http://schemas.openxmlformats.org/presentationml/2006/main">
   <p:cSld>
     <p:spTree>
@@ -14807,176 +15089,7 @@
 </p:sld>
 </file>
 
-<file path=ppt/slides/slide2.xml><?xml version="1.0" encoding="utf-8"?>
-<p:sld xmlns:a="http://schemas.openxmlformats.org/drawingml/2006/main" xmlns:r="http://schemas.openxmlformats.org/officeDocument/2006/relationships" xmlns:p="http://schemas.openxmlformats.org/presentationml/2006/main">
-  <p:cSld>
-    <p:spTree>
-      <p:nvGrpSpPr>
-        <p:cNvPr id="1" name=""/>
-        <p:cNvGrpSpPr/>
-        <p:nvPr/>
-      </p:nvGrpSpPr>
-      <p:grpSpPr>
-        <a:xfrm>
-          <a:off x="0" y="0"/>
-          <a:ext cx="0" cy="0"/>
-          <a:chOff x="0" y="0"/>
-          <a:chExt cx="0" cy="0"/>
-        </a:xfrm>
-      </p:grpSpPr>
-      <p:sp>
-        <p:nvSpPr>
-          <p:cNvPr id="2" name="Title 1">
-            <a:extLst>
-              <a:ext uri="{FF2B5EF4-FFF2-40B4-BE49-F238E27FC236}">
-                <a16:creationId xmlns:a16="http://schemas.microsoft.com/office/drawing/2014/main" id="{CD3C60AC-FF11-A727-890F-824B8E3B490D}"/>
-              </a:ext>
-            </a:extLst>
-          </p:cNvPr>
-          <p:cNvSpPr>
-            <a:spLocks noGrp="1"/>
-          </p:cNvSpPr>
-          <p:nvPr>
-            <p:ph type="title"/>
-          </p:nvPr>
-        </p:nvSpPr>
-        <p:spPr/>
-        <p:txBody>
-          <a:bodyPr/>
-          <a:lstStyle/>
-          <a:p>
-            <a:r>
-              <a:rPr lang="en-US" dirty="0" err="1"/>
-              <a:t>Perkenalkan</a:t>
-            </a:r>
-            <a:endParaRPr lang="en-US" dirty="0"/>
-          </a:p>
-        </p:txBody>
-      </p:sp>
-      <p:sp>
-        <p:nvSpPr>
-          <p:cNvPr id="3" name="Content Placeholder 2">
-            <a:extLst>
-              <a:ext uri="{FF2B5EF4-FFF2-40B4-BE49-F238E27FC236}">
-                <a16:creationId xmlns:a16="http://schemas.microsoft.com/office/drawing/2014/main" id="{9AC0F450-CFA9-E721-7A38-2666A7D189C5}"/>
-              </a:ext>
-            </a:extLst>
-          </p:cNvPr>
-          <p:cNvSpPr>
-            <a:spLocks noGrp="1"/>
-          </p:cNvSpPr>
-          <p:nvPr>
-            <p:ph idx="1"/>
-          </p:nvPr>
-        </p:nvSpPr>
-        <p:spPr>
-          <a:xfrm>
-            <a:off x="3672114" y="2814914"/>
-            <a:ext cx="7681686" cy="1879272"/>
-          </a:xfrm>
-        </p:spPr>
-        <p:txBody>
-          <a:bodyPr>
-            <a:normAutofit lnSpcReduction="10000"/>
-          </a:bodyPr>
-          <a:lstStyle/>
-          <a:p>
-            <a:r>
-              <a:rPr lang="en-US" dirty="0"/>
-              <a:t>Muhammad Husni Muttaqin</a:t>
-            </a:r>
-          </a:p>
-          <a:p>
-            <a:r>
-              <a:rPr lang="en-US" dirty="0"/>
-              <a:t>PT SYERGIE </a:t>
-            </a:r>
-            <a:r>
-              <a:rPr lang="en-US" dirty="0" err="1"/>
-              <a:t>Indoprima</a:t>
-            </a:r>
-            <a:endParaRPr lang="en-US" dirty="0"/>
-          </a:p>
-          <a:p>
-            <a:r>
-              <a:rPr lang="en-US" dirty="0"/>
-              <a:t>Sedang </a:t>
-            </a:r>
-            <a:r>
-              <a:rPr lang="en-US"/>
-              <a:t>s2 di Teknik </a:t>
-            </a:r>
-            <a:r>
-              <a:rPr lang="en-US" dirty="0" err="1"/>
-              <a:t>Kendali</a:t>
-            </a:r>
-            <a:r>
-              <a:rPr lang="en-US" dirty="0"/>
-              <a:t> dan </a:t>
-            </a:r>
-            <a:r>
-              <a:rPr lang="en-US" dirty="0" err="1"/>
-              <a:t>instrumen</a:t>
-            </a:r>
-            <a:r>
-              <a:rPr lang="en-US" dirty="0"/>
-              <a:t> </a:t>
-            </a:r>
-            <a:r>
-              <a:rPr lang="en-US" dirty="0" err="1"/>
-              <a:t>cerdas</a:t>
-            </a:r>
-            <a:r>
-              <a:rPr lang="en-US" dirty="0"/>
-              <a:t> - STEI ITB</a:t>
-            </a:r>
-          </a:p>
-        </p:txBody>
-      </p:sp>
-      <p:pic>
-        <p:nvPicPr>
-          <p:cNvPr id="8" name="Picture 7">
-            <a:extLst>
-              <a:ext uri="{FF2B5EF4-FFF2-40B4-BE49-F238E27FC236}">
-                <a16:creationId xmlns:a16="http://schemas.microsoft.com/office/drawing/2014/main" id="{1E4E2968-F5C1-C3FE-3FB5-689F9380F675}"/>
-              </a:ext>
-            </a:extLst>
-          </p:cNvPr>
-          <p:cNvPicPr>
-            <a:picLocks noChangeAspect="1"/>
-          </p:cNvPicPr>
-          <p:nvPr/>
-        </p:nvPicPr>
-        <p:blipFill>
-          <a:blip r:embed="rId2"/>
-          <a:stretch>
-            <a:fillRect/>
-          </a:stretch>
-        </p:blipFill>
-        <p:spPr>
-          <a:xfrm>
-            <a:off x="838200" y="2558996"/>
-            <a:ext cx="2400635" cy="2391109"/>
-          </a:xfrm>
-          <a:prstGeom prst="rect">
-            <a:avLst/>
-          </a:prstGeom>
-        </p:spPr>
-      </p:pic>
-    </p:spTree>
-    <p:extLst>
-      <p:ext uri="{BB962C8B-B14F-4D97-AF65-F5344CB8AC3E}">
-        <p14:creationId xmlns:p14="http://schemas.microsoft.com/office/powerpoint/2010/main" val="3780938623"/>
-      </p:ext>
-    </p:extLst>
-  </p:cSld>
-  <p:clrMapOvr>
-    <a:masterClrMapping/>
-  </p:clrMapOvr>
-</p:sld>
-</file>
-
-<file path=ppt/slides/slide20.xml><?xml version="1.0" encoding="utf-8"?>
+<file path=ppt/slides/slide21.xml><?xml version="1.0" encoding="utf-8"?>
 <p:sld xmlns:a="http://schemas.openxmlformats.org/drawingml/2006/main" xmlns:r="http://schemas.openxmlformats.org/officeDocument/2006/relationships" xmlns:p="http://schemas.openxmlformats.org/presentationml/2006/main">
   <p:cSld>
     <p:spTree>
@@ -15670,7 +15783,7 @@
 </p:sld>
 </file>
 
-<file path=ppt/slides/slide21.xml><?xml version="1.0" encoding="utf-8"?>
+<file path=ppt/slides/slide22.xml><?xml version="1.0" encoding="utf-8"?>
 <p:sld xmlns:a="http://schemas.openxmlformats.org/drawingml/2006/main" xmlns:r="http://schemas.openxmlformats.org/officeDocument/2006/relationships" xmlns:p="http://schemas.openxmlformats.org/presentationml/2006/main">
   <p:cSld>
     <p:spTree>
@@ -15842,7 +15955,7 @@
 </p:sld>
 </file>
 
-<file path=ppt/slides/slide22.xml><?xml version="1.0" encoding="utf-8"?>
+<file path=ppt/slides/slide23.xml><?xml version="1.0" encoding="utf-8"?>
 <p:sld xmlns:a="http://schemas.openxmlformats.org/drawingml/2006/main" xmlns:r="http://schemas.openxmlformats.org/officeDocument/2006/relationships" xmlns:p="http://schemas.openxmlformats.org/presentationml/2006/main">
   <p:cSld>
     <p:spTree>
@@ -16404,7 +16517,7 @@
 </p:sld>
 </file>
 
-<file path=ppt/slides/slide23.xml><?xml version="1.0" encoding="utf-8"?>
+<file path=ppt/slides/slide24.xml><?xml version="1.0" encoding="utf-8"?>
 <p:sld xmlns:a="http://schemas.openxmlformats.org/drawingml/2006/main" xmlns:r="http://schemas.openxmlformats.org/officeDocument/2006/relationships" xmlns:p="http://schemas.openxmlformats.org/presentationml/2006/main">
   <p:cSld>
     <p:spTree>
@@ -16484,7 +16597,7 @@
         </p:blipFill>
         <p:spPr>
           <a:xfrm>
-            <a:off x="678691" y="3204519"/>
+            <a:off x="1016442" y="2947330"/>
             <a:ext cx="4474593" cy="1642572"/>
           </a:xfrm>
           <a:prstGeom prst="rect">
@@ -16570,7 +16683,7 @@
 </p:sld>
 </file>
 
-<file path=ppt/slides/slide24.xml><?xml version="1.0" encoding="utf-8"?>
+<file path=ppt/slides/slide25.xml><?xml version="1.0" encoding="utf-8"?>
 <p:sld xmlns:a="http://schemas.openxmlformats.org/drawingml/2006/main" xmlns:r="http://schemas.openxmlformats.org/officeDocument/2006/relationships" xmlns:p="http://schemas.openxmlformats.org/presentationml/2006/main">
   <p:cSld>
     <p:spTree>
@@ -16639,12 +16752,184 @@
           </a:p>
         </p:txBody>
       </p:sp>
+      <mc:AlternateContent xmlns:mc="http://schemas.openxmlformats.org/markup-compatibility/2006">
+        <mc:Choice xmlns:p14="http://schemas.microsoft.com/office/powerpoint/2010/main" Requires="p14">
+          <p:contentPart p14:bwMode="auto" r:id="rId2">
+            <p14:nvContentPartPr>
+              <p14:cNvPr id="5" name="Ink 4">
+                <a:extLst>
+                  <a:ext uri="{FF2B5EF4-FFF2-40B4-BE49-F238E27FC236}">
+                    <a16:creationId xmlns:a16="http://schemas.microsoft.com/office/drawing/2014/main" id="{CA9373FE-8EF9-8821-5023-74C9A9A69E1B}"/>
+                  </a:ext>
+                </a:extLst>
+              </p14:cNvPr>
+              <p14:cNvContentPartPr/>
+              <p14:nvPr/>
+            </p14:nvContentPartPr>
+            <p14:xfrm>
+              <a:off x="533934" y="2000694"/>
+              <a:ext cx="68594" cy="3031401"/>
+            </p14:xfrm>
+          </p:contentPart>
+        </mc:Choice>
+        <mc:Fallback>
+          <p:pic>
+            <p:nvPicPr>
+              <p:cNvPr id="5" name="Ink 4">
+                <a:extLst>
+                  <a:ext uri="{FF2B5EF4-FFF2-40B4-BE49-F238E27FC236}">
+                    <a16:creationId xmlns:a16="http://schemas.microsoft.com/office/drawing/2014/main" id="{CA9373FE-8EF9-8821-5023-74C9A9A69E1B}"/>
+                  </a:ext>
+                </a:extLst>
+              </p:cNvPr>
+              <p:cNvPicPr/>
+              <p:nvPr/>
+            </p:nvPicPr>
+            <p:blipFill>
+              <a:blip r:embed="rId3"/>
+              <a:stretch>
+                <a:fillRect/>
+              </a:stretch>
+            </p:blipFill>
+            <p:spPr>
+              <a:xfrm>
+                <a:off x="527829" y="1994574"/>
+                <a:ext cx="80804" cy="3043640"/>
+              </a:xfrm>
+              <a:prstGeom prst="rect">
+                <a:avLst/>
+              </a:prstGeom>
+            </p:spPr>
+          </p:pic>
+        </mc:Fallback>
+      </mc:AlternateContent>
+      <mc:AlternateContent xmlns:mc="http://schemas.openxmlformats.org/markup-compatibility/2006">
+        <mc:Choice xmlns:p14="http://schemas.microsoft.com/office/powerpoint/2010/main" Requires="p14">
+          <p:contentPart p14:bwMode="auto" r:id="rId4">
+            <p14:nvContentPartPr>
+              <p14:cNvPr id="6" name="Ink 5">
+                <a:extLst>
+                  <a:ext uri="{FF2B5EF4-FFF2-40B4-BE49-F238E27FC236}">
+                    <a16:creationId xmlns:a16="http://schemas.microsoft.com/office/drawing/2014/main" id="{D6692076-193D-699A-19AA-FC7D9842B058}"/>
+                  </a:ext>
+                </a:extLst>
+              </p14:cNvPr>
+              <p14:cNvContentPartPr/>
+              <p14:nvPr/>
+            </p14:nvContentPartPr>
+            <p14:xfrm rot="5400000">
+              <a:off x="3010239" y="2531495"/>
+              <a:ext cx="117187" cy="5001201"/>
+            </p14:xfrm>
+          </p:contentPart>
+        </mc:Choice>
+        <mc:Fallback>
+          <p:pic>
+            <p:nvPicPr>
+              <p:cNvPr id="6" name="Ink 5">
+                <a:extLst>
+                  <a:ext uri="{FF2B5EF4-FFF2-40B4-BE49-F238E27FC236}">
+                    <a16:creationId xmlns:a16="http://schemas.microsoft.com/office/drawing/2014/main" id="{D6692076-193D-699A-19AA-FC7D9842B058}"/>
+                  </a:ext>
+                </a:extLst>
+              </p:cNvPr>
+              <p:cNvPicPr/>
+              <p:nvPr/>
+            </p:nvPicPr>
+            <p:blipFill>
+              <a:blip r:embed="rId5"/>
+              <a:stretch>
+                <a:fillRect/>
+              </a:stretch>
+            </p:blipFill>
+            <p:spPr>
+              <a:xfrm rot="5400000">
+                <a:off x="3004128" y="2525375"/>
+                <a:ext cx="129409" cy="5013441"/>
+              </a:xfrm>
+              <a:prstGeom prst="rect">
+                <a:avLst/>
+              </a:prstGeom>
+            </p:spPr>
+          </p:pic>
+        </mc:Fallback>
+      </mc:AlternateContent>
+      <p:sp>
+        <p:nvSpPr>
+          <p:cNvPr id="7" name="TextBox 6">
+            <a:extLst>
+              <a:ext uri="{FF2B5EF4-FFF2-40B4-BE49-F238E27FC236}">
+                <a16:creationId xmlns:a16="http://schemas.microsoft.com/office/drawing/2014/main" id="{97949FB6-2649-DC2A-C331-B9BCC70FD24F}"/>
+              </a:ext>
+            </a:extLst>
+          </p:cNvPr>
+          <p:cNvSpPr txBox="1"/>
+          <p:nvPr/>
+        </p:nvSpPr>
+        <p:spPr>
+          <a:xfrm>
+            <a:off x="444471" y="1690688"/>
+            <a:ext cx="247521" cy="310006"/>
+          </a:xfrm>
+          <a:prstGeom prst="rect">
+            <a:avLst/>
+          </a:prstGeom>
+          <a:noFill/>
+        </p:spPr>
+        <p:txBody>
+          <a:bodyPr wrap="none" rtlCol="0">
+            <a:spAutoFit/>
+          </a:bodyPr>
+          <a:lstStyle/>
+          <a:p>
+            <a:r>
+              <a:rPr lang="en-US" dirty="0"/>
+              <a:t>e</a:t>
+            </a:r>
+          </a:p>
+        </p:txBody>
+      </p:sp>
+      <p:sp>
+        <p:nvSpPr>
+          <p:cNvPr id="8" name="TextBox 7">
+            <a:extLst>
+              <a:ext uri="{FF2B5EF4-FFF2-40B4-BE49-F238E27FC236}">
+                <a16:creationId xmlns:a16="http://schemas.microsoft.com/office/drawing/2014/main" id="{44F02ADD-D9F5-18F8-D471-15E1891BF99B}"/>
+              </a:ext>
+            </a:extLst>
+          </p:cNvPr>
+          <p:cNvSpPr txBox="1"/>
+          <p:nvPr/>
+        </p:nvSpPr>
+        <p:spPr>
+          <a:xfrm>
+            <a:off x="5603730" y="4877092"/>
+            <a:ext cx="215787" cy="310006"/>
+          </a:xfrm>
+          <a:prstGeom prst="rect">
+            <a:avLst/>
+          </a:prstGeom>
+          <a:noFill/>
+        </p:spPr>
+        <p:txBody>
+          <a:bodyPr wrap="none" rtlCol="0">
+            <a:spAutoFit/>
+          </a:bodyPr>
+          <a:lstStyle/>
+          <a:p>
+            <a:r>
+              <a:rPr lang="en-US" dirty="0"/>
+              <a:t>t</a:t>
+            </a:r>
+          </a:p>
+        </p:txBody>
+      </p:sp>
       <p:grpSp>
         <p:nvGrpSpPr>
-          <p:cNvPr id="4" name="Group 3">
+          <p:cNvPr id="9" name="Group 8">
             <a:extLst>
               <a:ext uri="{FF2B5EF4-FFF2-40B4-BE49-F238E27FC236}">
-                <a16:creationId xmlns:a16="http://schemas.microsoft.com/office/drawing/2014/main" id="{1D385C2E-9F77-FC74-E0F5-CD54DC1B030B}"/>
+                <a16:creationId xmlns:a16="http://schemas.microsoft.com/office/drawing/2014/main" id="{D90AFA0E-C4FB-34D5-6644-4CC18F82568D}"/>
               </a:ext>
             </a:extLst>
           </p:cNvPr>
@@ -16653,20 +16938,20 @@
         </p:nvGrpSpPr>
         <p:grpSpPr>
           <a:xfrm>
-            <a:off x="444471" y="1690688"/>
-            <a:ext cx="5375046" cy="3710007"/>
-            <a:chOff x="1473429" y="2176091"/>
-            <a:chExt cx="6516444" cy="4419991"/>
+            <a:off x="581230" y="2408473"/>
+            <a:ext cx="5031710" cy="851222"/>
+            <a:chOff x="1639229" y="3031239"/>
+            <a:chExt cx="6100200" cy="1014120"/>
           </a:xfrm>
         </p:grpSpPr>
         <mc:AlternateContent xmlns:mc="http://schemas.openxmlformats.org/markup-compatibility/2006" xmlns:p14="http://schemas.microsoft.com/office/powerpoint/2010/main">
           <mc:Choice Requires="p14">
-            <p:contentPart p14:bwMode="auto" r:id="rId2">
+            <p:contentPart p14:bwMode="auto" r:id="rId6">
               <p14:nvContentPartPr>
-                <p14:cNvPr id="5" name="Ink 4">
+                <p14:cNvPr id="23" name="Ink 22">
                   <a:extLst>
                     <a:ext uri="{FF2B5EF4-FFF2-40B4-BE49-F238E27FC236}">
-                      <a16:creationId xmlns:a16="http://schemas.microsoft.com/office/drawing/2014/main" id="{CA9373FE-8EF9-8821-5023-74C9A9A69E1B}"/>
+                      <a16:creationId xmlns:a16="http://schemas.microsoft.com/office/drawing/2014/main" id="{16EC7971-40B1-E4A8-8560-347B3CD0F3A5}"/>
                     </a:ext>
                   </a:extLst>
                 </p14:cNvPr>
@@ -16674,18 +16959,18 @@
                 <p14:nvPr/>
               </p14:nvContentPartPr>
               <p14:xfrm>
-                <a:off x="1581890" y="2545423"/>
-                <a:ext cx="83160" cy="3611520"/>
+                <a:off x="1639229" y="3031239"/>
+                <a:ext cx="5054040" cy="1014120"/>
               </p14:xfrm>
             </p:contentPart>
           </mc:Choice>
           <mc:Fallback xmlns="">
             <p:pic>
               <p:nvPicPr>
-                <p:cNvPr id="5" name="Ink 4">
+                <p:cNvPr id="16" name="Ink 15">
                   <a:extLst>
                     <a:ext uri="{FF2B5EF4-FFF2-40B4-BE49-F238E27FC236}">
-                      <a16:creationId xmlns:a16="http://schemas.microsoft.com/office/drawing/2014/main" id="{65C84506-CB15-92B2-2D58-82EA49A36608}"/>
+                      <a16:creationId xmlns:a16="http://schemas.microsoft.com/office/drawing/2014/main" id="{92B5FED7-F829-3718-301C-901E9DDA9190}"/>
                     </a:ext>
                   </a:extLst>
                 </p:cNvPr>
@@ -16693,15 +16978,15 @@
                 <p:nvPr/>
               </p:nvPicPr>
               <p:blipFill>
-                <a:blip r:embed="rId3"/>
+                <a:blip r:embed="rId7"/>
                 <a:stretch>
                   <a:fillRect/>
                 </a:stretch>
               </p:blipFill>
               <p:spPr>
                 <a:xfrm>
-                  <a:off x="1574488" y="2538132"/>
-                  <a:ext cx="97963" cy="3626102"/>
+                  <a:off x="1631809" y="3023949"/>
+                  <a:ext cx="5068879" cy="1028699"/>
                 </a:xfrm>
                 <a:prstGeom prst="rect">
                   <a:avLst/>
@@ -16712,31 +16997,31 @@
         </mc:AlternateContent>
         <mc:AlternateContent xmlns:mc="http://schemas.openxmlformats.org/markup-compatibility/2006" xmlns:p14="http://schemas.microsoft.com/office/powerpoint/2010/main">
           <mc:Choice Requires="p14">
-            <p:contentPart p14:bwMode="auto" r:id="rId4">
+            <p:contentPart p14:bwMode="auto" r:id="rId8">
               <p14:nvContentPartPr>
-                <p14:cNvPr id="6" name="Ink 5">
+                <p14:cNvPr id="24" name="Ink 23">
                   <a:extLst>
                     <a:ext uri="{FF2B5EF4-FFF2-40B4-BE49-F238E27FC236}">
-                      <a16:creationId xmlns:a16="http://schemas.microsoft.com/office/drawing/2014/main" id="{D6692076-193D-699A-19AA-FC7D9842B058}"/>
+                      <a16:creationId xmlns:a16="http://schemas.microsoft.com/office/drawing/2014/main" id="{FC5C81A1-A454-D46A-3A84-59B055D2047A}"/>
                     </a:ext>
                   </a:extLst>
                 </p14:cNvPr>
                 <p14:cNvContentPartPr/>
                 <p14:nvPr/>
               </p14:nvContentPartPr>
-              <p14:xfrm rot="5400000">
-                <a:off x="4585270" y="3125337"/>
-                <a:ext cx="139613" cy="6063212"/>
+              <p14:xfrm>
+                <a:off x="6697229" y="3657639"/>
+                <a:ext cx="1042200" cy="240480"/>
               </p14:xfrm>
             </p:contentPart>
           </mc:Choice>
           <mc:Fallback xmlns="">
             <p:pic>
               <p:nvPicPr>
-                <p:cNvPr id="12" name="Ink 11">
+                <p:cNvPr id="17" name="Ink 16">
                   <a:extLst>
                     <a:ext uri="{FF2B5EF4-FFF2-40B4-BE49-F238E27FC236}">
-                      <a16:creationId xmlns:a16="http://schemas.microsoft.com/office/drawing/2014/main" id="{225C41FD-A480-5F27-7423-A60F4E247418}"/>
+                      <a16:creationId xmlns:a16="http://schemas.microsoft.com/office/drawing/2014/main" id="{C6710BAC-5427-41C9-EEA5-F9038E4232B6}"/>
                     </a:ext>
                   </a:extLst>
                 </p:cNvPr>
@@ -16744,15 +17029,15 @@
                 <p:nvPr/>
               </p:nvPicPr>
               <p:blipFill>
-                <a:blip r:embed="rId5"/>
+                <a:blip r:embed="rId9"/>
                 <a:stretch>
                   <a:fillRect/>
                 </a:stretch>
               </p:blipFill>
               <p:spPr>
-                <a:xfrm rot="5400000">
-                  <a:off x="4577990" y="3117917"/>
-                  <a:ext cx="154174" cy="6078051"/>
+                <a:xfrm>
+                  <a:off x="6689810" y="3650352"/>
+                  <a:ext cx="1057039" cy="255055"/>
                 </a:xfrm>
                 <a:prstGeom prst="rect">
                   <a:avLst/>
@@ -16761,689 +17046,496 @@
             </p:pic>
           </mc:Fallback>
         </mc:AlternateContent>
-        <p:sp>
-          <p:nvSpPr>
-            <p:cNvPr id="7" name="TextBox 6">
-              <a:extLst>
-                <a:ext uri="{FF2B5EF4-FFF2-40B4-BE49-F238E27FC236}">
-                  <a16:creationId xmlns:a16="http://schemas.microsoft.com/office/drawing/2014/main" id="{97949FB6-2649-DC2A-C331-B9BCC70FD24F}"/>
-                </a:ext>
-              </a:extLst>
-            </p:cNvPr>
-            <p:cNvSpPr txBox="1"/>
-            <p:nvPr/>
-          </p:nvSpPr>
-          <p:spPr>
-            <a:xfrm>
-              <a:off x="1473429" y="2176091"/>
-              <a:ext cx="300082" cy="369332"/>
-            </a:xfrm>
-            <a:prstGeom prst="rect">
-              <a:avLst/>
-            </a:prstGeom>
-            <a:noFill/>
-          </p:spPr>
-          <p:txBody>
-            <a:bodyPr wrap="none" rtlCol="0">
-              <a:spAutoFit/>
-            </a:bodyPr>
-            <a:lstStyle/>
-            <a:p>
-              <a:r>
-                <a:rPr lang="en-US" dirty="0"/>
-                <a:t>e</a:t>
-              </a:r>
-            </a:p>
-          </p:txBody>
-        </p:sp>
-        <p:sp>
-          <p:nvSpPr>
-            <p:cNvPr id="8" name="TextBox 7">
-              <a:extLst>
-                <a:ext uri="{FF2B5EF4-FFF2-40B4-BE49-F238E27FC236}">
-                  <a16:creationId xmlns:a16="http://schemas.microsoft.com/office/drawing/2014/main" id="{44F02ADD-D9F5-18F8-D471-15E1891BF99B}"/>
-                </a:ext>
-              </a:extLst>
-            </p:cNvPr>
-            <p:cNvSpPr txBox="1"/>
-            <p:nvPr/>
-          </p:nvSpPr>
-          <p:spPr>
-            <a:xfrm>
-              <a:off x="7728263" y="5972277"/>
-              <a:ext cx="261610" cy="369332"/>
-            </a:xfrm>
-            <a:prstGeom prst="rect">
-              <a:avLst/>
-            </a:prstGeom>
-            <a:noFill/>
-          </p:spPr>
-          <p:txBody>
-            <a:bodyPr wrap="none" rtlCol="0">
-              <a:spAutoFit/>
-            </a:bodyPr>
-            <a:lstStyle/>
-            <a:p>
-              <a:r>
-                <a:rPr lang="en-US" dirty="0"/>
-                <a:t>t</a:t>
-              </a:r>
-            </a:p>
-          </p:txBody>
-        </p:sp>
-        <p:grpSp>
-          <p:nvGrpSpPr>
-            <p:cNvPr id="9" name="Group 8">
-              <a:extLst>
-                <a:ext uri="{FF2B5EF4-FFF2-40B4-BE49-F238E27FC236}">
-                  <a16:creationId xmlns:a16="http://schemas.microsoft.com/office/drawing/2014/main" id="{D90AFA0E-C4FB-34D5-6644-4CC18F82568D}"/>
-                </a:ext>
-              </a:extLst>
-            </p:cNvPr>
-            <p:cNvGrpSpPr/>
-            <p:nvPr/>
-          </p:nvGrpSpPr>
-          <p:grpSpPr>
-            <a:xfrm>
-              <a:off x="1639229" y="3031239"/>
-              <a:ext cx="6100200" cy="1014120"/>
-              <a:chOff x="1639229" y="3031239"/>
-              <a:chExt cx="6100200" cy="1014120"/>
-            </a:xfrm>
-          </p:grpSpPr>
-          <mc:AlternateContent xmlns:mc="http://schemas.openxmlformats.org/markup-compatibility/2006" xmlns:p14="http://schemas.microsoft.com/office/powerpoint/2010/main">
-            <mc:Choice Requires="p14">
-              <p:contentPart p14:bwMode="auto" r:id="rId6">
-                <p14:nvContentPartPr>
-                  <p14:cNvPr id="23" name="Ink 22">
-                    <a:extLst>
-                      <a:ext uri="{FF2B5EF4-FFF2-40B4-BE49-F238E27FC236}">
-                        <a16:creationId xmlns:a16="http://schemas.microsoft.com/office/drawing/2014/main" id="{16EC7971-40B1-E4A8-8560-347B3CD0F3A5}"/>
-                      </a:ext>
-                    </a:extLst>
-                  </p14:cNvPr>
-                  <p14:cNvContentPartPr/>
-                  <p14:nvPr/>
-                </p14:nvContentPartPr>
-                <p14:xfrm>
-                  <a:off x="1639229" y="3031239"/>
-                  <a:ext cx="5054040" cy="1014120"/>
-                </p14:xfrm>
-              </p:contentPart>
-            </mc:Choice>
-            <mc:Fallback xmlns="">
-              <p:pic>
-                <p:nvPicPr>
-                  <p:cNvPr id="16" name="Ink 15">
-                    <a:extLst>
-                      <a:ext uri="{FF2B5EF4-FFF2-40B4-BE49-F238E27FC236}">
-                        <a16:creationId xmlns:a16="http://schemas.microsoft.com/office/drawing/2014/main" id="{92B5FED7-F829-3718-301C-901E9DDA9190}"/>
-                      </a:ext>
-                    </a:extLst>
-                  </p:cNvPr>
-                  <p:cNvPicPr/>
-                  <p:nvPr/>
-                </p:nvPicPr>
-                <p:blipFill>
-                  <a:blip r:embed="rId7"/>
-                  <a:stretch>
-                    <a:fillRect/>
-                  </a:stretch>
-                </p:blipFill>
-                <p:spPr>
-                  <a:xfrm>
-                    <a:off x="1631809" y="3023949"/>
-                    <a:ext cx="5068879" cy="1028699"/>
-                  </a:xfrm>
-                  <a:prstGeom prst="rect">
-                    <a:avLst/>
-                  </a:prstGeom>
-                </p:spPr>
-              </p:pic>
-            </mc:Fallback>
-          </mc:AlternateContent>
-          <mc:AlternateContent xmlns:mc="http://schemas.openxmlformats.org/markup-compatibility/2006" xmlns:p14="http://schemas.microsoft.com/office/powerpoint/2010/main">
-            <mc:Choice Requires="p14">
-              <p:contentPart p14:bwMode="auto" r:id="rId8">
-                <p14:nvContentPartPr>
-                  <p14:cNvPr id="24" name="Ink 23">
-                    <a:extLst>
-                      <a:ext uri="{FF2B5EF4-FFF2-40B4-BE49-F238E27FC236}">
-                        <a16:creationId xmlns:a16="http://schemas.microsoft.com/office/drawing/2014/main" id="{FC5C81A1-A454-D46A-3A84-59B055D2047A}"/>
-                      </a:ext>
-                    </a:extLst>
-                  </p14:cNvPr>
-                  <p14:cNvContentPartPr/>
-                  <p14:nvPr/>
-                </p14:nvContentPartPr>
-                <p14:xfrm>
-                  <a:off x="6697229" y="3657639"/>
-                  <a:ext cx="1042200" cy="240480"/>
-                </p14:xfrm>
-              </p:contentPart>
-            </mc:Choice>
-            <mc:Fallback xmlns="">
-              <p:pic>
-                <p:nvPicPr>
-                  <p:cNvPr id="17" name="Ink 16">
-                    <a:extLst>
-                      <a:ext uri="{FF2B5EF4-FFF2-40B4-BE49-F238E27FC236}">
-                        <a16:creationId xmlns:a16="http://schemas.microsoft.com/office/drawing/2014/main" id="{C6710BAC-5427-41C9-EEA5-F9038E4232B6}"/>
-                      </a:ext>
-                    </a:extLst>
-                  </p:cNvPr>
-                  <p:cNvPicPr/>
-                  <p:nvPr/>
-                </p:nvPicPr>
-                <p:blipFill>
-                  <a:blip r:embed="rId9"/>
-                  <a:stretch>
-                    <a:fillRect/>
-                  </a:stretch>
-                </p:blipFill>
-                <p:spPr>
-                  <a:xfrm>
-                    <a:off x="6689810" y="3650352"/>
-                    <a:ext cx="1057039" cy="255055"/>
-                  </a:xfrm>
-                  <a:prstGeom prst="rect">
-                    <a:avLst/>
-                  </a:prstGeom>
-                </p:spPr>
-              </p:pic>
-            </mc:Fallback>
-          </mc:AlternateContent>
-        </p:grpSp>
-        <p:sp>
-          <p:nvSpPr>
-            <p:cNvPr id="10" name="TextBox 9">
-              <a:extLst>
-                <a:ext uri="{FF2B5EF4-FFF2-40B4-BE49-F238E27FC236}">
-                  <a16:creationId xmlns:a16="http://schemas.microsoft.com/office/drawing/2014/main" id="{2EABC045-CDA0-6FD1-72E8-C48BF706FC29}"/>
-                </a:ext>
-              </a:extLst>
-            </p:cNvPr>
-            <p:cNvSpPr txBox="1"/>
-            <p:nvPr/>
-          </p:nvSpPr>
-          <p:spPr>
-            <a:xfrm>
-              <a:off x="2867642" y="6203944"/>
-              <a:ext cx="301686" cy="369332"/>
-            </a:xfrm>
-            <a:prstGeom prst="rect">
-              <a:avLst/>
-            </a:prstGeom>
-            <a:noFill/>
-          </p:spPr>
-          <p:txBody>
-            <a:bodyPr wrap="none" rtlCol="0">
-              <a:spAutoFit/>
-            </a:bodyPr>
-            <a:lstStyle/>
-            <a:p>
-              <a:r>
-                <a:rPr lang="en-US" dirty="0"/>
-                <a:t>1</a:t>
-              </a:r>
-            </a:p>
-          </p:txBody>
-        </p:sp>
-        <p:sp>
-          <p:nvSpPr>
-            <p:cNvPr id="11" name="TextBox 10">
-              <a:extLst>
-                <a:ext uri="{FF2B5EF4-FFF2-40B4-BE49-F238E27FC236}">
-                  <a16:creationId xmlns:a16="http://schemas.microsoft.com/office/drawing/2014/main" id="{00679AA7-F73E-2747-BED1-ADB06C958AAC}"/>
-                </a:ext>
-              </a:extLst>
-            </p:cNvPr>
-            <p:cNvSpPr txBox="1"/>
-            <p:nvPr/>
-          </p:nvSpPr>
-          <p:spPr>
-            <a:xfrm>
-              <a:off x="4413499" y="6205851"/>
-              <a:ext cx="301686" cy="369332"/>
-            </a:xfrm>
-            <a:prstGeom prst="rect">
-              <a:avLst/>
-            </a:prstGeom>
-            <a:noFill/>
-          </p:spPr>
-          <p:txBody>
-            <a:bodyPr wrap="none" rtlCol="0">
-              <a:spAutoFit/>
-            </a:bodyPr>
-            <a:lstStyle/>
-            <a:p>
-              <a:r>
-                <a:rPr lang="en-US" dirty="0"/>
-                <a:t>2</a:t>
-              </a:r>
-            </a:p>
-          </p:txBody>
-        </p:sp>
-        <p:sp>
-          <p:nvSpPr>
-            <p:cNvPr id="12" name="TextBox 11">
-              <a:extLst>
-                <a:ext uri="{FF2B5EF4-FFF2-40B4-BE49-F238E27FC236}">
-                  <a16:creationId xmlns:a16="http://schemas.microsoft.com/office/drawing/2014/main" id="{36FDCE03-2725-FBA1-C096-5DBAC581F0A3}"/>
-                </a:ext>
-              </a:extLst>
-            </p:cNvPr>
-            <p:cNvSpPr txBox="1"/>
-            <p:nvPr/>
-          </p:nvSpPr>
-          <p:spPr>
-            <a:xfrm>
-              <a:off x="5665071" y="6203944"/>
-              <a:ext cx="301686" cy="369332"/>
-            </a:xfrm>
-            <a:prstGeom prst="rect">
-              <a:avLst/>
-            </a:prstGeom>
-            <a:noFill/>
-          </p:spPr>
-          <p:txBody>
-            <a:bodyPr wrap="none" rtlCol="0">
-              <a:spAutoFit/>
-            </a:bodyPr>
-            <a:lstStyle/>
-            <a:p>
-              <a:r>
-                <a:rPr lang="en-US" dirty="0"/>
-                <a:t>3</a:t>
-              </a:r>
-            </a:p>
-          </p:txBody>
-        </p:sp>
-        <p:sp>
-          <p:nvSpPr>
-            <p:cNvPr id="13" name="TextBox 12">
-              <a:extLst>
-                <a:ext uri="{FF2B5EF4-FFF2-40B4-BE49-F238E27FC236}">
-                  <a16:creationId xmlns:a16="http://schemas.microsoft.com/office/drawing/2014/main" id="{EE47372F-2BC6-67DE-C413-B45CDDBAD7AC}"/>
-                </a:ext>
-              </a:extLst>
-            </p:cNvPr>
-            <p:cNvSpPr txBox="1"/>
-            <p:nvPr/>
-          </p:nvSpPr>
-          <p:spPr>
-            <a:xfrm>
-              <a:off x="6916643" y="6226750"/>
-              <a:ext cx="301686" cy="369332"/>
-            </a:xfrm>
-            <a:prstGeom prst="rect">
-              <a:avLst/>
-            </a:prstGeom>
-            <a:noFill/>
-          </p:spPr>
-          <p:txBody>
-            <a:bodyPr wrap="none" rtlCol="0">
-              <a:spAutoFit/>
-            </a:bodyPr>
-            <a:lstStyle/>
-            <a:p>
-              <a:r>
-                <a:rPr lang="en-US" dirty="0"/>
-                <a:t>4</a:t>
-              </a:r>
-            </a:p>
-          </p:txBody>
-        </p:sp>
-        <p:sp>
-          <p:nvSpPr>
-            <p:cNvPr id="14" name="TextBox 13">
-              <a:extLst>
-                <a:ext uri="{FF2B5EF4-FFF2-40B4-BE49-F238E27FC236}">
-                  <a16:creationId xmlns:a16="http://schemas.microsoft.com/office/drawing/2014/main" id="{428B2AAF-056E-F9D4-2E6E-5BAD867B1E08}"/>
-                </a:ext>
-              </a:extLst>
-            </p:cNvPr>
-            <p:cNvSpPr txBox="1"/>
-            <p:nvPr/>
-          </p:nvSpPr>
-          <p:spPr>
-            <a:xfrm>
-              <a:off x="1521252" y="6216468"/>
-              <a:ext cx="301686" cy="369332"/>
-            </a:xfrm>
-            <a:prstGeom prst="rect">
-              <a:avLst/>
-            </a:prstGeom>
-            <a:noFill/>
-          </p:spPr>
-          <p:txBody>
-            <a:bodyPr wrap="none" rtlCol="0">
-              <a:spAutoFit/>
-            </a:bodyPr>
-            <a:lstStyle/>
-            <a:p>
-              <a:r>
-                <a:rPr lang="en-US" dirty="0"/>
-                <a:t>0</a:t>
-              </a:r>
-            </a:p>
-          </p:txBody>
-        </p:sp>
-        <p:cxnSp>
-          <p:nvCxnSpPr>
-            <p:cNvPr id="15" name="Straight Connector 14">
-              <a:extLst>
-                <a:ext uri="{FF2B5EF4-FFF2-40B4-BE49-F238E27FC236}">
-                  <a16:creationId xmlns:a16="http://schemas.microsoft.com/office/drawing/2014/main" id="{6B7DA0C4-8000-6CDB-B8CA-50D2990F8D98}"/>
-                </a:ext>
-              </a:extLst>
-            </p:cNvPr>
-            <p:cNvCxnSpPr>
-              <a:cxnSpLocks/>
-            </p:cNvCxnSpPr>
-            <p:nvPr/>
-          </p:nvCxnSpPr>
-          <p:spPr>
-            <a:xfrm flipV="1">
-              <a:off x="3018485" y="3528773"/>
-              <a:ext cx="0" cy="2618644"/>
-            </a:xfrm>
-            <a:prstGeom prst="line">
-              <a:avLst/>
-            </a:prstGeom>
-            <a:ln w="28575"/>
-          </p:spPr>
-          <p:style>
-            <a:lnRef idx="1">
-              <a:schemeClr val="accent6"/>
-            </a:lnRef>
-            <a:fillRef idx="0">
-              <a:schemeClr val="accent6"/>
-            </a:fillRef>
-            <a:effectRef idx="0">
-              <a:schemeClr val="accent6"/>
-            </a:effectRef>
-            <a:fontRef idx="minor">
-              <a:schemeClr val="tx1"/>
-            </a:fontRef>
-          </p:style>
-        </p:cxnSp>
-        <p:cxnSp>
-          <p:nvCxnSpPr>
-            <p:cNvPr id="16" name="Straight Connector 15">
-              <a:extLst>
-                <a:ext uri="{FF2B5EF4-FFF2-40B4-BE49-F238E27FC236}">
-                  <a16:creationId xmlns:a16="http://schemas.microsoft.com/office/drawing/2014/main" id="{E1DB4DA8-4FF3-1CB4-E644-6FF6E9DC8F8A}"/>
-                </a:ext>
-              </a:extLst>
-            </p:cNvPr>
-            <p:cNvCxnSpPr>
-              <a:cxnSpLocks/>
-            </p:cNvCxnSpPr>
-            <p:nvPr/>
-          </p:nvCxnSpPr>
-          <p:spPr>
-            <a:xfrm>
-              <a:off x="1623470" y="3031239"/>
-              <a:ext cx="1395015" cy="507060"/>
-            </a:xfrm>
-            <a:prstGeom prst="line">
-              <a:avLst/>
-            </a:prstGeom>
-            <a:ln w="28575"/>
-          </p:spPr>
-          <p:style>
-            <a:lnRef idx="1">
-              <a:schemeClr val="accent6"/>
-            </a:lnRef>
-            <a:fillRef idx="0">
-              <a:schemeClr val="accent6"/>
-            </a:fillRef>
-            <a:effectRef idx="0">
-              <a:schemeClr val="accent6"/>
-            </a:effectRef>
-            <a:fontRef idx="minor">
-              <a:schemeClr val="tx1"/>
-            </a:fontRef>
-          </p:style>
-        </p:cxnSp>
-        <p:cxnSp>
-          <p:nvCxnSpPr>
-            <p:cNvPr id="17" name="Straight Connector 16">
-              <a:extLst>
-                <a:ext uri="{FF2B5EF4-FFF2-40B4-BE49-F238E27FC236}">
-                  <a16:creationId xmlns:a16="http://schemas.microsoft.com/office/drawing/2014/main" id="{25CFE4C7-4DEF-8115-F558-7949145E8133}"/>
-                </a:ext>
-              </a:extLst>
-            </p:cNvPr>
-            <p:cNvCxnSpPr>
-              <a:cxnSpLocks/>
-            </p:cNvCxnSpPr>
-            <p:nvPr/>
-          </p:nvCxnSpPr>
-          <p:spPr>
-            <a:xfrm flipV="1">
-              <a:off x="4572927" y="4045359"/>
-              <a:ext cx="0" cy="2111584"/>
-            </a:xfrm>
-            <a:prstGeom prst="line">
-              <a:avLst/>
-            </a:prstGeom>
-            <a:ln w="28575"/>
-          </p:spPr>
-          <p:style>
-            <a:lnRef idx="1">
-              <a:schemeClr val="accent6"/>
-            </a:lnRef>
-            <a:fillRef idx="0">
-              <a:schemeClr val="accent6"/>
-            </a:fillRef>
-            <a:effectRef idx="0">
-              <a:schemeClr val="accent6"/>
-            </a:effectRef>
-            <a:fontRef idx="minor">
-              <a:schemeClr val="tx1"/>
-            </a:fontRef>
-          </p:style>
-        </p:cxnSp>
-        <p:cxnSp>
-          <p:nvCxnSpPr>
-            <p:cNvPr id="18" name="Straight Connector 17">
-              <a:extLst>
-                <a:ext uri="{FF2B5EF4-FFF2-40B4-BE49-F238E27FC236}">
-                  <a16:creationId xmlns:a16="http://schemas.microsoft.com/office/drawing/2014/main" id="{649FC543-9FF0-34B8-11F6-B87D42C7BC90}"/>
-                </a:ext>
-              </a:extLst>
-            </p:cNvPr>
-            <p:cNvCxnSpPr>
-              <a:cxnSpLocks/>
-            </p:cNvCxnSpPr>
-            <p:nvPr/>
-          </p:nvCxnSpPr>
-          <p:spPr>
-            <a:xfrm>
-              <a:off x="3006286" y="3517055"/>
-              <a:ext cx="1558056" cy="518778"/>
-            </a:xfrm>
-            <a:prstGeom prst="line">
-              <a:avLst/>
-            </a:prstGeom>
-            <a:ln w="28575"/>
-          </p:spPr>
-          <p:style>
-            <a:lnRef idx="1">
-              <a:schemeClr val="accent6"/>
-            </a:lnRef>
-            <a:fillRef idx="0">
-              <a:schemeClr val="accent6"/>
-            </a:fillRef>
-            <a:effectRef idx="0">
-              <a:schemeClr val="accent6"/>
-            </a:effectRef>
-            <a:fontRef idx="minor">
-              <a:schemeClr val="tx1"/>
-            </a:fontRef>
-          </p:style>
-        </p:cxnSp>
-        <p:cxnSp>
-          <p:nvCxnSpPr>
-            <p:cNvPr id="19" name="Straight Connector 18">
-              <a:extLst>
-                <a:ext uri="{FF2B5EF4-FFF2-40B4-BE49-F238E27FC236}">
-                  <a16:creationId xmlns:a16="http://schemas.microsoft.com/office/drawing/2014/main" id="{BCCA0FFC-EE7C-274C-1B38-6B2D8D2BD6F9}"/>
-                </a:ext>
-              </a:extLst>
-            </p:cNvPr>
-            <p:cNvCxnSpPr>
-              <a:cxnSpLocks/>
-            </p:cNvCxnSpPr>
-            <p:nvPr/>
-          </p:nvCxnSpPr>
-          <p:spPr>
-            <a:xfrm flipV="1">
-              <a:off x="5815914" y="3657639"/>
-              <a:ext cx="0" cy="2489778"/>
-            </a:xfrm>
-            <a:prstGeom prst="line">
-              <a:avLst/>
-            </a:prstGeom>
-            <a:ln w="28575"/>
-          </p:spPr>
-          <p:style>
-            <a:lnRef idx="1">
-              <a:schemeClr val="accent6"/>
-            </a:lnRef>
-            <a:fillRef idx="0">
-              <a:schemeClr val="accent6"/>
-            </a:fillRef>
-            <a:effectRef idx="0">
-              <a:schemeClr val="accent6"/>
-            </a:effectRef>
-            <a:fontRef idx="minor">
-              <a:schemeClr val="tx1"/>
-            </a:fontRef>
-          </p:style>
-        </p:cxnSp>
-        <p:cxnSp>
-          <p:nvCxnSpPr>
-            <p:cNvPr id="20" name="Straight Connector 19">
-              <a:extLst>
-                <a:ext uri="{FF2B5EF4-FFF2-40B4-BE49-F238E27FC236}">
-                  <a16:creationId xmlns:a16="http://schemas.microsoft.com/office/drawing/2014/main" id="{9E47CC13-B3AB-45F4-68A2-CFB0AD687FD2}"/>
-                </a:ext>
-              </a:extLst>
-            </p:cNvPr>
-            <p:cNvCxnSpPr>
-              <a:cxnSpLocks/>
-            </p:cNvCxnSpPr>
-            <p:nvPr/>
-          </p:nvCxnSpPr>
-          <p:spPr>
-            <a:xfrm flipV="1">
-              <a:off x="4564342" y="3657639"/>
-              <a:ext cx="1251572" cy="387720"/>
-            </a:xfrm>
-            <a:prstGeom prst="line">
-              <a:avLst/>
-            </a:prstGeom>
-            <a:ln w="28575"/>
-          </p:spPr>
-          <p:style>
-            <a:lnRef idx="1">
-              <a:schemeClr val="accent6"/>
-            </a:lnRef>
-            <a:fillRef idx="0">
-              <a:schemeClr val="accent6"/>
-            </a:fillRef>
-            <a:effectRef idx="0">
-              <a:schemeClr val="accent6"/>
-            </a:effectRef>
-            <a:fontRef idx="minor">
-              <a:schemeClr val="tx1"/>
-            </a:fontRef>
-          </p:style>
-        </p:cxnSp>
-        <p:cxnSp>
-          <p:nvCxnSpPr>
-            <p:cNvPr id="21" name="Straight Connector 20">
-              <a:extLst>
-                <a:ext uri="{FF2B5EF4-FFF2-40B4-BE49-F238E27FC236}">
-                  <a16:creationId xmlns:a16="http://schemas.microsoft.com/office/drawing/2014/main" id="{26AAC7D5-854F-B5D3-3B0C-877EDA34345C}"/>
-                </a:ext>
-              </a:extLst>
-            </p:cNvPr>
-            <p:cNvCxnSpPr>
-              <a:cxnSpLocks/>
-            </p:cNvCxnSpPr>
-            <p:nvPr/>
-          </p:nvCxnSpPr>
-          <p:spPr>
-            <a:xfrm flipV="1">
-              <a:off x="7067486" y="3732465"/>
-              <a:ext cx="0" cy="2414952"/>
-            </a:xfrm>
-            <a:prstGeom prst="line">
-              <a:avLst/>
-            </a:prstGeom>
-            <a:ln w="28575"/>
-          </p:spPr>
-          <p:style>
-            <a:lnRef idx="1">
-              <a:schemeClr val="accent6"/>
-            </a:lnRef>
-            <a:fillRef idx="0">
-              <a:schemeClr val="accent6"/>
-            </a:fillRef>
-            <a:effectRef idx="0">
-              <a:schemeClr val="accent6"/>
-            </a:effectRef>
-            <a:fontRef idx="minor">
-              <a:schemeClr val="tx1"/>
-            </a:fontRef>
-          </p:style>
-        </p:cxnSp>
-        <p:cxnSp>
-          <p:nvCxnSpPr>
-            <p:cNvPr id="22" name="Straight Connector 21">
-              <a:extLst>
-                <a:ext uri="{FF2B5EF4-FFF2-40B4-BE49-F238E27FC236}">
-                  <a16:creationId xmlns:a16="http://schemas.microsoft.com/office/drawing/2014/main" id="{C712EA33-5F02-C912-3FE7-E2F82361372A}"/>
-                </a:ext>
-              </a:extLst>
-            </p:cNvPr>
-            <p:cNvCxnSpPr>
-              <a:cxnSpLocks/>
-            </p:cNvCxnSpPr>
-            <p:nvPr/>
-          </p:nvCxnSpPr>
-          <p:spPr>
-            <a:xfrm>
-              <a:off x="5824499" y="3656265"/>
-              <a:ext cx="1242987" cy="76200"/>
-            </a:xfrm>
-            <a:prstGeom prst="line">
-              <a:avLst/>
-            </a:prstGeom>
-            <a:ln w="28575"/>
-          </p:spPr>
-          <p:style>
-            <a:lnRef idx="1">
-              <a:schemeClr val="accent6"/>
-            </a:lnRef>
-            <a:fillRef idx="0">
-              <a:schemeClr val="accent6"/>
-            </a:fillRef>
-            <a:effectRef idx="0">
-              <a:schemeClr val="accent6"/>
-            </a:effectRef>
-            <a:fontRef idx="minor">
-              <a:schemeClr val="tx1"/>
-            </a:fontRef>
-          </p:style>
-        </p:cxnSp>
       </p:grpSp>
-      <mc:AlternateContent xmlns:mc="http://schemas.openxmlformats.org/markup-compatibility/2006">
-        <mc:Choice xmlns:a14="http://schemas.microsoft.com/office/drawing/2010/main" Requires="a14">
+      <p:sp>
+        <p:nvSpPr>
+          <p:cNvPr id="10" name="TextBox 9">
+            <a:extLst>
+              <a:ext uri="{FF2B5EF4-FFF2-40B4-BE49-F238E27FC236}">
+                <a16:creationId xmlns:a16="http://schemas.microsoft.com/office/drawing/2014/main" id="{2EABC045-CDA0-6FD1-72E8-C48BF706FC29}"/>
+              </a:ext>
+            </a:extLst>
+          </p:cNvPr>
+          <p:cNvSpPr txBox="1"/>
+          <p:nvPr/>
+        </p:nvSpPr>
+        <p:spPr>
+          <a:xfrm>
+            <a:off x="1594478" y="5071546"/>
+            <a:ext cx="248844" cy="310006"/>
+          </a:xfrm>
+          <a:prstGeom prst="rect">
+            <a:avLst/>
+          </a:prstGeom>
+          <a:noFill/>
+        </p:spPr>
+        <p:txBody>
+          <a:bodyPr wrap="none" rtlCol="0">
+            <a:spAutoFit/>
+          </a:bodyPr>
+          <a:lstStyle/>
+          <a:p>
+            <a:r>
+              <a:rPr lang="en-US" dirty="0"/>
+              <a:t>1</a:t>
+            </a:r>
+          </a:p>
+        </p:txBody>
+      </p:sp>
+      <p:sp>
+        <p:nvSpPr>
+          <p:cNvPr id="11" name="TextBox 10">
+            <a:extLst>
+              <a:ext uri="{FF2B5EF4-FFF2-40B4-BE49-F238E27FC236}">
+                <a16:creationId xmlns:a16="http://schemas.microsoft.com/office/drawing/2014/main" id="{00679AA7-F73E-2747-BED1-ADB06C958AAC}"/>
+              </a:ext>
+            </a:extLst>
+          </p:cNvPr>
+          <p:cNvSpPr txBox="1"/>
+          <p:nvPr/>
+        </p:nvSpPr>
+        <p:spPr>
+          <a:xfrm>
+            <a:off x="2869568" y="5073147"/>
+            <a:ext cx="248844" cy="310006"/>
+          </a:xfrm>
+          <a:prstGeom prst="rect">
+            <a:avLst/>
+          </a:prstGeom>
+          <a:noFill/>
+        </p:spPr>
+        <p:txBody>
+          <a:bodyPr wrap="none" rtlCol="0">
+            <a:spAutoFit/>
+          </a:bodyPr>
+          <a:lstStyle/>
+          <a:p>
+            <a:r>
+              <a:rPr lang="en-US" dirty="0"/>
+              <a:t>2</a:t>
+            </a:r>
+          </a:p>
+        </p:txBody>
+      </p:sp>
+      <p:sp>
+        <p:nvSpPr>
+          <p:cNvPr id="12" name="TextBox 11">
+            <a:extLst>
+              <a:ext uri="{FF2B5EF4-FFF2-40B4-BE49-F238E27FC236}">
+                <a16:creationId xmlns:a16="http://schemas.microsoft.com/office/drawing/2014/main" id="{36FDCE03-2725-FBA1-C096-5DBAC581F0A3}"/>
+              </a:ext>
+            </a:extLst>
+          </p:cNvPr>
+          <p:cNvSpPr txBox="1"/>
+          <p:nvPr/>
+        </p:nvSpPr>
+        <p:spPr>
+          <a:xfrm>
+            <a:off x="3901919" y="5071546"/>
+            <a:ext cx="248844" cy="310006"/>
+          </a:xfrm>
+          <a:prstGeom prst="rect">
+            <a:avLst/>
+          </a:prstGeom>
+          <a:noFill/>
+        </p:spPr>
+        <p:txBody>
+          <a:bodyPr wrap="none" rtlCol="0">
+            <a:spAutoFit/>
+          </a:bodyPr>
+          <a:lstStyle/>
+          <a:p>
+            <a:r>
+              <a:rPr lang="en-US" dirty="0"/>
+              <a:t>3</a:t>
+            </a:r>
+          </a:p>
+        </p:txBody>
+      </p:sp>
+      <p:sp>
+        <p:nvSpPr>
+          <p:cNvPr id="13" name="TextBox 12">
+            <a:extLst>
+              <a:ext uri="{FF2B5EF4-FFF2-40B4-BE49-F238E27FC236}">
+                <a16:creationId xmlns:a16="http://schemas.microsoft.com/office/drawing/2014/main" id="{EE47372F-2BC6-67DE-C413-B45CDDBAD7AC}"/>
+              </a:ext>
+            </a:extLst>
+          </p:cNvPr>
+          <p:cNvSpPr txBox="1"/>
+          <p:nvPr/>
+        </p:nvSpPr>
+        <p:spPr>
+          <a:xfrm>
+            <a:off x="4934270" y="5090689"/>
+            <a:ext cx="248844" cy="310006"/>
+          </a:xfrm>
+          <a:prstGeom prst="rect">
+            <a:avLst/>
+          </a:prstGeom>
+          <a:noFill/>
+        </p:spPr>
+        <p:txBody>
+          <a:bodyPr wrap="none" rtlCol="0">
+            <a:spAutoFit/>
+          </a:bodyPr>
+          <a:lstStyle/>
+          <a:p>
+            <a:r>
+              <a:rPr lang="en-US" dirty="0"/>
+              <a:t>4</a:t>
+            </a:r>
+          </a:p>
+        </p:txBody>
+      </p:sp>
+      <p:sp>
+        <p:nvSpPr>
+          <p:cNvPr id="14" name="TextBox 13">
+            <a:extLst>
+              <a:ext uri="{FF2B5EF4-FFF2-40B4-BE49-F238E27FC236}">
+                <a16:creationId xmlns:a16="http://schemas.microsoft.com/office/drawing/2014/main" id="{428B2AAF-056E-F9D4-2E6E-5BAD867B1E08}"/>
+              </a:ext>
+            </a:extLst>
+          </p:cNvPr>
+          <p:cNvSpPr txBox="1"/>
+          <p:nvPr/>
+        </p:nvSpPr>
+        <p:spPr>
+          <a:xfrm>
+            <a:off x="483917" y="5082058"/>
+            <a:ext cx="248844" cy="310006"/>
+          </a:xfrm>
+          <a:prstGeom prst="rect">
+            <a:avLst/>
+          </a:prstGeom>
+          <a:noFill/>
+        </p:spPr>
+        <p:txBody>
+          <a:bodyPr wrap="none" rtlCol="0">
+            <a:spAutoFit/>
+          </a:bodyPr>
+          <a:lstStyle/>
+          <a:p>
+            <a:r>
+              <a:rPr lang="en-US" dirty="0"/>
+              <a:t>0</a:t>
+            </a:r>
+          </a:p>
+        </p:txBody>
+      </p:sp>
+      <p:cxnSp>
+        <p:nvCxnSpPr>
+          <p:cNvPr id="15" name="Straight Connector 14">
+            <a:extLst>
+              <a:ext uri="{FF2B5EF4-FFF2-40B4-BE49-F238E27FC236}">
+                <a16:creationId xmlns:a16="http://schemas.microsoft.com/office/drawing/2014/main" id="{6B7DA0C4-8000-6CDB-B8CA-50D2990F8D98}"/>
+              </a:ext>
+            </a:extLst>
+          </p:cNvPr>
+          <p:cNvCxnSpPr>
+            <a:cxnSpLocks/>
+          </p:cNvCxnSpPr>
+          <p:nvPr/>
+        </p:nvCxnSpPr>
+        <p:spPr>
+          <a:xfrm flipV="1">
+            <a:off x="1718900" y="2826088"/>
+            <a:ext cx="0" cy="2198011"/>
+          </a:xfrm>
+          <a:prstGeom prst="line">
+            <a:avLst/>
+          </a:prstGeom>
+          <a:ln w="28575"/>
+        </p:spPr>
+        <p:style>
+          <a:lnRef idx="1">
+            <a:schemeClr val="accent6"/>
+          </a:lnRef>
+          <a:fillRef idx="0">
+            <a:schemeClr val="accent6"/>
+          </a:fillRef>
+          <a:effectRef idx="0">
+            <a:schemeClr val="accent6"/>
+          </a:effectRef>
+          <a:fontRef idx="minor">
+            <a:schemeClr val="tx1"/>
+          </a:fontRef>
+        </p:style>
+      </p:cxnSp>
+      <p:cxnSp>
+        <p:nvCxnSpPr>
+          <p:cNvPr id="16" name="Straight Connector 15">
+            <a:extLst>
+              <a:ext uri="{FF2B5EF4-FFF2-40B4-BE49-F238E27FC236}">
+                <a16:creationId xmlns:a16="http://schemas.microsoft.com/office/drawing/2014/main" id="{E1DB4DA8-4FF3-1CB4-E644-6FF6E9DC8F8A}"/>
+              </a:ext>
+            </a:extLst>
+          </p:cNvPr>
+          <p:cNvCxnSpPr>
+            <a:cxnSpLocks/>
+          </p:cNvCxnSpPr>
+          <p:nvPr/>
+        </p:nvCxnSpPr>
+        <p:spPr>
+          <a:xfrm>
+            <a:off x="568231" y="2408473"/>
+            <a:ext cx="1150669" cy="425611"/>
+          </a:xfrm>
+          <a:prstGeom prst="line">
+            <a:avLst/>
+          </a:prstGeom>
+          <a:ln w="28575"/>
+        </p:spPr>
+        <p:style>
+          <a:lnRef idx="1">
+            <a:schemeClr val="accent6"/>
+          </a:lnRef>
+          <a:fillRef idx="0">
+            <a:schemeClr val="accent6"/>
+          </a:fillRef>
+          <a:effectRef idx="0">
+            <a:schemeClr val="accent6"/>
+          </a:effectRef>
+          <a:fontRef idx="minor">
+            <a:schemeClr val="tx1"/>
+          </a:fontRef>
+        </p:style>
+      </p:cxnSp>
+      <p:cxnSp>
+        <p:nvCxnSpPr>
+          <p:cNvPr id="17" name="Straight Connector 16">
+            <a:extLst>
+              <a:ext uri="{FF2B5EF4-FFF2-40B4-BE49-F238E27FC236}">
+                <a16:creationId xmlns:a16="http://schemas.microsoft.com/office/drawing/2014/main" id="{25CFE4C7-4DEF-8115-F558-7949145E8133}"/>
+              </a:ext>
+            </a:extLst>
+          </p:cNvPr>
+          <p:cNvCxnSpPr>
+            <a:cxnSpLocks/>
+          </p:cNvCxnSpPr>
+          <p:nvPr/>
+        </p:nvCxnSpPr>
+        <p:spPr>
+          <a:xfrm flipV="1">
+            <a:off x="3001072" y="3259695"/>
+            <a:ext cx="0" cy="1772400"/>
+          </a:xfrm>
+          <a:prstGeom prst="line">
+            <a:avLst/>
+          </a:prstGeom>
+          <a:ln w="28575"/>
+        </p:spPr>
+        <p:style>
+          <a:lnRef idx="1">
+            <a:schemeClr val="accent6"/>
+          </a:lnRef>
+          <a:fillRef idx="0">
+            <a:schemeClr val="accent6"/>
+          </a:fillRef>
+          <a:effectRef idx="0">
+            <a:schemeClr val="accent6"/>
+          </a:effectRef>
+          <a:fontRef idx="minor">
+            <a:schemeClr val="tx1"/>
+          </a:fontRef>
+        </p:style>
+      </p:cxnSp>
+      <p:cxnSp>
+        <p:nvCxnSpPr>
+          <p:cNvPr id="18" name="Straight Connector 17">
+            <a:extLst>
+              <a:ext uri="{FF2B5EF4-FFF2-40B4-BE49-F238E27FC236}">
+                <a16:creationId xmlns:a16="http://schemas.microsoft.com/office/drawing/2014/main" id="{649FC543-9FF0-34B8-11F6-B87D42C7BC90}"/>
+              </a:ext>
+            </a:extLst>
+          </p:cNvPr>
+          <p:cNvCxnSpPr>
+            <a:cxnSpLocks/>
+          </p:cNvCxnSpPr>
+          <p:nvPr/>
+        </p:nvCxnSpPr>
+        <p:spPr>
+          <a:xfrm>
+            <a:off x="1708838" y="2816253"/>
+            <a:ext cx="1285152" cy="435447"/>
+          </a:xfrm>
+          <a:prstGeom prst="line">
+            <a:avLst/>
+          </a:prstGeom>
+          <a:ln w="28575"/>
+        </p:spPr>
+        <p:style>
+          <a:lnRef idx="1">
+            <a:schemeClr val="accent6"/>
+          </a:lnRef>
+          <a:fillRef idx="0">
+            <a:schemeClr val="accent6"/>
+          </a:fillRef>
+          <a:effectRef idx="0">
+            <a:schemeClr val="accent6"/>
+          </a:effectRef>
+          <a:fontRef idx="minor">
+            <a:schemeClr val="tx1"/>
+          </a:fontRef>
+        </p:style>
+      </p:cxnSp>
+      <p:cxnSp>
+        <p:nvCxnSpPr>
+          <p:cNvPr id="19" name="Straight Connector 18">
+            <a:extLst>
+              <a:ext uri="{FF2B5EF4-FFF2-40B4-BE49-F238E27FC236}">
+                <a16:creationId xmlns:a16="http://schemas.microsoft.com/office/drawing/2014/main" id="{BCCA0FFC-EE7C-274C-1B38-6B2D8D2BD6F9}"/>
+              </a:ext>
+            </a:extLst>
+          </p:cNvPr>
+          <p:cNvCxnSpPr>
+            <a:cxnSpLocks/>
+          </p:cNvCxnSpPr>
+          <p:nvPr/>
+        </p:nvCxnSpPr>
+        <p:spPr>
+          <a:xfrm flipV="1">
+            <a:off x="4026341" y="2934255"/>
+            <a:ext cx="0" cy="2089844"/>
+          </a:xfrm>
+          <a:prstGeom prst="line">
+            <a:avLst/>
+          </a:prstGeom>
+          <a:ln w="28575"/>
+        </p:spPr>
+        <p:style>
+          <a:lnRef idx="1">
+            <a:schemeClr val="accent6"/>
+          </a:lnRef>
+          <a:fillRef idx="0">
+            <a:schemeClr val="accent6"/>
+          </a:fillRef>
+          <a:effectRef idx="0">
+            <a:schemeClr val="accent6"/>
+          </a:effectRef>
+          <a:fontRef idx="minor">
+            <a:schemeClr val="tx1"/>
+          </a:fontRef>
+        </p:style>
+      </p:cxnSp>
+      <p:cxnSp>
+        <p:nvCxnSpPr>
+          <p:cNvPr id="20" name="Straight Connector 19">
+            <a:extLst>
+              <a:ext uri="{FF2B5EF4-FFF2-40B4-BE49-F238E27FC236}">
+                <a16:creationId xmlns:a16="http://schemas.microsoft.com/office/drawing/2014/main" id="{9E47CC13-B3AB-45F4-68A2-CFB0AD687FD2}"/>
+              </a:ext>
+            </a:extLst>
+          </p:cNvPr>
+          <p:cNvCxnSpPr>
+            <a:cxnSpLocks/>
+          </p:cNvCxnSpPr>
+          <p:nvPr/>
+        </p:nvCxnSpPr>
+        <p:spPr>
+          <a:xfrm flipV="1">
+            <a:off x="2993990" y="2934255"/>
+            <a:ext cx="1032351" cy="325440"/>
+          </a:xfrm>
+          <a:prstGeom prst="line">
+            <a:avLst/>
+          </a:prstGeom>
+          <a:ln w="28575"/>
+        </p:spPr>
+        <p:style>
+          <a:lnRef idx="1">
+            <a:schemeClr val="accent6"/>
+          </a:lnRef>
+          <a:fillRef idx="0">
+            <a:schemeClr val="accent6"/>
+          </a:fillRef>
+          <a:effectRef idx="0">
+            <a:schemeClr val="accent6"/>
+          </a:effectRef>
+          <a:fontRef idx="minor">
+            <a:schemeClr val="tx1"/>
+          </a:fontRef>
+        </p:style>
+      </p:cxnSp>
+      <p:cxnSp>
+        <p:nvCxnSpPr>
+          <p:cNvPr id="21" name="Straight Connector 20">
+            <a:extLst>
+              <a:ext uri="{FF2B5EF4-FFF2-40B4-BE49-F238E27FC236}">
+                <a16:creationId xmlns:a16="http://schemas.microsoft.com/office/drawing/2014/main" id="{26AAC7D5-854F-B5D3-3B0C-877EDA34345C}"/>
+              </a:ext>
+            </a:extLst>
+          </p:cNvPr>
+          <p:cNvCxnSpPr>
+            <a:cxnSpLocks/>
+          </p:cNvCxnSpPr>
+          <p:nvPr/>
+        </p:nvCxnSpPr>
+        <p:spPr>
+          <a:xfrm flipV="1">
+            <a:off x="5058692" y="2997061"/>
+            <a:ext cx="0" cy="2027038"/>
+          </a:xfrm>
+          <a:prstGeom prst="line">
+            <a:avLst/>
+          </a:prstGeom>
+          <a:ln w="28575"/>
+        </p:spPr>
+        <p:style>
+          <a:lnRef idx="1">
+            <a:schemeClr val="accent6"/>
+          </a:lnRef>
+          <a:fillRef idx="0">
+            <a:schemeClr val="accent6"/>
+          </a:fillRef>
+          <a:effectRef idx="0">
+            <a:schemeClr val="accent6"/>
+          </a:effectRef>
+          <a:fontRef idx="minor">
+            <a:schemeClr val="tx1"/>
+          </a:fontRef>
+        </p:style>
+      </p:cxnSp>
+      <p:cxnSp>
+        <p:nvCxnSpPr>
+          <p:cNvPr id="22" name="Straight Connector 21">
+            <a:extLst>
+              <a:ext uri="{FF2B5EF4-FFF2-40B4-BE49-F238E27FC236}">
+                <a16:creationId xmlns:a16="http://schemas.microsoft.com/office/drawing/2014/main" id="{C712EA33-5F02-C912-3FE7-E2F82361372A}"/>
+              </a:ext>
+            </a:extLst>
+          </p:cNvPr>
+          <p:cNvCxnSpPr>
+            <a:cxnSpLocks/>
+          </p:cNvCxnSpPr>
+          <p:nvPr/>
+        </p:nvCxnSpPr>
+        <p:spPr>
+          <a:xfrm>
+            <a:off x="4033422" y="2933101"/>
+            <a:ext cx="1025270" cy="63960"/>
+          </a:xfrm>
+          <a:prstGeom prst="line">
+            <a:avLst/>
+          </a:prstGeom>
+          <a:ln w="28575"/>
+        </p:spPr>
+        <p:style>
+          <a:lnRef idx="1">
+            <a:schemeClr val="accent6"/>
+          </a:lnRef>
+          <a:fillRef idx="0">
+            <a:schemeClr val="accent6"/>
+          </a:fillRef>
+          <a:effectRef idx="0">
+            <a:schemeClr val="accent6"/>
+          </a:effectRef>
+          <a:fontRef idx="minor">
+            <a:schemeClr val="tx1"/>
+          </a:fontRef>
+        </p:style>
+      </p:cxnSp>
+      <mc:AlternateContent xmlns:mc="http://schemas.openxmlformats.org/markup-compatibility/2006" xmlns:a14="http://schemas.microsoft.com/office/drawing/2010/main">
+        <mc:Choice Requires="a14">
           <p:sp>
             <p:nvSpPr>
               <p:cNvPr id="25" name="TextBox 24">
@@ -17652,7 +17744,7 @@
             </p:txBody>
           </p:sp>
         </mc:Choice>
-        <mc:Fallback>
+        <mc:Fallback xmlns="">
           <p:sp>
             <p:nvSpPr>
               <p:cNvPr id="25" name="TextBox 24">
@@ -17740,7 +17832,7 @@
 </p:sld>
 </file>
 
-<file path=ppt/slides/slide25.xml><?xml version="1.0" encoding="utf-8"?>
+<file path=ppt/slides/slide26.xml><?xml version="1.0" encoding="utf-8"?>
 <p:sld xmlns:a="http://schemas.openxmlformats.org/drawingml/2006/main" xmlns:r="http://schemas.openxmlformats.org/officeDocument/2006/relationships" xmlns:p="http://schemas.openxmlformats.org/presentationml/2006/main">
   <p:cSld>
     <p:spTree>
@@ -17836,7 +17928,7 @@
 </p:sld>
 </file>
 
-<file path=ppt/slides/slide26.xml><?xml version="1.0" encoding="utf-8"?>
+<file path=ppt/slides/slide27.xml><?xml version="1.0" encoding="utf-8"?>
 <p:sld xmlns:a="http://schemas.openxmlformats.org/drawingml/2006/main" xmlns:r="http://schemas.openxmlformats.org/officeDocument/2006/relationships" xmlns:p="http://schemas.openxmlformats.org/presentationml/2006/main">
   <p:cSld>
     <p:spTree>
@@ -19575,7 +19667,7 @@
 </p:sld>
 </file>
 
-<file path=ppt/slides/slide27.xml><?xml version="1.0" encoding="utf-8"?>
+<file path=ppt/slides/slide28.xml><?xml version="1.0" encoding="utf-8"?>
 <p:sld xmlns:a="http://schemas.openxmlformats.org/drawingml/2006/main" xmlns:r="http://schemas.openxmlformats.org/officeDocument/2006/relationships" xmlns:p="http://schemas.openxmlformats.org/presentationml/2006/main">
   <p:cSld>
     <p:spTree>
@@ -19680,7 +19772,7 @@
 </p:sld>
 </file>
 
-<file path=ppt/slides/slide28.xml><?xml version="1.0" encoding="utf-8"?>
+<file path=ppt/slides/slide29.xml><?xml version="1.0" encoding="utf-8"?>
 <p:sld xmlns:a="http://schemas.openxmlformats.org/drawingml/2006/main" xmlns:r="http://schemas.openxmlformats.org/officeDocument/2006/relationships" xmlns:p="http://schemas.openxmlformats.org/presentationml/2006/main">
   <p:cSld>
     <p:spTree>
@@ -19815,177 +19907,6 @@
 </p:sld>
 </file>
 
-<file path=ppt/slides/slide29.xml><?xml version="1.0" encoding="utf-8"?>
-<p:sld xmlns:a="http://schemas.openxmlformats.org/drawingml/2006/main" xmlns:r="http://schemas.openxmlformats.org/officeDocument/2006/relationships" xmlns:p="http://schemas.openxmlformats.org/presentationml/2006/main">
-  <p:cSld>
-    <p:spTree>
-      <p:nvGrpSpPr>
-        <p:cNvPr id="1" name=""/>
-        <p:cNvGrpSpPr/>
-        <p:nvPr/>
-      </p:nvGrpSpPr>
-      <p:grpSpPr>
-        <a:xfrm>
-          <a:off x="0" y="0"/>
-          <a:ext cx="0" cy="0"/>
-          <a:chOff x="0" y="0"/>
-          <a:chExt cx="0" cy="0"/>
-        </a:xfrm>
-      </p:grpSpPr>
-      <p:sp>
-        <p:nvSpPr>
-          <p:cNvPr id="2" name="Title 1">
-            <a:extLst>
-              <a:ext uri="{FF2B5EF4-FFF2-40B4-BE49-F238E27FC236}">
-                <a16:creationId xmlns:a16="http://schemas.microsoft.com/office/drawing/2014/main" id="{7F36B99F-7BDA-981F-2C0F-9E0358C46C1D}"/>
-              </a:ext>
-            </a:extLst>
-          </p:cNvPr>
-          <p:cNvSpPr>
-            <a:spLocks noGrp="1"/>
-          </p:cNvSpPr>
-          <p:nvPr>
-            <p:ph type="title"/>
-          </p:nvPr>
-        </p:nvSpPr>
-        <p:spPr>
-          <a:xfrm>
-            <a:off x="838200" y="18255"/>
-            <a:ext cx="10515600" cy="912621"/>
-          </a:xfrm>
-        </p:spPr>
-        <p:txBody>
-          <a:bodyPr/>
-          <a:lstStyle/>
-          <a:p>
-            <a:r>
-              <a:rPr lang="en-US" dirty="0"/>
-              <a:t>Jenis </a:t>
-            </a:r>
-            <a:r>
-              <a:rPr lang="en-US" dirty="0" err="1"/>
-              <a:t>jenis</a:t>
-            </a:r>
-            <a:r>
-              <a:rPr lang="en-US" dirty="0"/>
-              <a:t> tuning PID : </a:t>
-            </a:r>
-          </a:p>
-        </p:txBody>
-      </p:sp>
-      <p:sp>
-        <p:nvSpPr>
-          <p:cNvPr id="3" name="Content Placeholder 2">
-            <a:extLst>
-              <a:ext uri="{FF2B5EF4-FFF2-40B4-BE49-F238E27FC236}">
-                <a16:creationId xmlns:a16="http://schemas.microsoft.com/office/drawing/2014/main" id="{1A359199-5499-88E4-3312-489262D7723D}"/>
-              </a:ext>
-            </a:extLst>
-          </p:cNvPr>
-          <p:cNvSpPr>
-            <a:spLocks noGrp="1"/>
-          </p:cNvSpPr>
-          <p:nvPr>
-            <p:ph idx="1"/>
-          </p:nvPr>
-        </p:nvSpPr>
-        <p:spPr>
-          <a:xfrm>
-            <a:off x="912341" y="1253331"/>
-            <a:ext cx="10515600" cy="4351338"/>
-          </a:xfrm>
-        </p:spPr>
-        <p:txBody>
-          <a:bodyPr>
-            <a:normAutofit/>
-          </a:bodyPr>
-          <a:lstStyle/>
-          <a:p>
-            <a:pPr marL="0" indent="0">
-              <a:buNone/>
-            </a:pPr>
-            <a:r>
-              <a:rPr lang="en-US" b="1" dirty="0"/>
-              <a:t>- Tuning Manual (trial and error)</a:t>
-            </a:r>
-          </a:p>
-          <a:p>
-            <a:pPr marL="0" indent="0">
-              <a:buNone/>
-            </a:pPr>
-            <a:endParaRPr lang="en-US" dirty="0"/>
-          </a:p>
-          <a:p>
-            <a:pPr marL="0" indent="0">
-              <a:buNone/>
-            </a:pPr>
-            <a:endParaRPr lang="en-US" dirty="0"/>
-          </a:p>
-          <a:p>
-            <a:pPr marL="0" indent="0">
-              <a:buNone/>
-            </a:pPr>
-            <a:r>
-              <a:rPr lang="en-US" b="1" dirty="0"/>
-              <a:t>- Tuning </a:t>
-            </a:r>
-            <a:r>
-              <a:rPr lang="en-US" b="1" dirty="0" err="1"/>
-              <a:t>Analitik</a:t>
-            </a:r>
-            <a:endParaRPr lang="en-US" b="1" dirty="0"/>
-          </a:p>
-          <a:p>
-            <a:pPr marL="0" indent="0">
-              <a:buNone/>
-            </a:pPr>
-            <a:endParaRPr lang="en-US" dirty="0"/>
-          </a:p>
-          <a:p>
-            <a:pPr marL="0" indent="0">
-              <a:buNone/>
-            </a:pPr>
-            <a:endParaRPr lang="en-US" dirty="0"/>
-          </a:p>
-          <a:p>
-            <a:pPr marL="0" indent="0">
-              <a:buNone/>
-            </a:pPr>
-            <a:r>
-              <a:rPr lang="en-US" dirty="0"/>
-              <a:t>- </a:t>
-            </a:r>
-            <a:r>
-              <a:rPr lang="en-US" b="1" dirty="0"/>
-              <a:t>Tuning </a:t>
-            </a:r>
-            <a:r>
-              <a:rPr lang="en-US" b="1" dirty="0" err="1"/>
-              <a:t>Numerik</a:t>
-            </a:r>
-            <a:endParaRPr lang="en-US" b="1" dirty="0"/>
-          </a:p>
-          <a:p>
-            <a:pPr marL="0" indent="0">
-              <a:buNone/>
-            </a:pPr>
-            <a:endParaRPr lang="en-US" dirty="0"/>
-          </a:p>
-        </p:txBody>
-      </p:sp>
-    </p:spTree>
-    <p:extLst>
-      <p:ext uri="{BB962C8B-B14F-4D97-AF65-F5344CB8AC3E}">
-        <p14:creationId xmlns:p14="http://schemas.microsoft.com/office/powerpoint/2010/main" val="3329323791"/>
-      </p:ext>
-    </p:extLst>
-  </p:cSld>
-  <p:clrMapOvr>
-    <a:masterClrMapping/>
-  </p:clrMapOvr>
-</p:sld>
-</file>
-
 <file path=ppt/slides/slide3.xml><?xml version="1.0" encoding="utf-8"?>
 <p:sld xmlns:a="http://schemas.openxmlformats.org/drawingml/2006/main" xmlns:r="http://schemas.openxmlformats.org/officeDocument/2006/relationships" xmlns:p="http://schemas.openxmlformats.org/presentationml/2006/main">
   <p:cSld>
@@ -20053,36 +19974,6 @@
           </a:p>
         </p:txBody>
       </p:sp>
-      <p:pic>
-        <p:nvPicPr>
-          <p:cNvPr id="5" name="Picture 4">
-            <a:extLst>
-              <a:ext uri="{FF2B5EF4-FFF2-40B4-BE49-F238E27FC236}">
-                <a16:creationId xmlns:a16="http://schemas.microsoft.com/office/drawing/2014/main" id="{8C4963F6-AC21-FD3B-E2D2-97146B73B16A}"/>
-              </a:ext>
-            </a:extLst>
-          </p:cNvPr>
-          <p:cNvPicPr>
-            <a:picLocks noChangeAspect="1"/>
-          </p:cNvPicPr>
-          <p:nvPr/>
-        </p:nvPicPr>
-        <p:blipFill>
-          <a:blip r:embed="rId2"/>
-          <a:stretch>
-            <a:fillRect/>
-          </a:stretch>
-        </p:blipFill>
-        <p:spPr>
-          <a:xfrm>
-            <a:off x="2596167" y="1331654"/>
-            <a:ext cx="6999663" cy="4194691"/>
-          </a:xfrm>
-          <a:prstGeom prst="rect">
-            <a:avLst/>
-          </a:prstGeom>
-        </p:spPr>
-      </p:pic>
       <p:sp>
         <p:nvSpPr>
           <p:cNvPr id="7" name="TextBox 6">
@@ -20118,6 +20009,36 @@
           </a:p>
         </p:txBody>
       </p:sp>
+      <p:pic>
+        <p:nvPicPr>
+          <p:cNvPr id="4" name="Picture 3">
+            <a:extLst>
+              <a:ext uri="{FF2B5EF4-FFF2-40B4-BE49-F238E27FC236}">
+                <a16:creationId xmlns:a16="http://schemas.microsoft.com/office/drawing/2014/main" id="{8568E255-420C-6C00-9626-19F01285E4CB}"/>
+              </a:ext>
+            </a:extLst>
+          </p:cNvPr>
+          <p:cNvPicPr>
+            <a:picLocks noChangeAspect="1"/>
+          </p:cNvPicPr>
+          <p:nvPr/>
+        </p:nvPicPr>
+        <p:blipFill>
+          <a:blip r:embed="rId2"/>
+          <a:stretch>
+            <a:fillRect/>
+          </a:stretch>
+        </p:blipFill>
+        <p:spPr>
+          <a:xfrm>
+            <a:off x="2794384" y="1151651"/>
+            <a:ext cx="6110719" cy="4157636"/>
+          </a:xfrm>
+          <a:prstGeom prst="rect">
+            <a:avLst/>
+          </a:prstGeom>
+        </p:spPr>
+      </p:pic>
     </p:spTree>
     <p:extLst>
       <p:ext uri="{BB962C8B-B14F-4D97-AF65-F5344CB8AC3E}">
@@ -20148,12 +20069,194 @@
           <a:chExt cx="0" cy="0"/>
         </a:xfrm>
       </p:grpSpPr>
+      <p:sp>
+        <p:nvSpPr>
+          <p:cNvPr id="2" name="Title 1">
+            <a:extLst>
+              <a:ext uri="{FF2B5EF4-FFF2-40B4-BE49-F238E27FC236}">
+                <a16:creationId xmlns:a16="http://schemas.microsoft.com/office/drawing/2014/main" id="{7F36B99F-7BDA-981F-2C0F-9E0358C46C1D}"/>
+              </a:ext>
+            </a:extLst>
+          </p:cNvPr>
+          <p:cNvSpPr>
+            <a:spLocks noGrp="1"/>
+          </p:cNvSpPr>
+          <p:nvPr>
+            <p:ph type="title"/>
+          </p:nvPr>
+        </p:nvSpPr>
+        <p:spPr>
+          <a:xfrm>
+            <a:off x="838200" y="18255"/>
+            <a:ext cx="10515600" cy="912621"/>
+          </a:xfrm>
+        </p:spPr>
+        <p:txBody>
+          <a:bodyPr/>
+          <a:lstStyle/>
+          <a:p>
+            <a:r>
+              <a:rPr lang="en-US" dirty="0"/>
+              <a:t>Jenis </a:t>
+            </a:r>
+            <a:r>
+              <a:rPr lang="en-US" dirty="0" err="1"/>
+              <a:t>jenis</a:t>
+            </a:r>
+            <a:r>
+              <a:rPr lang="en-US" dirty="0"/>
+              <a:t> tuning PID : </a:t>
+            </a:r>
+          </a:p>
+        </p:txBody>
+      </p:sp>
+      <p:sp>
+        <p:nvSpPr>
+          <p:cNvPr id="3" name="Content Placeholder 2">
+            <a:extLst>
+              <a:ext uri="{FF2B5EF4-FFF2-40B4-BE49-F238E27FC236}">
+                <a16:creationId xmlns:a16="http://schemas.microsoft.com/office/drawing/2014/main" id="{1A359199-5499-88E4-3312-489262D7723D}"/>
+              </a:ext>
+            </a:extLst>
+          </p:cNvPr>
+          <p:cNvSpPr>
+            <a:spLocks noGrp="1"/>
+          </p:cNvSpPr>
+          <p:nvPr>
+            <p:ph idx="1"/>
+          </p:nvPr>
+        </p:nvSpPr>
+        <p:spPr>
+          <a:xfrm>
+            <a:off x="912341" y="1253331"/>
+            <a:ext cx="10515600" cy="4351338"/>
+          </a:xfrm>
+        </p:spPr>
+        <p:txBody>
+          <a:bodyPr>
+            <a:normAutofit/>
+          </a:bodyPr>
+          <a:lstStyle/>
+          <a:p>
+            <a:pPr marL="0" indent="0">
+              <a:buNone/>
+            </a:pPr>
+            <a:r>
+              <a:rPr lang="en-US" b="1" dirty="0"/>
+              <a:t>- Tuning Manual (trial and error)</a:t>
+            </a:r>
+          </a:p>
+          <a:p>
+            <a:pPr marL="0" indent="0">
+              <a:buNone/>
+            </a:pPr>
+            <a:endParaRPr lang="en-US" dirty="0"/>
+          </a:p>
+          <a:p>
+            <a:pPr marL="0" indent="0">
+              <a:buNone/>
+            </a:pPr>
+            <a:endParaRPr lang="en-US" dirty="0"/>
+          </a:p>
+          <a:p>
+            <a:pPr marL="0" indent="0">
+              <a:buNone/>
+            </a:pPr>
+            <a:r>
+              <a:rPr lang="en-US" b="1" dirty="0"/>
+              <a:t>- Tuning </a:t>
+            </a:r>
+            <a:r>
+              <a:rPr lang="en-US" b="1" dirty="0" err="1"/>
+              <a:t>Analitik</a:t>
+            </a:r>
+            <a:r>
+              <a:rPr lang="en-US" b="1" dirty="0"/>
+              <a:t> (</a:t>
+            </a:r>
+            <a:r>
+              <a:rPr lang="en-US" dirty="0"/>
+              <a:t>Ziegler-Nichols, Cohen-Coon, Pole Placement)</a:t>
+            </a:r>
+            <a:endParaRPr lang="en-US" b="1" dirty="0"/>
+          </a:p>
+          <a:p>
+            <a:pPr marL="0" indent="0">
+              <a:buNone/>
+            </a:pPr>
+            <a:endParaRPr lang="en-US" dirty="0"/>
+          </a:p>
+          <a:p>
+            <a:pPr marL="0" indent="0">
+              <a:buNone/>
+            </a:pPr>
+            <a:endParaRPr lang="en-US" dirty="0"/>
+          </a:p>
+          <a:p>
+            <a:pPr marL="0" indent="0">
+              <a:buNone/>
+            </a:pPr>
+            <a:r>
+              <a:rPr lang="en-US" dirty="0"/>
+              <a:t>- </a:t>
+            </a:r>
+            <a:r>
+              <a:rPr lang="en-US" b="1" dirty="0"/>
+              <a:t>Tuning </a:t>
+            </a:r>
+            <a:r>
+              <a:rPr lang="en-US" b="1" dirty="0" err="1"/>
+              <a:t>Numerik</a:t>
+            </a:r>
+            <a:r>
+              <a:rPr lang="en-US" b="1" dirty="0"/>
+              <a:t> </a:t>
+            </a:r>
+          </a:p>
+          <a:p>
+            <a:pPr marL="0" indent="0">
+              <a:buNone/>
+            </a:pPr>
+            <a:endParaRPr lang="en-US" dirty="0"/>
+          </a:p>
+        </p:txBody>
+      </p:sp>
+    </p:spTree>
+    <p:extLst>
+      <p:ext uri="{BB962C8B-B14F-4D97-AF65-F5344CB8AC3E}">
+        <p14:creationId xmlns:p14="http://schemas.microsoft.com/office/powerpoint/2010/main" val="3329323791"/>
+      </p:ext>
+    </p:extLst>
+  </p:cSld>
+  <p:clrMapOvr>
+    <a:masterClrMapping/>
+  </p:clrMapOvr>
+</p:sld>
+</file>
+
+<file path=ppt/slides/slide31.xml><?xml version="1.0" encoding="utf-8"?>
+<p:sld xmlns:a="http://schemas.openxmlformats.org/drawingml/2006/main" xmlns:r="http://schemas.openxmlformats.org/officeDocument/2006/relationships" xmlns:p="http://schemas.openxmlformats.org/presentationml/2006/main">
+  <p:cSld>
+    <p:spTree>
+      <p:nvGrpSpPr>
+        <p:cNvPr id="1" name=""/>
+        <p:cNvGrpSpPr/>
+        <p:nvPr/>
+      </p:nvGrpSpPr>
+      <p:grpSpPr>
+        <a:xfrm>
+          <a:off x="0" y="0"/>
+          <a:ext cx="0" cy="0"/>
+          <a:chOff x="0" y="0"/>
+          <a:chExt cx="0" cy="0"/>
+        </a:xfrm>
+      </p:grpSpPr>
       <p:pic>
         <p:nvPicPr>
-          <p:cNvPr id="6" name="Picture 5">
+          <p:cNvPr id="2" name="Picture 1">
             <a:extLst>
               <a:ext uri="{FF2B5EF4-FFF2-40B4-BE49-F238E27FC236}">
-                <a16:creationId xmlns:a16="http://schemas.microsoft.com/office/drawing/2014/main" id="{E14954E2-398B-81E8-CDBB-B37C8D404BC4}"/>
+                <a16:creationId xmlns:a16="http://schemas.microsoft.com/office/drawing/2014/main" id="{B0A4AC89-5DAA-4169-4150-55DDA7BDDBB4}"/>
               </a:ext>
             </a:extLst>
           </p:cNvPr>
@@ -20170,8 +20273,8 @@
         </p:blipFill>
         <p:spPr>
           <a:xfrm>
-            <a:off x="1174187" y="486032"/>
-            <a:ext cx="9706747" cy="5816966"/>
+            <a:off x="2286941" y="1217553"/>
+            <a:ext cx="7618118" cy="5183246"/>
           </a:xfrm>
           <a:prstGeom prst="rect">
             <a:avLst/>
@@ -20191,7 +20294,7 @@
 </p:sld>
 </file>
 
-<file path=ppt/slides/slide31.xml><?xml version="1.0" encoding="utf-8"?>
+<file path=ppt/slides/slide32.xml><?xml version="1.0" encoding="utf-8"?>
 <p:sld xmlns:a="http://schemas.openxmlformats.org/drawingml/2006/main" xmlns:r="http://schemas.openxmlformats.org/officeDocument/2006/relationships" xmlns:p="http://schemas.openxmlformats.org/presentationml/2006/main">
   <p:cSld>
     <p:spTree>
